--- a/Sesion_0/Introducción.pptx
+++ b/Sesion_0/Introducción.pptx
@@ -175,7 +175,7 @@
 <file path=ppt/revisionInfo.xml><?xml version="1.0" encoding="utf-8"?>
 <p1510:revInfo xmlns:a="http://schemas.openxmlformats.org/drawingml/2006/main" xmlns:r="http://schemas.openxmlformats.org/officeDocument/2006/relationships" xmlns:p1510="http://schemas.microsoft.com/office/powerpoint/2015/10/main">
   <p1510:revLst>
-    <p1510:client id="{D75CD4B6-DB31-43B8-990E-274360CFEA07}" v="16" dt="2024-08-09T13:07:57.416"/>
+    <p1510:client id="{B0133EBC-DBBA-4CB8-8A10-CB38457156D1}" v="1" dt="2025-01-17T15:14:14.217"/>
   </p1510:revLst>
 </p1510:revInfo>
 </file>
@@ -195,14 +195,6 @@
           <pc:docMk/>
           <pc:sldMk cId="0" sldId="261"/>
         </pc:sldMkLst>
-        <pc:graphicFrameChg chg="mod">
-          <ac:chgData name="JHEYSON FABIAN VILLAVISAN BUITRAGO" userId="e5ced5c2-d787-455d-b115-4f08a699b8c8" providerId="ADAL" clId="{D75CD4B6-DB31-43B8-990E-274360CFEA07}" dt="2024-08-09T13:07:57.416" v="346" actId="20577"/>
-          <ac:graphicFrameMkLst>
-            <pc:docMk/>
-            <pc:sldMk cId="0" sldId="261"/>
-            <ac:graphicFrameMk id="7" creationId="{3B28400A-9287-40BA-9001-2E821D706B4D}"/>
-          </ac:graphicFrameMkLst>
-        </pc:graphicFrameChg>
       </pc:sldChg>
       <pc:sldChg chg="addSp delSp modSp mod">
         <pc:chgData name="JHEYSON FABIAN VILLAVISAN BUITRAGO" userId="e5ced5c2-d787-455d-b115-4f08a699b8c8" providerId="ADAL" clId="{D75CD4B6-DB31-43B8-990E-274360CFEA07}" dt="2024-08-09T13:07:38.900" v="339" actId="113"/>
@@ -210,38 +202,6 @@
           <pc:docMk/>
           <pc:sldMk cId="2965408220" sldId="280"/>
         </pc:sldMkLst>
-        <pc:spChg chg="mod">
-          <ac:chgData name="JHEYSON FABIAN VILLAVISAN BUITRAGO" userId="e5ced5c2-d787-455d-b115-4f08a699b8c8" providerId="ADAL" clId="{D75CD4B6-DB31-43B8-990E-274360CFEA07}" dt="2024-08-09T12:57:51.077" v="3" actId="1076"/>
-          <ac:spMkLst>
-            <pc:docMk/>
-            <pc:sldMk cId="2965408220" sldId="280"/>
-            <ac:spMk id="8" creationId="{5932E3F1-24A7-A01F-0773-6237BD556E80}"/>
-          </ac:spMkLst>
-        </pc:spChg>
-        <pc:spChg chg="mod">
-          <ac:chgData name="JHEYSON FABIAN VILLAVISAN BUITRAGO" userId="e5ced5c2-d787-455d-b115-4f08a699b8c8" providerId="ADAL" clId="{D75CD4B6-DB31-43B8-990E-274360CFEA07}" dt="2024-08-09T12:57:45.156" v="1" actId="1076"/>
-          <ac:spMkLst>
-            <pc:docMk/>
-            <pc:sldMk cId="2965408220" sldId="280"/>
-            <ac:spMk id="9" creationId="{79EF761A-FEAD-D9F3-BD56-49599C4CE1E2}"/>
-          </ac:spMkLst>
-        </pc:spChg>
-        <pc:graphicFrameChg chg="del">
-          <ac:chgData name="JHEYSON FABIAN VILLAVISAN BUITRAGO" userId="e5ced5c2-d787-455d-b115-4f08a699b8c8" providerId="ADAL" clId="{D75CD4B6-DB31-43B8-990E-274360CFEA07}" dt="2024-08-09T12:57:47.748" v="2" actId="478"/>
-          <ac:graphicFrameMkLst>
-            <pc:docMk/>
-            <pc:sldMk cId="2965408220" sldId="280"/>
-            <ac:graphicFrameMk id="2" creationId="{BFAD80C6-663E-42AD-A6EE-0E699E7C415E}"/>
-          </ac:graphicFrameMkLst>
-        </pc:graphicFrameChg>
-        <pc:graphicFrameChg chg="add mod modGraphic">
-          <ac:chgData name="JHEYSON FABIAN VILLAVISAN BUITRAGO" userId="e5ced5c2-d787-455d-b115-4f08a699b8c8" providerId="ADAL" clId="{D75CD4B6-DB31-43B8-990E-274360CFEA07}" dt="2024-08-09T13:07:38.900" v="339" actId="113"/>
-          <ac:graphicFrameMkLst>
-            <pc:docMk/>
-            <pc:sldMk cId="2965408220" sldId="280"/>
-            <ac:graphicFrameMk id="3" creationId="{4AAFE5C2-7FA4-466D-AA78-140D9F7AA7D2}"/>
-          </ac:graphicFrameMkLst>
-        </pc:graphicFrameChg>
       </pc:sldChg>
     </pc:docChg>
   </pc:docChgLst>
@@ -258,14 +218,6 @@
           <pc:docMk/>
           <pc:sldMk cId="0" sldId="261"/>
         </pc:sldMkLst>
-        <pc:graphicFrameChg chg="mod">
-          <ac:chgData name="JHEYSON FABIAN VILLAVISAN BUITRAGO" userId="e5ced5c2-d787-455d-b115-4f08a699b8c8" providerId="ADAL" clId="{2254795B-55D0-433B-B4AC-42ACA0455458}" dt="2024-02-09T16:26:44.879" v="99" actId="20577"/>
-          <ac:graphicFrameMkLst>
-            <pc:docMk/>
-            <pc:sldMk cId="0" sldId="261"/>
-            <ac:graphicFrameMk id="7" creationId="{3B28400A-9287-40BA-9001-2E821D706B4D}"/>
-          </ac:graphicFrameMkLst>
-        </pc:graphicFrameChg>
       </pc:sldChg>
       <pc:sldChg chg="mod modShow">
         <pc:chgData name="JHEYSON FABIAN VILLAVISAN BUITRAGO" userId="e5ced5c2-d787-455d-b115-4f08a699b8c8" providerId="ADAL" clId="{2254795B-55D0-433B-B4AC-42ACA0455458}" dt="2024-02-09T16:26:57.810" v="101" actId="729"/>
@@ -287,22 +239,6 @@
           <pc:docMk/>
           <pc:sldMk cId="2965408220" sldId="280"/>
         </pc:sldMkLst>
-        <pc:spChg chg="mod">
-          <ac:chgData name="JHEYSON FABIAN VILLAVISAN BUITRAGO" userId="e5ced5c2-d787-455d-b115-4f08a699b8c8" providerId="ADAL" clId="{2254795B-55D0-433B-B4AC-42ACA0455458}" dt="2024-02-09T16:25:16.571" v="24" actId="20577"/>
-          <ac:spMkLst>
-            <pc:docMk/>
-            <pc:sldMk cId="2965408220" sldId="280"/>
-            <ac:spMk id="8" creationId="{5932E3F1-24A7-A01F-0773-6237BD556E80}"/>
-          </ac:spMkLst>
-        </pc:spChg>
-        <pc:graphicFrameChg chg="mod modGraphic">
-          <ac:chgData name="JHEYSON FABIAN VILLAVISAN BUITRAGO" userId="e5ced5c2-d787-455d-b115-4f08a699b8c8" providerId="ADAL" clId="{2254795B-55D0-433B-B4AC-42ACA0455458}" dt="2024-02-09T16:25:07.946" v="18"/>
-          <ac:graphicFrameMkLst>
-            <pc:docMk/>
-            <pc:sldMk cId="2965408220" sldId="280"/>
-            <ac:graphicFrameMk id="2" creationId="{BFAD80C6-663E-42AD-A6EE-0E699E7C415E}"/>
-          </ac:graphicFrameMkLst>
-        </pc:graphicFrameChg>
       </pc:sldChg>
     </pc:docChg>
   </pc:docChgLst>
@@ -319,30 +255,6 @@
           <pc:docMk/>
           <pc:sldMk cId="0" sldId="256"/>
         </pc:sldMkLst>
-        <pc:spChg chg="del">
-          <ac:chgData name="JHEYSON FABIAN VILLAVISAN BUITRAGO" userId="e5ced5c2-d787-455d-b115-4f08a699b8c8" providerId="ADAL" clId="{C1AC2243-90B1-44B0-89D2-CB3090EEEAA0}" dt="2023-08-04T19:43:54.646" v="0" actId="478"/>
-          <ac:spMkLst>
-            <pc:docMk/>
-            <pc:sldMk cId="0" sldId="256"/>
-            <ac:spMk id="7" creationId="{A236FBE4-061E-78EC-AF9D-34882DE16D7D}"/>
-          </ac:spMkLst>
-        </pc:spChg>
-        <pc:spChg chg="mod">
-          <ac:chgData name="JHEYSON FABIAN VILLAVISAN BUITRAGO" userId="e5ced5c2-d787-455d-b115-4f08a699b8c8" providerId="ADAL" clId="{C1AC2243-90B1-44B0-89D2-CB3090EEEAA0}" dt="2023-08-04T19:44:16.134" v="38" actId="1076"/>
-          <ac:spMkLst>
-            <pc:docMk/>
-            <pc:sldMk cId="0" sldId="256"/>
-            <ac:spMk id="10" creationId="{0D52910C-C7FF-51AD-9B9D-1A390D5FFE1B}"/>
-          </ac:spMkLst>
-        </pc:spChg>
-        <pc:picChg chg="del">
-          <ac:chgData name="JHEYSON FABIAN VILLAVISAN BUITRAGO" userId="e5ced5c2-d787-455d-b115-4f08a699b8c8" providerId="ADAL" clId="{C1AC2243-90B1-44B0-89D2-CB3090EEEAA0}" dt="2023-08-04T19:43:54.646" v="0" actId="478"/>
-          <ac:picMkLst>
-            <pc:docMk/>
-            <pc:sldMk cId="0" sldId="256"/>
-            <ac:picMk id="4" creationId="{5D8446A7-4203-D240-B0BD-B0BE244CFB1B}"/>
-          </ac:picMkLst>
-        </pc:picChg>
       </pc:sldChg>
       <pc:sldChg chg="addSp delSp modSp">
         <pc:chgData name="JHEYSON FABIAN VILLAVISAN BUITRAGO" userId="e5ced5c2-d787-455d-b115-4f08a699b8c8" providerId="ADAL" clId="{C1AC2243-90B1-44B0-89D2-CB3090EEEAA0}" dt="2023-08-04T19:51:53.266" v="401" actId="5793"/>
@@ -350,30 +262,6 @@
           <pc:docMk/>
           <pc:sldMk cId="0" sldId="261"/>
         </pc:sldMkLst>
-        <pc:spChg chg="add mod">
-          <ac:chgData name="JHEYSON FABIAN VILLAVISAN BUITRAGO" userId="e5ced5c2-d787-455d-b115-4f08a699b8c8" providerId="ADAL" clId="{C1AC2243-90B1-44B0-89D2-CB3090EEEAA0}" dt="2023-08-04T19:47:03.111" v="111"/>
-          <ac:spMkLst>
-            <pc:docMk/>
-            <pc:sldMk cId="0" sldId="261"/>
-            <ac:spMk id="2" creationId="{FD7E3C92-9034-91B6-FDDB-9BE9A69512A7}"/>
-          </ac:spMkLst>
-        </pc:spChg>
-        <pc:spChg chg="del">
-          <ac:chgData name="JHEYSON FABIAN VILLAVISAN BUITRAGO" userId="e5ced5c2-d787-455d-b115-4f08a699b8c8" providerId="ADAL" clId="{C1AC2243-90B1-44B0-89D2-CB3090EEEAA0}" dt="2023-08-04T19:47:02.745" v="110" actId="478"/>
-          <ac:spMkLst>
-            <pc:docMk/>
-            <pc:sldMk cId="0" sldId="261"/>
-            <ac:spMk id="3" creationId="{6BD985B6-878F-6FE8-E247-75230379CB4E}"/>
-          </ac:spMkLst>
-        </pc:spChg>
-        <pc:graphicFrameChg chg="mod">
-          <ac:chgData name="JHEYSON FABIAN VILLAVISAN BUITRAGO" userId="e5ced5c2-d787-455d-b115-4f08a699b8c8" providerId="ADAL" clId="{C1AC2243-90B1-44B0-89D2-CB3090EEEAA0}" dt="2023-08-04T19:51:53.266" v="401" actId="5793"/>
-          <ac:graphicFrameMkLst>
-            <pc:docMk/>
-            <pc:sldMk cId="0" sldId="261"/>
-            <ac:graphicFrameMk id="7" creationId="{3B28400A-9287-40BA-9001-2E821D706B4D}"/>
-          </ac:graphicFrameMkLst>
-        </pc:graphicFrameChg>
       </pc:sldChg>
       <pc:sldChg chg="addSp delSp modSp">
         <pc:chgData name="JHEYSON FABIAN VILLAVISAN BUITRAGO" userId="e5ced5c2-d787-455d-b115-4f08a699b8c8" providerId="ADAL" clId="{C1AC2243-90B1-44B0-89D2-CB3090EEEAA0}" dt="2023-08-04T19:47:27.028" v="113"/>
@@ -381,22 +269,6 @@
           <pc:docMk/>
           <pc:sldMk cId="0" sldId="264"/>
         </pc:sldMkLst>
-        <pc:spChg chg="del">
-          <ac:chgData name="JHEYSON FABIAN VILLAVISAN BUITRAGO" userId="e5ced5c2-d787-455d-b115-4f08a699b8c8" providerId="ADAL" clId="{C1AC2243-90B1-44B0-89D2-CB3090EEEAA0}" dt="2023-08-04T19:47:26.821" v="112" actId="478"/>
-          <ac:spMkLst>
-            <pc:docMk/>
-            <pc:sldMk cId="0" sldId="264"/>
-            <ac:spMk id="3" creationId="{F63358BA-EA3A-D303-C3E1-81F6FC6BB434}"/>
-          </ac:spMkLst>
-        </pc:spChg>
-        <pc:spChg chg="add mod">
-          <ac:chgData name="JHEYSON FABIAN VILLAVISAN BUITRAGO" userId="e5ced5c2-d787-455d-b115-4f08a699b8c8" providerId="ADAL" clId="{C1AC2243-90B1-44B0-89D2-CB3090EEEAA0}" dt="2023-08-04T19:47:27.028" v="113"/>
-          <ac:spMkLst>
-            <pc:docMk/>
-            <pc:sldMk cId="0" sldId="264"/>
-            <ac:spMk id="4" creationId="{B31DA36D-C014-6B07-482C-360E1446FE41}"/>
-          </ac:spMkLst>
-        </pc:spChg>
       </pc:sldChg>
       <pc:sldChg chg="addSp delSp modSp">
         <pc:chgData name="JHEYSON FABIAN VILLAVISAN BUITRAGO" userId="e5ced5c2-d787-455d-b115-4f08a699b8c8" providerId="ADAL" clId="{C1AC2243-90B1-44B0-89D2-CB3090EEEAA0}" dt="2023-08-04T19:47:33.279" v="115"/>
@@ -404,22 +276,6 @@
           <pc:docMk/>
           <pc:sldMk cId="0" sldId="265"/>
         </pc:sldMkLst>
-        <pc:spChg chg="add mod">
-          <ac:chgData name="JHEYSON FABIAN VILLAVISAN BUITRAGO" userId="e5ced5c2-d787-455d-b115-4f08a699b8c8" providerId="ADAL" clId="{C1AC2243-90B1-44B0-89D2-CB3090EEEAA0}" dt="2023-08-04T19:47:33.279" v="115"/>
-          <ac:spMkLst>
-            <pc:docMk/>
-            <pc:sldMk cId="0" sldId="265"/>
-            <ac:spMk id="2" creationId="{3760F420-B537-4F91-F0E0-245FFF11A467}"/>
-          </ac:spMkLst>
-        </pc:spChg>
-        <pc:spChg chg="del">
-          <ac:chgData name="JHEYSON FABIAN VILLAVISAN BUITRAGO" userId="e5ced5c2-d787-455d-b115-4f08a699b8c8" providerId="ADAL" clId="{C1AC2243-90B1-44B0-89D2-CB3090EEEAA0}" dt="2023-08-04T19:47:32.928" v="114" actId="478"/>
-          <ac:spMkLst>
-            <pc:docMk/>
-            <pc:sldMk cId="0" sldId="265"/>
-            <ac:spMk id="3" creationId="{1BA1B286-A421-1BC4-F6AB-D7918D4F8881}"/>
-          </ac:spMkLst>
-        </pc:spChg>
       </pc:sldChg>
       <pc:sldChg chg="addSp delSp modSp">
         <pc:chgData name="JHEYSON FABIAN VILLAVISAN BUITRAGO" userId="e5ced5c2-d787-455d-b115-4f08a699b8c8" providerId="ADAL" clId="{C1AC2243-90B1-44B0-89D2-CB3090EEEAA0}" dt="2023-08-04T19:47:36.544" v="117"/>
@@ -427,22 +283,6 @@
           <pc:docMk/>
           <pc:sldMk cId="0" sldId="266"/>
         </pc:sldMkLst>
-        <pc:spChg chg="add mod">
-          <ac:chgData name="JHEYSON FABIAN VILLAVISAN BUITRAGO" userId="e5ced5c2-d787-455d-b115-4f08a699b8c8" providerId="ADAL" clId="{C1AC2243-90B1-44B0-89D2-CB3090EEEAA0}" dt="2023-08-04T19:47:36.544" v="117"/>
-          <ac:spMkLst>
-            <pc:docMk/>
-            <pc:sldMk cId="0" sldId="266"/>
-            <ac:spMk id="2" creationId="{9FC11CB7-6428-9DA9-647C-1E8F114FF291}"/>
-          </ac:spMkLst>
-        </pc:spChg>
-        <pc:spChg chg="del">
-          <ac:chgData name="JHEYSON FABIAN VILLAVISAN BUITRAGO" userId="e5ced5c2-d787-455d-b115-4f08a699b8c8" providerId="ADAL" clId="{C1AC2243-90B1-44B0-89D2-CB3090EEEAA0}" dt="2023-08-04T19:47:36.361" v="116" actId="478"/>
-          <ac:spMkLst>
-            <pc:docMk/>
-            <pc:sldMk cId="0" sldId="266"/>
-            <ac:spMk id="3" creationId="{5C367B68-87A8-7909-5696-CA4B9A4374A2}"/>
-          </ac:spMkLst>
-        </pc:spChg>
       </pc:sldChg>
       <pc:sldChg chg="addSp delSp modSp">
         <pc:chgData name="JHEYSON FABIAN VILLAVISAN BUITRAGO" userId="e5ced5c2-d787-455d-b115-4f08a699b8c8" providerId="ADAL" clId="{C1AC2243-90B1-44B0-89D2-CB3090EEEAA0}" dt="2023-08-04T19:47:44.305" v="121"/>
@@ -450,22 +290,6 @@
           <pc:docMk/>
           <pc:sldMk cId="0" sldId="268"/>
         </pc:sldMkLst>
-        <pc:spChg chg="add mod">
-          <ac:chgData name="JHEYSON FABIAN VILLAVISAN BUITRAGO" userId="e5ced5c2-d787-455d-b115-4f08a699b8c8" providerId="ADAL" clId="{C1AC2243-90B1-44B0-89D2-CB3090EEEAA0}" dt="2023-08-04T19:47:44.305" v="121"/>
-          <ac:spMkLst>
-            <pc:docMk/>
-            <pc:sldMk cId="0" sldId="268"/>
-            <ac:spMk id="2" creationId="{D1942BCC-22FD-C040-B13F-F3B875998BB3}"/>
-          </ac:spMkLst>
-        </pc:spChg>
-        <pc:spChg chg="del">
-          <ac:chgData name="JHEYSON FABIAN VILLAVISAN BUITRAGO" userId="e5ced5c2-d787-455d-b115-4f08a699b8c8" providerId="ADAL" clId="{C1AC2243-90B1-44B0-89D2-CB3090EEEAA0}" dt="2023-08-04T19:47:44.136" v="120" actId="478"/>
-          <ac:spMkLst>
-            <pc:docMk/>
-            <pc:sldMk cId="0" sldId="268"/>
-            <ac:spMk id="3" creationId="{74CAC5D3-4493-9EB9-62C0-F4E0FA2FE9A6}"/>
-          </ac:spMkLst>
-        </pc:spChg>
       </pc:sldChg>
       <pc:sldChg chg="addSp delSp modSp mod">
         <pc:chgData name="JHEYSON FABIAN VILLAVISAN BUITRAGO" userId="e5ced5c2-d787-455d-b115-4f08a699b8c8" providerId="ADAL" clId="{C1AC2243-90B1-44B0-89D2-CB3090EEEAA0}" dt="2023-08-04T19:51:15.369" v="356" actId="20577"/>
@@ -473,46 +297,6 @@
           <pc:docMk/>
           <pc:sldMk cId="2505371292" sldId="270"/>
         </pc:sldMkLst>
-        <pc:spChg chg="del">
-          <ac:chgData name="JHEYSON FABIAN VILLAVISAN BUITRAGO" userId="e5ced5c2-d787-455d-b115-4f08a699b8c8" providerId="ADAL" clId="{C1AC2243-90B1-44B0-89D2-CB3090EEEAA0}" dt="2023-08-04T19:46:58.914" v="108" actId="478"/>
-          <ac:spMkLst>
-            <pc:docMk/>
-            <pc:sldMk cId="2505371292" sldId="270"/>
-            <ac:spMk id="3" creationId="{A1607664-1D37-4A58-B5FD-5EA010C7ADF2}"/>
-          </ac:spMkLst>
-        </pc:spChg>
-        <pc:spChg chg="mod">
-          <ac:chgData name="JHEYSON FABIAN VILLAVISAN BUITRAGO" userId="e5ced5c2-d787-455d-b115-4f08a699b8c8" providerId="ADAL" clId="{C1AC2243-90B1-44B0-89D2-CB3090EEEAA0}" dt="2023-08-04T19:45:46.867" v="81" actId="1076"/>
-          <ac:spMkLst>
-            <pc:docMk/>
-            <pc:sldMk cId="2505371292" sldId="270"/>
-            <ac:spMk id="7" creationId="{EBDE2FDF-A2BB-4F17-99CB-0B213EF4BAA4}"/>
-          </ac:spMkLst>
-        </pc:spChg>
-        <pc:spChg chg="add mod">
-          <ac:chgData name="JHEYSON FABIAN VILLAVISAN BUITRAGO" userId="e5ced5c2-d787-455d-b115-4f08a699b8c8" providerId="ADAL" clId="{C1AC2243-90B1-44B0-89D2-CB3090EEEAA0}" dt="2023-08-04T19:46:59.087" v="109"/>
-          <ac:spMkLst>
-            <pc:docMk/>
-            <pc:sldMk cId="2505371292" sldId="270"/>
-            <ac:spMk id="8" creationId="{0620E28F-3EBD-0EEC-5758-13B54362CE3C}"/>
-          </ac:spMkLst>
-        </pc:spChg>
-        <pc:graphicFrameChg chg="del">
-          <ac:chgData name="JHEYSON FABIAN VILLAVISAN BUITRAGO" userId="e5ced5c2-d787-455d-b115-4f08a699b8c8" providerId="ADAL" clId="{C1AC2243-90B1-44B0-89D2-CB3090EEEAA0}" dt="2023-08-04T19:45:11.595" v="45" actId="478"/>
-          <ac:graphicFrameMkLst>
-            <pc:docMk/>
-            <pc:sldMk cId="2505371292" sldId="270"/>
-            <ac:graphicFrameMk id="2" creationId="{BFAD80C6-663E-42AD-A6EE-0E699E7C415E}"/>
-          </ac:graphicFrameMkLst>
-        </pc:graphicFrameChg>
-        <pc:graphicFrameChg chg="add mod modGraphic">
-          <ac:chgData name="JHEYSON FABIAN VILLAVISAN BUITRAGO" userId="e5ced5c2-d787-455d-b115-4f08a699b8c8" providerId="ADAL" clId="{C1AC2243-90B1-44B0-89D2-CB3090EEEAA0}" dt="2023-08-04T19:51:15.369" v="356" actId="20577"/>
-          <ac:graphicFrameMkLst>
-            <pc:docMk/>
-            <pc:sldMk cId="2505371292" sldId="270"/>
-            <ac:graphicFrameMk id="6" creationId="{FD7C32CB-4FCE-B865-CA8A-4D19D4A3104C}"/>
-          </ac:graphicFrameMkLst>
-        </pc:graphicFrameChg>
       </pc:sldChg>
       <pc:sldChg chg="addSp delSp modSp">
         <pc:chgData name="JHEYSON FABIAN VILLAVISAN BUITRAGO" userId="e5ced5c2-d787-455d-b115-4f08a699b8c8" providerId="ADAL" clId="{C1AC2243-90B1-44B0-89D2-CB3090EEEAA0}" dt="2023-08-04T19:44:28.762" v="41" actId="1076"/>
@@ -520,22 +304,6 @@
           <pc:docMk/>
           <pc:sldMk cId="3709177429" sldId="274"/>
         </pc:sldMkLst>
-        <pc:spChg chg="add mod">
-          <ac:chgData name="JHEYSON FABIAN VILLAVISAN BUITRAGO" userId="e5ced5c2-d787-455d-b115-4f08a699b8c8" providerId="ADAL" clId="{C1AC2243-90B1-44B0-89D2-CB3090EEEAA0}" dt="2023-08-04T19:44:28.762" v="41" actId="1076"/>
-          <ac:spMkLst>
-            <pc:docMk/>
-            <pc:sldMk cId="3709177429" sldId="274"/>
-            <ac:spMk id="5" creationId="{EBF8F796-DAEA-70B0-4E08-BDE505BB6DD2}"/>
-          </ac:spMkLst>
-        </pc:spChg>
-        <pc:spChg chg="del">
-          <ac:chgData name="JHEYSON FABIAN VILLAVISAN BUITRAGO" userId="e5ced5c2-d787-455d-b115-4f08a699b8c8" providerId="ADAL" clId="{C1AC2243-90B1-44B0-89D2-CB3090EEEAA0}" dt="2023-08-04T19:44:24.913" v="39" actId="478"/>
-          <ac:spMkLst>
-            <pc:docMk/>
-            <pc:sldMk cId="3709177429" sldId="274"/>
-            <ac:spMk id="13" creationId="{FF9F8020-A143-4061-0214-9BB2AE9D2550}"/>
-          </ac:spMkLst>
-        </pc:spChg>
       </pc:sldChg>
       <pc:sldChg chg="addSp delSp modSp">
         <pc:chgData name="JHEYSON FABIAN VILLAVISAN BUITRAGO" userId="e5ced5c2-d787-455d-b115-4f08a699b8c8" providerId="ADAL" clId="{C1AC2243-90B1-44B0-89D2-CB3090EEEAA0}" dt="2023-08-04T19:47:40.084" v="119"/>
@@ -543,22 +311,6 @@
           <pc:docMk/>
           <pc:sldMk cId="2680639377" sldId="275"/>
         </pc:sldMkLst>
-        <pc:spChg chg="add mod">
-          <ac:chgData name="JHEYSON FABIAN VILLAVISAN BUITRAGO" userId="e5ced5c2-d787-455d-b115-4f08a699b8c8" providerId="ADAL" clId="{C1AC2243-90B1-44B0-89D2-CB3090EEEAA0}" dt="2023-08-04T19:47:40.084" v="119"/>
-          <ac:spMkLst>
-            <pc:docMk/>
-            <pc:sldMk cId="2680639377" sldId="275"/>
-            <ac:spMk id="2" creationId="{2D431287-AE21-B10F-DB28-D4791D8F6853}"/>
-          </ac:spMkLst>
-        </pc:spChg>
-        <pc:spChg chg="del">
-          <ac:chgData name="JHEYSON FABIAN VILLAVISAN BUITRAGO" userId="e5ced5c2-d787-455d-b115-4f08a699b8c8" providerId="ADAL" clId="{C1AC2243-90B1-44B0-89D2-CB3090EEEAA0}" dt="2023-08-04T19:47:39.915" v="118" actId="478"/>
-          <ac:spMkLst>
-            <pc:docMk/>
-            <pc:sldMk cId="2680639377" sldId="275"/>
-            <ac:spMk id="3" creationId="{0EC7E215-99CA-9EE0-74CD-8C1E4F608272}"/>
-          </ac:spMkLst>
-        </pc:spChg>
       </pc:sldChg>
       <pc:sldChg chg="addSp delSp modSp">
         <pc:chgData name="JHEYSON FABIAN VILLAVISAN BUITRAGO" userId="e5ced5c2-d787-455d-b115-4f08a699b8c8" providerId="ADAL" clId="{C1AC2243-90B1-44B0-89D2-CB3090EEEAA0}" dt="2023-08-04T19:47:48.860" v="123"/>
@@ -566,22 +318,6 @@
           <pc:docMk/>
           <pc:sldMk cId="1955606898" sldId="277"/>
         </pc:sldMkLst>
-        <pc:spChg chg="add mod">
-          <ac:chgData name="JHEYSON FABIAN VILLAVISAN BUITRAGO" userId="e5ced5c2-d787-455d-b115-4f08a699b8c8" providerId="ADAL" clId="{C1AC2243-90B1-44B0-89D2-CB3090EEEAA0}" dt="2023-08-04T19:47:48.860" v="123"/>
-          <ac:spMkLst>
-            <pc:docMk/>
-            <pc:sldMk cId="1955606898" sldId="277"/>
-            <ac:spMk id="2" creationId="{4C75C0D4-26C4-6450-DCEC-496313129F8F}"/>
-          </ac:spMkLst>
-        </pc:spChg>
-        <pc:spChg chg="del">
-          <ac:chgData name="JHEYSON FABIAN VILLAVISAN BUITRAGO" userId="e5ced5c2-d787-455d-b115-4f08a699b8c8" providerId="ADAL" clId="{C1AC2243-90B1-44B0-89D2-CB3090EEEAA0}" dt="2023-08-04T19:47:48.692" v="122" actId="478"/>
-          <ac:spMkLst>
-            <pc:docMk/>
-            <pc:sldMk cId="1955606898" sldId="277"/>
-            <ac:spMk id="3" creationId="{87013794-5883-C93A-DFFF-76F577E0C7DB}"/>
-          </ac:spMkLst>
-        </pc:spChg>
       </pc:sldChg>
       <pc:sldChg chg="addSp delSp modSp">
         <pc:chgData name="JHEYSON FABIAN VILLAVISAN BUITRAGO" userId="e5ced5c2-d787-455d-b115-4f08a699b8c8" providerId="ADAL" clId="{C1AC2243-90B1-44B0-89D2-CB3090EEEAA0}" dt="2023-08-04T19:44:35.663" v="44" actId="1076"/>
@@ -589,22 +325,6 @@
           <pc:docMk/>
           <pc:sldMk cId="214171354" sldId="278"/>
         </pc:sldMkLst>
-        <pc:spChg chg="del">
-          <ac:chgData name="JHEYSON FABIAN VILLAVISAN BUITRAGO" userId="e5ced5c2-d787-455d-b115-4f08a699b8c8" providerId="ADAL" clId="{C1AC2243-90B1-44B0-89D2-CB3090EEEAA0}" dt="2023-08-04T19:44:31.172" v="42" actId="478"/>
-          <ac:spMkLst>
-            <pc:docMk/>
-            <pc:sldMk cId="214171354" sldId="278"/>
-            <ac:spMk id="2" creationId="{0FC085BA-4809-6EFA-567A-979478BDC626}"/>
-          </ac:spMkLst>
-        </pc:spChg>
-        <pc:spChg chg="add mod">
-          <ac:chgData name="JHEYSON FABIAN VILLAVISAN BUITRAGO" userId="e5ced5c2-d787-455d-b115-4f08a699b8c8" providerId="ADAL" clId="{C1AC2243-90B1-44B0-89D2-CB3090EEEAA0}" dt="2023-08-04T19:44:35.663" v="44" actId="1076"/>
-          <ac:spMkLst>
-            <pc:docMk/>
-            <pc:sldMk cId="214171354" sldId="278"/>
-            <ac:spMk id="5" creationId="{9D5752BD-A921-A9EA-4EB2-6F08382C8630}"/>
-          </ac:spMkLst>
-        </pc:spChg>
       </pc:sldChg>
     </pc:docChg>
   </pc:docChgLst>
@@ -621,86 +341,6 @@
           <pc:docMk/>
           <pc:sldMk cId="0" sldId="256"/>
         </pc:sldMkLst>
-        <pc:spChg chg="del mod">
-          <ac:chgData name="Jheyson Fabian Villavisan Buitrago" userId="b9abc243-2adc-4788-8ef1-b07bec73deff" providerId="ADAL" clId="{33DDCE01-D5A0-4892-8419-FF73BDBED2B5}" dt="2023-02-12T20:13:24.056" v="26" actId="478"/>
-          <ac:spMkLst>
-            <pc:docMk/>
-            <pc:sldMk cId="0" sldId="256"/>
-            <ac:spMk id="3" creationId="{764F810C-0CF9-490A-B763-785A91F347BA}"/>
-          </ac:spMkLst>
-        </pc:spChg>
-        <pc:spChg chg="mod">
-          <ac:chgData name="Jheyson Fabian Villavisan Buitrago" userId="b9abc243-2adc-4788-8ef1-b07bec73deff" providerId="ADAL" clId="{33DDCE01-D5A0-4892-8419-FF73BDBED2B5}" dt="2023-02-12T20:14:33.886" v="37" actId="1076"/>
-          <ac:spMkLst>
-            <pc:docMk/>
-            <pc:sldMk cId="0" sldId="256"/>
-            <ac:spMk id="7" creationId="{A236FBE4-061E-78EC-AF9D-34882DE16D7D}"/>
-          </ac:spMkLst>
-        </pc:spChg>
-        <pc:spChg chg="add del mod">
-          <ac:chgData name="Jheyson Fabian Villavisan Buitrago" userId="b9abc243-2adc-4788-8ef1-b07bec73deff" providerId="ADAL" clId="{33DDCE01-D5A0-4892-8419-FF73BDBED2B5}" dt="2023-02-12T20:12:58.721" v="8"/>
-          <ac:spMkLst>
-            <pc:docMk/>
-            <pc:sldMk cId="0" sldId="256"/>
-            <ac:spMk id="8" creationId="{36DF7B6C-9728-0473-58B1-8CC3F8648FE1}"/>
-          </ac:spMkLst>
-        </pc:spChg>
-        <pc:spChg chg="add del mod">
-          <ac:chgData name="Jheyson Fabian Villavisan Buitrago" userId="b9abc243-2adc-4788-8ef1-b07bec73deff" providerId="ADAL" clId="{33DDCE01-D5A0-4892-8419-FF73BDBED2B5}" dt="2023-02-12T20:13:07.101" v="12"/>
-          <ac:spMkLst>
-            <pc:docMk/>
-            <pc:sldMk cId="0" sldId="256"/>
-            <ac:spMk id="9" creationId="{035E5554-21D0-D50F-8D11-D7A0FE971C1E}"/>
-          </ac:spMkLst>
-        </pc:spChg>
-        <pc:spChg chg="add mod">
-          <ac:chgData name="Jheyson Fabian Villavisan Buitrago" userId="b9abc243-2adc-4788-8ef1-b07bec73deff" providerId="ADAL" clId="{33DDCE01-D5A0-4892-8419-FF73BDBED2B5}" dt="2023-02-12T20:13:43.748" v="30" actId="1076"/>
-          <ac:spMkLst>
-            <pc:docMk/>
-            <pc:sldMk cId="0" sldId="256"/>
-            <ac:spMk id="10" creationId="{0D52910C-C7FF-51AD-9B9D-1A390D5FFE1B}"/>
-          </ac:spMkLst>
-        </pc:spChg>
-        <pc:spChg chg="add del mod">
-          <ac:chgData name="Jheyson Fabian Villavisan Buitrago" userId="b9abc243-2adc-4788-8ef1-b07bec73deff" providerId="ADAL" clId="{33DDCE01-D5A0-4892-8419-FF73BDBED2B5}" dt="2023-02-12T20:13:34.325" v="28" actId="478"/>
-          <ac:spMkLst>
-            <pc:docMk/>
-            <pc:sldMk cId="0" sldId="256"/>
-            <ac:spMk id="12" creationId="{22668E27-BBB2-BE40-34B0-15233BB46B8E}"/>
-          </ac:spMkLst>
-        </pc:spChg>
-        <pc:spChg chg="mod">
-          <ac:chgData name="Jheyson Fabian Villavisan Buitrago" userId="b9abc243-2adc-4788-8ef1-b07bec73deff" providerId="ADAL" clId="{33DDCE01-D5A0-4892-8419-FF73BDBED2B5}" dt="2023-02-12T23:49:29.616" v="833" actId="20577"/>
-          <ac:spMkLst>
-            <pc:docMk/>
-            <pc:sldMk cId="0" sldId="256"/>
-            <ac:spMk id="5124" creationId="{75207037-66AB-408E-B44C-6489E27F4A1E}"/>
-          </ac:spMkLst>
-        </pc:spChg>
-        <pc:picChg chg="mod">
-          <ac:chgData name="Jheyson Fabian Villavisan Buitrago" userId="b9abc243-2adc-4788-8ef1-b07bec73deff" providerId="ADAL" clId="{33DDCE01-D5A0-4892-8419-FF73BDBED2B5}" dt="2023-02-12T20:14:33.886" v="37" actId="1076"/>
-          <ac:picMkLst>
-            <pc:docMk/>
-            <pc:sldMk cId="0" sldId="256"/>
-            <ac:picMk id="4" creationId="{5D8446A7-4203-D240-B0BD-B0BE244CFB1B}"/>
-          </ac:picMkLst>
-        </pc:picChg>
-        <pc:picChg chg="del mod">
-          <ac:chgData name="Jheyson Fabian Villavisan Buitrago" userId="b9abc243-2adc-4788-8ef1-b07bec73deff" providerId="ADAL" clId="{33DDCE01-D5A0-4892-8419-FF73BDBED2B5}" dt="2023-02-12T20:14:11.386" v="32" actId="478"/>
-          <ac:picMkLst>
-            <pc:docMk/>
-            <pc:sldMk cId="0" sldId="256"/>
-            <ac:picMk id="1026" creationId="{F325BC47-DB09-590B-263D-ECC0F5602618}"/>
-          </ac:picMkLst>
-        </pc:picChg>
-        <pc:picChg chg="add mod">
-          <ac:chgData name="Jheyson Fabian Villavisan Buitrago" userId="b9abc243-2adc-4788-8ef1-b07bec73deff" providerId="ADAL" clId="{33DDCE01-D5A0-4892-8419-FF73BDBED2B5}" dt="2023-02-12T20:14:17.008" v="34" actId="1076"/>
-          <ac:picMkLst>
-            <pc:docMk/>
-            <pc:sldMk cId="0" sldId="256"/>
-            <ac:picMk id="1028" creationId="{86BA1783-B2FE-6B6A-8793-A57527FC5C00}"/>
-          </ac:picMkLst>
-        </pc:picChg>
       </pc:sldChg>
       <pc:sldChg chg="addSp delSp modSp mod">
         <pc:chgData name="Jheyson Fabian Villavisan Buitrago" userId="b9abc243-2adc-4788-8ef1-b07bec73deff" providerId="ADAL" clId="{33DDCE01-D5A0-4892-8419-FF73BDBED2B5}" dt="2023-02-12T21:28:06.624" v="776" actId="1076"/>
@@ -708,78 +348,6 @@
           <pc:docMk/>
           <pc:sldMk cId="0" sldId="261"/>
         </pc:sldMkLst>
-        <pc:spChg chg="del mod">
-          <ac:chgData name="Jheyson Fabian Villavisan Buitrago" userId="b9abc243-2adc-4788-8ef1-b07bec73deff" providerId="ADAL" clId="{33DDCE01-D5A0-4892-8419-FF73BDBED2B5}" dt="2023-02-12T20:21:03.828" v="168" actId="478"/>
-          <ac:spMkLst>
-            <pc:docMk/>
-            <pc:sldMk cId="0" sldId="261"/>
-            <ac:spMk id="2" creationId="{0CC3E847-7CB2-A255-D95D-DD7DF09EE9E2}"/>
-          </ac:spMkLst>
-        </pc:spChg>
-        <pc:spChg chg="add mod">
-          <ac:chgData name="Jheyson Fabian Villavisan Buitrago" userId="b9abc243-2adc-4788-8ef1-b07bec73deff" providerId="ADAL" clId="{33DDCE01-D5A0-4892-8419-FF73BDBED2B5}" dt="2023-02-12T20:16:15.477" v="76"/>
-          <ac:spMkLst>
-            <pc:docMk/>
-            <pc:sldMk cId="0" sldId="261"/>
-            <ac:spMk id="3" creationId="{6BD985B6-878F-6FE8-E247-75230379CB4E}"/>
-          </ac:spMkLst>
-        </pc:spChg>
-        <pc:spChg chg="mod">
-          <ac:chgData name="Jheyson Fabian Villavisan Buitrago" userId="b9abc243-2adc-4788-8ef1-b07bec73deff" providerId="ADAL" clId="{33DDCE01-D5A0-4892-8419-FF73BDBED2B5}" dt="2023-02-12T21:25:54.719" v="725" actId="20577"/>
-          <ac:spMkLst>
-            <pc:docMk/>
-            <pc:sldMk cId="0" sldId="261"/>
-            <ac:spMk id="6" creationId="{97AA8CFD-3BCF-4D31-88D2-A24ABB62907A}"/>
-          </ac:spMkLst>
-        </pc:spChg>
-        <pc:spChg chg="del">
-          <ac:chgData name="Jheyson Fabian Villavisan Buitrago" userId="b9abc243-2adc-4788-8ef1-b07bec73deff" providerId="ADAL" clId="{33DDCE01-D5A0-4892-8419-FF73BDBED2B5}" dt="2023-02-12T20:16:15.115" v="75" actId="478"/>
-          <ac:spMkLst>
-            <pc:docMk/>
-            <pc:sldMk cId="0" sldId="261"/>
-            <ac:spMk id="9" creationId="{98104B24-5D42-9B3F-7575-315F5D724FD8}"/>
-          </ac:spMkLst>
-        </pc:spChg>
-        <pc:graphicFrameChg chg="mod">
-          <ac:chgData name="Jheyson Fabian Villavisan Buitrago" userId="b9abc243-2adc-4788-8ef1-b07bec73deff" providerId="ADAL" clId="{33DDCE01-D5A0-4892-8419-FF73BDBED2B5}" dt="2023-02-12T20:44:11.787" v="584" actId="20577"/>
-          <ac:graphicFrameMkLst>
-            <pc:docMk/>
-            <pc:sldMk cId="0" sldId="261"/>
-            <ac:graphicFrameMk id="7" creationId="{3B28400A-9287-40BA-9001-2E821D706B4D}"/>
-          </ac:graphicFrameMkLst>
-        </pc:graphicFrameChg>
-        <pc:picChg chg="add mod">
-          <ac:chgData name="Jheyson Fabian Villavisan Buitrago" userId="b9abc243-2adc-4788-8ef1-b07bec73deff" providerId="ADAL" clId="{33DDCE01-D5A0-4892-8419-FF73BDBED2B5}" dt="2023-02-12T20:16:15.477" v="76"/>
-          <ac:picMkLst>
-            <pc:docMk/>
-            <pc:sldMk cId="0" sldId="261"/>
-            <ac:picMk id="4" creationId="{29C2E2C0-06BA-0F23-8A2A-7330ADD0CB0C}"/>
-          </ac:picMkLst>
-        </pc:picChg>
-        <pc:picChg chg="add mod">
-          <ac:chgData name="Jheyson Fabian Villavisan Buitrago" userId="b9abc243-2adc-4788-8ef1-b07bec73deff" providerId="ADAL" clId="{33DDCE01-D5A0-4892-8419-FF73BDBED2B5}" dt="2023-02-12T20:21:58.408" v="178" actId="1076"/>
-          <ac:picMkLst>
-            <pc:docMk/>
-            <pc:sldMk cId="0" sldId="261"/>
-            <ac:picMk id="5" creationId="{58784173-3090-A823-F4B0-305CBB22A994}"/>
-          </ac:picMkLst>
-        </pc:picChg>
-        <pc:picChg chg="add mod">
-          <ac:chgData name="Jheyson Fabian Villavisan Buitrago" userId="b9abc243-2adc-4788-8ef1-b07bec73deff" providerId="ADAL" clId="{33DDCE01-D5A0-4892-8419-FF73BDBED2B5}" dt="2023-02-12T20:21:56.055" v="177" actId="1076"/>
-          <ac:picMkLst>
-            <pc:docMk/>
-            <pc:sldMk cId="0" sldId="261"/>
-            <ac:picMk id="8" creationId="{22E88210-B2F5-F922-21E3-6027CAEE32A3}"/>
-          </ac:picMkLst>
-        </pc:picChg>
-        <pc:picChg chg="add mod">
-          <ac:chgData name="Jheyson Fabian Villavisan Buitrago" userId="b9abc243-2adc-4788-8ef1-b07bec73deff" providerId="ADAL" clId="{33DDCE01-D5A0-4892-8419-FF73BDBED2B5}" dt="2023-02-12T21:28:06.624" v="776" actId="1076"/>
-          <ac:picMkLst>
-            <pc:docMk/>
-            <pc:sldMk cId="0" sldId="261"/>
-            <ac:picMk id="10" creationId="{3829B5FC-C28B-BE0C-B0E1-ACFABE30D968}"/>
-          </ac:picMkLst>
-        </pc:picChg>
       </pc:sldChg>
       <pc:sldChg chg="addSp delSp modSp del">
         <pc:chgData name="Jheyson Fabian Villavisan Buitrago" userId="b9abc243-2adc-4788-8ef1-b07bec73deff" providerId="ADAL" clId="{33DDCE01-D5A0-4892-8419-FF73BDBED2B5}" dt="2023-02-12T21:25:48.745" v="723" actId="47"/>
@@ -787,38 +355,6 @@
           <pc:docMk/>
           <pc:sldMk cId="0" sldId="263"/>
         </pc:sldMkLst>
-        <pc:spChg chg="mod">
-          <ac:chgData name="Jheyson Fabian Villavisan Buitrago" userId="b9abc243-2adc-4788-8ef1-b07bec73deff" providerId="ADAL" clId="{33DDCE01-D5A0-4892-8419-FF73BDBED2B5}" dt="2023-02-12T20:13:09.028" v="14"/>
-          <ac:spMkLst>
-            <pc:docMk/>
-            <pc:sldMk cId="0" sldId="263"/>
-            <ac:spMk id="2" creationId="{CBC3B0A6-C979-D20E-5AB7-69D10BBA91E5}"/>
-          </ac:spMkLst>
-        </pc:spChg>
-        <pc:spChg chg="add mod">
-          <ac:chgData name="Jheyson Fabian Villavisan Buitrago" userId="b9abc243-2adc-4788-8ef1-b07bec73deff" providerId="ADAL" clId="{33DDCE01-D5A0-4892-8419-FF73BDBED2B5}" dt="2023-02-12T20:16:19.315" v="78"/>
-          <ac:spMkLst>
-            <pc:docMk/>
-            <pc:sldMk cId="0" sldId="263"/>
-            <ac:spMk id="3" creationId="{129ECF0E-967F-6027-47A1-32331198D5AC}"/>
-          </ac:spMkLst>
-        </pc:spChg>
-        <pc:spChg chg="del">
-          <ac:chgData name="Jheyson Fabian Villavisan Buitrago" userId="b9abc243-2adc-4788-8ef1-b07bec73deff" providerId="ADAL" clId="{33DDCE01-D5A0-4892-8419-FF73BDBED2B5}" dt="2023-02-12T20:16:18.978" v="77" actId="478"/>
-          <ac:spMkLst>
-            <pc:docMk/>
-            <pc:sldMk cId="0" sldId="263"/>
-            <ac:spMk id="11" creationId="{F4D3AA4A-215D-6B55-EA81-E6C0FBB00444}"/>
-          </ac:spMkLst>
-        </pc:spChg>
-        <pc:picChg chg="add mod">
-          <ac:chgData name="Jheyson Fabian Villavisan Buitrago" userId="b9abc243-2adc-4788-8ef1-b07bec73deff" providerId="ADAL" clId="{33DDCE01-D5A0-4892-8419-FF73BDBED2B5}" dt="2023-02-12T20:16:19.315" v="78"/>
-          <ac:picMkLst>
-            <pc:docMk/>
-            <pc:sldMk cId="0" sldId="263"/>
-            <ac:picMk id="5" creationId="{577C0D1F-F600-3A13-D4B8-ADEC3B7A9CD6}"/>
-          </ac:picMkLst>
-        </pc:picChg>
       </pc:sldChg>
       <pc:sldChg chg="addSp delSp modSp mod">
         <pc:chgData name="Jheyson Fabian Villavisan Buitrago" userId="b9abc243-2adc-4788-8ef1-b07bec73deff" providerId="ADAL" clId="{33DDCE01-D5A0-4892-8419-FF73BDBED2B5}" dt="2023-02-12T21:27:42.140" v="775" actId="20577"/>
@@ -826,70 +362,6 @@
           <pc:docMk/>
           <pc:sldMk cId="0" sldId="264"/>
         </pc:sldMkLst>
-        <pc:spChg chg="add mod">
-          <ac:chgData name="Jheyson Fabian Villavisan Buitrago" userId="b9abc243-2adc-4788-8ef1-b07bec73deff" providerId="ADAL" clId="{33DDCE01-D5A0-4892-8419-FF73BDBED2B5}" dt="2023-02-12T20:16:23.114" v="80"/>
-          <ac:spMkLst>
-            <pc:docMk/>
-            <pc:sldMk cId="0" sldId="264"/>
-            <ac:spMk id="3" creationId="{F63358BA-EA3A-D303-C3E1-81F6FC6BB434}"/>
-          </ac:spMkLst>
-        </pc:spChg>
-        <pc:spChg chg="del mod">
-          <ac:chgData name="Jheyson Fabian Villavisan Buitrago" userId="b9abc243-2adc-4788-8ef1-b07bec73deff" providerId="ADAL" clId="{33DDCE01-D5A0-4892-8419-FF73BDBED2B5}" dt="2023-02-12T20:26:53.025" v="265" actId="478"/>
-          <ac:spMkLst>
-            <pc:docMk/>
-            <pc:sldMk cId="0" sldId="264"/>
-            <ac:spMk id="4" creationId="{F106910D-C2B8-F8CC-2181-E9F6951411B4}"/>
-          </ac:spMkLst>
-        </pc:spChg>
-        <pc:spChg chg="mod">
-          <ac:chgData name="Jheyson Fabian Villavisan Buitrago" userId="b9abc243-2adc-4788-8ef1-b07bec73deff" providerId="ADAL" clId="{33DDCE01-D5A0-4892-8419-FF73BDBED2B5}" dt="2023-02-12T20:36:01.125" v="344" actId="20577"/>
-          <ac:spMkLst>
-            <pc:docMk/>
-            <pc:sldMk cId="0" sldId="264"/>
-            <ac:spMk id="5" creationId="{60701A2C-E982-40EA-9283-15E5825703A1}"/>
-          </ac:spMkLst>
-        </pc:spChg>
-        <pc:spChg chg="mod">
-          <ac:chgData name="Jheyson Fabian Villavisan Buitrago" userId="b9abc243-2adc-4788-8ef1-b07bec73deff" providerId="ADAL" clId="{33DDCE01-D5A0-4892-8419-FF73BDBED2B5}" dt="2023-02-12T21:26:39.776" v="763" actId="20577"/>
-          <ac:spMkLst>
-            <pc:docMk/>
-            <pc:sldMk cId="0" sldId="264"/>
-            <ac:spMk id="9" creationId="{23A3D996-0567-4685-A0EB-B4B9355B6810}"/>
-          </ac:spMkLst>
-        </pc:spChg>
-        <pc:spChg chg="del">
-          <ac:chgData name="Jheyson Fabian Villavisan Buitrago" userId="b9abc243-2adc-4788-8ef1-b07bec73deff" providerId="ADAL" clId="{33DDCE01-D5A0-4892-8419-FF73BDBED2B5}" dt="2023-02-12T20:16:22.910" v="79" actId="478"/>
-          <ac:spMkLst>
-            <pc:docMk/>
-            <pc:sldMk cId="0" sldId="264"/>
-            <ac:spMk id="10" creationId="{39BA5921-9FE4-FDF6-44E8-862F5954E8E0}"/>
-          </ac:spMkLst>
-        </pc:spChg>
-        <pc:spChg chg="mod">
-          <ac:chgData name="Jheyson Fabian Villavisan Buitrago" userId="b9abc243-2adc-4788-8ef1-b07bec73deff" providerId="ADAL" clId="{33DDCE01-D5A0-4892-8419-FF73BDBED2B5}" dt="2023-02-12T21:25:59.425" v="727" actId="20577"/>
-          <ac:spMkLst>
-            <pc:docMk/>
-            <pc:sldMk cId="0" sldId="264"/>
-            <ac:spMk id="13314" creationId="{3D0D465E-F9D6-429E-92A7-0FF16ECD8A8E}"/>
-          </ac:spMkLst>
-        </pc:spChg>
-        <pc:graphicFrameChg chg="mod">
-          <ac:chgData name="Jheyson Fabian Villavisan Buitrago" userId="b9abc243-2adc-4788-8ef1-b07bec73deff" providerId="ADAL" clId="{33DDCE01-D5A0-4892-8419-FF73BDBED2B5}" dt="2023-02-12T21:27:42.140" v="775" actId="20577"/>
-          <ac:graphicFrameMkLst>
-            <pc:docMk/>
-            <pc:sldMk cId="0" sldId="264"/>
-            <ac:graphicFrameMk id="2" creationId="{4F251356-6039-463D-98A3-27BC7A6EC2E7}"/>
-          </ac:graphicFrameMkLst>
-        </pc:graphicFrameChg>
-        <pc:picChg chg="add mod">
-          <ac:chgData name="Jheyson Fabian Villavisan Buitrago" userId="b9abc243-2adc-4788-8ef1-b07bec73deff" providerId="ADAL" clId="{33DDCE01-D5A0-4892-8419-FF73BDBED2B5}" dt="2023-02-12T20:16:23.114" v="80"/>
-          <ac:picMkLst>
-            <pc:docMk/>
-            <pc:sldMk cId="0" sldId="264"/>
-            <ac:picMk id="6" creationId="{CDC9C00C-F6CF-3FF9-99A9-0C7E86DD0522}"/>
-          </ac:picMkLst>
-        </pc:picChg>
       </pc:sldChg>
       <pc:sldChg chg="addSp delSp modSp mod">
         <pc:chgData name="Jheyson Fabian Villavisan Buitrago" userId="b9abc243-2adc-4788-8ef1-b07bec73deff" providerId="ADAL" clId="{33DDCE01-D5A0-4892-8419-FF73BDBED2B5}" dt="2023-02-12T21:29:26.929" v="780" actId="20577"/>
@@ -897,62 +369,6 @@
           <pc:docMk/>
           <pc:sldMk cId="0" sldId="265"/>
         </pc:sldMkLst>
-        <pc:spChg chg="del mod">
-          <ac:chgData name="Jheyson Fabian Villavisan Buitrago" userId="b9abc243-2adc-4788-8ef1-b07bec73deff" providerId="ADAL" clId="{33DDCE01-D5A0-4892-8419-FF73BDBED2B5}" dt="2023-02-12T20:25:41.929" v="248" actId="478"/>
-          <ac:spMkLst>
-            <pc:docMk/>
-            <pc:sldMk cId="0" sldId="265"/>
-            <ac:spMk id="2" creationId="{696DC483-DA6A-D2FB-0F16-D2967F153773}"/>
-          </ac:spMkLst>
-        </pc:spChg>
-        <pc:spChg chg="add mod">
-          <ac:chgData name="Jheyson Fabian Villavisan Buitrago" userId="b9abc243-2adc-4788-8ef1-b07bec73deff" providerId="ADAL" clId="{33DDCE01-D5A0-4892-8419-FF73BDBED2B5}" dt="2023-02-12T20:16:27.407" v="82"/>
-          <ac:spMkLst>
-            <pc:docMk/>
-            <pc:sldMk cId="0" sldId="265"/>
-            <ac:spMk id="3" creationId="{1BA1B286-A421-1BC4-F6AB-D7918D4F8881}"/>
-          </ac:spMkLst>
-        </pc:spChg>
-        <pc:spChg chg="del">
-          <ac:chgData name="Jheyson Fabian Villavisan Buitrago" userId="b9abc243-2adc-4788-8ef1-b07bec73deff" providerId="ADAL" clId="{33DDCE01-D5A0-4892-8419-FF73BDBED2B5}" dt="2023-02-12T20:26:22.765" v="262" actId="478"/>
-          <ac:spMkLst>
-            <pc:docMk/>
-            <pc:sldMk cId="0" sldId="265"/>
-            <ac:spMk id="6" creationId="{E8BD1AFA-EB46-46AF-9A21-C6772AC723DA}"/>
-          </ac:spMkLst>
-        </pc:spChg>
-        <pc:spChg chg="del">
-          <ac:chgData name="Jheyson Fabian Villavisan Buitrago" userId="b9abc243-2adc-4788-8ef1-b07bec73deff" providerId="ADAL" clId="{33DDCE01-D5A0-4892-8419-FF73BDBED2B5}" dt="2023-02-12T20:16:27.160" v="81" actId="478"/>
-          <ac:spMkLst>
-            <pc:docMk/>
-            <pc:sldMk cId="0" sldId="265"/>
-            <ac:spMk id="10" creationId="{096BE91B-CC3A-7A46-5F3B-B7B3AB7E0013}"/>
-          </ac:spMkLst>
-        </pc:spChg>
-        <pc:spChg chg="mod">
-          <ac:chgData name="Jheyson Fabian Villavisan Buitrago" userId="b9abc243-2adc-4788-8ef1-b07bec73deff" providerId="ADAL" clId="{33DDCE01-D5A0-4892-8419-FF73BDBED2B5}" dt="2023-02-12T21:29:26.929" v="780" actId="20577"/>
-          <ac:spMkLst>
-            <pc:docMk/>
-            <pc:sldMk cId="0" sldId="265"/>
-            <ac:spMk id="15362" creationId="{9BC34425-A357-487C-8A17-FF92756F9F1C}"/>
-          </ac:spMkLst>
-        </pc:spChg>
-        <pc:spChg chg="mod">
-          <ac:chgData name="Jheyson Fabian Villavisan Buitrago" userId="b9abc243-2adc-4788-8ef1-b07bec73deff" providerId="ADAL" clId="{33DDCE01-D5A0-4892-8419-FF73BDBED2B5}" dt="2023-02-12T20:26:18.431" v="261" actId="20577"/>
-          <ac:spMkLst>
-            <pc:docMk/>
-            <pc:sldMk cId="0" sldId="265"/>
-            <ac:spMk id="15365" creationId="{C4B69D28-4FBD-40E4-8F16-AD35B0740DDD}"/>
-          </ac:spMkLst>
-        </pc:spChg>
-        <pc:picChg chg="add mod">
-          <ac:chgData name="Jheyson Fabian Villavisan Buitrago" userId="b9abc243-2adc-4788-8ef1-b07bec73deff" providerId="ADAL" clId="{33DDCE01-D5A0-4892-8419-FF73BDBED2B5}" dt="2023-02-12T20:16:27.407" v="82"/>
-          <ac:picMkLst>
-            <pc:docMk/>
-            <pc:sldMk cId="0" sldId="265"/>
-            <ac:picMk id="4" creationId="{0492F8D3-8695-1514-13E9-60C88618EEC7}"/>
-          </ac:picMkLst>
-        </pc:picChg>
       </pc:sldChg>
       <pc:sldChg chg="addSp delSp modSp mod">
         <pc:chgData name="Jheyson Fabian Villavisan Buitrago" userId="b9abc243-2adc-4788-8ef1-b07bec73deff" providerId="ADAL" clId="{33DDCE01-D5A0-4892-8419-FF73BDBED2B5}" dt="2023-02-12T20:26:28.068" v="263" actId="478"/>
@@ -960,46 +376,6 @@
           <pc:docMk/>
           <pc:sldMk cId="0" sldId="266"/>
         </pc:sldMkLst>
-        <pc:spChg chg="del mod">
-          <ac:chgData name="Jheyson Fabian Villavisan Buitrago" userId="b9abc243-2adc-4788-8ef1-b07bec73deff" providerId="ADAL" clId="{33DDCE01-D5A0-4892-8419-FF73BDBED2B5}" dt="2023-02-12T20:26:28.068" v="263" actId="478"/>
-          <ac:spMkLst>
-            <pc:docMk/>
-            <pc:sldMk cId="0" sldId="266"/>
-            <ac:spMk id="2" creationId="{695DD736-EB72-1BCA-2DB4-8B4EE63A3CBE}"/>
-          </ac:spMkLst>
-        </pc:spChg>
-        <pc:spChg chg="add mod">
-          <ac:chgData name="Jheyson Fabian Villavisan Buitrago" userId="b9abc243-2adc-4788-8ef1-b07bec73deff" providerId="ADAL" clId="{33DDCE01-D5A0-4892-8419-FF73BDBED2B5}" dt="2023-02-12T20:16:31.486" v="84"/>
-          <ac:spMkLst>
-            <pc:docMk/>
-            <pc:sldMk cId="0" sldId="266"/>
-            <ac:spMk id="3" creationId="{5C367B68-87A8-7909-5696-CA4B9A4374A2}"/>
-          </ac:spMkLst>
-        </pc:spChg>
-        <pc:spChg chg="mod">
-          <ac:chgData name="Jheyson Fabian Villavisan Buitrago" userId="b9abc243-2adc-4788-8ef1-b07bec73deff" providerId="ADAL" clId="{33DDCE01-D5A0-4892-8419-FF73BDBED2B5}" dt="2023-02-12T20:16:35.903" v="86" actId="20577"/>
-          <ac:spMkLst>
-            <pc:docMk/>
-            <pc:sldMk cId="0" sldId="266"/>
-            <ac:spMk id="9" creationId="{1DF9086F-7804-4245-BF66-46E11D73F05F}"/>
-          </ac:spMkLst>
-        </pc:spChg>
-        <pc:spChg chg="del">
-          <ac:chgData name="Jheyson Fabian Villavisan Buitrago" userId="b9abc243-2adc-4788-8ef1-b07bec73deff" providerId="ADAL" clId="{33DDCE01-D5A0-4892-8419-FF73BDBED2B5}" dt="2023-02-12T20:16:31.188" v="83" actId="478"/>
-          <ac:spMkLst>
-            <pc:docMk/>
-            <pc:sldMk cId="0" sldId="266"/>
-            <ac:spMk id="10" creationId="{6734CD7B-CE23-C8BA-50CE-7884EA342D53}"/>
-          </ac:spMkLst>
-        </pc:spChg>
-        <pc:picChg chg="add mod">
-          <ac:chgData name="Jheyson Fabian Villavisan Buitrago" userId="b9abc243-2adc-4788-8ef1-b07bec73deff" providerId="ADAL" clId="{33DDCE01-D5A0-4892-8419-FF73BDBED2B5}" dt="2023-02-12T20:16:31.486" v="84"/>
-          <ac:picMkLst>
-            <pc:docMk/>
-            <pc:sldMk cId="0" sldId="266"/>
-            <ac:picMk id="4" creationId="{D013CF89-E480-654D-19D7-5B9296DC04F9}"/>
-          </ac:picMkLst>
-        </pc:picChg>
       </pc:sldChg>
       <pc:sldChg chg="addSp delSp modSp mod">
         <pc:chgData name="Jheyson Fabian Villavisan Buitrago" userId="b9abc243-2adc-4788-8ef1-b07bec73deff" providerId="ADAL" clId="{33DDCE01-D5A0-4892-8419-FF73BDBED2B5}" dt="2023-02-12T22:48:24.178" v="783"/>
@@ -1007,38 +383,6 @@
           <pc:docMk/>
           <pc:sldMk cId="0" sldId="268"/>
         </pc:sldMkLst>
-        <pc:spChg chg="del mod">
-          <ac:chgData name="Jheyson Fabian Villavisan Buitrago" userId="b9abc243-2adc-4788-8ef1-b07bec73deff" providerId="ADAL" clId="{33DDCE01-D5A0-4892-8419-FF73BDBED2B5}" dt="2023-02-12T20:17:21.467" v="97" actId="478"/>
-          <ac:spMkLst>
-            <pc:docMk/>
-            <pc:sldMk cId="0" sldId="268"/>
-            <ac:spMk id="2" creationId="{61402569-DC19-33C3-784F-93A08751A4D5}"/>
-          </ac:spMkLst>
-        </pc:spChg>
-        <pc:spChg chg="add mod">
-          <ac:chgData name="Jheyson Fabian Villavisan Buitrago" userId="b9abc243-2adc-4788-8ef1-b07bec73deff" providerId="ADAL" clId="{33DDCE01-D5A0-4892-8419-FF73BDBED2B5}" dt="2023-02-12T22:48:24.178" v="783"/>
-          <ac:spMkLst>
-            <pc:docMk/>
-            <pc:sldMk cId="0" sldId="268"/>
-            <ac:spMk id="3" creationId="{74CAC5D3-4493-9EB9-62C0-F4E0FA2FE9A6}"/>
-          </ac:spMkLst>
-        </pc:spChg>
-        <pc:spChg chg="del">
-          <ac:chgData name="Jheyson Fabian Villavisan Buitrago" userId="b9abc243-2adc-4788-8ef1-b07bec73deff" providerId="ADAL" clId="{33DDCE01-D5A0-4892-8419-FF73BDBED2B5}" dt="2023-02-12T22:48:16.757" v="781" actId="478"/>
-          <ac:spMkLst>
-            <pc:docMk/>
-            <pc:sldMk cId="0" sldId="268"/>
-            <ac:spMk id="7" creationId="{E80A6076-771F-43A7-7F16-5137C4205B4A}"/>
-          </ac:spMkLst>
-        </pc:spChg>
-        <pc:picChg chg="add mod">
-          <ac:chgData name="Jheyson Fabian Villavisan Buitrago" userId="b9abc243-2adc-4788-8ef1-b07bec73deff" providerId="ADAL" clId="{33DDCE01-D5A0-4892-8419-FF73BDBED2B5}" dt="2023-02-12T22:48:24.178" v="783"/>
-          <ac:picMkLst>
-            <pc:docMk/>
-            <pc:sldMk cId="0" sldId="268"/>
-            <ac:picMk id="4" creationId="{B96A6DCC-1ECE-413D-8BEA-DB41E6C6FC1A}"/>
-          </ac:picMkLst>
-        </pc:picChg>
       </pc:sldChg>
       <pc:sldChg chg="modSp del">
         <pc:chgData name="Jheyson Fabian Villavisan Buitrago" userId="b9abc243-2adc-4788-8ef1-b07bec73deff" providerId="ADAL" clId="{33DDCE01-D5A0-4892-8419-FF73BDBED2B5}" dt="2023-02-12T20:16:51.698" v="89" actId="47"/>
@@ -1046,14 +390,6 @@
           <pc:docMk/>
           <pc:sldMk cId="0" sldId="269"/>
         </pc:sldMkLst>
-        <pc:spChg chg="mod">
-          <ac:chgData name="Jheyson Fabian Villavisan Buitrago" userId="b9abc243-2adc-4788-8ef1-b07bec73deff" providerId="ADAL" clId="{33DDCE01-D5A0-4892-8419-FF73BDBED2B5}" dt="2023-02-12T20:13:09.028" v="14"/>
-          <ac:spMkLst>
-            <pc:docMk/>
-            <pc:sldMk cId="0" sldId="269"/>
-            <ac:spMk id="4" creationId="{1328B69D-A3F3-E7CA-D104-5110CC46828E}"/>
-          </ac:spMkLst>
-        </pc:spChg>
       </pc:sldChg>
       <pc:sldChg chg="addSp delSp modSp mod">
         <pc:chgData name="Jheyson Fabian Villavisan Buitrago" userId="b9abc243-2adc-4788-8ef1-b07bec73deff" providerId="ADAL" clId="{33DDCE01-D5A0-4892-8419-FF73BDBED2B5}" dt="2023-02-12T21:06:34.390" v="722" actId="1076"/>
@@ -1061,54 +397,6 @@
           <pc:docMk/>
           <pc:sldMk cId="2505371292" sldId="270"/>
         </pc:sldMkLst>
-        <pc:spChg chg="add mod">
-          <ac:chgData name="Jheyson Fabian Villavisan Buitrago" userId="b9abc243-2adc-4788-8ef1-b07bec73deff" providerId="ADAL" clId="{33DDCE01-D5A0-4892-8419-FF73BDBED2B5}" dt="2023-02-12T20:16:10.447" v="74"/>
-          <ac:spMkLst>
-            <pc:docMk/>
-            <pc:sldMk cId="2505371292" sldId="270"/>
-            <ac:spMk id="3" creationId="{A1607664-1D37-4A58-B5FD-5EA010C7ADF2}"/>
-          </ac:spMkLst>
-        </pc:spChg>
-        <pc:spChg chg="del mod">
-          <ac:chgData name="Jheyson Fabian Villavisan Buitrago" userId="b9abc243-2adc-4788-8ef1-b07bec73deff" providerId="ADAL" clId="{33DDCE01-D5A0-4892-8419-FF73BDBED2B5}" dt="2023-02-12T20:18:48.131" v="147"/>
-          <ac:spMkLst>
-            <pc:docMk/>
-            <pc:sldMk cId="2505371292" sldId="270"/>
-            <ac:spMk id="6" creationId="{60F4C260-2227-47C6-990B-7E4DD70B0CCA}"/>
-          </ac:spMkLst>
-        </pc:spChg>
-        <pc:spChg chg="mod">
-          <ac:chgData name="Jheyson Fabian Villavisan Buitrago" userId="b9abc243-2adc-4788-8ef1-b07bec73deff" providerId="ADAL" clId="{33DDCE01-D5A0-4892-8419-FF73BDBED2B5}" dt="2023-02-12T21:06:34.390" v="722" actId="1076"/>
-          <ac:spMkLst>
-            <pc:docMk/>
-            <pc:sldMk cId="2505371292" sldId="270"/>
-            <ac:spMk id="7" creationId="{EBDE2FDF-A2BB-4F17-99CB-0B213EF4BAA4}"/>
-          </ac:spMkLst>
-        </pc:spChg>
-        <pc:spChg chg="del">
-          <ac:chgData name="Jheyson Fabian Villavisan Buitrago" userId="b9abc243-2adc-4788-8ef1-b07bec73deff" providerId="ADAL" clId="{33DDCE01-D5A0-4892-8419-FF73BDBED2B5}" dt="2023-02-12T20:16:09.745" v="73" actId="478"/>
-          <ac:spMkLst>
-            <pc:docMk/>
-            <pc:sldMk cId="2505371292" sldId="270"/>
-            <ac:spMk id="10" creationId="{09531423-AE8F-1623-4AA9-7022974FC163}"/>
-          </ac:spMkLst>
-        </pc:spChg>
-        <pc:graphicFrameChg chg="mod modGraphic">
-          <ac:chgData name="Jheyson Fabian Villavisan Buitrago" userId="b9abc243-2adc-4788-8ef1-b07bec73deff" providerId="ADAL" clId="{33DDCE01-D5A0-4892-8419-FF73BDBED2B5}" dt="2023-02-12T21:06:29.693" v="721" actId="255"/>
-          <ac:graphicFrameMkLst>
-            <pc:docMk/>
-            <pc:sldMk cId="2505371292" sldId="270"/>
-            <ac:graphicFrameMk id="2" creationId="{BFAD80C6-663E-42AD-A6EE-0E699E7C415E}"/>
-          </ac:graphicFrameMkLst>
-        </pc:graphicFrameChg>
-        <pc:picChg chg="add mod">
-          <ac:chgData name="Jheyson Fabian Villavisan Buitrago" userId="b9abc243-2adc-4788-8ef1-b07bec73deff" providerId="ADAL" clId="{33DDCE01-D5A0-4892-8419-FF73BDBED2B5}" dt="2023-02-12T20:16:10.447" v="74"/>
-          <ac:picMkLst>
-            <pc:docMk/>
-            <pc:sldMk cId="2505371292" sldId="270"/>
-            <ac:picMk id="4" creationId="{F6C827CA-8E86-44AB-5043-B6D399FFB89D}"/>
-          </ac:picMkLst>
-        </pc:picChg>
       </pc:sldChg>
       <pc:sldChg chg="addSp delSp modSp mod">
         <pc:chgData name="Jheyson Fabian Villavisan Buitrago" userId="b9abc243-2adc-4788-8ef1-b07bec73deff" providerId="ADAL" clId="{33DDCE01-D5A0-4892-8419-FF73BDBED2B5}" dt="2023-02-12T20:17:40.832" v="98" actId="113"/>
@@ -1116,86 +404,6 @@
           <pc:docMk/>
           <pc:sldMk cId="3709177429" sldId="274"/>
         </pc:sldMkLst>
-        <pc:spChg chg="add del">
-          <ac:chgData name="Jheyson Fabian Villavisan Buitrago" userId="b9abc243-2adc-4788-8ef1-b07bec73deff" providerId="ADAL" clId="{33DDCE01-D5A0-4892-8419-FF73BDBED2B5}" dt="2023-02-12T20:15:45.088" v="68" actId="478"/>
-          <ac:spMkLst>
-            <pc:docMk/>
-            <pc:sldMk cId="3709177429" sldId="274"/>
-            <ac:spMk id="2" creationId="{FB1B6180-BCA0-4F51-9F68-9E5BAB8A4FDC}"/>
-          </ac:spMkLst>
-        </pc:spChg>
-        <pc:spChg chg="mod">
-          <ac:chgData name="Jheyson Fabian Villavisan Buitrago" userId="b9abc243-2adc-4788-8ef1-b07bec73deff" providerId="ADAL" clId="{33DDCE01-D5A0-4892-8419-FF73BDBED2B5}" dt="2023-02-12T20:15:17.607" v="40" actId="20577"/>
-          <ac:spMkLst>
-            <pc:docMk/>
-            <pc:sldMk cId="3709177429" sldId="274"/>
-            <ac:spMk id="3" creationId="{4F1F9CC3-49B8-41A8-9878-3805D57595F8}"/>
-          </ac:spMkLst>
-        </pc:spChg>
-        <pc:spChg chg="mod">
-          <ac:chgData name="Jheyson Fabian Villavisan Buitrago" userId="b9abc243-2adc-4788-8ef1-b07bec73deff" providerId="ADAL" clId="{33DDCE01-D5A0-4892-8419-FF73BDBED2B5}" dt="2023-02-12T20:15:29.947" v="63" actId="20577"/>
-          <ac:spMkLst>
-            <pc:docMk/>
-            <pc:sldMk cId="3709177429" sldId="274"/>
-            <ac:spMk id="4" creationId="{2C7E43D4-8286-4BEE-907B-3A35AE701C90}"/>
-          </ac:spMkLst>
-        </pc:spChg>
-        <pc:spChg chg="add del mod">
-          <ac:chgData name="Jheyson Fabian Villavisan Buitrago" userId="b9abc243-2adc-4788-8ef1-b07bec73deff" providerId="ADAL" clId="{33DDCE01-D5A0-4892-8419-FF73BDBED2B5}" dt="2023-02-12T20:15:41.210" v="65" actId="478"/>
-          <ac:spMkLst>
-            <pc:docMk/>
-            <pc:sldMk cId="3709177429" sldId="274"/>
-            <ac:spMk id="5" creationId="{3FEF6D41-D660-C96C-7129-ADDD5B66484E}"/>
-          </ac:spMkLst>
-        </pc:spChg>
-        <pc:spChg chg="del">
-          <ac:chgData name="Jheyson Fabian Villavisan Buitrago" userId="b9abc243-2adc-4788-8ef1-b07bec73deff" providerId="ADAL" clId="{33DDCE01-D5A0-4892-8419-FF73BDBED2B5}" dt="2023-02-12T20:15:42.985" v="66" actId="478"/>
-          <ac:spMkLst>
-            <pc:docMk/>
-            <pc:sldMk cId="3709177429" sldId="274"/>
-            <ac:spMk id="7" creationId="{283FE187-84F7-4234-87D0-685041933163}"/>
-          </ac:spMkLst>
-        </pc:spChg>
-        <pc:spChg chg="mod">
-          <ac:chgData name="Jheyson Fabian Villavisan Buitrago" userId="b9abc243-2adc-4788-8ef1-b07bec73deff" providerId="ADAL" clId="{33DDCE01-D5A0-4892-8419-FF73BDBED2B5}" dt="2023-02-12T20:17:40.832" v="98" actId="113"/>
-          <ac:spMkLst>
-            <pc:docMk/>
-            <pc:sldMk cId="3709177429" sldId="274"/>
-            <ac:spMk id="10" creationId="{AF4E183E-A171-4923-A99E-D149888CEC37}"/>
-          </ac:spMkLst>
-        </pc:spChg>
-        <pc:spChg chg="add del mod">
-          <ac:chgData name="Jheyson Fabian Villavisan Buitrago" userId="b9abc243-2adc-4788-8ef1-b07bec73deff" providerId="ADAL" clId="{33DDCE01-D5A0-4892-8419-FF73BDBED2B5}" dt="2023-02-12T20:15:45.088" v="68" actId="478"/>
-          <ac:spMkLst>
-            <pc:docMk/>
-            <pc:sldMk cId="3709177429" sldId="274"/>
-            <ac:spMk id="12" creationId="{796A818C-D694-96AC-EBC3-D204ED1B7B35}"/>
-          </ac:spMkLst>
-        </pc:spChg>
-        <pc:spChg chg="add mod">
-          <ac:chgData name="Jheyson Fabian Villavisan Buitrago" userId="b9abc243-2adc-4788-8ef1-b07bec73deff" providerId="ADAL" clId="{33DDCE01-D5A0-4892-8419-FF73BDBED2B5}" dt="2023-02-12T20:15:47.537" v="70"/>
-          <ac:spMkLst>
-            <pc:docMk/>
-            <pc:sldMk cId="3709177429" sldId="274"/>
-            <ac:spMk id="13" creationId="{FF9F8020-A143-4061-0214-9BB2AE9D2550}"/>
-          </ac:spMkLst>
-        </pc:spChg>
-        <pc:picChg chg="add del mod">
-          <ac:chgData name="Jheyson Fabian Villavisan Buitrago" userId="b9abc243-2adc-4788-8ef1-b07bec73deff" providerId="ADAL" clId="{33DDCE01-D5A0-4892-8419-FF73BDBED2B5}" dt="2023-02-12T20:15:46.804" v="69" actId="478"/>
-          <ac:picMkLst>
-            <pc:docMk/>
-            <pc:sldMk cId="3709177429" sldId="274"/>
-            <ac:picMk id="8" creationId="{94FF9543-7FAC-7ABE-30A5-A558D7C3FE92}"/>
-          </ac:picMkLst>
-        </pc:picChg>
-        <pc:picChg chg="add mod">
-          <ac:chgData name="Jheyson Fabian Villavisan Buitrago" userId="b9abc243-2adc-4788-8ef1-b07bec73deff" providerId="ADAL" clId="{33DDCE01-D5A0-4892-8419-FF73BDBED2B5}" dt="2023-02-12T20:15:47.537" v="70"/>
-          <ac:picMkLst>
-            <pc:docMk/>
-            <pc:sldMk cId="3709177429" sldId="274"/>
-            <ac:picMk id="14" creationId="{EC83F540-C4A2-EE56-0418-B8CD7CA17275}"/>
-          </ac:picMkLst>
-        </pc:picChg>
       </pc:sldChg>
       <pc:sldChg chg="addSp delSp modSp mod">
         <pc:chgData name="Jheyson Fabian Villavisan Buitrago" userId="b9abc243-2adc-4788-8ef1-b07bec73deff" providerId="ADAL" clId="{33DDCE01-D5A0-4892-8419-FF73BDBED2B5}" dt="2023-02-12T20:26:34.092" v="264" actId="478"/>
@@ -1203,46 +411,6 @@
           <pc:docMk/>
           <pc:sldMk cId="2680639377" sldId="275"/>
         </pc:sldMkLst>
-        <pc:spChg chg="del mod">
-          <ac:chgData name="Jheyson Fabian Villavisan Buitrago" userId="b9abc243-2adc-4788-8ef1-b07bec73deff" providerId="ADAL" clId="{33DDCE01-D5A0-4892-8419-FF73BDBED2B5}" dt="2023-02-12T20:26:34.092" v="264" actId="478"/>
-          <ac:spMkLst>
-            <pc:docMk/>
-            <pc:sldMk cId="2680639377" sldId="275"/>
-            <ac:spMk id="2" creationId="{DD91D687-6F5E-4720-2C79-C0D1D7DA94F8}"/>
-          </ac:spMkLst>
-        </pc:spChg>
-        <pc:spChg chg="add mod">
-          <ac:chgData name="Jheyson Fabian Villavisan Buitrago" userId="b9abc243-2adc-4788-8ef1-b07bec73deff" providerId="ADAL" clId="{33DDCE01-D5A0-4892-8419-FF73BDBED2B5}" dt="2023-02-12T20:16:40.643" v="88"/>
-          <ac:spMkLst>
-            <pc:docMk/>
-            <pc:sldMk cId="2680639377" sldId="275"/>
-            <ac:spMk id="3" creationId="{0EC7E215-99CA-9EE0-74CD-8C1E4F608272}"/>
-          </ac:spMkLst>
-        </pc:spChg>
-        <pc:spChg chg="mod">
-          <ac:chgData name="Jheyson Fabian Villavisan Buitrago" userId="b9abc243-2adc-4788-8ef1-b07bec73deff" providerId="ADAL" clId="{33DDCE01-D5A0-4892-8419-FF73BDBED2B5}" dt="2023-02-12T20:25:32.982" v="247" actId="20577"/>
-          <ac:spMkLst>
-            <pc:docMk/>
-            <pc:sldMk cId="2680639377" sldId="275"/>
-            <ac:spMk id="9" creationId="{1DF9086F-7804-4245-BF66-46E11D73F05F}"/>
-          </ac:spMkLst>
-        </pc:spChg>
-        <pc:spChg chg="del">
-          <ac:chgData name="Jheyson Fabian Villavisan Buitrago" userId="b9abc243-2adc-4788-8ef1-b07bec73deff" providerId="ADAL" clId="{33DDCE01-D5A0-4892-8419-FF73BDBED2B5}" dt="2023-02-12T20:16:40.400" v="87" actId="478"/>
-          <ac:spMkLst>
-            <pc:docMk/>
-            <pc:sldMk cId="2680639377" sldId="275"/>
-            <ac:spMk id="14" creationId="{234A7918-73C9-3AFB-A796-D58815853D5B}"/>
-          </ac:spMkLst>
-        </pc:spChg>
-        <pc:picChg chg="add mod">
-          <ac:chgData name="Jheyson Fabian Villavisan Buitrago" userId="b9abc243-2adc-4788-8ef1-b07bec73deff" providerId="ADAL" clId="{33DDCE01-D5A0-4892-8419-FF73BDBED2B5}" dt="2023-02-12T20:16:40.643" v="88"/>
-          <ac:picMkLst>
-            <pc:docMk/>
-            <pc:sldMk cId="2680639377" sldId="275"/>
-            <ac:picMk id="4" creationId="{89214FA2-B47E-E872-9EFA-9C590852C48C}"/>
-          </ac:picMkLst>
-        </pc:picChg>
       </pc:sldChg>
       <pc:sldChg chg="addSp delSp modSp del">
         <pc:chgData name="Jheyson Fabian Villavisan Buitrago" userId="b9abc243-2adc-4788-8ef1-b07bec73deff" providerId="ADAL" clId="{33DDCE01-D5A0-4892-8419-FF73BDBED2B5}" dt="2023-02-12T23:52:00.525" v="841" actId="47"/>
@@ -1250,38 +418,6 @@
           <pc:docMk/>
           <pc:sldMk cId="870139891" sldId="276"/>
         </pc:sldMkLst>
-        <pc:spChg chg="mod">
-          <ac:chgData name="Jheyson Fabian Villavisan Buitrago" userId="b9abc243-2adc-4788-8ef1-b07bec73deff" providerId="ADAL" clId="{33DDCE01-D5A0-4892-8419-FF73BDBED2B5}" dt="2023-02-12T20:13:09.028" v="14"/>
-          <ac:spMkLst>
-            <pc:docMk/>
-            <pc:sldMk cId="870139891" sldId="276"/>
-            <ac:spMk id="2" creationId="{CC2468A2-54B0-E140-F39F-B455BC314EED}"/>
-          </ac:spMkLst>
-        </pc:spChg>
-        <pc:spChg chg="add mod">
-          <ac:chgData name="Jheyson Fabian Villavisan Buitrago" userId="b9abc243-2adc-4788-8ef1-b07bec73deff" providerId="ADAL" clId="{33DDCE01-D5A0-4892-8419-FF73BDBED2B5}" dt="2023-02-12T22:48:25.771" v="784"/>
-          <ac:spMkLst>
-            <pc:docMk/>
-            <pc:sldMk cId="870139891" sldId="276"/>
-            <ac:spMk id="3" creationId="{F6C81051-F36F-44B2-7F00-E23A4F1881AC}"/>
-          </ac:spMkLst>
-        </pc:spChg>
-        <pc:spChg chg="del">
-          <ac:chgData name="Jheyson Fabian Villavisan Buitrago" userId="b9abc243-2adc-4788-8ef1-b07bec73deff" providerId="ADAL" clId="{33DDCE01-D5A0-4892-8419-FF73BDBED2B5}" dt="2023-02-12T22:48:19.520" v="782" actId="478"/>
-          <ac:spMkLst>
-            <pc:docMk/>
-            <pc:sldMk cId="870139891" sldId="276"/>
-            <ac:spMk id="7" creationId="{0C05F0A6-68CC-C777-F73B-6442E8393140}"/>
-          </ac:spMkLst>
-        </pc:spChg>
-        <pc:picChg chg="add mod">
-          <ac:chgData name="Jheyson Fabian Villavisan Buitrago" userId="b9abc243-2adc-4788-8ef1-b07bec73deff" providerId="ADAL" clId="{33DDCE01-D5A0-4892-8419-FF73BDBED2B5}" dt="2023-02-12T22:48:25.771" v="784"/>
-          <ac:picMkLst>
-            <pc:docMk/>
-            <pc:sldMk cId="870139891" sldId="276"/>
-            <ac:picMk id="4" creationId="{8617A49E-D605-98D0-7D9C-A2874DBE6BDC}"/>
-          </ac:picMkLst>
-        </pc:picChg>
       </pc:sldChg>
       <pc:sldChg chg="addSp delSp modSp mod">
         <pc:chgData name="Jheyson Fabian Villavisan Buitrago" userId="b9abc243-2adc-4788-8ef1-b07bec73deff" providerId="ADAL" clId="{33DDCE01-D5A0-4892-8419-FF73BDBED2B5}" dt="2023-02-12T23:50:02.034" v="840" actId="1076"/>
@@ -1289,102 +425,6 @@
           <pc:docMk/>
           <pc:sldMk cId="1955606898" sldId="277"/>
         </pc:sldMkLst>
-        <pc:spChg chg="del mod">
-          <ac:chgData name="Jheyson Fabian Villavisan Buitrago" userId="b9abc243-2adc-4788-8ef1-b07bec73deff" providerId="ADAL" clId="{33DDCE01-D5A0-4892-8419-FF73BDBED2B5}" dt="2023-02-12T20:17:05.173" v="90" actId="478"/>
-          <ac:spMkLst>
-            <pc:docMk/>
-            <pc:sldMk cId="1955606898" sldId="277"/>
-            <ac:spMk id="2" creationId="{0B9D87D8-5445-5741-E777-1D5DD45EC17F}"/>
-          </ac:spMkLst>
-        </pc:spChg>
-        <pc:spChg chg="add mod">
-          <ac:chgData name="Jheyson Fabian Villavisan Buitrago" userId="b9abc243-2adc-4788-8ef1-b07bec73deff" providerId="ADAL" clId="{33DDCE01-D5A0-4892-8419-FF73BDBED2B5}" dt="2023-02-12T20:17:08.924" v="94"/>
-          <ac:spMkLst>
-            <pc:docMk/>
-            <pc:sldMk cId="1955606898" sldId="277"/>
-            <ac:spMk id="3" creationId="{87013794-5883-C93A-DFFF-76F577E0C7DB}"/>
-          </ac:spMkLst>
-        </pc:spChg>
-        <pc:spChg chg="del mod">
-          <ac:chgData name="Jheyson Fabian Villavisan Buitrago" userId="b9abc243-2adc-4788-8ef1-b07bec73deff" providerId="ADAL" clId="{33DDCE01-D5A0-4892-8419-FF73BDBED2B5}" dt="2023-02-12T20:17:11.242" v="95" actId="478"/>
-          <ac:spMkLst>
-            <pc:docMk/>
-            <pc:sldMk cId="1955606898" sldId="277"/>
-            <ac:spMk id="4" creationId="{E5A1A4C4-A9D0-42FC-94D8-32091EFCB0F2}"/>
-          </ac:spMkLst>
-        </pc:spChg>
-        <pc:spChg chg="add">
-          <ac:chgData name="Jheyson Fabian Villavisan Buitrago" userId="b9abc243-2adc-4788-8ef1-b07bec73deff" providerId="ADAL" clId="{33DDCE01-D5A0-4892-8419-FF73BDBED2B5}" dt="2023-02-12T23:48:59.207" v="790"/>
-          <ac:spMkLst>
-            <pc:docMk/>
-            <pc:sldMk cId="1955606898" sldId="277"/>
-            <ac:spMk id="12" creationId="{B4336C17-6123-3859-97BF-FC6F99A43B32}"/>
-          </ac:spMkLst>
-        </pc:spChg>
-        <pc:spChg chg="del">
-          <ac:chgData name="Jheyson Fabian Villavisan Buitrago" userId="b9abc243-2adc-4788-8ef1-b07bec73deff" providerId="ADAL" clId="{33DDCE01-D5A0-4892-8419-FF73BDBED2B5}" dt="2023-02-12T20:17:08.087" v="93" actId="478"/>
-          <ac:spMkLst>
-            <pc:docMk/>
-            <pc:sldMk cId="1955606898" sldId="277"/>
-            <ac:spMk id="13" creationId="{5671BCF2-BB14-B2E9-03F5-D4DC5DECB738}"/>
-          </ac:spMkLst>
-        </pc:spChg>
-        <pc:spChg chg="add mod">
-          <ac:chgData name="Jheyson Fabian Villavisan Buitrago" userId="b9abc243-2adc-4788-8ef1-b07bec73deff" providerId="ADAL" clId="{33DDCE01-D5A0-4892-8419-FF73BDBED2B5}" dt="2023-02-12T23:49:59.895" v="839" actId="1076"/>
-          <ac:spMkLst>
-            <pc:docMk/>
-            <pc:sldMk cId="1955606898" sldId="277"/>
-            <ac:spMk id="14" creationId="{431C44E4-329E-7FEC-B9B3-CC9F71252532}"/>
-          </ac:spMkLst>
-        </pc:spChg>
-        <pc:spChg chg="mod">
-          <ac:chgData name="Jheyson Fabian Villavisan Buitrago" userId="b9abc243-2adc-4788-8ef1-b07bec73deff" providerId="ADAL" clId="{33DDCE01-D5A0-4892-8419-FF73BDBED2B5}" dt="2023-02-12T23:49:23.111" v="802" actId="20577"/>
-          <ac:spMkLst>
-            <pc:docMk/>
-            <pc:sldMk cId="1955606898" sldId="277"/>
-            <ac:spMk id="16" creationId="{F0D65330-7419-4333-9764-E4292B375DC3}"/>
-          </ac:spMkLst>
-        </pc:spChg>
-        <pc:spChg chg="mod">
-          <ac:chgData name="Jheyson Fabian Villavisan Buitrago" userId="b9abc243-2adc-4788-8ef1-b07bec73deff" providerId="ADAL" clId="{33DDCE01-D5A0-4892-8419-FF73BDBED2B5}" dt="2023-02-12T21:29:17.381" v="778" actId="20577"/>
-          <ac:spMkLst>
-            <pc:docMk/>
-            <pc:sldMk cId="1955606898" sldId="277"/>
-            <ac:spMk id="21506" creationId="{974AAA16-E8D7-47E1-ABBC-3CB9C4D3BD82}"/>
-          </ac:spMkLst>
-        </pc:spChg>
-        <pc:picChg chg="del">
-          <ac:chgData name="Jheyson Fabian Villavisan Buitrago" userId="b9abc243-2adc-4788-8ef1-b07bec73deff" providerId="ADAL" clId="{33DDCE01-D5A0-4892-8419-FF73BDBED2B5}" dt="2023-02-12T20:17:06.215" v="91" actId="478"/>
-          <ac:picMkLst>
-            <pc:docMk/>
-            <pc:sldMk cId="1955606898" sldId="277"/>
-            <ac:picMk id="5" creationId="{78773C00-077D-4420-A117-EDEBD04E979F}"/>
-          </ac:picMkLst>
-        </pc:picChg>
-        <pc:picChg chg="add mod">
-          <ac:chgData name="Jheyson Fabian Villavisan Buitrago" userId="b9abc243-2adc-4788-8ef1-b07bec73deff" providerId="ADAL" clId="{33DDCE01-D5A0-4892-8419-FF73BDBED2B5}" dt="2023-02-12T20:17:08.924" v="94"/>
-          <ac:picMkLst>
-            <pc:docMk/>
-            <pc:sldMk cId="1955606898" sldId="277"/>
-            <ac:picMk id="8" creationId="{210EE14A-117F-9A30-02AB-B3C873C8089F}"/>
-          </ac:picMkLst>
-        </pc:picChg>
-        <pc:picChg chg="add mod">
-          <ac:chgData name="Jheyson Fabian Villavisan Buitrago" userId="b9abc243-2adc-4788-8ef1-b07bec73deff" providerId="ADAL" clId="{33DDCE01-D5A0-4892-8419-FF73BDBED2B5}" dt="2023-02-12T23:50:02.034" v="840" actId="1076"/>
-          <ac:picMkLst>
-            <pc:docMk/>
-            <pc:sldMk cId="1955606898" sldId="277"/>
-            <ac:picMk id="11" creationId="{E8470154-AC7E-B448-6D58-E30DC77C6DF1}"/>
-          </ac:picMkLst>
-        </pc:picChg>
-        <pc:picChg chg="mod">
-          <ac:chgData name="Jheyson Fabian Villavisan Buitrago" userId="b9abc243-2adc-4788-8ef1-b07bec73deff" providerId="ADAL" clId="{33DDCE01-D5A0-4892-8419-FF73BDBED2B5}" dt="2023-02-12T23:48:52.061" v="788" actId="1076"/>
-          <ac:picMkLst>
-            <pc:docMk/>
-            <pc:sldMk cId="1955606898" sldId="277"/>
-            <ac:picMk id="2056" creationId="{075C7F64-CBA7-4977-AB8B-1D5229822556}"/>
-          </ac:picMkLst>
-        </pc:picChg>
       </pc:sldChg>
       <pc:sldChg chg="addSp delSp modSp">
         <pc:chgData name="Jheyson Fabian Villavisan Buitrago" userId="b9abc243-2adc-4788-8ef1-b07bec73deff" providerId="ADAL" clId="{33DDCE01-D5A0-4892-8419-FF73BDBED2B5}" dt="2023-02-12T20:16:04.791" v="72"/>
@@ -1392,30 +432,6 @@
           <pc:docMk/>
           <pc:sldMk cId="214171354" sldId="278"/>
         </pc:sldMkLst>
-        <pc:spChg chg="add mod">
-          <ac:chgData name="Jheyson Fabian Villavisan Buitrago" userId="b9abc243-2adc-4788-8ef1-b07bec73deff" providerId="ADAL" clId="{33DDCE01-D5A0-4892-8419-FF73BDBED2B5}" dt="2023-02-12T20:16:04.791" v="72"/>
-          <ac:spMkLst>
-            <pc:docMk/>
-            <pc:sldMk cId="214171354" sldId="278"/>
-            <ac:spMk id="2" creationId="{0FC085BA-4809-6EFA-567A-979478BDC626}"/>
-          </ac:spMkLst>
-        </pc:spChg>
-        <pc:spChg chg="del">
-          <ac:chgData name="Jheyson Fabian Villavisan Buitrago" userId="b9abc243-2adc-4788-8ef1-b07bec73deff" providerId="ADAL" clId="{33DDCE01-D5A0-4892-8419-FF73BDBED2B5}" dt="2023-02-12T20:16:03.588" v="71" actId="478"/>
-          <ac:spMkLst>
-            <pc:docMk/>
-            <pc:sldMk cId="214171354" sldId="278"/>
-            <ac:spMk id="7" creationId="{A29B92A2-7673-44F8-29EC-39FDCCC6D6AE}"/>
-          </ac:spMkLst>
-        </pc:spChg>
-        <pc:picChg chg="add mod">
-          <ac:chgData name="Jheyson Fabian Villavisan Buitrago" userId="b9abc243-2adc-4788-8ef1-b07bec73deff" providerId="ADAL" clId="{33DDCE01-D5A0-4892-8419-FF73BDBED2B5}" dt="2023-02-12T20:16:04.791" v="72"/>
-          <ac:picMkLst>
-            <pc:docMk/>
-            <pc:sldMk cId="214171354" sldId="278"/>
-            <ac:picMk id="3" creationId="{678AE1EF-3677-EA6E-6782-9051B3C2D134}"/>
-          </ac:picMkLst>
-        </pc:picChg>
       </pc:sldChg>
       <pc:sldChg chg="new del">
         <pc:chgData name="Jheyson Fabian Villavisan Buitrago" userId="b9abc243-2adc-4788-8ef1-b07bec73deff" providerId="ADAL" clId="{33DDCE01-D5A0-4892-8419-FF73BDBED2B5}" dt="2023-02-12T21:06:15.608" v="715" actId="680"/>
@@ -1430,14 +446,6 @@
           <pc:docMk/>
           <pc:sldMasterMk cId="87750959" sldId="2147483778"/>
         </pc:sldMasterMkLst>
-        <pc:spChg chg="add">
-          <ac:chgData name="Jheyson Fabian Villavisan Buitrago" userId="b9abc243-2adc-4788-8ef1-b07bec73deff" providerId="ADAL" clId="{33DDCE01-D5A0-4892-8419-FF73BDBED2B5}" dt="2023-02-12T20:12:44.943" v="6"/>
-          <ac:spMkLst>
-            <pc:docMk/>
-            <pc:sldMasterMk cId="87750959" sldId="2147483778"/>
-            <ac:spMk id="7" creationId="{7B0CA632-E545-9F27-F48F-19EBC6FED7F0}"/>
-          </ac:spMkLst>
-        </pc:spChg>
         <pc:sldLayoutChg chg="addSp">
           <pc:chgData name="Jheyson Fabian Villavisan Buitrago" userId="b9abc243-2adc-4788-8ef1-b07bec73deff" providerId="ADAL" clId="{33DDCE01-D5A0-4892-8419-FF73BDBED2B5}" dt="2023-02-12T20:12:44.943" v="6"/>
           <pc:sldLayoutMkLst>
@@ -1445,15 +453,6 @@
             <pc:sldMasterMk cId="87750959" sldId="2147483778"/>
             <pc:sldLayoutMk cId="1675921050" sldId="2147483779"/>
           </pc:sldLayoutMkLst>
-          <pc:spChg chg="add">
-            <ac:chgData name="Jheyson Fabian Villavisan Buitrago" userId="b9abc243-2adc-4788-8ef1-b07bec73deff" providerId="ADAL" clId="{33DDCE01-D5A0-4892-8419-FF73BDBED2B5}" dt="2023-02-12T20:12:44.943" v="6"/>
-            <ac:spMkLst>
-              <pc:docMk/>
-              <pc:sldMasterMk cId="87750959" sldId="2147483778"/>
-              <pc:sldLayoutMk cId="1675921050" sldId="2147483779"/>
-              <ac:spMk id="7" creationId="{4EDA08D5-F667-8787-0063-21E612015DD7}"/>
-            </ac:spMkLst>
-          </pc:spChg>
         </pc:sldLayoutChg>
       </pc:sldMasterChg>
       <pc:sldMasterChg chg="addSp modSldLayout">
@@ -1462,14 +461,6 @@
           <pc:docMk/>
           <pc:sldMasterMk cId="3641214427" sldId="2147483778"/>
         </pc:sldMasterMkLst>
-        <pc:spChg chg="add">
-          <ac:chgData name="Jheyson Fabian Villavisan Buitrago" userId="b9abc243-2adc-4788-8ef1-b07bec73deff" providerId="ADAL" clId="{33DDCE01-D5A0-4892-8419-FF73BDBED2B5}" dt="2023-02-12T20:06:35.969" v="0"/>
-          <ac:spMkLst>
-            <pc:docMk/>
-            <pc:sldMasterMk cId="3641214427" sldId="2147483778"/>
-            <ac:spMk id="7" creationId="{548E59C9-3A8C-2D5A-19FB-7C62F8AD38F4}"/>
-          </ac:spMkLst>
-        </pc:spChg>
         <pc:sldLayoutChg chg="addSp">
           <pc:chgData name="Jheyson Fabian Villavisan Buitrago" userId="b9abc243-2adc-4788-8ef1-b07bec73deff" providerId="ADAL" clId="{33DDCE01-D5A0-4892-8419-FF73BDBED2B5}" dt="2023-02-12T20:06:35.969" v="0"/>
           <pc:sldLayoutMkLst>
@@ -1477,17 +468,32 @@
             <pc:sldMasterMk cId="3641214427" sldId="2147483778"/>
             <pc:sldLayoutMk cId="4117338386" sldId="2147483779"/>
           </pc:sldLayoutMkLst>
-          <pc:spChg chg="add">
-            <ac:chgData name="Jheyson Fabian Villavisan Buitrago" userId="b9abc243-2adc-4788-8ef1-b07bec73deff" providerId="ADAL" clId="{33DDCE01-D5A0-4892-8419-FF73BDBED2B5}" dt="2023-02-12T20:06:35.969" v="0"/>
-            <ac:spMkLst>
-              <pc:docMk/>
-              <pc:sldMasterMk cId="3641214427" sldId="2147483778"/>
-              <pc:sldLayoutMk cId="4117338386" sldId="2147483779"/>
-              <ac:spMk id="7" creationId="{3DF8295E-E364-1450-D336-A3C4C64B853E}"/>
-            </ac:spMkLst>
-          </pc:spChg>
         </pc:sldLayoutChg>
       </pc:sldMasterChg>
+    </pc:docChg>
+  </pc:docChgLst>
+  <pc:docChgLst>
+    <pc:chgData name="JHEYSON FABIAN VILLAVISAN BUITRAGO" userId="e5ced5c2-d787-455d-b115-4f08a699b8c8" providerId="ADAL" clId="{B0133EBC-DBBA-4CB8-8A10-CB38457156D1}"/>
+    <pc:docChg chg="undo custSel modSld">
+      <pc:chgData name="JHEYSON FABIAN VILLAVISAN BUITRAGO" userId="e5ced5c2-d787-455d-b115-4f08a699b8c8" providerId="ADAL" clId="{B0133EBC-DBBA-4CB8-8A10-CB38457156D1}" dt="2025-01-17T15:14:14.216" v="5"/>
+      <pc:docMkLst>
+        <pc:docMk/>
+      </pc:docMkLst>
+      <pc:sldChg chg="modSp mod">
+        <pc:chgData name="JHEYSON FABIAN VILLAVISAN BUITRAGO" userId="e5ced5c2-d787-455d-b115-4f08a699b8c8" providerId="ADAL" clId="{B0133EBC-DBBA-4CB8-8A10-CB38457156D1}" dt="2025-01-17T15:14:14.216" v="5"/>
+        <pc:sldMkLst>
+          <pc:docMk/>
+          <pc:sldMk cId="2965408220" sldId="280"/>
+        </pc:sldMkLst>
+        <pc:graphicFrameChg chg="mod modGraphic">
+          <ac:chgData name="JHEYSON FABIAN VILLAVISAN BUITRAGO" userId="e5ced5c2-d787-455d-b115-4f08a699b8c8" providerId="ADAL" clId="{B0133EBC-DBBA-4CB8-8A10-CB38457156D1}" dt="2025-01-17T15:14:14.216" v="5"/>
+          <ac:graphicFrameMkLst>
+            <pc:docMk/>
+            <pc:sldMk cId="2965408220" sldId="280"/>
+            <ac:graphicFrameMk id="3" creationId="{4AAFE5C2-7FA4-466D-AA78-140D9F7AA7D2}"/>
+          </ac:graphicFrameMkLst>
+        </pc:graphicFrameChg>
+      </pc:sldChg>
     </pc:docChg>
   </pc:docChgLst>
 </pc:chgInfo>
@@ -7349,7 +6355,7 @@
               <a:pPr>
                 <a:defRPr/>
               </a:pPr>
-              <a:t>9/08/2024</a:t>
+              <a:t>17/01/2025</a:t>
             </a:fld>
             <a:endParaRPr lang="es-CO"/>
           </a:p>
@@ -7592,7 +6598,7 @@
               <a:pPr>
                 <a:defRPr/>
               </a:pPr>
-              <a:t>9/08/2024</a:t>
+              <a:t>17/01/2025</a:t>
             </a:fld>
             <a:endParaRPr lang="es-CO"/>
           </a:p>
@@ -10995,7 +10001,7 @@
           <a:p>
             <a:fld id="{9CF7635E-2D71-42E7-9E6C-FBB85A15A85F}" type="datetimeFigureOut">
               <a:rPr lang="es-CO" smtClean="0"/>
-              <a:t>9/08/2024</a:t>
+              <a:t>17/01/2025</a:t>
             </a:fld>
             <a:endParaRPr lang="es-CO"/>
           </a:p>
@@ -11261,7 +10267,7 @@
           <a:p>
             <a:fld id="{9CF7635E-2D71-42E7-9E6C-FBB85A15A85F}" type="datetimeFigureOut">
               <a:rPr lang="es-CO" smtClean="0"/>
-              <a:t>9/08/2024</a:t>
+              <a:t>17/01/2025</a:t>
             </a:fld>
             <a:endParaRPr lang="es-CO"/>
           </a:p>
@@ -11477,7 +10483,7 @@
           <a:p>
             <a:fld id="{9CF7635E-2D71-42E7-9E6C-FBB85A15A85F}" type="datetimeFigureOut">
               <a:rPr lang="es-CO" smtClean="0"/>
-              <a:t>9/08/2024</a:t>
+              <a:t>17/01/2025</a:t>
             </a:fld>
             <a:endParaRPr lang="es-CO"/>
           </a:p>
@@ -13106,7 +12112,7 @@
           <a:p>
             <a:fld id="{9CF7635E-2D71-42E7-9E6C-FBB85A15A85F}" type="datetimeFigureOut">
               <a:rPr lang="es-CO" smtClean="0"/>
-              <a:t>9/08/2024</a:t>
+              <a:t>17/01/2025</a:t>
             </a:fld>
             <a:endParaRPr lang="es-CO"/>
           </a:p>
@@ -13553,7 +12559,7 @@
           <a:p>
             <a:fld id="{9CF7635E-2D71-42E7-9E6C-FBB85A15A85F}" type="datetimeFigureOut">
               <a:rPr lang="es-CO" smtClean="0"/>
-              <a:t>9/08/2024</a:t>
+              <a:t>17/01/2025</a:t>
             </a:fld>
             <a:endParaRPr lang="es-CO"/>
           </a:p>
@@ -13827,7 +12833,7 @@
           <a:p>
             <a:fld id="{9CF7635E-2D71-42E7-9E6C-FBB85A15A85F}" type="datetimeFigureOut">
               <a:rPr lang="es-CO" smtClean="0"/>
-              <a:t>9/08/2024</a:t>
+              <a:t>17/01/2025</a:t>
             </a:fld>
             <a:endParaRPr lang="es-CO"/>
           </a:p>
@@ -14248,7 +13254,7 @@
           <a:p>
             <a:fld id="{9CF7635E-2D71-42E7-9E6C-FBB85A15A85F}" type="datetimeFigureOut">
               <a:rPr lang="es-CO" smtClean="0"/>
-              <a:t>9/08/2024</a:t>
+              <a:t>17/01/2025</a:t>
             </a:fld>
             <a:endParaRPr lang="es-CO"/>
           </a:p>
@@ -14396,7 +13402,7 @@
           <a:p>
             <a:fld id="{9CF7635E-2D71-42E7-9E6C-FBB85A15A85F}" type="datetimeFigureOut">
               <a:rPr lang="es-CO" smtClean="0"/>
-              <a:t>9/08/2024</a:t>
+              <a:t>17/01/2025</a:t>
             </a:fld>
             <a:endParaRPr lang="es-CO"/>
           </a:p>
@@ -14515,7 +13521,7 @@
           <a:p>
             <a:fld id="{9CF7635E-2D71-42E7-9E6C-FBB85A15A85F}" type="datetimeFigureOut">
               <a:rPr lang="es-CO" smtClean="0"/>
-              <a:t>9/08/2024</a:t>
+              <a:t>17/01/2025</a:t>
             </a:fld>
             <a:endParaRPr lang="es-CO"/>
           </a:p>
@@ -14834,7 +13840,7 @@
           <a:p>
             <a:fld id="{9CF7635E-2D71-42E7-9E6C-FBB85A15A85F}" type="datetimeFigureOut">
               <a:rPr lang="es-CO" smtClean="0"/>
-              <a:t>9/08/2024</a:t>
+              <a:t>17/01/2025</a:t>
             </a:fld>
             <a:endParaRPr lang="es-CO"/>
           </a:p>
@@ -15129,7 +14135,7 @@
           <a:p>
             <a:fld id="{9CF7635E-2D71-42E7-9E6C-FBB85A15A85F}" type="datetimeFigureOut">
               <a:rPr lang="es-CO" smtClean="0"/>
-              <a:t>9/08/2024</a:t>
+              <a:t>17/01/2025</a:t>
             </a:fld>
             <a:endParaRPr lang="es-CO"/>
           </a:p>
@@ -15378,7 +14384,7 @@
           <a:p>
             <a:fld id="{9CF7635E-2D71-42E7-9E6C-FBB85A15A85F}" type="datetimeFigureOut">
               <a:rPr lang="es-CO" smtClean="0"/>
-              <a:t>9/08/2024</a:t>
+              <a:t>17/01/2025</a:t>
             </a:fld>
             <a:endParaRPr lang="es-CO"/>
           </a:p>
@@ -19880,7 +18886,7 @@
           <p:nvPr>
             <p:extLst>
               <p:ext uri="{D42A27DB-BD31-4B8C-83A1-F6EECF244321}">
-                <p14:modId xmlns:p14="http://schemas.microsoft.com/office/powerpoint/2010/main" val="2145246272"/>
+                <p14:modId xmlns:p14="http://schemas.microsoft.com/office/powerpoint/2010/main" val="361192378"/>
               </p:ext>
             </p:extLst>
           </p:nvPr>
@@ -20057,7 +19063,7 @@
                       <a:pPr algn="ctr"/>
                       <a:r>
                         <a:rPr lang="es-CO" sz="1000" dirty="0"/>
-                        <a:t>5 agosto – 10 agosto</a:t>
+                        <a:t>3 febrero – 7 febrero</a:t>
                       </a:r>
                     </a:p>
                   </a:txBody>
@@ -20277,7 +19283,7 @@
                             <a:schemeClr val="tx1"/>
                           </a:solidFill>
                         </a:rPr>
-                        <a:t>12 agosto – 16 agosto</a:t>
+                        <a:t>10 febrero – 14 febrero</a:t>
                       </a:r>
                     </a:p>
                   </a:txBody>
@@ -20385,9 +19391,10 @@
                     <a:p>
                       <a:pPr algn="ctr"/>
                       <a:r>
-                        <a:rPr lang="es-CO" sz="1000" dirty="0"/>
+                        <a:rPr lang="es-CO" sz="1000"/>
                         <a:t>3</a:t>
                       </a:r>
+                      <a:endParaRPr lang="es-CO" sz="1000" dirty="0"/>
                     </a:p>
                   </a:txBody>
                   <a:tcPr>
@@ -20438,13 +19445,10 @@
                       <a:r>
                         <a:rPr lang="es-CO" sz="1000" dirty="0">
                           <a:solidFill>
-                            <a:srgbClr val="FF0000"/>
+                            <a:schemeClr val="tx1"/>
                           </a:solidFill>
-                          <a:highlight>
-                            <a:srgbClr val="FFFF00"/>
-                          </a:highlight>
                         </a:rPr>
-                        <a:t>19 agosto –23 agosto</a:t>
+                        <a:t>17 febrero – 21 febrero</a:t>
                       </a:r>
                     </a:p>
                   </a:txBody>
@@ -20608,7 +19612,7 @@
                             <a:schemeClr val="tx1"/>
                           </a:solidFill>
                         </a:rPr>
-                        <a:t>26 agosto – 30 agosto</a:t>
+                        <a:t>24 febrero – 28 febrero</a:t>
                       </a:r>
                     </a:p>
                   </a:txBody>
@@ -20768,7 +19772,7 @@
                       <a:pPr algn="ctr"/>
                       <a:r>
                         <a:rPr lang="es-CO" sz="1000" dirty="0"/>
-                        <a:t>2 septiembre – 6 septiembre</a:t>
+                        <a:t>3 marzo – 7 marzo</a:t>
                       </a:r>
                     </a:p>
                   </a:txBody>
@@ -20939,7 +19943,7 @@
                             <a:schemeClr val="tx1"/>
                           </a:solidFill>
                         </a:rPr>
-                        <a:t>9 septiembre – 13 septiembre</a:t>
+                        <a:t>10 marzo – 14 marzo</a:t>
                       </a:r>
                     </a:p>
                   </a:txBody>
@@ -21103,7 +20107,7 @@
                       <a:pPr algn="ctr"/>
                       <a:r>
                         <a:rPr lang="es-CO" sz="1000" dirty="0"/>
-                        <a:t> 18 marzo – 22 marzo</a:t>
+                        <a:t> 17 marzo – 21 marzo</a:t>
                       </a:r>
                     </a:p>
                   </a:txBody>
@@ -21269,10 +20273,13 @@
                       <a:r>
                         <a:rPr lang="es-CO" sz="1000" dirty="0">
                           <a:solidFill>
-                            <a:schemeClr val="tx1"/>
+                            <a:srgbClr val="FF0000"/>
                           </a:solidFill>
+                          <a:highlight>
+                            <a:srgbClr val="FFFF00"/>
+                          </a:highlight>
                         </a:rPr>
-                        <a:t>16 septiembre – 20 septiembre</a:t>
+                        <a:t>24 marzo – 28 marzo</a:t>
                       </a:r>
                     </a:p>
                   </a:txBody>
@@ -21461,7 +20468,7 @@
                             <a:schemeClr val="tx1"/>
                           </a:solidFill>
                         </a:rPr>
-                        <a:t>23 septiembre – 27 septiembre</a:t>
+                        <a:t>31 marzo – 4 abril</a:t>
                       </a:r>
                     </a:p>
                   </a:txBody>
@@ -21635,7 +20642,7 @@
                       <a:pPr algn="ctr"/>
                       <a:r>
                         <a:rPr lang="es-CO" sz="1000" dirty="0"/>
-                        <a:t>30 septiembre – 4 octubre</a:t>
+                        <a:t>7 abril – 11 abril</a:t>
                       </a:r>
                     </a:p>
                   </a:txBody>
@@ -21817,10 +20824,13 @@
                       <a:r>
                         <a:rPr lang="es-CO" sz="1000" dirty="0">
                           <a:solidFill>
-                            <a:schemeClr val="tx1"/>
+                            <a:srgbClr val="FF0000"/>
                           </a:solidFill>
+                          <a:highlight>
+                            <a:srgbClr val="FFFF00"/>
+                          </a:highlight>
                         </a:rPr>
-                        <a:t>7 octubre – 11 octubre</a:t>
+                        <a:t>14 abril – 18 abril</a:t>
                       </a:r>
                     </a:p>
                   </a:txBody>
@@ -22005,13 +21015,10 @@
                       <a:r>
                         <a:rPr lang="es-CO" sz="1000" dirty="0">
                           <a:solidFill>
-                            <a:srgbClr val="FF0000"/>
+                            <a:schemeClr val="tx1"/>
                           </a:solidFill>
-                          <a:highlight>
-                            <a:srgbClr val="FFFF00"/>
-                          </a:highlight>
                         </a:rPr>
-                        <a:t>14 octubre – 18 octubre </a:t>
+                        <a:t>21 abril – 25 abril</a:t>
                       </a:r>
                     </a:p>
                   </a:txBody>
@@ -22211,7 +21218,7 @@
                       </a:pPr>
                       <a:r>
                         <a:rPr lang="es-CO" sz="1000" dirty="0"/>
-                        <a:t>21 octubre – 25 octubre</a:t>
+                        <a:t>28 abril – 2 mayo</a:t>
                       </a:r>
                     </a:p>
                   </a:txBody>
@@ -22411,7 +21418,7 @@
                             <a:schemeClr val="tx1"/>
                           </a:solidFill>
                         </a:rPr>
-                        <a:t>28 octubre – 1 noviembre</a:t>
+                        <a:t>5 mayo – 9 mayo</a:t>
                       </a:r>
                     </a:p>
                   </a:txBody>
@@ -22605,13 +21612,10 @@
                       <a:r>
                         <a:rPr lang="es-CO" sz="1000" dirty="0">
                           <a:solidFill>
-                            <a:srgbClr val="FF0000"/>
+                            <a:schemeClr val="tx1"/>
                           </a:solidFill>
-                          <a:highlight>
-                            <a:srgbClr val="FFFF00"/>
-                          </a:highlight>
                         </a:rPr>
-                        <a:t>4 noviembre – 11 noviembre</a:t>
+                        <a:t>12 mayo – 16 mayo</a:t>
                       </a:r>
                     </a:p>
                   </a:txBody>
@@ -22773,13 +21777,10 @@
                       <a:r>
                         <a:rPr lang="es-CO" sz="1000" dirty="0">
                           <a:solidFill>
-                            <a:srgbClr val="FF0000"/>
+                            <a:schemeClr val="tx1"/>
                           </a:solidFill>
-                          <a:highlight>
-                            <a:srgbClr val="FFFF00"/>
-                          </a:highlight>
                         </a:rPr>
-                        <a:t>11 noviembre – 15 noviembre </a:t>
+                        <a:t>19 mayo – 23 mayo</a:t>
                       </a:r>
                     </a:p>
                   </a:txBody>
@@ -22964,7 +21965,7 @@
                             <a:schemeClr val="tx1"/>
                           </a:solidFill>
                         </a:rPr>
-                        <a:t>18 noviembre – 22 noviembre</a:t>
+                        <a:t>26 mayo – 30 mayo</a:t>
                       </a:r>
                     </a:p>
                   </a:txBody>
@@ -23129,10 +22130,13 @@
                       <a:r>
                         <a:rPr lang="es-CO" sz="1000" dirty="0">
                           <a:solidFill>
-                            <a:schemeClr val="tx1"/>
+                            <a:srgbClr val="FF0000"/>
                           </a:solidFill>
+                          <a:highlight>
+                            <a:srgbClr val="FFFF00"/>
+                          </a:highlight>
                         </a:rPr>
-                        <a:t>25 noviembre – 29 noviembre</a:t>
+                        <a:t>2 junio – 6 junio </a:t>
                       </a:r>
                     </a:p>
                   </a:txBody>
@@ -23310,14 +22314,11 @@
                     <a:lstStyle/>
                     <a:p>
                       <a:pPr algn="ctr"/>
-                      <a:r>
-                        <a:rPr lang="es-CO" sz="1000" dirty="0">
-                          <a:solidFill>
-                            <a:schemeClr val="tx1"/>
-                          </a:solidFill>
-                        </a:rPr>
-                        <a:t>3 diciembre – 7 diciembre</a:t>
-                      </a:r>
+                      <a:endParaRPr lang="es-CO" sz="1000" dirty="0">
+                        <a:solidFill>
+                          <a:schemeClr val="tx1"/>
+                        </a:solidFill>
+                      </a:endParaRPr>
                     </a:p>
                   </a:txBody>
                   <a:tcPr>
@@ -28275,15 +27276,6 @@
 </file>
 
 <file path=customXml/item1.xml><?xml version="1.0" encoding="utf-8"?>
-<?mso-contentType ?>
-<FormTemplates xmlns="http://schemas.microsoft.com/sharepoint/v3/contenttype/forms">
-  <Display>DocumentLibraryForm</Display>
-  <Edit>DocumentLibraryForm</Edit>
-  <New>DocumentLibraryForm</New>
-</FormTemplates>
-</file>
-
-<file path=customXml/item2.xml><?xml version="1.0" encoding="utf-8"?>
 <ct:contentTypeSchema xmlns:ct="http://schemas.microsoft.com/office/2006/metadata/contentType" xmlns:ma="http://schemas.microsoft.com/office/2006/metadata/properties/metaAttributes" ct:_="" ma:_="" ma:contentTypeName="Documento" ma:contentTypeID="0x0101007A62137D465CE64A8C883A4664514BF8" ma:contentTypeVersion="15" ma:contentTypeDescription="Crear nuevo documento." ma:contentTypeScope="" ma:versionID="a1bd1d59f691eb9bca6952b111268275">
   <xsd:schema xmlns:xsd="http://www.w3.org/2001/XMLSchema" xmlns:xs="http://www.w3.org/2001/XMLSchema" xmlns:p="http://schemas.microsoft.com/office/2006/metadata/properties" xmlns:ns3="669280c1-d17e-4d1d-bd7f-b4f14cc6bf1d" xmlns:ns4="bdc56f61-abc0-4f7e-bfec-a93ccd1ae886" targetNamespace="http://schemas.microsoft.com/office/2006/metadata/properties" ma:root="true" ma:fieldsID="d02990a02f19f0f9fc7b999b1809cae4" ns3:_="" ns4:_="">
     <xsd:import namespace="669280c1-d17e-4d1d-bd7f-b4f14cc6bf1d"/>
@@ -28518,6 +27510,15 @@
 </ct:contentTypeSchema>
 </file>
 
+<file path=customXml/item2.xml><?xml version="1.0" encoding="utf-8"?>
+<?mso-contentType ?>
+<FormTemplates xmlns="http://schemas.microsoft.com/sharepoint/v3/contenttype/forms">
+  <Display>DocumentLibraryForm</Display>
+  <Edit>DocumentLibraryForm</Edit>
+  <New>DocumentLibraryForm</New>
+</FormTemplates>
+</file>
+
 <file path=customXml/item3.xml><?xml version="1.0" encoding="utf-8"?>
 <p:properties xmlns:p="http://schemas.microsoft.com/office/2006/metadata/properties" xmlns:xsi="http://www.w3.org/2001/XMLSchema-instance" xmlns:pc="http://schemas.microsoft.com/office/infopath/2007/PartnerControls">
   <documentManagement>
@@ -28527,14 +27528,6 @@
 </file>
 
 <file path=customXml/itemProps1.xml><?xml version="1.0" encoding="utf-8"?>
-<ds:datastoreItem xmlns:ds="http://schemas.openxmlformats.org/officeDocument/2006/customXml" ds:itemID="{4E8623C8-32E1-48B0-9F0A-13F2E9582B7E}">
-  <ds:schemaRefs>
-    <ds:schemaRef ds:uri="http://schemas.microsoft.com/sharepoint/v3/contenttype/forms"/>
-  </ds:schemaRefs>
-</ds:datastoreItem>
-</file>
-
-<file path=customXml/itemProps2.xml><?xml version="1.0" encoding="utf-8"?>
 <ds:datastoreItem xmlns:ds="http://schemas.openxmlformats.org/officeDocument/2006/customXml" ds:itemID="{025820C3-FD82-4EFC-BF14-EAF1F9613F52}">
   <ds:schemaRefs>
     <ds:schemaRef ds:uri="http://schemas.microsoft.com/office/2006/metadata/contentType"/>
@@ -28549,6 +27542,14 @@
     <ds:schemaRef ds:uri="http://purl.org/dc/elements/1.1/"/>
     <ds:schemaRef ds:uri="http://purl.org/dc/terms/"/>
     <ds:schemaRef ds:uri="http://schemas.microsoft.com/internal/obd"/>
+  </ds:schemaRefs>
+</ds:datastoreItem>
+</file>
+
+<file path=customXml/itemProps2.xml><?xml version="1.0" encoding="utf-8"?>
+<ds:datastoreItem xmlns:ds="http://schemas.openxmlformats.org/officeDocument/2006/customXml" ds:itemID="{4E8623C8-32E1-48B0-9F0A-13F2E9582B7E}">
+  <ds:schemaRefs>
+    <ds:schemaRef ds:uri="http://schemas.microsoft.com/sharepoint/v3/contenttype/forms"/>
   </ds:schemaRefs>
 </ds:datastoreItem>
 </file>

--- a/Sesion_0/Introducción.pptx
+++ b/Sesion_0/Introducción.pptx
@@ -5,10 +5,10 @@
     <p:sldMasterId id="2147483778" r:id="rId4"/>
   </p:sldMasterIdLst>
   <p:notesMasterIdLst>
-    <p:notesMasterId r:id="rId16"/>
+    <p:notesMasterId r:id="rId15"/>
   </p:notesMasterIdLst>
   <p:handoutMasterIdLst>
-    <p:handoutMasterId r:id="rId17"/>
+    <p:handoutMasterId r:id="rId16"/>
   </p:handoutMasterIdLst>
   <p:sldIdLst>
     <p:sldId id="256" r:id="rId5"/>
@@ -16,12 +16,11 @@
     <p:sldId id="278" r:id="rId7"/>
     <p:sldId id="280" r:id="rId8"/>
     <p:sldId id="261" r:id="rId9"/>
-    <p:sldId id="264" r:id="rId10"/>
-    <p:sldId id="265" r:id="rId11"/>
-    <p:sldId id="266" r:id="rId12"/>
-    <p:sldId id="275" r:id="rId13"/>
-    <p:sldId id="277" r:id="rId14"/>
-    <p:sldId id="268" r:id="rId15"/>
+    <p:sldId id="265" r:id="rId10"/>
+    <p:sldId id="266" r:id="rId11"/>
+    <p:sldId id="275" r:id="rId12"/>
+    <p:sldId id="277" r:id="rId13"/>
+    <p:sldId id="268" r:id="rId14"/>
   </p:sldIdLst>
   <p:sldSz cx="9144000" cy="6858000" type="letter"/>
   <p:notesSz cx="6858000" cy="9144000"/>
@@ -130,7 +129,6 @@
             <p14:sldId id="278"/>
             <p14:sldId id="280"/>
             <p14:sldId id="261"/>
-            <p14:sldId id="264"/>
             <p14:sldId id="265"/>
             <p14:sldId id="266"/>
             <p14:sldId id="275"/>
@@ -474,11 +472,93 @@
   </pc:docChgLst>
   <pc:docChgLst>
     <pc:chgData name="JHEYSON FABIAN VILLAVISAN BUITRAGO" userId="e5ced5c2-d787-455d-b115-4f08a699b8c8" providerId="ADAL" clId="{B0133EBC-DBBA-4CB8-8A10-CB38457156D1}"/>
-    <pc:docChg chg="undo custSel modSld">
-      <pc:chgData name="JHEYSON FABIAN VILLAVISAN BUITRAGO" userId="e5ced5c2-d787-455d-b115-4f08a699b8c8" providerId="ADAL" clId="{B0133EBC-DBBA-4CB8-8A10-CB38457156D1}" dt="2025-01-17T15:14:14.216" v="5"/>
+    <pc:docChg chg="undo custSel delSld modSld modSection">
+      <pc:chgData name="JHEYSON FABIAN VILLAVISAN BUITRAGO" userId="e5ced5c2-d787-455d-b115-4f08a699b8c8" providerId="ADAL" clId="{B0133EBC-DBBA-4CB8-8A10-CB38457156D1}" dt="2025-01-20T14:41:11.975" v="12" actId="20577"/>
       <pc:docMkLst>
         <pc:docMk/>
       </pc:docMkLst>
+      <pc:sldChg chg="del">
+        <pc:chgData name="JHEYSON FABIAN VILLAVISAN BUITRAGO" userId="e5ced5c2-d787-455d-b115-4f08a699b8c8" providerId="ADAL" clId="{B0133EBC-DBBA-4CB8-8A10-CB38457156D1}" dt="2025-01-20T14:40:55.861" v="6" actId="47"/>
+        <pc:sldMkLst>
+          <pc:docMk/>
+          <pc:sldMk cId="0" sldId="264"/>
+        </pc:sldMkLst>
+      </pc:sldChg>
+      <pc:sldChg chg="modSp mod">
+        <pc:chgData name="JHEYSON FABIAN VILLAVISAN BUITRAGO" userId="e5ced5c2-d787-455d-b115-4f08a699b8c8" providerId="ADAL" clId="{B0133EBC-DBBA-4CB8-8A10-CB38457156D1}" dt="2025-01-20T14:40:58.615" v="7" actId="20577"/>
+        <pc:sldMkLst>
+          <pc:docMk/>
+          <pc:sldMk cId="0" sldId="265"/>
+        </pc:sldMkLst>
+        <pc:spChg chg="mod">
+          <ac:chgData name="JHEYSON FABIAN VILLAVISAN BUITRAGO" userId="e5ced5c2-d787-455d-b115-4f08a699b8c8" providerId="ADAL" clId="{B0133EBC-DBBA-4CB8-8A10-CB38457156D1}" dt="2025-01-20T14:40:58.615" v="7" actId="20577"/>
+          <ac:spMkLst>
+            <pc:docMk/>
+            <pc:sldMk cId="0" sldId="265"/>
+            <ac:spMk id="15362" creationId="{9BC34425-A357-487C-8A17-FF92756F9F1C}"/>
+          </ac:spMkLst>
+        </pc:spChg>
+      </pc:sldChg>
+      <pc:sldChg chg="modSp mod">
+        <pc:chgData name="JHEYSON FABIAN VILLAVISAN BUITRAGO" userId="e5ced5c2-d787-455d-b115-4f08a699b8c8" providerId="ADAL" clId="{B0133EBC-DBBA-4CB8-8A10-CB38457156D1}" dt="2025-01-20T14:41:02.907" v="8" actId="20577"/>
+        <pc:sldMkLst>
+          <pc:docMk/>
+          <pc:sldMk cId="0" sldId="266"/>
+        </pc:sldMkLst>
+        <pc:spChg chg="mod">
+          <ac:chgData name="JHEYSON FABIAN VILLAVISAN BUITRAGO" userId="e5ced5c2-d787-455d-b115-4f08a699b8c8" providerId="ADAL" clId="{B0133EBC-DBBA-4CB8-8A10-CB38457156D1}" dt="2025-01-20T14:41:02.907" v="8" actId="20577"/>
+          <ac:spMkLst>
+            <pc:docMk/>
+            <pc:sldMk cId="0" sldId="266"/>
+            <ac:spMk id="17410" creationId="{B3EF008C-EFA0-44F3-951B-EB1557F44ACC}"/>
+          </ac:spMkLst>
+        </pc:spChg>
+      </pc:sldChg>
+      <pc:sldChg chg="modSp mod">
+        <pc:chgData name="JHEYSON FABIAN VILLAVISAN BUITRAGO" userId="e5ced5c2-d787-455d-b115-4f08a699b8c8" providerId="ADAL" clId="{B0133EBC-DBBA-4CB8-8A10-CB38457156D1}" dt="2025-01-20T14:41:11.975" v="12" actId="20577"/>
+        <pc:sldMkLst>
+          <pc:docMk/>
+          <pc:sldMk cId="0" sldId="268"/>
+        </pc:sldMkLst>
+        <pc:spChg chg="mod">
+          <ac:chgData name="JHEYSON FABIAN VILLAVISAN BUITRAGO" userId="e5ced5c2-d787-455d-b115-4f08a699b8c8" providerId="ADAL" clId="{B0133EBC-DBBA-4CB8-8A10-CB38457156D1}" dt="2025-01-20T14:41:11.975" v="12" actId="20577"/>
+          <ac:spMkLst>
+            <pc:docMk/>
+            <pc:sldMk cId="0" sldId="268"/>
+            <ac:spMk id="23554" creationId="{EA98F516-CD1D-4B94-8AAC-2D9EAEE9939C}"/>
+          </ac:spMkLst>
+        </pc:spChg>
+      </pc:sldChg>
+      <pc:sldChg chg="modSp mod">
+        <pc:chgData name="JHEYSON FABIAN VILLAVISAN BUITRAGO" userId="e5ced5c2-d787-455d-b115-4f08a699b8c8" providerId="ADAL" clId="{B0133EBC-DBBA-4CB8-8A10-CB38457156D1}" dt="2025-01-20T14:41:05.519" v="9" actId="20577"/>
+        <pc:sldMkLst>
+          <pc:docMk/>
+          <pc:sldMk cId="2680639377" sldId="275"/>
+        </pc:sldMkLst>
+        <pc:spChg chg="mod">
+          <ac:chgData name="JHEYSON FABIAN VILLAVISAN BUITRAGO" userId="e5ced5c2-d787-455d-b115-4f08a699b8c8" providerId="ADAL" clId="{B0133EBC-DBBA-4CB8-8A10-CB38457156D1}" dt="2025-01-20T14:41:05.519" v="9" actId="20577"/>
+          <ac:spMkLst>
+            <pc:docMk/>
+            <pc:sldMk cId="2680639377" sldId="275"/>
+            <ac:spMk id="17410" creationId="{B3EF008C-EFA0-44F3-951B-EB1557F44ACC}"/>
+          </ac:spMkLst>
+        </pc:spChg>
+      </pc:sldChg>
+      <pc:sldChg chg="modSp mod">
+        <pc:chgData name="JHEYSON FABIAN VILLAVISAN BUITRAGO" userId="e5ced5c2-d787-455d-b115-4f08a699b8c8" providerId="ADAL" clId="{B0133EBC-DBBA-4CB8-8A10-CB38457156D1}" dt="2025-01-20T14:41:08.534" v="10" actId="20577"/>
+        <pc:sldMkLst>
+          <pc:docMk/>
+          <pc:sldMk cId="1955606898" sldId="277"/>
+        </pc:sldMkLst>
+        <pc:spChg chg="mod">
+          <ac:chgData name="JHEYSON FABIAN VILLAVISAN BUITRAGO" userId="e5ced5c2-d787-455d-b115-4f08a699b8c8" providerId="ADAL" clId="{B0133EBC-DBBA-4CB8-8A10-CB38457156D1}" dt="2025-01-20T14:41:08.534" v="10" actId="20577"/>
+          <ac:spMkLst>
+            <pc:docMk/>
+            <pc:sldMk cId="1955606898" sldId="277"/>
+            <ac:spMk id="21506" creationId="{974AAA16-E8D7-47E1-ABBC-3CB9C4D3BD82}"/>
+          </ac:spMkLst>
+        </pc:spChg>
+      </pc:sldChg>
       <pc:sldChg chg="modSp mod">
         <pc:chgData name="JHEYSON FABIAN VILLAVISAN BUITRAGO" userId="e5ced5c2-d787-455d-b115-4f08a699b8c8" providerId="ADAL" clId="{B0133EBC-DBBA-4CB8-8A10-CB38457156D1}" dt="2025-01-17T15:14:14.216" v="5"/>
         <pc:sldMkLst>
@@ -500,788 +580,6 @@
 </file>
 
 <file path=ppt/diagrams/colors1.xml><?xml version="1.0" encoding="utf-8"?>
-<dgm:colorsDef xmlns:dgm="http://schemas.openxmlformats.org/drawingml/2006/diagram" xmlns:a="http://schemas.openxmlformats.org/drawingml/2006/main" uniqueId="urn:microsoft.com/office/officeart/2005/8/colors/colorful5">
-  <dgm:title val=""/>
-  <dgm:desc val=""/>
-  <dgm:catLst>
-    <dgm:cat type="colorful" pri="10500"/>
-  </dgm:catLst>
-  <dgm:styleLbl name="node0">
-    <dgm:fillClrLst meth="repeat">
-      <a:schemeClr val="accent4"/>
-    </dgm:fillClrLst>
-    <dgm:linClrLst meth="repeat">
-      <a:schemeClr val="lt1"/>
-    </dgm:linClrLst>
-    <dgm:effectClrLst/>
-    <dgm:txLinClrLst/>
-    <dgm:txFillClrLst/>
-    <dgm:txEffectClrLst/>
-  </dgm:styleLbl>
-  <dgm:styleLbl name="node1">
-    <dgm:fillClrLst>
-      <a:schemeClr val="accent5"/>
-      <a:schemeClr val="accent6"/>
-    </dgm:fillClrLst>
-    <dgm:linClrLst meth="repeat">
-      <a:schemeClr val="lt1"/>
-    </dgm:linClrLst>
-    <dgm:effectClrLst/>
-    <dgm:txLinClrLst/>
-    <dgm:txFillClrLst/>
-    <dgm:txEffectClrLst/>
-  </dgm:styleLbl>
-  <dgm:styleLbl name="alignNode1">
-    <dgm:fillClrLst>
-      <a:schemeClr val="accent5"/>
-      <a:schemeClr val="accent6"/>
-    </dgm:fillClrLst>
-    <dgm:linClrLst>
-      <a:schemeClr val="accent5"/>
-      <a:schemeClr val="accent6"/>
-    </dgm:linClrLst>
-    <dgm:effectClrLst/>
-    <dgm:txLinClrLst/>
-    <dgm:txFillClrLst/>
-    <dgm:txEffectClrLst/>
-  </dgm:styleLbl>
-  <dgm:styleLbl name="lnNode1">
-    <dgm:fillClrLst>
-      <a:schemeClr val="accent5"/>
-      <a:schemeClr val="accent6"/>
-    </dgm:fillClrLst>
-    <dgm:linClrLst meth="repeat">
-      <a:schemeClr val="lt1"/>
-    </dgm:linClrLst>
-    <dgm:effectClrLst/>
-    <dgm:txLinClrLst/>
-    <dgm:txFillClrLst/>
-    <dgm:txEffectClrLst/>
-  </dgm:styleLbl>
-  <dgm:styleLbl name="vennNode1">
-    <dgm:fillClrLst>
-      <a:schemeClr val="accent5">
-        <a:alpha val="50000"/>
-      </a:schemeClr>
-      <a:schemeClr val="accent6">
-        <a:alpha val="50000"/>
-      </a:schemeClr>
-    </dgm:fillClrLst>
-    <dgm:linClrLst meth="repeat">
-      <a:schemeClr val="lt1"/>
-    </dgm:linClrLst>
-    <dgm:effectClrLst/>
-    <dgm:txLinClrLst/>
-    <dgm:txFillClrLst/>
-    <dgm:txEffectClrLst/>
-  </dgm:styleLbl>
-  <dgm:styleLbl name="node2">
-    <dgm:fillClrLst>
-      <a:schemeClr val="accent6"/>
-    </dgm:fillClrLst>
-    <dgm:linClrLst meth="repeat">
-      <a:schemeClr val="lt1"/>
-    </dgm:linClrLst>
-    <dgm:effectClrLst/>
-    <dgm:txLinClrLst/>
-    <dgm:txFillClrLst/>
-    <dgm:txEffectClrLst/>
-  </dgm:styleLbl>
-  <dgm:styleLbl name="node3">
-    <dgm:fillClrLst>
-      <a:schemeClr val="accent1"/>
-    </dgm:fillClrLst>
-    <dgm:linClrLst meth="repeat">
-      <a:schemeClr val="lt1"/>
-    </dgm:linClrLst>
-    <dgm:effectClrLst/>
-    <dgm:txLinClrLst/>
-    <dgm:txFillClrLst/>
-    <dgm:txEffectClrLst/>
-  </dgm:styleLbl>
-  <dgm:styleLbl name="node4">
-    <dgm:fillClrLst>
-      <a:schemeClr val="accent2"/>
-    </dgm:fillClrLst>
-    <dgm:linClrLst meth="repeat">
-      <a:schemeClr val="lt1"/>
-    </dgm:linClrLst>
-    <dgm:effectClrLst/>
-    <dgm:txLinClrLst/>
-    <dgm:txFillClrLst/>
-    <dgm:txEffectClrLst/>
-  </dgm:styleLbl>
-  <dgm:styleLbl name="fgImgPlace1">
-    <dgm:fillClrLst>
-      <a:schemeClr val="accent5">
-        <a:tint val="50000"/>
-      </a:schemeClr>
-      <a:schemeClr val="accent6">
-        <a:tint val="50000"/>
-      </a:schemeClr>
-    </dgm:fillClrLst>
-    <dgm:linClrLst meth="repeat">
-      <a:schemeClr val="lt1"/>
-    </dgm:linClrLst>
-    <dgm:effectClrLst/>
-    <dgm:txLinClrLst/>
-    <dgm:txFillClrLst meth="repeat">
-      <a:schemeClr val="lt1"/>
-    </dgm:txFillClrLst>
-    <dgm:txEffectClrLst/>
-  </dgm:styleLbl>
-  <dgm:styleLbl name="alignImgPlace1">
-    <dgm:fillClrLst>
-      <a:schemeClr val="accent5">
-        <a:tint val="50000"/>
-      </a:schemeClr>
-      <a:schemeClr val="accent6">
-        <a:tint val="20000"/>
-      </a:schemeClr>
-    </dgm:fillClrLst>
-    <dgm:linClrLst meth="repeat">
-      <a:schemeClr val="lt1"/>
-    </dgm:linClrLst>
-    <dgm:effectClrLst/>
-    <dgm:txLinClrLst/>
-    <dgm:txFillClrLst meth="repeat">
-      <a:schemeClr val="lt1"/>
-    </dgm:txFillClrLst>
-    <dgm:txEffectClrLst/>
-  </dgm:styleLbl>
-  <dgm:styleLbl name="bgImgPlace1">
-    <dgm:fillClrLst>
-      <a:schemeClr val="accent5">
-        <a:tint val="50000"/>
-      </a:schemeClr>
-      <a:schemeClr val="accent6">
-        <a:tint val="20000"/>
-      </a:schemeClr>
-    </dgm:fillClrLst>
-    <dgm:linClrLst meth="repeat">
-      <a:schemeClr val="lt1"/>
-    </dgm:linClrLst>
-    <dgm:effectClrLst/>
-    <dgm:txLinClrLst/>
-    <dgm:txFillClrLst meth="repeat">
-      <a:schemeClr val="lt1"/>
-    </dgm:txFillClrLst>
-    <dgm:txEffectClrLst/>
-  </dgm:styleLbl>
-  <dgm:styleLbl name="sibTrans2D1">
-    <dgm:fillClrLst>
-      <a:schemeClr val="accent5"/>
-      <a:schemeClr val="accent6"/>
-    </dgm:fillClrLst>
-    <dgm:linClrLst meth="repeat">
-      <a:schemeClr val="lt1"/>
-    </dgm:linClrLst>
-    <dgm:effectClrLst/>
-    <dgm:txLinClrLst/>
-    <dgm:txFillClrLst/>
-    <dgm:txEffectClrLst/>
-  </dgm:styleLbl>
-  <dgm:styleLbl name="fgSibTrans2D1">
-    <dgm:fillClrLst>
-      <a:schemeClr val="accent5"/>
-      <a:schemeClr val="accent6"/>
-    </dgm:fillClrLst>
-    <dgm:linClrLst meth="repeat">
-      <a:schemeClr val="lt1"/>
-    </dgm:linClrLst>
-    <dgm:effectClrLst/>
-    <dgm:txLinClrLst/>
-    <dgm:txFillClrLst meth="repeat">
-      <a:schemeClr val="lt1"/>
-    </dgm:txFillClrLst>
-    <dgm:txEffectClrLst/>
-  </dgm:styleLbl>
-  <dgm:styleLbl name="bgSibTrans2D1">
-    <dgm:fillClrLst>
-      <a:schemeClr val="accent5"/>
-      <a:schemeClr val="accent6"/>
-    </dgm:fillClrLst>
-    <dgm:linClrLst meth="repeat">
-      <a:schemeClr val="lt1"/>
-    </dgm:linClrLst>
-    <dgm:effectClrLst/>
-    <dgm:txLinClrLst/>
-    <dgm:txFillClrLst meth="repeat">
-      <a:schemeClr val="lt1"/>
-    </dgm:txFillClrLst>
-    <dgm:txEffectClrLst/>
-  </dgm:styleLbl>
-  <dgm:styleLbl name="sibTrans1D1">
-    <dgm:fillClrLst/>
-    <dgm:linClrLst>
-      <a:schemeClr val="accent5"/>
-      <a:schemeClr val="accent6"/>
-    </dgm:linClrLst>
-    <dgm:effectClrLst/>
-    <dgm:txLinClrLst/>
-    <dgm:txFillClrLst meth="repeat">
-      <a:schemeClr val="tx1"/>
-    </dgm:txFillClrLst>
-    <dgm:txEffectClrLst/>
-  </dgm:styleLbl>
-  <dgm:styleLbl name="callout">
-    <dgm:fillClrLst meth="repeat">
-      <a:schemeClr val="accent5"/>
-    </dgm:fillClrLst>
-    <dgm:linClrLst meth="repeat">
-      <a:schemeClr val="accent5">
-        <a:tint val="50000"/>
-      </a:schemeClr>
-    </dgm:linClrLst>
-    <dgm:effectClrLst/>
-    <dgm:txLinClrLst/>
-    <dgm:txFillClrLst meth="repeat">
-      <a:schemeClr val="tx1"/>
-    </dgm:txFillClrLst>
-    <dgm:txEffectClrLst/>
-  </dgm:styleLbl>
-  <dgm:styleLbl name="asst0">
-    <dgm:fillClrLst meth="repeat">
-      <a:schemeClr val="accent5"/>
-    </dgm:fillClrLst>
-    <dgm:linClrLst meth="repeat">
-      <a:schemeClr val="lt1">
-        <a:shade val="80000"/>
-      </a:schemeClr>
-    </dgm:linClrLst>
-    <dgm:effectClrLst/>
-    <dgm:txLinClrLst/>
-    <dgm:txFillClrLst/>
-    <dgm:txEffectClrLst/>
-  </dgm:styleLbl>
-  <dgm:styleLbl name="asst1">
-    <dgm:fillClrLst meth="repeat">
-      <a:schemeClr val="accent6"/>
-    </dgm:fillClrLst>
-    <dgm:linClrLst meth="repeat">
-      <a:schemeClr val="lt1">
-        <a:shade val="80000"/>
-      </a:schemeClr>
-    </dgm:linClrLst>
-    <dgm:effectClrLst/>
-    <dgm:txLinClrLst/>
-    <dgm:txFillClrLst/>
-    <dgm:txEffectClrLst/>
-  </dgm:styleLbl>
-  <dgm:styleLbl name="asst2">
-    <dgm:fillClrLst>
-      <a:schemeClr val="accent1"/>
-    </dgm:fillClrLst>
-    <dgm:linClrLst meth="repeat">
-      <a:schemeClr val="lt1"/>
-    </dgm:linClrLst>
-    <dgm:effectClrLst/>
-    <dgm:txLinClrLst/>
-    <dgm:txFillClrLst/>
-    <dgm:txEffectClrLst/>
-  </dgm:styleLbl>
-  <dgm:styleLbl name="asst3">
-    <dgm:fillClrLst>
-      <a:schemeClr val="accent2"/>
-    </dgm:fillClrLst>
-    <dgm:linClrLst meth="repeat">
-      <a:schemeClr val="lt1"/>
-    </dgm:linClrLst>
-    <dgm:effectClrLst/>
-    <dgm:txLinClrLst/>
-    <dgm:txFillClrLst/>
-    <dgm:txEffectClrLst/>
-  </dgm:styleLbl>
-  <dgm:styleLbl name="asst4">
-    <dgm:fillClrLst>
-      <a:schemeClr val="accent3"/>
-    </dgm:fillClrLst>
-    <dgm:linClrLst meth="repeat">
-      <a:schemeClr val="lt1"/>
-    </dgm:linClrLst>
-    <dgm:effectClrLst/>
-    <dgm:txLinClrLst/>
-    <dgm:txFillClrLst/>
-    <dgm:txEffectClrLst/>
-  </dgm:styleLbl>
-  <dgm:styleLbl name="parChTrans2D1">
-    <dgm:fillClrLst meth="repeat">
-      <a:schemeClr val="accent5"/>
-    </dgm:fillClrLst>
-    <dgm:linClrLst meth="repeat">
-      <a:schemeClr val="lt1"/>
-    </dgm:linClrLst>
-    <dgm:effectClrLst/>
-    <dgm:txLinClrLst/>
-    <dgm:txFillClrLst meth="repeat">
-      <a:schemeClr val="lt1"/>
-    </dgm:txFillClrLst>
-    <dgm:txEffectClrLst/>
-  </dgm:styleLbl>
-  <dgm:styleLbl name="parChTrans2D2">
-    <dgm:fillClrLst meth="repeat">
-      <a:schemeClr val="accent6"/>
-    </dgm:fillClrLst>
-    <dgm:linClrLst meth="repeat">
-      <a:schemeClr val="lt1"/>
-    </dgm:linClrLst>
-    <dgm:effectClrLst/>
-    <dgm:txLinClrLst/>
-    <dgm:txFillClrLst/>
-    <dgm:txEffectClrLst/>
-  </dgm:styleLbl>
-  <dgm:styleLbl name="parChTrans2D3">
-    <dgm:fillClrLst meth="repeat">
-      <a:schemeClr val="accent6"/>
-    </dgm:fillClrLst>
-    <dgm:linClrLst meth="repeat">
-      <a:schemeClr val="lt1"/>
-    </dgm:linClrLst>
-    <dgm:effectClrLst/>
-    <dgm:txLinClrLst/>
-    <dgm:txFillClrLst/>
-    <dgm:txEffectClrLst/>
-  </dgm:styleLbl>
-  <dgm:styleLbl name="parChTrans2D4">
-    <dgm:fillClrLst meth="repeat">
-      <a:schemeClr val="accent1"/>
-    </dgm:fillClrLst>
-    <dgm:linClrLst meth="repeat">
-      <a:schemeClr val="lt1"/>
-    </dgm:linClrLst>
-    <dgm:effectClrLst/>
-    <dgm:txLinClrLst/>
-    <dgm:txFillClrLst meth="repeat">
-      <a:schemeClr val="lt1"/>
-    </dgm:txFillClrLst>
-    <dgm:txEffectClrLst/>
-  </dgm:styleLbl>
-  <dgm:styleLbl name="parChTrans1D1">
-    <dgm:fillClrLst meth="repeat">
-      <a:schemeClr val="accent5"/>
-    </dgm:fillClrLst>
-    <dgm:linClrLst meth="repeat">
-      <a:schemeClr val="accent5"/>
-    </dgm:linClrLst>
-    <dgm:effectClrLst/>
-    <dgm:txLinClrLst/>
-    <dgm:txFillClrLst meth="repeat">
-      <a:schemeClr val="tx1"/>
-    </dgm:txFillClrLst>
-    <dgm:txEffectClrLst/>
-  </dgm:styleLbl>
-  <dgm:styleLbl name="parChTrans1D2">
-    <dgm:fillClrLst meth="repeat">
-      <a:schemeClr val="accent6">
-        <a:tint val="90000"/>
-      </a:schemeClr>
-    </dgm:fillClrLst>
-    <dgm:linClrLst meth="repeat">
-      <a:schemeClr val="accent6"/>
-    </dgm:linClrLst>
-    <dgm:effectClrLst/>
-    <dgm:txLinClrLst/>
-    <dgm:txFillClrLst meth="repeat">
-      <a:schemeClr val="tx1"/>
-    </dgm:txFillClrLst>
-    <dgm:txEffectClrLst/>
-  </dgm:styleLbl>
-  <dgm:styleLbl name="parChTrans1D3">
-    <dgm:fillClrLst meth="repeat">
-      <a:schemeClr val="accent6">
-        <a:tint val="70000"/>
-      </a:schemeClr>
-    </dgm:fillClrLst>
-    <dgm:linClrLst meth="repeat">
-      <a:schemeClr val="accent1"/>
-    </dgm:linClrLst>
-    <dgm:effectClrLst/>
-    <dgm:txLinClrLst/>
-    <dgm:txFillClrLst meth="repeat">
-      <a:schemeClr val="tx1"/>
-    </dgm:txFillClrLst>
-    <dgm:txEffectClrLst/>
-  </dgm:styleLbl>
-  <dgm:styleLbl name="parChTrans1D4">
-    <dgm:fillClrLst meth="repeat">
-      <a:schemeClr val="accent6">
-        <a:tint val="50000"/>
-      </a:schemeClr>
-    </dgm:fillClrLst>
-    <dgm:linClrLst meth="repeat">
-      <a:schemeClr val="accent2"/>
-    </dgm:linClrLst>
-    <dgm:effectClrLst/>
-    <dgm:txLinClrLst/>
-    <dgm:txFillClrLst meth="repeat">
-      <a:schemeClr val="tx1"/>
-    </dgm:txFillClrLst>
-    <dgm:txEffectClrLst/>
-  </dgm:styleLbl>
-  <dgm:styleLbl name="fgAcc1">
-    <dgm:fillClrLst meth="repeat">
-      <a:schemeClr val="lt1">
-        <a:alpha val="90000"/>
-      </a:schemeClr>
-    </dgm:fillClrLst>
-    <dgm:linClrLst>
-      <a:schemeClr val="accent5"/>
-      <a:schemeClr val="accent6"/>
-    </dgm:linClrLst>
-    <dgm:effectClrLst/>
-    <dgm:txLinClrLst/>
-    <dgm:txFillClrLst meth="repeat">
-      <a:schemeClr val="dk1"/>
-    </dgm:txFillClrLst>
-    <dgm:txEffectClrLst/>
-  </dgm:styleLbl>
-  <dgm:styleLbl name="conFgAcc1">
-    <dgm:fillClrLst meth="repeat">
-      <a:schemeClr val="lt1">
-        <a:alpha val="90000"/>
-      </a:schemeClr>
-    </dgm:fillClrLst>
-    <dgm:linClrLst>
-      <a:schemeClr val="accent5"/>
-      <a:schemeClr val="accent6"/>
-    </dgm:linClrLst>
-    <dgm:effectClrLst/>
-    <dgm:txLinClrLst/>
-    <dgm:txFillClrLst meth="repeat">
-      <a:schemeClr val="dk1"/>
-    </dgm:txFillClrLst>
-    <dgm:txEffectClrLst/>
-  </dgm:styleLbl>
-  <dgm:styleLbl name="alignAcc1">
-    <dgm:fillClrLst meth="repeat">
-      <a:schemeClr val="lt1">
-        <a:alpha val="90000"/>
-      </a:schemeClr>
-    </dgm:fillClrLst>
-    <dgm:linClrLst>
-      <a:schemeClr val="accent5"/>
-      <a:schemeClr val="accent6"/>
-    </dgm:linClrLst>
-    <dgm:effectClrLst/>
-    <dgm:txLinClrLst/>
-    <dgm:txFillClrLst meth="repeat">
-      <a:schemeClr val="dk1"/>
-    </dgm:txFillClrLst>
-    <dgm:txEffectClrLst/>
-  </dgm:styleLbl>
-  <dgm:styleLbl name="trAlignAcc1">
-    <dgm:fillClrLst meth="repeat">
-      <a:schemeClr val="lt1">
-        <a:alpha val="40000"/>
-      </a:schemeClr>
-    </dgm:fillClrLst>
-    <dgm:linClrLst meth="repeat">
-      <a:schemeClr val="accent5"/>
-    </dgm:linClrLst>
-    <dgm:effectClrLst/>
-    <dgm:txLinClrLst/>
-    <dgm:txFillClrLst meth="repeat">
-      <a:schemeClr val="dk1"/>
-    </dgm:txFillClrLst>
-    <dgm:txEffectClrLst/>
-  </dgm:styleLbl>
-  <dgm:styleLbl name="bgAcc1">
-    <dgm:fillClrLst meth="repeat">
-      <a:schemeClr val="lt1">
-        <a:alpha val="90000"/>
-      </a:schemeClr>
-    </dgm:fillClrLst>
-    <dgm:linClrLst>
-      <a:schemeClr val="accent5"/>
-      <a:schemeClr val="accent6"/>
-    </dgm:linClrLst>
-    <dgm:effectClrLst/>
-    <dgm:txLinClrLst/>
-    <dgm:txFillClrLst meth="repeat">
-      <a:schemeClr val="dk1"/>
-    </dgm:txFillClrLst>
-    <dgm:txEffectClrLst/>
-  </dgm:styleLbl>
-  <dgm:styleLbl name="solidFgAcc1">
-    <dgm:fillClrLst meth="repeat">
-      <a:schemeClr val="lt1"/>
-    </dgm:fillClrLst>
-    <dgm:linClrLst>
-      <a:schemeClr val="accent5"/>
-      <a:schemeClr val="accent6"/>
-    </dgm:linClrLst>
-    <dgm:effectClrLst/>
-    <dgm:txLinClrLst/>
-    <dgm:txFillClrLst meth="repeat">
-      <a:schemeClr val="dk1"/>
-    </dgm:txFillClrLst>
-    <dgm:txEffectClrLst/>
-  </dgm:styleLbl>
-  <dgm:styleLbl name="solidAlignAcc1">
-    <dgm:fillClrLst meth="repeat">
-      <a:schemeClr val="lt1"/>
-    </dgm:fillClrLst>
-    <dgm:linClrLst>
-      <a:schemeClr val="accent5"/>
-      <a:schemeClr val="accent6"/>
-    </dgm:linClrLst>
-    <dgm:effectClrLst/>
-    <dgm:txLinClrLst/>
-    <dgm:txFillClrLst meth="repeat">
-      <a:schemeClr val="dk1"/>
-    </dgm:txFillClrLst>
-    <dgm:txEffectClrLst/>
-  </dgm:styleLbl>
-  <dgm:styleLbl name="solidBgAcc1">
-    <dgm:fillClrLst meth="repeat">
-      <a:schemeClr val="lt1"/>
-    </dgm:fillClrLst>
-    <dgm:linClrLst>
-      <a:schemeClr val="accent5"/>
-      <a:schemeClr val="accent6"/>
-    </dgm:linClrLst>
-    <dgm:effectClrLst/>
-    <dgm:txLinClrLst/>
-    <dgm:txFillClrLst meth="repeat">
-      <a:schemeClr val="dk1"/>
-    </dgm:txFillClrLst>
-    <dgm:txEffectClrLst/>
-  </dgm:styleLbl>
-  <dgm:styleLbl name="fgAccFollowNode1">
-    <dgm:fillClrLst>
-      <a:schemeClr val="accent5">
-        <a:tint val="40000"/>
-        <a:alpha val="90000"/>
-      </a:schemeClr>
-      <a:schemeClr val="accent6">
-        <a:tint val="40000"/>
-        <a:alpha val="90000"/>
-      </a:schemeClr>
-    </dgm:fillClrLst>
-    <dgm:linClrLst>
-      <a:schemeClr val="accent5">
-        <a:tint val="40000"/>
-        <a:alpha val="90000"/>
-      </a:schemeClr>
-      <a:schemeClr val="accent5">
-        <a:tint val="40000"/>
-        <a:alpha val="90000"/>
-      </a:schemeClr>
-    </dgm:linClrLst>
-    <dgm:effectClrLst/>
-    <dgm:txLinClrLst/>
-    <dgm:txFillClrLst meth="repeat">
-      <a:schemeClr val="dk1"/>
-    </dgm:txFillClrLst>
-    <dgm:txEffectClrLst/>
-  </dgm:styleLbl>
-  <dgm:styleLbl name="alignAccFollowNode1">
-    <dgm:fillClrLst>
-      <a:schemeClr val="accent5">
-        <a:tint val="40000"/>
-        <a:alpha val="90000"/>
-      </a:schemeClr>
-      <a:schemeClr val="accent6">
-        <a:tint val="40000"/>
-        <a:alpha val="90000"/>
-      </a:schemeClr>
-    </dgm:fillClrLst>
-    <dgm:linClrLst>
-      <a:schemeClr val="accent5">
-        <a:tint val="40000"/>
-        <a:alpha val="90000"/>
-      </a:schemeClr>
-      <a:schemeClr val="accent6">
-        <a:tint val="40000"/>
-        <a:alpha val="90000"/>
-      </a:schemeClr>
-    </dgm:linClrLst>
-    <dgm:effectClrLst/>
-    <dgm:txLinClrLst/>
-    <dgm:txFillClrLst meth="repeat">
-      <a:schemeClr val="dk1"/>
-    </dgm:txFillClrLst>
-    <dgm:txEffectClrLst/>
-  </dgm:styleLbl>
-  <dgm:styleLbl name="bgAccFollowNode1">
-    <dgm:fillClrLst>
-      <a:schemeClr val="accent5">
-        <a:tint val="40000"/>
-        <a:alpha val="90000"/>
-      </a:schemeClr>
-      <a:schemeClr val="accent6">
-        <a:tint val="40000"/>
-        <a:alpha val="90000"/>
-      </a:schemeClr>
-    </dgm:fillClrLst>
-    <dgm:linClrLst>
-      <a:schemeClr val="accent5">
-        <a:tint val="40000"/>
-        <a:alpha val="90000"/>
-      </a:schemeClr>
-      <a:schemeClr val="accent6">
-        <a:tint val="40000"/>
-        <a:alpha val="90000"/>
-      </a:schemeClr>
-    </dgm:linClrLst>
-    <dgm:effectClrLst/>
-    <dgm:txLinClrLst/>
-    <dgm:txFillClrLst meth="repeat">
-      <a:schemeClr val="dk1"/>
-    </dgm:txFillClrLst>
-    <dgm:txEffectClrLst/>
-  </dgm:styleLbl>
-  <dgm:styleLbl name="fgAcc0">
-    <dgm:fillClrLst meth="repeat">
-      <a:schemeClr val="lt1">
-        <a:alpha val="90000"/>
-      </a:schemeClr>
-    </dgm:fillClrLst>
-    <dgm:linClrLst>
-      <a:schemeClr val="accent4"/>
-    </dgm:linClrLst>
-    <dgm:effectClrLst/>
-    <dgm:txLinClrLst/>
-    <dgm:txFillClrLst meth="repeat">
-      <a:schemeClr val="dk1"/>
-    </dgm:txFillClrLst>
-    <dgm:txEffectClrLst/>
-  </dgm:styleLbl>
-  <dgm:styleLbl name="fgAcc2">
-    <dgm:fillClrLst meth="repeat">
-      <a:schemeClr val="lt1">
-        <a:alpha val="90000"/>
-      </a:schemeClr>
-    </dgm:fillClrLst>
-    <dgm:linClrLst>
-      <a:schemeClr val="accent6"/>
-    </dgm:linClrLst>
-    <dgm:effectClrLst/>
-    <dgm:txLinClrLst/>
-    <dgm:txFillClrLst meth="repeat">
-      <a:schemeClr val="dk1"/>
-    </dgm:txFillClrLst>
-    <dgm:txEffectClrLst/>
-  </dgm:styleLbl>
-  <dgm:styleLbl name="fgAcc3">
-    <dgm:fillClrLst meth="repeat">
-      <a:schemeClr val="lt1">
-        <a:alpha val="90000"/>
-      </a:schemeClr>
-    </dgm:fillClrLst>
-    <dgm:linClrLst>
-      <a:schemeClr val="accent1"/>
-    </dgm:linClrLst>
-    <dgm:effectClrLst/>
-    <dgm:txLinClrLst/>
-    <dgm:txFillClrLst meth="repeat">
-      <a:schemeClr val="dk1"/>
-    </dgm:txFillClrLst>
-    <dgm:txEffectClrLst/>
-  </dgm:styleLbl>
-  <dgm:styleLbl name="fgAcc4">
-    <dgm:fillClrLst meth="repeat">
-      <a:schemeClr val="lt1">
-        <a:alpha val="90000"/>
-      </a:schemeClr>
-    </dgm:fillClrLst>
-    <dgm:linClrLst>
-      <a:schemeClr val="accent2"/>
-    </dgm:linClrLst>
-    <dgm:effectClrLst/>
-    <dgm:txLinClrLst/>
-    <dgm:txFillClrLst meth="repeat">
-      <a:schemeClr val="dk1"/>
-    </dgm:txFillClrLst>
-    <dgm:txEffectClrLst/>
-  </dgm:styleLbl>
-  <dgm:styleLbl name="bgShp">
-    <dgm:fillClrLst meth="repeat">
-      <a:schemeClr val="accent5">
-        <a:tint val="40000"/>
-      </a:schemeClr>
-    </dgm:fillClrLst>
-    <dgm:linClrLst meth="repeat">
-      <a:schemeClr val="dk1"/>
-    </dgm:linClrLst>
-    <dgm:effectClrLst/>
-    <dgm:txLinClrLst/>
-    <dgm:txFillClrLst meth="repeat">
-      <a:schemeClr val="dk1"/>
-    </dgm:txFillClrLst>
-    <dgm:txEffectClrLst/>
-  </dgm:styleLbl>
-  <dgm:styleLbl name="dkBgShp">
-    <dgm:fillClrLst meth="repeat">
-      <a:schemeClr val="accent5">
-        <a:shade val="90000"/>
-      </a:schemeClr>
-    </dgm:fillClrLst>
-    <dgm:linClrLst meth="repeat">
-      <a:schemeClr val="dk1"/>
-    </dgm:linClrLst>
-    <dgm:effectClrLst/>
-    <dgm:txLinClrLst/>
-    <dgm:txFillClrLst meth="repeat">
-      <a:schemeClr val="lt1"/>
-    </dgm:txFillClrLst>
-    <dgm:txEffectClrLst/>
-  </dgm:styleLbl>
-  <dgm:styleLbl name="trBgShp">
-    <dgm:fillClrLst meth="repeat">
-      <a:schemeClr val="accent5">
-        <a:tint val="50000"/>
-        <a:alpha val="40000"/>
-      </a:schemeClr>
-    </dgm:fillClrLst>
-    <dgm:linClrLst meth="repeat">
-      <a:schemeClr val="accent5"/>
-    </dgm:linClrLst>
-    <dgm:effectClrLst/>
-    <dgm:txLinClrLst/>
-    <dgm:txFillClrLst meth="repeat">
-      <a:schemeClr val="lt1"/>
-    </dgm:txFillClrLst>
-    <dgm:txEffectClrLst/>
-  </dgm:styleLbl>
-  <dgm:styleLbl name="fgShp">
-    <dgm:fillClrLst meth="repeat">
-      <a:schemeClr val="accent5">
-        <a:tint val="40000"/>
-      </a:schemeClr>
-    </dgm:fillClrLst>
-    <dgm:linClrLst meth="repeat">
-      <a:schemeClr val="lt1"/>
-    </dgm:linClrLst>
-    <dgm:effectClrLst/>
-    <dgm:txLinClrLst/>
-    <dgm:txFillClrLst meth="repeat">
-      <a:schemeClr val="dk1"/>
-    </dgm:txFillClrLst>
-    <dgm:txEffectClrLst/>
-  </dgm:styleLbl>
-  <dgm:styleLbl name="revTx">
-    <dgm:fillClrLst meth="repeat">
-      <a:schemeClr val="lt1">
-        <a:alpha val="0"/>
-      </a:schemeClr>
-    </dgm:fillClrLst>
-    <dgm:linClrLst meth="repeat">
-      <a:schemeClr val="dk1">
-        <a:alpha val="0"/>
-      </a:schemeClr>
-    </dgm:linClrLst>
-    <dgm:effectClrLst/>
-    <dgm:txLinClrLst/>
-    <dgm:txFillClrLst meth="repeat">
-      <a:schemeClr val="tx1"/>
-    </dgm:txFillClrLst>
-    <dgm:txEffectClrLst/>
-  </dgm:styleLbl>
-</dgm:colorsDef>
-</file>
-
-<file path=ppt/diagrams/colors2.xml><?xml version="1.0" encoding="utf-8"?>
 <dgm:colorsDef xmlns:dgm="http://schemas.openxmlformats.org/drawingml/2006/diagram" xmlns:a="http://schemas.openxmlformats.org/drawingml/2006/main" uniqueId="urn:microsoft.com/office/officeart/2005/8/colors/colorful5">
   <dgm:title val=""/>
   <dgm:desc val=""/>
@@ -2338,479 +1636,6 @@
 </dgm:dataModel>
 </file>
 
-<file path=ppt/diagrams/data2.xml><?xml version="1.0" encoding="utf-8"?>
-<dgm:dataModel xmlns:dgm="http://schemas.openxmlformats.org/drawingml/2006/diagram" xmlns:a="http://schemas.openxmlformats.org/drawingml/2006/main">
-  <dgm:ptLst>
-    <dgm:pt modelId="{FDF3AFBB-E8ED-43D4-B539-F32D2D8739C6}" type="doc">
-      <dgm:prSet loTypeId="urn:microsoft.com/office/officeart/2005/8/layout/bList2" loCatId="list" qsTypeId="urn:microsoft.com/office/officeart/2005/8/quickstyle/simple1" qsCatId="simple" csTypeId="urn:microsoft.com/office/officeart/2005/8/colors/colorful5" csCatId="colorful" phldr="1"/>
-      <dgm:spPr/>
-    </dgm:pt>
-    <dgm:pt modelId="{949C45C1-98A4-422C-930F-397C00536C45}">
-      <dgm:prSet phldrT="[Texto]"/>
-      <dgm:spPr/>
-      <dgm:t>
-        <a:bodyPr/>
-        <a:lstStyle/>
-        <a:p>
-          <a:r>
-            <a:rPr lang="es-CO" dirty="0"/>
-            <a:t> (80%)***</a:t>
-          </a:r>
-        </a:p>
-      </dgm:t>
-    </dgm:pt>
-    <dgm:pt modelId="{5B22A082-FEAD-4701-A864-38CFE2F8D3BA}" type="parTrans" cxnId="{D9A0E720-134A-4C03-BE62-B2D9E1386493}">
-      <dgm:prSet/>
-      <dgm:spPr/>
-      <dgm:t>
-        <a:bodyPr/>
-        <a:lstStyle/>
-        <a:p>
-          <a:endParaRPr lang="es-CO"/>
-        </a:p>
-      </dgm:t>
-    </dgm:pt>
-    <dgm:pt modelId="{C81EAF41-538A-4FEB-B6CD-689ABB177703}" type="sibTrans" cxnId="{D9A0E720-134A-4C03-BE62-B2D9E1386493}">
-      <dgm:prSet/>
-      <dgm:spPr/>
-      <dgm:t>
-        <a:bodyPr/>
-        <a:lstStyle/>
-        <a:p>
-          <a:endParaRPr lang="es-CO"/>
-        </a:p>
-      </dgm:t>
-    </dgm:pt>
-    <dgm:pt modelId="{87499C26-5F73-4DF4-8BAF-5D74EED61947}">
-      <dgm:prSet phldrT="[Texto]"/>
-      <dgm:spPr/>
-      <dgm:t>
-        <a:bodyPr/>
-        <a:lstStyle/>
-        <a:p>
-          <a:r>
-            <a:rPr lang="es-CO" dirty="0"/>
-            <a:t>ASISTENCIA Y PARTICIPACIÓN (20%)</a:t>
-          </a:r>
-        </a:p>
-      </dgm:t>
-    </dgm:pt>
-    <dgm:pt modelId="{522EDCFD-FABF-491E-B6C2-B909CA343DE1}" type="parTrans" cxnId="{828B946E-EAD5-4CF1-86A2-824876076BEA}">
-      <dgm:prSet/>
-      <dgm:spPr/>
-      <dgm:t>
-        <a:bodyPr/>
-        <a:lstStyle/>
-        <a:p>
-          <a:endParaRPr lang="es-CO"/>
-        </a:p>
-      </dgm:t>
-    </dgm:pt>
-    <dgm:pt modelId="{65490B13-F95A-4AF2-BBF4-4143B4076016}" type="sibTrans" cxnId="{828B946E-EAD5-4CF1-86A2-824876076BEA}">
-      <dgm:prSet/>
-      <dgm:spPr/>
-      <dgm:t>
-        <a:bodyPr/>
-        <a:lstStyle/>
-        <a:p>
-          <a:endParaRPr lang="es-CO"/>
-        </a:p>
-      </dgm:t>
-    </dgm:pt>
-    <dgm:pt modelId="{FDF22934-9ADB-4E5F-A522-EBD70D312CF0}">
-      <dgm:prSet/>
-      <dgm:spPr/>
-      <dgm:t>
-        <a:bodyPr/>
-        <a:lstStyle/>
-        <a:p>
-          <a:r>
-            <a:rPr lang="es-CO" dirty="0"/>
-            <a:t>PDF (</a:t>
-          </a:r>
-          <a:r>
-            <a:rPr lang="es-CO" dirty="0" err="1"/>
-            <a:t>word</a:t>
-          </a:r>
-          <a:r>
-            <a:rPr lang="es-CO" dirty="0"/>
-            <a:t>, </a:t>
-          </a:r>
-          <a:r>
-            <a:rPr lang="es-CO" dirty="0" err="1"/>
-            <a:t>latex</a:t>
-          </a:r>
-          <a:r>
-            <a:rPr lang="es-CO" dirty="0"/>
-            <a:t>, </a:t>
-          </a:r>
-          <a:r>
-            <a:rPr lang="es-CO" dirty="0" err="1"/>
-            <a:t>etc</a:t>
-          </a:r>
-          <a:r>
-            <a:rPr lang="es-CO" dirty="0"/>
-            <a:t>)</a:t>
-          </a:r>
-        </a:p>
-      </dgm:t>
-    </dgm:pt>
-    <dgm:pt modelId="{22DE123A-6B4B-4D45-A4D0-0D03E3BC711E}" type="parTrans" cxnId="{874EF619-5946-4B69-B4EC-0BB9F5C996E0}">
-      <dgm:prSet/>
-      <dgm:spPr/>
-      <dgm:t>
-        <a:bodyPr/>
-        <a:lstStyle/>
-        <a:p>
-          <a:endParaRPr lang="es-CO"/>
-        </a:p>
-      </dgm:t>
-    </dgm:pt>
-    <dgm:pt modelId="{5CC05B54-138E-4E2A-994F-49242EE51BD8}" type="sibTrans" cxnId="{874EF619-5946-4B69-B4EC-0BB9F5C996E0}">
-      <dgm:prSet/>
-      <dgm:spPr/>
-      <dgm:t>
-        <a:bodyPr/>
-        <a:lstStyle/>
-        <a:p>
-          <a:endParaRPr lang="es-CO"/>
-        </a:p>
-      </dgm:t>
-    </dgm:pt>
-    <dgm:pt modelId="{413C88C2-7D6C-4585-BC10-D2259453B32C}">
-      <dgm:prSet/>
-      <dgm:spPr/>
-      <dgm:t>
-        <a:bodyPr/>
-        <a:lstStyle/>
-        <a:p>
-          <a:r>
-            <a:rPr lang="es-CO" dirty="0"/>
-            <a:t>Entrega proyectos: Sesión según fecha**</a:t>
-          </a:r>
-        </a:p>
-      </dgm:t>
-    </dgm:pt>
-    <dgm:pt modelId="{5106D410-7988-4546-BA6F-4E8151F9E0A5}" type="parTrans" cxnId="{F4A842F3-6D5C-44E6-9BC6-D0E850B412B8}">
-      <dgm:prSet/>
-      <dgm:spPr/>
-      <dgm:t>
-        <a:bodyPr/>
-        <a:lstStyle/>
-        <a:p>
-          <a:endParaRPr lang="es-CO"/>
-        </a:p>
-      </dgm:t>
-    </dgm:pt>
-    <dgm:pt modelId="{F83947A6-3184-4B04-AC4F-E10C27CD85CB}" type="sibTrans" cxnId="{F4A842F3-6D5C-44E6-9BC6-D0E850B412B8}">
-      <dgm:prSet/>
-      <dgm:spPr/>
-      <dgm:t>
-        <a:bodyPr/>
-        <a:lstStyle/>
-        <a:p>
-          <a:endParaRPr lang="es-CO"/>
-        </a:p>
-      </dgm:t>
-    </dgm:pt>
-    <dgm:pt modelId="{4C0896BD-DE51-43B1-B200-E06E5D3B6188}">
-      <dgm:prSet/>
-      <dgm:spPr/>
-      <dgm:t>
-        <a:bodyPr/>
-        <a:lstStyle/>
-        <a:p>
-          <a:r>
-            <a:rPr lang="es-CO" dirty="0"/>
-            <a:t>Entrega: Correo monitor*</a:t>
-          </a:r>
-        </a:p>
-      </dgm:t>
-    </dgm:pt>
-    <dgm:pt modelId="{AFA15671-9EB0-448D-BA3C-3F0BF8EB250E}" type="parTrans" cxnId="{620B48F4-6B8A-43C9-857C-B0D254B9AB6C}">
-      <dgm:prSet/>
-      <dgm:spPr/>
-      <dgm:t>
-        <a:bodyPr/>
-        <a:lstStyle/>
-        <a:p>
-          <a:endParaRPr lang="es-CO"/>
-        </a:p>
-      </dgm:t>
-    </dgm:pt>
-    <dgm:pt modelId="{A1D1544E-BF8B-4C1D-8C52-DF5F1325FDF0}" type="sibTrans" cxnId="{620B48F4-6B8A-43C9-857C-B0D254B9AB6C}">
-      <dgm:prSet/>
-      <dgm:spPr/>
-      <dgm:t>
-        <a:bodyPr/>
-        <a:lstStyle/>
-        <a:p>
-          <a:endParaRPr lang="es-CO"/>
-        </a:p>
-      </dgm:t>
-    </dgm:pt>
-    <dgm:pt modelId="{64736739-E0AF-4443-89DC-1C579366BE7E}">
-      <dgm:prSet/>
-      <dgm:spPr/>
-      <dgm:t>
-        <a:bodyPr/>
-        <a:lstStyle/>
-        <a:p>
-          <a:r>
-            <a:rPr lang="es-CO" dirty="0"/>
-            <a:t>Participación</a:t>
-          </a:r>
-        </a:p>
-      </dgm:t>
-    </dgm:pt>
-    <dgm:pt modelId="{F5A2D512-02D3-4BE1-B28F-09198C104B60}" type="parTrans" cxnId="{8B7916C8-CE7E-458B-815B-AABC4EBE5096}">
-      <dgm:prSet/>
-      <dgm:spPr/>
-      <dgm:t>
-        <a:bodyPr/>
-        <a:lstStyle/>
-        <a:p>
-          <a:endParaRPr lang="es-CO"/>
-        </a:p>
-      </dgm:t>
-    </dgm:pt>
-    <dgm:pt modelId="{2C3BA340-AB2B-4B82-88B4-5E140E12FE27}" type="sibTrans" cxnId="{8B7916C8-CE7E-458B-815B-AABC4EBE5096}">
-      <dgm:prSet/>
-      <dgm:spPr/>
-      <dgm:t>
-        <a:bodyPr/>
-        <a:lstStyle/>
-        <a:p>
-          <a:endParaRPr lang="es-CO"/>
-        </a:p>
-      </dgm:t>
-    </dgm:pt>
-    <dgm:pt modelId="{BC3B2B73-1BCE-4371-8D20-BCFE617584FF}">
-      <dgm:prSet/>
-      <dgm:spPr/>
-      <dgm:t>
-        <a:bodyPr/>
-        <a:lstStyle/>
-        <a:p>
-          <a:r>
-            <a:rPr lang="es-CO" dirty="0"/>
-            <a:t>Puntualidad entrega</a:t>
-          </a:r>
-        </a:p>
-      </dgm:t>
-    </dgm:pt>
-    <dgm:pt modelId="{ECB345B3-BE45-4B36-BC6E-6632B5D92F1A}" type="parTrans" cxnId="{7D6523C8-E816-4BAC-A5BB-4E22253B440D}">
-      <dgm:prSet/>
-      <dgm:spPr/>
-      <dgm:t>
-        <a:bodyPr/>
-        <a:lstStyle/>
-        <a:p>
-          <a:endParaRPr lang="es-CO"/>
-        </a:p>
-      </dgm:t>
-    </dgm:pt>
-    <dgm:pt modelId="{8A94A68B-200C-4D1B-BDE6-524703888F4B}" type="sibTrans" cxnId="{7D6523C8-E816-4BAC-A5BB-4E22253B440D}">
-      <dgm:prSet/>
-      <dgm:spPr/>
-      <dgm:t>
-        <a:bodyPr/>
-        <a:lstStyle/>
-        <a:p>
-          <a:endParaRPr lang="es-CO"/>
-        </a:p>
-      </dgm:t>
-    </dgm:pt>
-    <dgm:pt modelId="{952BAD52-2FAE-4F37-8545-D341B4B4CC02}">
-      <dgm:prSet/>
-      <dgm:spPr/>
-      <dgm:t>
-        <a:bodyPr/>
-        <a:lstStyle/>
-        <a:p>
-          <a:r>
-            <a:rPr lang="es-CO" dirty="0"/>
-            <a:t>Puntualidad asistencia</a:t>
-          </a:r>
-        </a:p>
-      </dgm:t>
-    </dgm:pt>
-    <dgm:pt modelId="{AA847EE3-8AD8-474F-9A5B-C3063E9F1529}" type="parTrans" cxnId="{92AE334C-3BCD-48CE-83D2-25BB9B729B2B}">
-      <dgm:prSet/>
-      <dgm:spPr/>
-      <dgm:t>
-        <a:bodyPr/>
-        <a:lstStyle/>
-        <a:p>
-          <a:endParaRPr lang="es-CO"/>
-        </a:p>
-      </dgm:t>
-    </dgm:pt>
-    <dgm:pt modelId="{FB325293-D3E3-4D52-BE74-4BC49AE1AED1}" type="sibTrans" cxnId="{92AE334C-3BCD-48CE-83D2-25BB9B729B2B}">
-      <dgm:prSet/>
-      <dgm:spPr/>
-      <dgm:t>
-        <a:bodyPr/>
-        <a:lstStyle/>
-        <a:p>
-          <a:endParaRPr lang="es-CO"/>
-        </a:p>
-      </dgm:t>
-    </dgm:pt>
-    <dgm:pt modelId="{DA426280-59A3-4F59-B8E5-457C938E7B81}" type="pres">
-      <dgm:prSet presAssocID="{FDF3AFBB-E8ED-43D4-B539-F32D2D8739C6}" presName="diagram" presStyleCnt="0">
-        <dgm:presLayoutVars>
-          <dgm:dir/>
-          <dgm:animLvl val="lvl"/>
-          <dgm:resizeHandles val="exact"/>
-        </dgm:presLayoutVars>
-      </dgm:prSet>
-      <dgm:spPr/>
-    </dgm:pt>
-    <dgm:pt modelId="{7BE4B74C-13BA-4A8A-A4AD-442BC1278283}" type="pres">
-      <dgm:prSet presAssocID="{949C45C1-98A4-422C-930F-397C00536C45}" presName="compNode" presStyleCnt="0"/>
-      <dgm:spPr/>
-    </dgm:pt>
-    <dgm:pt modelId="{150F5849-49DC-4034-99E9-D0B5A5D7194C}" type="pres">
-      <dgm:prSet presAssocID="{949C45C1-98A4-422C-930F-397C00536C45}" presName="childRect" presStyleLbl="bgAcc1" presStyleIdx="0" presStyleCnt="2">
-        <dgm:presLayoutVars>
-          <dgm:bulletEnabled val="1"/>
-        </dgm:presLayoutVars>
-      </dgm:prSet>
-      <dgm:spPr/>
-    </dgm:pt>
-    <dgm:pt modelId="{658D8F38-8CE8-4DEB-B2F4-1B52376CBFB4}" type="pres">
-      <dgm:prSet presAssocID="{949C45C1-98A4-422C-930F-397C00536C45}" presName="parentText" presStyleLbl="node1" presStyleIdx="0" presStyleCnt="0">
-        <dgm:presLayoutVars>
-          <dgm:chMax val="0"/>
-          <dgm:bulletEnabled val="1"/>
-        </dgm:presLayoutVars>
-      </dgm:prSet>
-      <dgm:spPr/>
-    </dgm:pt>
-    <dgm:pt modelId="{20E2EC33-8638-4FBA-B832-B01CECD6C266}" type="pres">
-      <dgm:prSet presAssocID="{949C45C1-98A4-422C-930F-397C00536C45}" presName="parentRect" presStyleLbl="alignNode1" presStyleIdx="0" presStyleCnt="2"/>
-      <dgm:spPr/>
-    </dgm:pt>
-    <dgm:pt modelId="{B915FC40-4CB0-4AF2-9935-C42710070A53}" type="pres">
-      <dgm:prSet presAssocID="{949C45C1-98A4-422C-930F-397C00536C45}" presName="adorn" presStyleLbl="fgAccFollowNode1" presStyleIdx="0" presStyleCnt="2"/>
-      <dgm:spPr>
-        <a:blipFill>
-          <a:blip xmlns:r="http://schemas.openxmlformats.org/officeDocument/2006/relationships" r:embed="rId1">
-            <a:extLst>
-              <a:ext uri="{28A0092B-C50C-407E-A947-70E740481C1C}">
-                <a14:useLocalDpi xmlns:a14="http://schemas.microsoft.com/office/drawing/2010/main" val="0"/>
-              </a:ext>
-            </a:extLst>
-          </a:blip>
-          <a:srcRect/>
-          <a:stretch>
-            <a:fillRect/>
-          </a:stretch>
-        </a:blipFill>
-      </dgm:spPr>
-      <dgm:extLst>
-        <a:ext uri="{E40237B7-FDA0-4F09-8148-C483321AD2D9}">
-          <dgm14:cNvPr xmlns:dgm14="http://schemas.microsoft.com/office/drawing/2010/diagram" id="0" name="" descr="Documento"/>
-        </a:ext>
-      </dgm:extLst>
-    </dgm:pt>
-    <dgm:pt modelId="{EB587A61-D36A-4DA2-AB8F-4E2691860F08}" type="pres">
-      <dgm:prSet presAssocID="{C81EAF41-538A-4FEB-B6CD-689ABB177703}" presName="sibTrans" presStyleLbl="sibTrans2D1" presStyleIdx="0" presStyleCnt="0"/>
-      <dgm:spPr/>
-    </dgm:pt>
-    <dgm:pt modelId="{741DA3AC-BB3F-481D-A200-16D270CA9AAD}" type="pres">
-      <dgm:prSet presAssocID="{87499C26-5F73-4DF4-8BAF-5D74EED61947}" presName="compNode" presStyleCnt="0"/>
-      <dgm:spPr/>
-    </dgm:pt>
-    <dgm:pt modelId="{CCCD188B-F08E-4BDC-B729-FEF94633D233}" type="pres">
-      <dgm:prSet presAssocID="{87499C26-5F73-4DF4-8BAF-5D74EED61947}" presName="childRect" presStyleLbl="bgAcc1" presStyleIdx="1" presStyleCnt="2">
-        <dgm:presLayoutVars>
-          <dgm:bulletEnabled val="1"/>
-        </dgm:presLayoutVars>
-      </dgm:prSet>
-      <dgm:spPr/>
-    </dgm:pt>
-    <dgm:pt modelId="{EB2F2891-C838-42AA-A1C7-087CBD9D1339}" type="pres">
-      <dgm:prSet presAssocID="{87499C26-5F73-4DF4-8BAF-5D74EED61947}" presName="parentText" presStyleLbl="node1" presStyleIdx="0" presStyleCnt="0">
-        <dgm:presLayoutVars>
-          <dgm:chMax val="0"/>
-          <dgm:bulletEnabled val="1"/>
-        </dgm:presLayoutVars>
-      </dgm:prSet>
-      <dgm:spPr/>
-    </dgm:pt>
-    <dgm:pt modelId="{319510DE-E492-4992-815A-6D2A3FEC7E56}" type="pres">
-      <dgm:prSet presAssocID="{87499C26-5F73-4DF4-8BAF-5D74EED61947}" presName="parentRect" presStyleLbl="alignNode1" presStyleIdx="1" presStyleCnt="2"/>
-      <dgm:spPr/>
-    </dgm:pt>
-    <dgm:pt modelId="{2704129E-B416-4D03-87A2-578EB5E24D26}" type="pres">
-      <dgm:prSet presAssocID="{87499C26-5F73-4DF4-8BAF-5D74EED61947}" presName="adorn" presStyleLbl="fgAccFollowNode1" presStyleIdx="1" presStyleCnt="2"/>
-      <dgm:spPr>
-        <a:blipFill dpi="0" rotWithShape="1">
-          <a:blip xmlns:r="http://schemas.openxmlformats.org/officeDocument/2006/relationships" r:embed="rId2">
-            <a:extLst>
-              <a:ext uri="{28A0092B-C50C-407E-A947-70E740481C1C}">
-                <a14:useLocalDpi xmlns:a14="http://schemas.microsoft.com/office/drawing/2010/main" val="0"/>
-              </a:ext>
-            </a:extLst>
-          </a:blip>
-          <a:srcRect/>
-          <a:stretch>
-            <a:fillRect/>
-          </a:stretch>
-        </a:blipFill>
-      </dgm:spPr>
-      <dgm:extLst>
-        <a:ext uri="{E40237B7-FDA0-4F09-8148-C483321AD2D9}">
-          <dgm14:cNvPr xmlns:dgm14="http://schemas.microsoft.com/office/drawing/2010/diagram" id="0" name="" descr="Centro de llamadas"/>
-        </a:ext>
-      </dgm:extLst>
-    </dgm:pt>
-  </dgm:ptLst>
-  <dgm:cxnLst>
-    <dgm:cxn modelId="{2895E009-BBBF-47DB-98CE-3B5CECD6D4D1}" type="presOf" srcId="{64736739-E0AF-4443-89DC-1C579366BE7E}" destId="{CCCD188B-F08E-4BDC-B729-FEF94633D233}" srcOrd="0" destOrd="2" presId="urn:microsoft.com/office/officeart/2005/8/layout/bList2"/>
-    <dgm:cxn modelId="{874EF619-5946-4B69-B4EC-0BB9F5C996E0}" srcId="{949C45C1-98A4-422C-930F-397C00536C45}" destId="{FDF22934-9ADB-4E5F-A522-EBD70D312CF0}" srcOrd="0" destOrd="0" parTransId="{22DE123A-6B4B-4D45-A4D0-0D03E3BC711E}" sibTransId="{5CC05B54-138E-4E2A-994F-49242EE51BD8}"/>
-    <dgm:cxn modelId="{D9A0E720-134A-4C03-BE62-B2D9E1386493}" srcId="{FDF3AFBB-E8ED-43D4-B539-F32D2D8739C6}" destId="{949C45C1-98A4-422C-930F-397C00536C45}" srcOrd="0" destOrd="0" parTransId="{5B22A082-FEAD-4701-A864-38CFE2F8D3BA}" sibTransId="{C81EAF41-538A-4FEB-B6CD-689ABB177703}"/>
-    <dgm:cxn modelId="{DD39A13C-48D3-44BA-9B89-CAD68046B081}" type="presOf" srcId="{949C45C1-98A4-422C-930F-397C00536C45}" destId="{658D8F38-8CE8-4DEB-B2F4-1B52376CBFB4}" srcOrd="0" destOrd="0" presId="urn:microsoft.com/office/officeart/2005/8/layout/bList2"/>
-    <dgm:cxn modelId="{1956C05D-F231-412F-A367-56194D13E8CA}" type="presOf" srcId="{FDF22934-9ADB-4E5F-A522-EBD70D312CF0}" destId="{150F5849-49DC-4034-99E9-D0B5A5D7194C}" srcOrd="0" destOrd="0" presId="urn:microsoft.com/office/officeart/2005/8/layout/bList2"/>
-    <dgm:cxn modelId="{6F157163-533C-4FEF-9123-630D89096C10}" type="presOf" srcId="{BC3B2B73-1BCE-4371-8D20-BCFE617584FF}" destId="{CCCD188B-F08E-4BDC-B729-FEF94633D233}" srcOrd="0" destOrd="1" presId="urn:microsoft.com/office/officeart/2005/8/layout/bList2"/>
-    <dgm:cxn modelId="{92AE334C-3BCD-48CE-83D2-25BB9B729B2B}" srcId="{87499C26-5F73-4DF4-8BAF-5D74EED61947}" destId="{952BAD52-2FAE-4F37-8545-D341B4B4CC02}" srcOrd="0" destOrd="0" parTransId="{AA847EE3-8AD8-474F-9A5B-C3063E9F1529}" sibTransId="{FB325293-D3E3-4D52-BE74-4BC49AE1AED1}"/>
-    <dgm:cxn modelId="{67AA3D6C-3E28-4065-A1B2-57D5E7A8A6CA}" type="presOf" srcId="{949C45C1-98A4-422C-930F-397C00536C45}" destId="{20E2EC33-8638-4FBA-B832-B01CECD6C266}" srcOrd="1" destOrd="0" presId="urn:microsoft.com/office/officeart/2005/8/layout/bList2"/>
-    <dgm:cxn modelId="{07F9406D-BC9E-4019-A2EB-2A89F5D35B92}" type="presOf" srcId="{4C0896BD-DE51-43B1-B200-E06E5D3B6188}" destId="{150F5849-49DC-4034-99E9-D0B5A5D7194C}" srcOrd="0" destOrd="2" presId="urn:microsoft.com/office/officeart/2005/8/layout/bList2"/>
-    <dgm:cxn modelId="{9442566D-EE9F-4B2A-AF96-9D20570B6B9D}" type="presOf" srcId="{952BAD52-2FAE-4F37-8545-D341B4B4CC02}" destId="{CCCD188B-F08E-4BDC-B729-FEF94633D233}" srcOrd="0" destOrd="0" presId="urn:microsoft.com/office/officeart/2005/8/layout/bList2"/>
-    <dgm:cxn modelId="{828B946E-EAD5-4CF1-86A2-824876076BEA}" srcId="{FDF3AFBB-E8ED-43D4-B539-F32D2D8739C6}" destId="{87499C26-5F73-4DF4-8BAF-5D74EED61947}" srcOrd="1" destOrd="0" parTransId="{522EDCFD-FABF-491E-B6C2-B909CA343DE1}" sibTransId="{65490B13-F95A-4AF2-BBF4-4143B4076016}"/>
-    <dgm:cxn modelId="{2F3E1874-F40C-4489-8372-032B9921E353}" type="presOf" srcId="{413C88C2-7D6C-4585-BC10-D2259453B32C}" destId="{150F5849-49DC-4034-99E9-D0B5A5D7194C}" srcOrd="0" destOrd="1" presId="urn:microsoft.com/office/officeart/2005/8/layout/bList2"/>
-    <dgm:cxn modelId="{A0CFEA82-C74F-44EC-ACD0-F194E48FC943}" type="presOf" srcId="{FDF3AFBB-E8ED-43D4-B539-F32D2D8739C6}" destId="{DA426280-59A3-4F59-B8E5-457C938E7B81}" srcOrd="0" destOrd="0" presId="urn:microsoft.com/office/officeart/2005/8/layout/bList2"/>
-    <dgm:cxn modelId="{8B7916C8-CE7E-458B-815B-AABC4EBE5096}" srcId="{87499C26-5F73-4DF4-8BAF-5D74EED61947}" destId="{64736739-E0AF-4443-89DC-1C579366BE7E}" srcOrd="2" destOrd="0" parTransId="{F5A2D512-02D3-4BE1-B28F-09198C104B60}" sibTransId="{2C3BA340-AB2B-4B82-88B4-5E140E12FE27}"/>
-    <dgm:cxn modelId="{7D6523C8-E816-4BAC-A5BB-4E22253B440D}" srcId="{87499C26-5F73-4DF4-8BAF-5D74EED61947}" destId="{BC3B2B73-1BCE-4371-8D20-BCFE617584FF}" srcOrd="1" destOrd="0" parTransId="{ECB345B3-BE45-4B36-BC6E-6632B5D92F1A}" sibTransId="{8A94A68B-200C-4D1B-BDE6-524703888F4B}"/>
-    <dgm:cxn modelId="{8FE29BED-746B-48DB-8DE2-F5888273AA8E}" type="presOf" srcId="{C81EAF41-538A-4FEB-B6CD-689ABB177703}" destId="{EB587A61-D36A-4DA2-AB8F-4E2691860F08}" srcOrd="0" destOrd="0" presId="urn:microsoft.com/office/officeart/2005/8/layout/bList2"/>
-    <dgm:cxn modelId="{F4A842F3-6D5C-44E6-9BC6-D0E850B412B8}" srcId="{949C45C1-98A4-422C-930F-397C00536C45}" destId="{413C88C2-7D6C-4585-BC10-D2259453B32C}" srcOrd="1" destOrd="0" parTransId="{5106D410-7988-4546-BA6F-4E8151F9E0A5}" sibTransId="{F83947A6-3184-4B04-AC4F-E10C27CD85CB}"/>
-    <dgm:cxn modelId="{620B48F4-6B8A-43C9-857C-B0D254B9AB6C}" srcId="{949C45C1-98A4-422C-930F-397C00536C45}" destId="{4C0896BD-DE51-43B1-B200-E06E5D3B6188}" srcOrd="2" destOrd="0" parTransId="{AFA15671-9EB0-448D-BA3C-3F0BF8EB250E}" sibTransId="{A1D1544E-BF8B-4C1D-8C52-DF5F1325FDF0}"/>
-    <dgm:cxn modelId="{4A8A10F6-7C39-4957-B6C3-A43A32420801}" type="presOf" srcId="{87499C26-5F73-4DF4-8BAF-5D74EED61947}" destId="{EB2F2891-C838-42AA-A1C7-087CBD9D1339}" srcOrd="0" destOrd="0" presId="urn:microsoft.com/office/officeart/2005/8/layout/bList2"/>
-    <dgm:cxn modelId="{86E137FC-0B17-4031-BFAB-05E820AC6E36}" type="presOf" srcId="{87499C26-5F73-4DF4-8BAF-5D74EED61947}" destId="{319510DE-E492-4992-815A-6D2A3FEC7E56}" srcOrd="1" destOrd="0" presId="urn:microsoft.com/office/officeart/2005/8/layout/bList2"/>
-    <dgm:cxn modelId="{296085D2-6668-469C-8D05-F40E9C227C4A}" type="presParOf" srcId="{DA426280-59A3-4F59-B8E5-457C938E7B81}" destId="{7BE4B74C-13BA-4A8A-A4AD-442BC1278283}" srcOrd="0" destOrd="0" presId="urn:microsoft.com/office/officeart/2005/8/layout/bList2"/>
-    <dgm:cxn modelId="{BAA4C8FB-D520-49DE-BDAC-F6A0D8747A56}" type="presParOf" srcId="{7BE4B74C-13BA-4A8A-A4AD-442BC1278283}" destId="{150F5849-49DC-4034-99E9-D0B5A5D7194C}" srcOrd="0" destOrd="0" presId="urn:microsoft.com/office/officeart/2005/8/layout/bList2"/>
-    <dgm:cxn modelId="{B094FF66-4198-4015-9E69-54633B018623}" type="presParOf" srcId="{7BE4B74C-13BA-4A8A-A4AD-442BC1278283}" destId="{658D8F38-8CE8-4DEB-B2F4-1B52376CBFB4}" srcOrd="1" destOrd="0" presId="urn:microsoft.com/office/officeart/2005/8/layout/bList2"/>
-    <dgm:cxn modelId="{F45F182E-4DC2-4F2A-A1E9-854676CA59D4}" type="presParOf" srcId="{7BE4B74C-13BA-4A8A-A4AD-442BC1278283}" destId="{20E2EC33-8638-4FBA-B832-B01CECD6C266}" srcOrd="2" destOrd="0" presId="urn:microsoft.com/office/officeart/2005/8/layout/bList2"/>
-    <dgm:cxn modelId="{27F2E3EE-5A02-4F03-848E-40E6AFA46A39}" type="presParOf" srcId="{7BE4B74C-13BA-4A8A-A4AD-442BC1278283}" destId="{B915FC40-4CB0-4AF2-9935-C42710070A53}" srcOrd="3" destOrd="0" presId="urn:microsoft.com/office/officeart/2005/8/layout/bList2"/>
-    <dgm:cxn modelId="{73382004-62AC-4085-9742-6C72A2552EB3}" type="presParOf" srcId="{DA426280-59A3-4F59-B8E5-457C938E7B81}" destId="{EB587A61-D36A-4DA2-AB8F-4E2691860F08}" srcOrd="1" destOrd="0" presId="urn:microsoft.com/office/officeart/2005/8/layout/bList2"/>
-    <dgm:cxn modelId="{1B0496A6-9327-459B-8CF5-DC60288302FF}" type="presParOf" srcId="{DA426280-59A3-4F59-B8E5-457C938E7B81}" destId="{741DA3AC-BB3F-481D-A200-16D270CA9AAD}" srcOrd="2" destOrd="0" presId="urn:microsoft.com/office/officeart/2005/8/layout/bList2"/>
-    <dgm:cxn modelId="{8778962A-47BB-441B-877B-AF6C068753A8}" type="presParOf" srcId="{741DA3AC-BB3F-481D-A200-16D270CA9AAD}" destId="{CCCD188B-F08E-4BDC-B729-FEF94633D233}" srcOrd="0" destOrd="0" presId="urn:microsoft.com/office/officeart/2005/8/layout/bList2"/>
-    <dgm:cxn modelId="{BB1C7C25-D369-4C62-BAD8-0C01BA650CB5}" type="presParOf" srcId="{741DA3AC-BB3F-481D-A200-16D270CA9AAD}" destId="{EB2F2891-C838-42AA-A1C7-087CBD9D1339}" srcOrd="1" destOrd="0" presId="urn:microsoft.com/office/officeart/2005/8/layout/bList2"/>
-    <dgm:cxn modelId="{6BC53B9E-95CB-473A-A14E-C36FD3AB8D79}" type="presParOf" srcId="{741DA3AC-BB3F-481D-A200-16D270CA9AAD}" destId="{319510DE-E492-4992-815A-6D2A3FEC7E56}" srcOrd="2" destOrd="0" presId="urn:microsoft.com/office/officeart/2005/8/layout/bList2"/>
-    <dgm:cxn modelId="{BB0F3EAC-0332-467D-B0A4-31BD1637B288}" type="presParOf" srcId="{741DA3AC-BB3F-481D-A200-16D270CA9AAD}" destId="{2704129E-B416-4D03-87A2-578EB5E24D26}" srcOrd="3" destOrd="0" presId="urn:microsoft.com/office/officeart/2005/8/layout/bList2"/>
-  </dgm:cxnLst>
-  <dgm:bg/>
-  <dgm:whole/>
-  <dgm:extLst>
-    <a:ext uri="http://schemas.microsoft.com/office/drawing/2008/diagram">
-      <dsp:dataModelExt xmlns:dsp="http://schemas.microsoft.com/office/drawing/2008/diagram" relId="rId7" minVer="http://schemas.openxmlformats.org/drawingml/2006/diagram"/>
-    </a:ext>
-  </dgm:extLst>
-</dgm:dataModel>
-</file>
-
 <file path=ppt/diagrams/drawing1.xml><?xml version="1.0" encoding="utf-8"?>
 <dsp:drawing xmlns:dgm="http://schemas.openxmlformats.org/drawingml/2006/diagram" xmlns:dsp="http://schemas.microsoft.com/office/drawing/2008/diagram" xmlns:a="http://schemas.openxmlformats.org/drawingml/2006/main">
   <dsp:spTree>
@@ -3216,540 +2041,6 @@
 </dsp:drawing>
 </file>
 
-<file path=ppt/diagrams/drawing2.xml><?xml version="1.0" encoding="utf-8"?>
-<dsp:drawing xmlns:dgm="http://schemas.openxmlformats.org/drawingml/2006/diagram" xmlns:dsp="http://schemas.microsoft.com/office/drawing/2008/diagram" xmlns:a="http://schemas.openxmlformats.org/drawingml/2006/main">
-  <dsp:spTree>
-    <dsp:nvGrpSpPr>
-      <dsp:cNvPr id="0" name=""/>
-      <dsp:cNvGrpSpPr/>
-    </dsp:nvGrpSpPr>
-    <dsp:grpSpPr/>
-    <dsp:sp modelId="{150F5849-49DC-4034-99E9-D0B5A5D7194C}">
-      <dsp:nvSpPr>
-        <dsp:cNvPr id="0" name=""/>
-        <dsp:cNvSpPr/>
-      </dsp:nvSpPr>
-      <dsp:spPr>
-        <a:xfrm>
-          <a:off x="3377" y="108989"/>
-          <a:ext cx="3651777" cy="2725974"/>
-        </a:xfrm>
-        <a:prstGeom prst="round2SameRect">
-          <a:avLst>
-            <a:gd name="adj1" fmla="val 8000"/>
-            <a:gd name="adj2" fmla="val 0"/>
-          </a:avLst>
-        </a:prstGeom>
-        <a:solidFill>
-          <a:schemeClr val="lt1">
-            <a:alpha val="90000"/>
-            <a:hueOff val="0"/>
-            <a:satOff val="0"/>
-            <a:lumOff val="0"/>
-            <a:alphaOff val="0"/>
-          </a:schemeClr>
-        </a:solidFill>
-        <a:ln w="12700" cap="flat" cmpd="sng" algn="ctr">
-          <a:solidFill>
-            <a:schemeClr val="accent5">
-              <a:hueOff val="0"/>
-              <a:satOff val="0"/>
-              <a:lumOff val="0"/>
-              <a:alphaOff val="0"/>
-            </a:schemeClr>
-          </a:solidFill>
-          <a:prstDash val="solid"/>
-          <a:miter lim="800000"/>
-        </a:ln>
-        <a:effectLst/>
-      </dsp:spPr>
-      <dsp:style>
-        <a:lnRef idx="2">
-          <a:scrgbClr r="0" g="0" b="0"/>
-        </a:lnRef>
-        <a:fillRef idx="1">
-          <a:scrgbClr r="0" g="0" b="0"/>
-        </a:fillRef>
-        <a:effectRef idx="0">
-          <a:scrgbClr r="0" g="0" b="0"/>
-        </a:effectRef>
-        <a:fontRef idx="minor"/>
-      </dsp:style>
-      <dsp:txBody>
-        <a:bodyPr spcFirstLastPara="0" vert="horz" wrap="square" lIns="35560" tIns="106680" rIns="35560" bIns="35560" numCol="1" spcCol="1270" anchor="t" anchorCtr="0">
-          <a:noAutofit/>
-        </a:bodyPr>
-        <a:lstStyle/>
-        <a:p>
-          <a:pPr marL="285750" lvl="1" indent="-285750" algn="l" defTabSz="1244600">
-            <a:lnSpc>
-              <a:spcPct val="90000"/>
-            </a:lnSpc>
-            <a:spcBef>
-              <a:spcPct val="0"/>
-            </a:spcBef>
-            <a:spcAft>
-              <a:spcPct val="15000"/>
-            </a:spcAft>
-            <a:buChar char="•"/>
-          </a:pPr>
-          <a:r>
-            <a:rPr lang="es-CO" sz="2800" kern="1200" dirty="0"/>
-            <a:t>PDF (</a:t>
-          </a:r>
-          <a:r>
-            <a:rPr lang="es-CO" sz="2800" kern="1200" dirty="0" err="1"/>
-            <a:t>word</a:t>
-          </a:r>
-          <a:r>
-            <a:rPr lang="es-CO" sz="2800" kern="1200" dirty="0"/>
-            <a:t>, </a:t>
-          </a:r>
-          <a:r>
-            <a:rPr lang="es-CO" sz="2800" kern="1200" dirty="0" err="1"/>
-            <a:t>latex</a:t>
-          </a:r>
-          <a:r>
-            <a:rPr lang="es-CO" sz="2800" kern="1200" dirty="0"/>
-            <a:t>, </a:t>
-          </a:r>
-          <a:r>
-            <a:rPr lang="es-CO" sz="2800" kern="1200" dirty="0" err="1"/>
-            <a:t>etc</a:t>
-          </a:r>
-          <a:r>
-            <a:rPr lang="es-CO" sz="2800" kern="1200" dirty="0"/>
-            <a:t>)</a:t>
-          </a:r>
-        </a:p>
-        <a:p>
-          <a:pPr marL="285750" lvl="1" indent="-285750" algn="l" defTabSz="1244600">
-            <a:lnSpc>
-              <a:spcPct val="90000"/>
-            </a:lnSpc>
-            <a:spcBef>
-              <a:spcPct val="0"/>
-            </a:spcBef>
-            <a:spcAft>
-              <a:spcPct val="15000"/>
-            </a:spcAft>
-            <a:buChar char="•"/>
-          </a:pPr>
-          <a:r>
-            <a:rPr lang="es-CO" sz="2800" kern="1200" dirty="0"/>
-            <a:t>Entrega proyectos: Sesión según fecha**</a:t>
-          </a:r>
-        </a:p>
-        <a:p>
-          <a:pPr marL="285750" lvl="1" indent="-285750" algn="l" defTabSz="1244600">
-            <a:lnSpc>
-              <a:spcPct val="90000"/>
-            </a:lnSpc>
-            <a:spcBef>
-              <a:spcPct val="0"/>
-            </a:spcBef>
-            <a:spcAft>
-              <a:spcPct val="15000"/>
-            </a:spcAft>
-            <a:buChar char="•"/>
-          </a:pPr>
-          <a:r>
-            <a:rPr lang="es-CO" sz="2800" kern="1200" dirty="0"/>
-            <a:t>Entrega: Correo monitor*</a:t>
-          </a:r>
-        </a:p>
-      </dsp:txBody>
-      <dsp:txXfrm>
-        <a:off x="67250" y="172862"/>
-        <a:ext cx="3524031" cy="2662101"/>
-      </dsp:txXfrm>
-    </dsp:sp>
-    <dsp:sp modelId="{20E2EC33-8638-4FBA-B832-B01CECD6C266}">
-      <dsp:nvSpPr>
-        <dsp:cNvPr id="0" name=""/>
-        <dsp:cNvSpPr/>
-      </dsp:nvSpPr>
-      <dsp:spPr>
-        <a:xfrm>
-          <a:off x="3377" y="2834964"/>
-          <a:ext cx="3651777" cy="1172169"/>
-        </a:xfrm>
-        <a:prstGeom prst="rect">
-          <a:avLst/>
-        </a:prstGeom>
-        <a:solidFill>
-          <a:schemeClr val="accent5">
-            <a:hueOff val="0"/>
-            <a:satOff val="0"/>
-            <a:lumOff val="0"/>
-            <a:alphaOff val="0"/>
-          </a:schemeClr>
-        </a:solidFill>
-        <a:ln w="12700" cap="flat" cmpd="sng" algn="ctr">
-          <a:solidFill>
-            <a:schemeClr val="accent5">
-              <a:hueOff val="0"/>
-              <a:satOff val="0"/>
-              <a:lumOff val="0"/>
-              <a:alphaOff val="0"/>
-            </a:schemeClr>
-          </a:solidFill>
-          <a:prstDash val="solid"/>
-          <a:miter lim="800000"/>
-        </a:ln>
-        <a:effectLst/>
-      </dsp:spPr>
-      <dsp:style>
-        <a:lnRef idx="2">
-          <a:scrgbClr r="0" g="0" b="0"/>
-        </a:lnRef>
-        <a:fillRef idx="1">
-          <a:scrgbClr r="0" g="0" b="0"/>
-        </a:fillRef>
-        <a:effectRef idx="0">
-          <a:scrgbClr r="0" g="0" b="0"/>
-        </a:effectRef>
-        <a:fontRef idx="minor">
-          <a:schemeClr val="lt1"/>
-        </a:fontRef>
-      </dsp:style>
-      <dsp:txBody>
-        <a:bodyPr spcFirstLastPara="0" vert="horz" wrap="square" lIns="106680" tIns="0" rIns="35560" bIns="0" numCol="1" spcCol="1270" anchor="ctr" anchorCtr="0">
-          <a:noAutofit/>
-        </a:bodyPr>
-        <a:lstStyle/>
-        <a:p>
-          <a:pPr marL="0" lvl="0" indent="0" algn="l" defTabSz="1244600">
-            <a:lnSpc>
-              <a:spcPct val="90000"/>
-            </a:lnSpc>
-            <a:spcBef>
-              <a:spcPct val="0"/>
-            </a:spcBef>
-            <a:spcAft>
-              <a:spcPct val="35000"/>
-            </a:spcAft>
-            <a:buNone/>
-          </a:pPr>
-          <a:r>
-            <a:rPr lang="es-CO" sz="2800" kern="1200" dirty="0"/>
-            <a:t> (80%)***</a:t>
-          </a:r>
-        </a:p>
-      </dsp:txBody>
-      <dsp:txXfrm>
-        <a:off x="3377" y="2834964"/>
-        <a:ext cx="2571674" cy="1172169"/>
-      </dsp:txXfrm>
-    </dsp:sp>
-    <dsp:sp modelId="{B915FC40-4CB0-4AF2-9935-C42710070A53}">
-      <dsp:nvSpPr>
-        <dsp:cNvPr id="0" name=""/>
-        <dsp:cNvSpPr/>
-      </dsp:nvSpPr>
-      <dsp:spPr>
-        <a:xfrm>
-          <a:off x="2678354" y="3021152"/>
-          <a:ext cx="1278121" cy="1278121"/>
-        </a:xfrm>
-        <a:prstGeom prst="ellipse">
-          <a:avLst/>
-        </a:prstGeom>
-        <a:blipFill>
-          <a:blip xmlns:r="http://schemas.openxmlformats.org/officeDocument/2006/relationships" r:embed="rId1">
-            <a:extLst>
-              <a:ext uri="{28A0092B-C50C-407E-A947-70E740481C1C}">
-                <a14:useLocalDpi xmlns:a14="http://schemas.microsoft.com/office/drawing/2010/main" val="0"/>
-              </a:ext>
-            </a:extLst>
-          </a:blip>
-          <a:srcRect/>
-          <a:stretch>
-            <a:fillRect/>
-          </a:stretch>
-        </a:blipFill>
-        <a:ln w="12700" cap="flat" cmpd="sng" algn="ctr">
-          <a:solidFill>
-            <a:schemeClr val="accent5">
-              <a:tint val="40000"/>
-              <a:alpha val="90000"/>
-              <a:hueOff val="0"/>
-              <a:satOff val="0"/>
-              <a:lumOff val="0"/>
-              <a:alphaOff val="0"/>
-            </a:schemeClr>
-          </a:solidFill>
-          <a:prstDash val="solid"/>
-          <a:miter lim="800000"/>
-        </a:ln>
-        <a:effectLst/>
-      </dsp:spPr>
-      <dsp:style>
-        <a:lnRef idx="2">
-          <a:scrgbClr r="0" g="0" b="0"/>
-        </a:lnRef>
-        <a:fillRef idx="1">
-          <a:scrgbClr r="0" g="0" b="0"/>
-        </a:fillRef>
-        <a:effectRef idx="0">
-          <a:scrgbClr r="0" g="0" b="0"/>
-        </a:effectRef>
-        <a:fontRef idx="minor"/>
-      </dsp:style>
-    </dsp:sp>
-    <dsp:sp modelId="{CCCD188B-F08E-4BDC-B729-FEF94633D233}">
-      <dsp:nvSpPr>
-        <dsp:cNvPr id="0" name=""/>
-        <dsp:cNvSpPr/>
-      </dsp:nvSpPr>
-      <dsp:spPr>
-        <a:xfrm>
-          <a:off x="4273123" y="108989"/>
-          <a:ext cx="3651777" cy="2725974"/>
-        </a:xfrm>
-        <a:prstGeom prst="round2SameRect">
-          <a:avLst>
-            <a:gd name="adj1" fmla="val 8000"/>
-            <a:gd name="adj2" fmla="val 0"/>
-          </a:avLst>
-        </a:prstGeom>
-        <a:solidFill>
-          <a:schemeClr val="lt1">
-            <a:alpha val="90000"/>
-            <a:hueOff val="0"/>
-            <a:satOff val="0"/>
-            <a:lumOff val="0"/>
-            <a:alphaOff val="0"/>
-          </a:schemeClr>
-        </a:solidFill>
-        <a:ln w="12700" cap="flat" cmpd="sng" algn="ctr">
-          <a:solidFill>
-            <a:schemeClr val="accent5">
-              <a:hueOff val="-6758543"/>
-              <a:satOff val="-17419"/>
-              <a:lumOff val="-11765"/>
-              <a:alphaOff val="0"/>
-            </a:schemeClr>
-          </a:solidFill>
-          <a:prstDash val="solid"/>
-          <a:miter lim="800000"/>
-        </a:ln>
-        <a:effectLst/>
-      </dsp:spPr>
-      <dsp:style>
-        <a:lnRef idx="2">
-          <a:scrgbClr r="0" g="0" b="0"/>
-        </a:lnRef>
-        <a:fillRef idx="1">
-          <a:scrgbClr r="0" g="0" b="0"/>
-        </a:fillRef>
-        <a:effectRef idx="0">
-          <a:scrgbClr r="0" g="0" b="0"/>
-        </a:effectRef>
-        <a:fontRef idx="minor"/>
-      </dsp:style>
-      <dsp:txBody>
-        <a:bodyPr spcFirstLastPara="0" vert="horz" wrap="square" lIns="35560" tIns="106680" rIns="35560" bIns="35560" numCol="1" spcCol="1270" anchor="t" anchorCtr="0">
-          <a:noAutofit/>
-        </a:bodyPr>
-        <a:lstStyle/>
-        <a:p>
-          <a:pPr marL="285750" lvl="1" indent="-285750" algn="l" defTabSz="1244600">
-            <a:lnSpc>
-              <a:spcPct val="90000"/>
-            </a:lnSpc>
-            <a:spcBef>
-              <a:spcPct val="0"/>
-            </a:spcBef>
-            <a:spcAft>
-              <a:spcPct val="15000"/>
-            </a:spcAft>
-            <a:buChar char="•"/>
-          </a:pPr>
-          <a:r>
-            <a:rPr lang="es-CO" sz="2800" kern="1200" dirty="0"/>
-            <a:t>Puntualidad asistencia</a:t>
-          </a:r>
-        </a:p>
-        <a:p>
-          <a:pPr marL="285750" lvl="1" indent="-285750" algn="l" defTabSz="1244600">
-            <a:lnSpc>
-              <a:spcPct val="90000"/>
-            </a:lnSpc>
-            <a:spcBef>
-              <a:spcPct val="0"/>
-            </a:spcBef>
-            <a:spcAft>
-              <a:spcPct val="15000"/>
-            </a:spcAft>
-            <a:buChar char="•"/>
-          </a:pPr>
-          <a:r>
-            <a:rPr lang="es-CO" sz="2800" kern="1200" dirty="0"/>
-            <a:t>Puntualidad entrega</a:t>
-          </a:r>
-        </a:p>
-        <a:p>
-          <a:pPr marL="285750" lvl="1" indent="-285750" algn="l" defTabSz="1244600">
-            <a:lnSpc>
-              <a:spcPct val="90000"/>
-            </a:lnSpc>
-            <a:spcBef>
-              <a:spcPct val="0"/>
-            </a:spcBef>
-            <a:spcAft>
-              <a:spcPct val="15000"/>
-            </a:spcAft>
-            <a:buChar char="•"/>
-          </a:pPr>
-          <a:r>
-            <a:rPr lang="es-CO" sz="2800" kern="1200" dirty="0"/>
-            <a:t>Participación</a:t>
-          </a:r>
-        </a:p>
-      </dsp:txBody>
-      <dsp:txXfrm>
-        <a:off x="4336996" y="172862"/>
-        <a:ext cx="3524031" cy="2662101"/>
-      </dsp:txXfrm>
-    </dsp:sp>
-    <dsp:sp modelId="{319510DE-E492-4992-815A-6D2A3FEC7E56}">
-      <dsp:nvSpPr>
-        <dsp:cNvPr id="0" name=""/>
-        <dsp:cNvSpPr/>
-      </dsp:nvSpPr>
-      <dsp:spPr>
-        <a:xfrm>
-          <a:off x="4273123" y="2834964"/>
-          <a:ext cx="3651777" cy="1172169"/>
-        </a:xfrm>
-        <a:prstGeom prst="rect">
-          <a:avLst/>
-        </a:prstGeom>
-        <a:solidFill>
-          <a:schemeClr val="accent5">
-            <a:hueOff val="-6758543"/>
-            <a:satOff val="-17419"/>
-            <a:lumOff val="-11765"/>
-            <a:alphaOff val="0"/>
-          </a:schemeClr>
-        </a:solidFill>
-        <a:ln w="12700" cap="flat" cmpd="sng" algn="ctr">
-          <a:solidFill>
-            <a:schemeClr val="accent5">
-              <a:hueOff val="-6758543"/>
-              <a:satOff val="-17419"/>
-              <a:lumOff val="-11765"/>
-              <a:alphaOff val="0"/>
-            </a:schemeClr>
-          </a:solidFill>
-          <a:prstDash val="solid"/>
-          <a:miter lim="800000"/>
-        </a:ln>
-        <a:effectLst/>
-      </dsp:spPr>
-      <dsp:style>
-        <a:lnRef idx="2">
-          <a:scrgbClr r="0" g="0" b="0"/>
-        </a:lnRef>
-        <a:fillRef idx="1">
-          <a:scrgbClr r="0" g="0" b="0"/>
-        </a:fillRef>
-        <a:effectRef idx="0">
-          <a:scrgbClr r="0" g="0" b="0"/>
-        </a:effectRef>
-        <a:fontRef idx="minor">
-          <a:schemeClr val="lt1"/>
-        </a:fontRef>
-      </dsp:style>
-      <dsp:txBody>
-        <a:bodyPr spcFirstLastPara="0" vert="horz" wrap="square" lIns="106680" tIns="0" rIns="35560" bIns="0" numCol="1" spcCol="1270" anchor="ctr" anchorCtr="0">
-          <a:noAutofit/>
-        </a:bodyPr>
-        <a:lstStyle/>
-        <a:p>
-          <a:pPr marL="0" lvl="0" indent="0" algn="l" defTabSz="1244600">
-            <a:lnSpc>
-              <a:spcPct val="90000"/>
-            </a:lnSpc>
-            <a:spcBef>
-              <a:spcPct val="0"/>
-            </a:spcBef>
-            <a:spcAft>
-              <a:spcPct val="35000"/>
-            </a:spcAft>
-            <a:buNone/>
-          </a:pPr>
-          <a:r>
-            <a:rPr lang="es-CO" sz="2800" kern="1200" dirty="0"/>
-            <a:t>ASISTENCIA Y PARTICIPACIÓN (20%)</a:t>
-          </a:r>
-        </a:p>
-      </dsp:txBody>
-      <dsp:txXfrm>
-        <a:off x="4273123" y="2834964"/>
-        <a:ext cx="2571674" cy="1172169"/>
-      </dsp:txXfrm>
-    </dsp:sp>
-    <dsp:sp modelId="{2704129E-B416-4D03-87A2-578EB5E24D26}">
-      <dsp:nvSpPr>
-        <dsp:cNvPr id="0" name=""/>
-        <dsp:cNvSpPr/>
-      </dsp:nvSpPr>
-      <dsp:spPr>
-        <a:xfrm>
-          <a:off x="6948100" y="3021152"/>
-          <a:ext cx="1278121" cy="1278121"/>
-        </a:xfrm>
-        <a:prstGeom prst="ellipse">
-          <a:avLst/>
-        </a:prstGeom>
-        <a:blipFill dpi="0" rotWithShape="1">
-          <a:blip xmlns:r="http://schemas.openxmlformats.org/officeDocument/2006/relationships" r:embed="rId2">
-            <a:extLst>
-              <a:ext uri="{28A0092B-C50C-407E-A947-70E740481C1C}">
-                <a14:useLocalDpi xmlns:a14="http://schemas.microsoft.com/office/drawing/2010/main" val="0"/>
-              </a:ext>
-            </a:extLst>
-          </a:blip>
-          <a:srcRect/>
-          <a:stretch>
-            <a:fillRect/>
-          </a:stretch>
-        </a:blipFill>
-        <a:ln w="12700" cap="flat" cmpd="sng" algn="ctr">
-          <a:solidFill>
-            <a:schemeClr val="accent5">
-              <a:tint val="40000"/>
-              <a:alpha val="90000"/>
-              <a:hueOff val="0"/>
-              <a:satOff val="0"/>
-              <a:lumOff val="0"/>
-              <a:alphaOff val="0"/>
-            </a:schemeClr>
-          </a:solidFill>
-          <a:prstDash val="solid"/>
-          <a:miter lim="800000"/>
-        </a:ln>
-        <a:effectLst/>
-      </dsp:spPr>
-      <dsp:style>
-        <a:lnRef idx="2">
-          <a:scrgbClr r="0" g="0" b="0"/>
-        </a:lnRef>
-        <a:fillRef idx="1">
-          <a:scrgbClr r="0" g="0" b="0"/>
-        </a:fillRef>
-        <a:effectRef idx="0">
-          <a:scrgbClr r="0" g="0" b="0"/>
-        </a:effectRef>
-        <a:fontRef idx="minor"/>
-      </dsp:style>
-    </dsp:sp>
-  </dsp:spTree>
-</dsp:drawing>
-</file>
-
 <file path=ppt/diagrams/layout1.xml><?xml version="1.0" encoding="utf-8"?>
 <dgm:layoutDef xmlns:dgm="http://schemas.openxmlformats.org/drawingml/2006/diagram" xmlns:a="http://schemas.openxmlformats.org/drawingml/2006/main" uniqueId="urn:microsoft.com/office/officeart/2005/8/layout/vList3">
   <dgm:title val=""/>
@@ -3905,256 +2196,6 @@
           </dgm:shape>
           <dgm:presOf axis="self"/>
           <dgm:constrLst/>
-          <dgm:ruleLst/>
-        </dgm:layoutNode>
-      </dgm:forEach>
-    </dgm:forEach>
-  </dgm:layoutNode>
-</dgm:layoutDef>
-</file>
-
-<file path=ppt/diagrams/layout2.xml><?xml version="1.0" encoding="utf-8"?>
-<dgm:layoutDef xmlns:dgm="http://schemas.openxmlformats.org/drawingml/2006/diagram" xmlns:a="http://schemas.openxmlformats.org/drawingml/2006/main" uniqueId="urn:microsoft.com/office/officeart/2005/8/layout/bList2">
-  <dgm:title val=""/>
-  <dgm:desc val=""/>
-  <dgm:catLst>
-    <dgm:cat type="list" pri="7000"/>
-    <dgm:cat type="convert" pri="16000"/>
-    <dgm:cat type="picture" pri="28000"/>
-    <dgm:cat type="pictureconvert" pri="28000"/>
-  </dgm:catLst>
-  <dgm:sampData useDef="1">
-    <dgm:dataModel>
-      <dgm:ptLst/>
-      <dgm:bg/>
-      <dgm:whole/>
-    </dgm:dataModel>
-  </dgm:sampData>
-  <dgm:styleData>
-    <dgm:dataModel>
-      <dgm:ptLst>
-        <dgm:pt modelId="0" type="doc"/>
-        <dgm:pt modelId="1"/>
-        <dgm:pt modelId="11"/>
-        <dgm:pt modelId="2"/>
-        <dgm:pt modelId="21"/>
-      </dgm:ptLst>
-      <dgm:cxnLst>
-        <dgm:cxn modelId="4" srcId="0" destId="1" srcOrd="0" destOrd="0"/>
-        <dgm:cxn modelId="5" srcId="0" destId="2" srcOrd="1" destOrd="0"/>
-        <dgm:cxn modelId="13" srcId="1" destId="11" srcOrd="0" destOrd="0"/>
-        <dgm:cxn modelId="23" srcId="2" destId="21" srcOrd="0" destOrd="0"/>
-      </dgm:cxnLst>
-      <dgm:bg/>
-      <dgm:whole/>
-    </dgm:dataModel>
-  </dgm:styleData>
-  <dgm:clrData>
-    <dgm:dataModel>
-      <dgm:ptLst>
-        <dgm:pt modelId="0" type="doc"/>
-        <dgm:pt modelId="1"/>
-        <dgm:pt modelId="11"/>
-        <dgm:pt modelId="2"/>
-        <dgm:pt modelId="21"/>
-        <dgm:pt modelId="3"/>
-        <dgm:pt modelId="31"/>
-        <dgm:pt modelId="4"/>
-        <dgm:pt modelId="41"/>
-      </dgm:ptLst>
-      <dgm:cxnLst>
-        <dgm:cxn modelId="5" srcId="0" destId="1" srcOrd="0" destOrd="0"/>
-        <dgm:cxn modelId="6" srcId="0" destId="2" srcOrd="1" destOrd="0"/>
-        <dgm:cxn modelId="7" srcId="0" destId="3" srcOrd="2" destOrd="0"/>
-        <dgm:cxn modelId="8" srcId="0" destId="4" srcOrd="3" destOrd="0"/>
-        <dgm:cxn modelId="13" srcId="1" destId="11" srcOrd="0" destOrd="0"/>
-        <dgm:cxn modelId="23" srcId="2" destId="21" srcOrd="0" destOrd="0"/>
-        <dgm:cxn modelId="33" srcId="3" destId="31" srcOrd="0" destOrd="0"/>
-        <dgm:cxn modelId="43" srcId="4" destId="41" srcOrd="0" destOrd="0"/>
-      </dgm:cxnLst>
-      <dgm:bg/>
-      <dgm:whole/>
-    </dgm:dataModel>
-  </dgm:clrData>
-  <dgm:layoutNode name="diagram">
-    <dgm:varLst>
-      <dgm:dir/>
-      <dgm:animLvl val="lvl"/>
-      <dgm:resizeHandles val="exact"/>
-    </dgm:varLst>
-    <dgm:choose name="Name0">
-      <dgm:if name="Name1" axis="self" func="var" arg="dir" op="equ" val="norm">
-        <dgm:alg type="snake">
-          <dgm:param type="grDir" val="tL"/>
-          <dgm:param type="flowDir" val="row"/>
-          <dgm:param type="contDir" val="sameDir"/>
-          <dgm:param type="off" val="ctr"/>
-        </dgm:alg>
-      </dgm:if>
-      <dgm:else name="Name2">
-        <dgm:alg type="snake">
-          <dgm:param type="grDir" val="tR"/>
-          <dgm:param type="flowDir" val="row"/>
-          <dgm:param type="contDir" val="sameDir"/>
-          <dgm:param type="off" val="ctr"/>
-        </dgm:alg>
-      </dgm:else>
-    </dgm:choose>
-    <dgm:shape xmlns:r="http://schemas.openxmlformats.org/officeDocument/2006/relationships" r:blip="">
-      <dgm:adjLst/>
-    </dgm:shape>
-    <dgm:presOf/>
-    <dgm:constrLst>
-      <dgm:constr type="w" for="ch" forName="compNode" refType="w"/>
-      <dgm:constr type="w" for="ch" ptType="sibTrans" refType="w" refFor="ch" refForName="compNode" op="equ" fact="0.08"/>
-      <dgm:constr type="sp" refType="w" refFor="ch" refForName="compNode" op="equ" fact="0.16"/>
-      <dgm:constr type="primFontSz" for="des" forName="parentText" op="equ" val="65"/>
-      <dgm:constr type="primFontSz" for="des" forName="childRect" op="equ" val="65"/>
-    </dgm:constrLst>
-    <dgm:ruleLst/>
-    <dgm:forEach name="nodesForEach" axis="ch" ptType="node">
-      <dgm:layoutNode name="compNode">
-        <dgm:alg type="composite">
-          <dgm:param type="ar" val="0.943"/>
-        </dgm:alg>
-        <dgm:shape xmlns:r="http://schemas.openxmlformats.org/officeDocument/2006/relationships" r:blip="">
-          <dgm:adjLst/>
-        </dgm:shape>
-        <dgm:presOf/>
-        <dgm:choose name="Name3">
-          <dgm:if name="Name4" axis="self" func="var" arg="dir" op="equ" val="norm">
-            <dgm:constrLst>
-              <dgm:constr type="w" val="1"/>
-              <dgm:constr type="h" refType="w" fact="1.06"/>
-              <dgm:constr type="h" for="ch" forName="childRect" refType="h" fact="0.65"/>
-              <dgm:constr type="w" for="ch" forName="childRect" refType="w" fact="0.923"/>
-              <dgm:constr type="l" for="ch" forName="childRect"/>
-              <dgm:constr type="t" for="ch" forName="childRect"/>
-              <dgm:constr type="w" for="ch" forName="parentText" refType="w" fact="0.65"/>
-              <dgm:constr type="h" for="ch" forName="parentText" refType="h" refFor="ch" refForName="childRect" fact="0.43"/>
-              <dgm:constr type="l" for="ch" forName="parentText"/>
-              <dgm:constr type="t" for="ch" forName="parentText" refType="h" refFor="ch" refForName="childRect"/>
-              <dgm:constr type="w" for="ch" forName="parentRect" refType="w" fact="0.923"/>
-              <dgm:constr type="h" for="ch" forName="parentRect" refType="h" refFor="ch" refForName="parentText"/>
-              <dgm:constr type="l" for="ch" forName="parentRect"/>
-              <dgm:constr type="t" for="ch" forName="parentRect" refType="t" refFor="ch" refForName="parentText"/>
-              <dgm:constr type="w" for="ch" forName="adorn" refType="w" refFor="ch" refForName="parentRect" fact="0.35"/>
-              <dgm:constr type="h" for="ch" forName="adorn" refType="w" refFor="ch" refForName="parentRect" fact="0.35"/>
-              <dgm:constr type="b" for="ch" forName="adorn" refType="h"/>
-              <dgm:constr type="r" for="ch" forName="adorn" refType="w"/>
-            </dgm:constrLst>
-          </dgm:if>
-          <dgm:else name="Name5">
-            <dgm:constrLst>
-              <dgm:constr type="w" val="1"/>
-              <dgm:constr type="h" refType="w" fact="1.06"/>
-              <dgm:constr type="h" for="ch" forName="childRect" refType="h" fact="0.65"/>
-              <dgm:constr type="w" for="ch" forName="childRect" refType="w" fact="0.923"/>
-              <dgm:constr type="r" for="ch" forName="childRect" refType="w"/>
-              <dgm:constr type="t" for="ch" forName="childRect"/>
-              <dgm:constr type="w" for="ch" forName="parentText" refType="w" fact="0.65"/>
-              <dgm:constr type="h" for="ch" forName="parentText" refType="h" refFor="ch" refForName="childRect" fact="0.43"/>
-              <dgm:constr type="r" for="ch" forName="parentText" refType="w"/>
-              <dgm:constr type="t" for="ch" forName="parentText" refType="h" refFor="ch" refForName="childRect"/>
-              <dgm:constr type="w" for="ch" forName="parentRect" refType="w" fact="0.923"/>
-              <dgm:constr type="h" for="ch" forName="parentRect" refType="h" refFor="ch" refForName="parentText"/>
-              <dgm:constr type="r" for="ch" forName="parentRect" refType="w"/>
-              <dgm:constr type="t" for="ch" forName="parentRect" refType="t" refFor="ch" refForName="parentText"/>
-              <dgm:constr type="w" for="ch" forName="adorn" refType="w" refFor="ch" refForName="parentRect" fact="0.35"/>
-              <dgm:constr type="h" for="ch" forName="adorn" refType="w" refFor="ch" refForName="parentRect" fact="0.35"/>
-              <dgm:constr type="b" for="ch" forName="adorn" refType="h"/>
-              <dgm:constr type="l" for="ch" forName="adorn"/>
-            </dgm:constrLst>
-          </dgm:else>
-        </dgm:choose>
-        <dgm:ruleLst/>
-        <dgm:layoutNode name="childRect" styleLbl="bgAcc1">
-          <dgm:varLst>
-            <dgm:bulletEnabled val="1"/>
-          </dgm:varLst>
-          <dgm:alg type="tx">
-            <dgm:param type="stBulletLvl" val="1"/>
-          </dgm:alg>
-          <dgm:shape xmlns:r="http://schemas.openxmlformats.org/officeDocument/2006/relationships" type="round2SameRect" r:blip="">
-            <dgm:adjLst>
-              <dgm:adj idx="1" val="0.08"/>
-            </dgm:adjLst>
-          </dgm:shape>
-          <dgm:presOf axis="des" ptType="node"/>
-          <dgm:constrLst>
-            <dgm:constr type="secFontSz" refType="primFontSz"/>
-            <dgm:constr type="tMarg" refType="primFontSz" fact="0.3"/>
-            <dgm:constr type="bMarg" refType="primFontSz" fact="0.1"/>
-            <dgm:constr type="lMarg" refType="primFontSz" fact="0.1"/>
-            <dgm:constr type="rMarg" refType="primFontSz" fact="0.1"/>
-          </dgm:constrLst>
-          <dgm:ruleLst>
-            <dgm:rule type="primFontSz" val="5" fact="NaN" max="NaN"/>
-          </dgm:ruleLst>
-        </dgm:layoutNode>
-        <dgm:layoutNode name="parentText">
-          <dgm:varLst>
-            <dgm:chMax val="0"/>
-            <dgm:bulletEnabled val="1"/>
-          </dgm:varLst>
-          <dgm:choose name="Name6">
-            <dgm:if name="Name7" func="var" arg="dir" op="equ" val="norm">
-              <dgm:alg type="tx">
-                <dgm:param type="parTxLTRAlign" val="l"/>
-                <dgm:param type="parTxRTLAlign" val="l"/>
-              </dgm:alg>
-            </dgm:if>
-            <dgm:else name="Name8">
-              <dgm:alg type="tx">
-                <dgm:param type="parTxLTRAlign" val="r"/>
-                <dgm:param type="parTxRTLAlign" val="r"/>
-              </dgm:alg>
-            </dgm:else>
-          </dgm:choose>
-          <dgm:shape xmlns:r="http://schemas.openxmlformats.org/officeDocument/2006/relationships" type="rect" r:blip="" zOrderOff="1" hideGeom="1">
-            <dgm:adjLst/>
-          </dgm:shape>
-          <dgm:presOf axis="self" ptType="node"/>
-          <dgm:constrLst>
-            <dgm:constr type="tMarg"/>
-            <dgm:constr type="bMarg"/>
-            <dgm:constr type="lMarg" refType="primFontSz" fact="0.3"/>
-            <dgm:constr type="rMarg" refType="primFontSz" fact="0.1"/>
-          </dgm:constrLst>
-          <dgm:ruleLst>
-            <dgm:rule type="primFontSz" val="5" fact="NaN" max="NaN"/>
-          </dgm:ruleLst>
-        </dgm:layoutNode>
-        <dgm:layoutNode name="parentRect" styleLbl="alignNode1">
-          <dgm:alg type="sp"/>
-          <dgm:shape xmlns:r="http://schemas.openxmlformats.org/officeDocument/2006/relationships" type="rect" r:blip="">
-            <dgm:adjLst/>
-          </dgm:shape>
-          <dgm:presOf axis="self" ptType="node"/>
-          <dgm:constrLst/>
-          <dgm:ruleLst/>
-        </dgm:layoutNode>
-        <dgm:layoutNode name="adorn" styleLbl="fgAccFollowNode1">
-          <dgm:alg type="sp"/>
-          <dgm:shape xmlns:r="http://schemas.openxmlformats.org/officeDocument/2006/relationships" type="ellipse" r:blip="" blipPhldr="1">
-            <dgm:adjLst/>
-          </dgm:shape>
-          <dgm:presOf/>
-          <dgm:constrLst/>
-          <dgm:ruleLst/>
-        </dgm:layoutNode>
-      </dgm:layoutNode>
-      <dgm:forEach name="sibTransForEach" axis="followSib" ptType="sibTrans" cnt="1">
-        <dgm:layoutNode name="sibTrans">
-          <dgm:alg type="sp"/>
-          <dgm:shape xmlns:r="http://schemas.openxmlformats.org/officeDocument/2006/relationships" type="rect" r:blip="" hideGeom="1">
-            <dgm:adjLst/>
-          </dgm:shape>
-          <dgm:presOf axis="self"/>
-          <dgm:constrLst>
-            <dgm:constr type="w" val="1"/>
-            <dgm:constr type="h" refType="w"/>
-          </dgm:constrLst>
           <dgm:ruleLst/>
         </dgm:layoutNode>
       </dgm:forEach>
@@ -5197,1040 +3238,6 @@
 </dgm:styleDef>
 </file>
 
-<file path=ppt/diagrams/quickStyle2.xml><?xml version="1.0" encoding="utf-8"?>
-<dgm:styleDef xmlns:dgm="http://schemas.openxmlformats.org/drawingml/2006/diagram" xmlns:a="http://schemas.openxmlformats.org/drawingml/2006/main" uniqueId="urn:microsoft.com/office/officeart/2005/8/quickstyle/simple1">
-  <dgm:title val=""/>
-  <dgm:desc val=""/>
-  <dgm:catLst>
-    <dgm:cat type="simple" pri="10100"/>
-  </dgm:catLst>
-  <dgm:scene3d>
-    <a:camera prst="orthographicFront"/>
-    <a:lightRig rig="threePt" dir="t"/>
-  </dgm:scene3d>
-  <dgm:styleLbl name="node0">
-    <dgm:scene3d>
-      <a:camera prst="orthographicFront"/>
-      <a:lightRig rig="threePt" dir="t"/>
-    </dgm:scene3d>
-    <dgm:sp3d/>
-    <dgm:txPr/>
-    <dgm:style>
-      <a:lnRef idx="2">
-        <a:scrgbClr r="0" g="0" b="0"/>
-      </a:lnRef>
-      <a:fillRef idx="1">
-        <a:scrgbClr r="0" g="0" b="0"/>
-      </a:fillRef>
-      <a:effectRef idx="0">
-        <a:scrgbClr r="0" g="0" b="0"/>
-      </a:effectRef>
-      <a:fontRef idx="minor">
-        <a:schemeClr val="lt1"/>
-      </a:fontRef>
-    </dgm:style>
-  </dgm:styleLbl>
-  <dgm:styleLbl name="lnNode1">
-    <dgm:scene3d>
-      <a:camera prst="orthographicFront"/>
-      <a:lightRig rig="threePt" dir="t"/>
-    </dgm:scene3d>
-    <dgm:sp3d/>
-    <dgm:txPr/>
-    <dgm:style>
-      <a:lnRef idx="2">
-        <a:scrgbClr r="0" g="0" b="0"/>
-      </a:lnRef>
-      <a:fillRef idx="1">
-        <a:scrgbClr r="0" g="0" b="0"/>
-      </a:fillRef>
-      <a:effectRef idx="0">
-        <a:scrgbClr r="0" g="0" b="0"/>
-      </a:effectRef>
-      <a:fontRef idx="minor">
-        <a:schemeClr val="lt1"/>
-      </a:fontRef>
-    </dgm:style>
-  </dgm:styleLbl>
-  <dgm:styleLbl name="vennNode1">
-    <dgm:scene3d>
-      <a:camera prst="orthographicFront"/>
-      <a:lightRig rig="threePt" dir="t"/>
-    </dgm:scene3d>
-    <dgm:sp3d/>
-    <dgm:txPr/>
-    <dgm:style>
-      <a:lnRef idx="2">
-        <a:scrgbClr r="0" g="0" b="0"/>
-      </a:lnRef>
-      <a:fillRef idx="1">
-        <a:scrgbClr r="0" g="0" b="0"/>
-      </a:fillRef>
-      <a:effectRef idx="0">
-        <a:scrgbClr r="0" g="0" b="0"/>
-      </a:effectRef>
-      <a:fontRef idx="minor">
-        <a:schemeClr val="tx1"/>
-      </a:fontRef>
-    </dgm:style>
-  </dgm:styleLbl>
-  <dgm:styleLbl name="alignNode1">
-    <dgm:scene3d>
-      <a:camera prst="orthographicFront"/>
-      <a:lightRig rig="threePt" dir="t"/>
-    </dgm:scene3d>
-    <dgm:sp3d/>
-    <dgm:txPr/>
-    <dgm:style>
-      <a:lnRef idx="2">
-        <a:scrgbClr r="0" g="0" b="0"/>
-      </a:lnRef>
-      <a:fillRef idx="1">
-        <a:scrgbClr r="0" g="0" b="0"/>
-      </a:fillRef>
-      <a:effectRef idx="0">
-        <a:scrgbClr r="0" g="0" b="0"/>
-      </a:effectRef>
-      <a:fontRef idx="minor">
-        <a:schemeClr val="lt1"/>
-      </a:fontRef>
-    </dgm:style>
-  </dgm:styleLbl>
-  <dgm:styleLbl name="node1">
-    <dgm:scene3d>
-      <a:camera prst="orthographicFront"/>
-      <a:lightRig rig="threePt" dir="t"/>
-    </dgm:scene3d>
-    <dgm:sp3d/>
-    <dgm:txPr/>
-    <dgm:style>
-      <a:lnRef idx="2">
-        <a:scrgbClr r="0" g="0" b="0"/>
-      </a:lnRef>
-      <a:fillRef idx="1">
-        <a:scrgbClr r="0" g="0" b="0"/>
-      </a:fillRef>
-      <a:effectRef idx="0">
-        <a:scrgbClr r="0" g="0" b="0"/>
-      </a:effectRef>
-      <a:fontRef idx="minor">
-        <a:schemeClr val="lt1"/>
-      </a:fontRef>
-    </dgm:style>
-  </dgm:styleLbl>
-  <dgm:styleLbl name="node2">
-    <dgm:scene3d>
-      <a:camera prst="orthographicFront"/>
-      <a:lightRig rig="threePt" dir="t"/>
-    </dgm:scene3d>
-    <dgm:sp3d/>
-    <dgm:txPr/>
-    <dgm:style>
-      <a:lnRef idx="2">
-        <a:scrgbClr r="0" g="0" b="0"/>
-      </a:lnRef>
-      <a:fillRef idx="1">
-        <a:scrgbClr r="0" g="0" b="0"/>
-      </a:fillRef>
-      <a:effectRef idx="0">
-        <a:scrgbClr r="0" g="0" b="0"/>
-      </a:effectRef>
-      <a:fontRef idx="minor">
-        <a:schemeClr val="lt1"/>
-      </a:fontRef>
-    </dgm:style>
-  </dgm:styleLbl>
-  <dgm:styleLbl name="node3">
-    <dgm:scene3d>
-      <a:camera prst="orthographicFront"/>
-      <a:lightRig rig="threePt" dir="t"/>
-    </dgm:scene3d>
-    <dgm:sp3d/>
-    <dgm:txPr/>
-    <dgm:style>
-      <a:lnRef idx="2">
-        <a:scrgbClr r="0" g="0" b="0"/>
-      </a:lnRef>
-      <a:fillRef idx="1">
-        <a:scrgbClr r="0" g="0" b="0"/>
-      </a:fillRef>
-      <a:effectRef idx="0">
-        <a:scrgbClr r="0" g="0" b="0"/>
-      </a:effectRef>
-      <a:fontRef idx="minor">
-        <a:schemeClr val="lt1"/>
-      </a:fontRef>
-    </dgm:style>
-  </dgm:styleLbl>
-  <dgm:styleLbl name="node4">
-    <dgm:scene3d>
-      <a:camera prst="orthographicFront"/>
-      <a:lightRig rig="threePt" dir="t"/>
-    </dgm:scene3d>
-    <dgm:sp3d/>
-    <dgm:txPr/>
-    <dgm:style>
-      <a:lnRef idx="2">
-        <a:scrgbClr r="0" g="0" b="0"/>
-      </a:lnRef>
-      <a:fillRef idx="1">
-        <a:scrgbClr r="0" g="0" b="0"/>
-      </a:fillRef>
-      <a:effectRef idx="0">
-        <a:scrgbClr r="0" g="0" b="0"/>
-      </a:effectRef>
-      <a:fontRef idx="minor">
-        <a:schemeClr val="lt1"/>
-      </a:fontRef>
-    </dgm:style>
-  </dgm:styleLbl>
-  <dgm:styleLbl name="fgImgPlace1">
-    <dgm:scene3d>
-      <a:camera prst="orthographicFront"/>
-      <a:lightRig rig="threePt" dir="t"/>
-    </dgm:scene3d>
-    <dgm:sp3d/>
-    <dgm:txPr/>
-    <dgm:style>
-      <a:lnRef idx="2">
-        <a:scrgbClr r="0" g="0" b="0"/>
-      </a:lnRef>
-      <a:fillRef idx="1">
-        <a:scrgbClr r="0" g="0" b="0"/>
-      </a:fillRef>
-      <a:effectRef idx="0">
-        <a:scrgbClr r="0" g="0" b="0"/>
-      </a:effectRef>
-      <a:fontRef idx="minor"/>
-    </dgm:style>
-  </dgm:styleLbl>
-  <dgm:styleLbl name="alignImgPlace1">
-    <dgm:scene3d>
-      <a:camera prst="orthographicFront"/>
-      <a:lightRig rig="threePt" dir="t"/>
-    </dgm:scene3d>
-    <dgm:sp3d/>
-    <dgm:txPr/>
-    <dgm:style>
-      <a:lnRef idx="2">
-        <a:scrgbClr r="0" g="0" b="0"/>
-      </a:lnRef>
-      <a:fillRef idx="1">
-        <a:scrgbClr r="0" g="0" b="0"/>
-      </a:fillRef>
-      <a:effectRef idx="0">
-        <a:scrgbClr r="0" g="0" b="0"/>
-      </a:effectRef>
-      <a:fontRef idx="minor"/>
-    </dgm:style>
-  </dgm:styleLbl>
-  <dgm:styleLbl name="bgImgPlace1">
-    <dgm:scene3d>
-      <a:camera prst="orthographicFront"/>
-      <a:lightRig rig="threePt" dir="t"/>
-    </dgm:scene3d>
-    <dgm:sp3d/>
-    <dgm:txPr/>
-    <dgm:style>
-      <a:lnRef idx="2">
-        <a:scrgbClr r="0" g="0" b="0"/>
-      </a:lnRef>
-      <a:fillRef idx="1">
-        <a:scrgbClr r="0" g="0" b="0"/>
-      </a:fillRef>
-      <a:effectRef idx="0">
-        <a:scrgbClr r="0" g="0" b="0"/>
-      </a:effectRef>
-      <a:fontRef idx="minor"/>
-    </dgm:style>
-  </dgm:styleLbl>
-  <dgm:styleLbl name="sibTrans2D1">
-    <dgm:scene3d>
-      <a:camera prst="orthographicFront"/>
-      <a:lightRig rig="threePt" dir="t"/>
-    </dgm:scene3d>
-    <dgm:sp3d/>
-    <dgm:txPr/>
-    <dgm:style>
-      <a:lnRef idx="0">
-        <a:scrgbClr r="0" g="0" b="0"/>
-      </a:lnRef>
-      <a:fillRef idx="1">
-        <a:scrgbClr r="0" g="0" b="0"/>
-      </a:fillRef>
-      <a:effectRef idx="0">
-        <a:scrgbClr r="0" g="0" b="0"/>
-      </a:effectRef>
-      <a:fontRef idx="minor">
-        <a:schemeClr val="lt1"/>
-      </a:fontRef>
-    </dgm:style>
-  </dgm:styleLbl>
-  <dgm:styleLbl name="fgSibTrans2D1">
-    <dgm:scene3d>
-      <a:camera prst="orthographicFront"/>
-      <a:lightRig rig="threePt" dir="t"/>
-    </dgm:scene3d>
-    <dgm:sp3d/>
-    <dgm:txPr/>
-    <dgm:style>
-      <a:lnRef idx="0">
-        <a:scrgbClr r="0" g="0" b="0"/>
-      </a:lnRef>
-      <a:fillRef idx="1">
-        <a:scrgbClr r="0" g="0" b="0"/>
-      </a:fillRef>
-      <a:effectRef idx="0">
-        <a:scrgbClr r="0" g="0" b="0"/>
-      </a:effectRef>
-      <a:fontRef idx="minor">
-        <a:schemeClr val="lt1"/>
-      </a:fontRef>
-    </dgm:style>
-  </dgm:styleLbl>
-  <dgm:styleLbl name="bgSibTrans2D1">
-    <dgm:scene3d>
-      <a:camera prst="orthographicFront"/>
-      <a:lightRig rig="threePt" dir="t"/>
-    </dgm:scene3d>
-    <dgm:sp3d/>
-    <dgm:txPr/>
-    <dgm:style>
-      <a:lnRef idx="0">
-        <a:scrgbClr r="0" g="0" b="0"/>
-      </a:lnRef>
-      <a:fillRef idx="1">
-        <a:scrgbClr r="0" g="0" b="0"/>
-      </a:fillRef>
-      <a:effectRef idx="0">
-        <a:scrgbClr r="0" g="0" b="0"/>
-      </a:effectRef>
-      <a:fontRef idx="minor">
-        <a:schemeClr val="lt1"/>
-      </a:fontRef>
-    </dgm:style>
-  </dgm:styleLbl>
-  <dgm:styleLbl name="sibTrans1D1">
-    <dgm:scene3d>
-      <a:camera prst="orthographicFront"/>
-      <a:lightRig rig="threePt" dir="t"/>
-    </dgm:scene3d>
-    <dgm:sp3d/>
-    <dgm:txPr/>
-    <dgm:style>
-      <a:lnRef idx="1">
-        <a:scrgbClr r="0" g="0" b="0"/>
-      </a:lnRef>
-      <a:fillRef idx="0">
-        <a:scrgbClr r="0" g="0" b="0"/>
-      </a:fillRef>
-      <a:effectRef idx="0">
-        <a:scrgbClr r="0" g="0" b="0"/>
-      </a:effectRef>
-      <a:fontRef idx="minor"/>
-    </dgm:style>
-  </dgm:styleLbl>
-  <dgm:styleLbl name="callout">
-    <dgm:scene3d>
-      <a:camera prst="orthographicFront"/>
-      <a:lightRig rig="threePt" dir="t"/>
-    </dgm:scene3d>
-    <dgm:sp3d/>
-    <dgm:txPr/>
-    <dgm:style>
-      <a:lnRef idx="2">
-        <a:scrgbClr r="0" g="0" b="0"/>
-      </a:lnRef>
-      <a:fillRef idx="1">
-        <a:scrgbClr r="0" g="0" b="0"/>
-      </a:fillRef>
-      <a:effectRef idx="0">
-        <a:scrgbClr r="0" g="0" b="0"/>
-      </a:effectRef>
-      <a:fontRef idx="minor"/>
-    </dgm:style>
-  </dgm:styleLbl>
-  <dgm:styleLbl name="asst0">
-    <dgm:scene3d>
-      <a:camera prst="orthographicFront"/>
-      <a:lightRig rig="threePt" dir="t"/>
-    </dgm:scene3d>
-    <dgm:sp3d/>
-    <dgm:txPr/>
-    <dgm:style>
-      <a:lnRef idx="2">
-        <a:scrgbClr r="0" g="0" b="0"/>
-      </a:lnRef>
-      <a:fillRef idx="1">
-        <a:scrgbClr r="0" g="0" b="0"/>
-      </a:fillRef>
-      <a:effectRef idx="0">
-        <a:scrgbClr r="0" g="0" b="0"/>
-      </a:effectRef>
-      <a:fontRef idx="minor">
-        <a:schemeClr val="lt1"/>
-      </a:fontRef>
-    </dgm:style>
-  </dgm:styleLbl>
-  <dgm:styleLbl name="asst1">
-    <dgm:scene3d>
-      <a:camera prst="orthographicFront"/>
-      <a:lightRig rig="threePt" dir="t"/>
-    </dgm:scene3d>
-    <dgm:sp3d/>
-    <dgm:txPr/>
-    <dgm:style>
-      <a:lnRef idx="2">
-        <a:scrgbClr r="0" g="0" b="0"/>
-      </a:lnRef>
-      <a:fillRef idx="1">
-        <a:scrgbClr r="0" g="0" b="0"/>
-      </a:fillRef>
-      <a:effectRef idx="0">
-        <a:scrgbClr r="0" g="0" b="0"/>
-      </a:effectRef>
-      <a:fontRef idx="minor">
-        <a:schemeClr val="lt1"/>
-      </a:fontRef>
-    </dgm:style>
-  </dgm:styleLbl>
-  <dgm:styleLbl name="asst2">
-    <dgm:scene3d>
-      <a:camera prst="orthographicFront"/>
-      <a:lightRig rig="threePt" dir="t"/>
-    </dgm:scene3d>
-    <dgm:sp3d/>
-    <dgm:txPr/>
-    <dgm:style>
-      <a:lnRef idx="2">
-        <a:scrgbClr r="0" g="0" b="0"/>
-      </a:lnRef>
-      <a:fillRef idx="1">
-        <a:scrgbClr r="0" g="0" b="0"/>
-      </a:fillRef>
-      <a:effectRef idx="0">
-        <a:scrgbClr r="0" g="0" b="0"/>
-      </a:effectRef>
-      <a:fontRef idx="minor">
-        <a:schemeClr val="lt1"/>
-      </a:fontRef>
-    </dgm:style>
-  </dgm:styleLbl>
-  <dgm:styleLbl name="asst3">
-    <dgm:scene3d>
-      <a:camera prst="orthographicFront"/>
-      <a:lightRig rig="threePt" dir="t"/>
-    </dgm:scene3d>
-    <dgm:sp3d/>
-    <dgm:txPr/>
-    <dgm:style>
-      <a:lnRef idx="2">
-        <a:scrgbClr r="0" g="0" b="0"/>
-      </a:lnRef>
-      <a:fillRef idx="1">
-        <a:scrgbClr r="0" g="0" b="0"/>
-      </a:fillRef>
-      <a:effectRef idx="0">
-        <a:scrgbClr r="0" g="0" b="0"/>
-      </a:effectRef>
-      <a:fontRef idx="minor">
-        <a:schemeClr val="lt1"/>
-      </a:fontRef>
-    </dgm:style>
-  </dgm:styleLbl>
-  <dgm:styleLbl name="asst4">
-    <dgm:scene3d>
-      <a:camera prst="orthographicFront"/>
-      <a:lightRig rig="threePt" dir="t"/>
-    </dgm:scene3d>
-    <dgm:sp3d/>
-    <dgm:txPr/>
-    <dgm:style>
-      <a:lnRef idx="2">
-        <a:scrgbClr r="0" g="0" b="0"/>
-      </a:lnRef>
-      <a:fillRef idx="1">
-        <a:scrgbClr r="0" g="0" b="0"/>
-      </a:fillRef>
-      <a:effectRef idx="0">
-        <a:scrgbClr r="0" g="0" b="0"/>
-      </a:effectRef>
-      <a:fontRef idx="minor">
-        <a:schemeClr val="lt1"/>
-      </a:fontRef>
-    </dgm:style>
-  </dgm:styleLbl>
-  <dgm:styleLbl name="parChTrans2D1">
-    <dgm:scene3d>
-      <a:camera prst="orthographicFront"/>
-      <a:lightRig rig="threePt" dir="t"/>
-    </dgm:scene3d>
-    <dgm:sp3d/>
-    <dgm:txPr/>
-    <dgm:style>
-      <a:lnRef idx="2">
-        <a:scrgbClr r="0" g="0" b="0"/>
-      </a:lnRef>
-      <a:fillRef idx="1">
-        <a:scrgbClr r="0" g="0" b="0"/>
-      </a:fillRef>
-      <a:effectRef idx="0">
-        <a:scrgbClr r="0" g="0" b="0"/>
-      </a:effectRef>
-      <a:fontRef idx="minor">
-        <a:schemeClr val="lt1"/>
-      </a:fontRef>
-    </dgm:style>
-  </dgm:styleLbl>
-  <dgm:styleLbl name="parChTrans2D2">
-    <dgm:scene3d>
-      <a:camera prst="orthographicFront"/>
-      <a:lightRig rig="threePt" dir="t"/>
-    </dgm:scene3d>
-    <dgm:sp3d/>
-    <dgm:txPr/>
-    <dgm:style>
-      <a:lnRef idx="2">
-        <a:scrgbClr r="0" g="0" b="0"/>
-      </a:lnRef>
-      <a:fillRef idx="1">
-        <a:scrgbClr r="0" g="0" b="0"/>
-      </a:fillRef>
-      <a:effectRef idx="0">
-        <a:scrgbClr r="0" g="0" b="0"/>
-      </a:effectRef>
-      <a:fontRef idx="minor">
-        <a:schemeClr val="lt1"/>
-      </a:fontRef>
-    </dgm:style>
-  </dgm:styleLbl>
-  <dgm:styleLbl name="parChTrans2D3">
-    <dgm:scene3d>
-      <a:camera prst="orthographicFront"/>
-      <a:lightRig rig="threePt" dir="t"/>
-    </dgm:scene3d>
-    <dgm:sp3d/>
-    <dgm:txPr/>
-    <dgm:style>
-      <a:lnRef idx="2">
-        <a:scrgbClr r="0" g="0" b="0"/>
-      </a:lnRef>
-      <a:fillRef idx="1">
-        <a:scrgbClr r="0" g="0" b="0"/>
-      </a:fillRef>
-      <a:effectRef idx="0">
-        <a:scrgbClr r="0" g="0" b="0"/>
-      </a:effectRef>
-      <a:fontRef idx="minor">
-        <a:schemeClr val="lt1"/>
-      </a:fontRef>
-    </dgm:style>
-  </dgm:styleLbl>
-  <dgm:styleLbl name="parChTrans2D4">
-    <dgm:scene3d>
-      <a:camera prst="orthographicFront"/>
-      <a:lightRig rig="threePt" dir="t"/>
-    </dgm:scene3d>
-    <dgm:sp3d/>
-    <dgm:txPr/>
-    <dgm:style>
-      <a:lnRef idx="2">
-        <a:scrgbClr r="0" g="0" b="0"/>
-      </a:lnRef>
-      <a:fillRef idx="1">
-        <a:scrgbClr r="0" g="0" b="0"/>
-      </a:fillRef>
-      <a:effectRef idx="0">
-        <a:scrgbClr r="0" g="0" b="0"/>
-      </a:effectRef>
-      <a:fontRef idx="minor">
-        <a:schemeClr val="lt1"/>
-      </a:fontRef>
-    </dgm:style>
-  </dgm:styleLbl>
-  <dgm:styleLbl name="parChTrans1D1">
-    <dgm:scene3d>
-      <a:camera prst="orthographicFront"/>
-      <a:lightRig rig="threePt" dir="t"/>
-    </dgm:scene3d>
-    <dgm:sp3d/>
-    <dgm:txPr/>
-    <dgm:style>
-      <a:lnRef idx="2">
-        <a:scrgbClr r="0" g="0" b="0"/>
-      </a:lnRef>
-      <a:fillRef idx="0">
-        <a:scrgbClr r="0" g="0" b="0"/>
-      </a:fillRef>
-      <a:effectRef idx="0">
-        <a:scrgbClr r="0" g="0" b="0"/>
-      </a:effectRef>
-      <a:fontRef idx="minor"/>
-    </dgm:style>
-  </dgm:styleLbl>
-  <dgm:styleLbl name="parChTrans1D2">
-    <dgm:scene3d>
-      <a:camera prst="orthographicFront"/>
-      <a:lightRig rig="threePt" dir="t"/>
-    </dgm:scene3d>
-    <dgm:sp3d/>
-    <dgm:txPr/>
-    <dgm:style>
-      <a:lnRef idx="2">
-        <a:scrgbClr r="0" g="0" b="0"/>
-      </a:lnRef>
-      <a:fillRef idx="0">
-        <a:scrgbClr r="0" g="0" b="0"/>
-      </a:fillRef>
-      <a:effectRef idx="0">
-        <a:scrgbClr r="0" g="0" b="0"/>
-      </a:effectRef>
-      <a:fontRef idx="minor"/>
-    </dgm:style>
-  </dgm:styleLbl>
-  <dgm:styleLbl name="parChTrans1D3">
-    <dgm:scene3d>
-      <a:camera prst="orthographicFront"/>
-      <a:lightRig rig="threePt" dir="t"/>
-    </dgm:scene3d>
-    <dgm:sp3d/>
-    <dgm:txPr/>
-    <dgm:style>
-      <a:lnRef idx="2">
-        <a:scrgbClr r="0" g="0" b="0"/>
-      </a:lnRef>
-      <a:fillRef idx="0">
-        <a:scrgbClr r="0" g="0" b="0"/>
-      </a:fillRef>
-      <a:effectRef idx="0">
-        <a:scrgbClr r="0" g="0" b="0"/>
-      </a:effectRef>
-      <a:fontRef idx="minor"/>
-    </dgm:style>
-  </dgm:styleLbl>
-  <dgm:styleLbl name="parChTrans1D4">
-    <dgm:scene3d>
-      <a:camera prst="orthographicFront"/>
-      <a:lightRig rig="threePt" dir="t"/>
-    </dgm:scene3d>
-    <dgm:sp3d/>
-    <dgm:txPr/>
-    <dgm:style>
-      <a:lnRef idx="2">
-        <a:scrgbClr r="0" g="0" b="0"/>
-      </a:lnRef>
-      <a:fillRef idx="0">
-        <a:scrgbClr r="0" g="0" b="0"/>
-      </a:fillRef>
-      <a:effectRef idx="0">
-        <a:scrgbClr r="0" g="0" b="0"/>
-      </a:effectRef>
-      <a:fontRef idx="minor"/>
-    </dgm:style>
-  </dgm:styleLbl>
-  <dgm:styleLbl name="fgAcc1">
-    <dgm:scene3d>
-      <a:camera prst="orthographicFront"/>
-      <a:lightRig rig="threePt" dir="t"/>
-    </dgm:scene3d>
-    <dgm:sp3d/>
-    <dgm:txPr/>
-    <dgm:style>
-      <a:lnRef idx="2">
-        <a:scrgbClr r="0" g="0" b="0"/>
-      </a:lnRef>
-      <a:fillRef idx="1">
-        <a:scrgbClr r="0" g="0" b="0"/>
-      </a:fillRef>
-      <a:effectRef idx="0">
-        <a:scrgbClr r="0" g="0" b="0"/>
-      </a:effectRef>
-      <a:fontRef idx="minor"/>
-    </dgm:style>
-  </dgm:styleLbl>
-  <dgm:styleLbl name="conFgAcc1">
-    <dgm:scene3d>
-      <a:camera prst="orthographicFront"/>
-      <a:lightRig rig="threePt" dir="t"/>
-    </dgm:scene3d>
-    <dgm:sp3d/>
-    <dgm:txPr/>
-    <dgm:style>
-      <a:lnRef idx="2">
-        <a:scrgbClr r="0" g="0" b="0"/>
-      </a:lnRef>
-      <a:fillRef idx="1">
-        <a:scrgbClr r="0" g="0" b="0"/>
-      </a:fillRef>
-      <a:effectRef idx="0">
-        <a:scrgbClr r="0" g="0" b="0"/>
-      </a:effectRef>
-      <a:fontRef idx="minor"/>
-    </dgm:style>
-  </dgm:styleLbl>
-  <dgm:styleLbl name="alignAcc1">
-    <dgm:scene3d>
-      <a:camera prst="orthographicFront"/>
-      <a:lightRig rig="threePt" dir="t"/>
-    </dgm:scene3d>
-    <dgm:sp3d/>
-    <dgm:txPr/>
-    <dgm:style>
-      <a:lnRef idx="2">
-        <a:scrgbClr r="0" g="0" b="0"/>
-      </a:lnRef>
-      <a:fillRef idx="1">
-        <a:scrgbClr r="0" g="0" b="0"/>
-      </a:fillRef>
-      <a:effectRef idx="0">
-        <a:scrgbClr r="0" g="0" b="0"/>
-      </a:effectRef>
-      <a:fontRef idx="minor"/>
-    </dgm:style>
-  </dgm:styleLbl>
-  <dgm:styleLbl name="trAlignAcc1">
-    <dgm:scene3d>
-      <a:camera prst="orthographicFront"/>
-      <a:lightRig rig="threePt" dir="t"/>
-    </dgm:scene3d>
-    <dgm:sp3d/>
-    <dgm:txPr/>
-    <dgm:style>
-      <a:lnRef idx="1">
-        <a:scrgbClr r="0" g="0" b="0"/>
-      </a:lnRef>
-      <a:fillRef idx="1">
-        <a:scrgbClr r="0" g="0" b="0"/>
-      </a:fillRef>
-      <a:effectRef idx="0">
-        <a:scrgbClr r="0" g="0" b="0"/>
-      </a:effectRef>
-      <a:fontRef idx="minor"/>
-    </dgm:style>
-  </dgm:styleLbl>
-  <dgm:styleLbl name="bgAcc1">
-    <dgm:scene3d>
-      <a:camera prst="orthographicFront"/>
-      <a:lightRig rig="threePt" dir="t"/>
-    </dgm:scene3d>
-    <dgm:sp3d/>
-    <dgm:txPr/>
-    <dgm:style>
-      <a:lnRef idx="2">
-        <a:scrgbClr r="0" g="0" b="0"/>
-      </a:lnRef>
-      <a:fillRef idx="1">
-        <a:scrgbClr r="0" g="0" b="0"/>
-      </a:fillRef>
-      <a:effectRef idx="0">
-        <a:scrgbClr r="0" g="0" b="0"/>
-      </a:effectRef>
-      <a:fontRef idx="minor"/>
-    </dgm:style>
-  </dgm:styleLbl>
-  <dgm:styleLbl name="solidFgAcc1">
-    <dgm:scene3d>
-      <a:camera prst="orthographicFront"/>
-      <a:lightRig rig="threePt" dir="t"/>
-    </dgm:scene3d>
-    <dgm:sp3d/>
-    <dgm:txPr/>
-    <dgm:style>
-      <a:lnRef idx="2">
-        <a:scrgbClr r="0" g="0" b="0"/>
-      </a:lnRef>
-      <a:fillRef idx="1">
-        <a:scrgbClr r="0" g="0" b="0"/>
-      </a:fillRef>
-      <a:effectRef idx="0">
-        <a:scrgbClr r="0" g="0" b="0"/>
-      </a:effectRef>
-      <a:fontRef idx="minor"/>
-    </dgm:style>
-  </dgm:styleLbl>
-  <dgm:styleLbl name="solidAlignAcc1">
-    <dgm:scene3d>
-      <a:camera prst="orthographicFront"/>
-      <a:lightRig rig="threePt" dir="t"/>
-    </dgm:scene3d>
-    <dgm:sp3d/>
-    <dgm:txPr/>
-    <dgm:style>
-      <a:lnRef idx="2">
-        <a:scrgbClr r="0" g="0" b="0"/>
-      </a:lnRef>
-      <a:fillRef idx="1">
-        <a:scrgbClr r="0" g="0" b="0"/>
-      </a:fillRef>
-      <a:effectRef idx="0">
-        <a:scrgbClr r="0" g="0" b="0"/>
-      </a:effectRef>
-      <a:fontRef idx="minor"/>
-    </dgm:style>
-  </dgm:styleLbl>
-  <dgm:styleLbl name="solidBgAcc1">
-    <dgm:scene3d>
-      <a:camera prst="orthographicFront"/>
-      <a:lightRig rig="threePt" dir="t"/>
-    </dgm:scene3d>
-    <dgm:sp3d/>
-    <dgm:txPr/>
-    <dgm:style>
-      <a:lnRef idx="2">
-        <a:scrgbClr r="0" g="0" b="0"/>
-      </a:lnRef>
-      <a:fillRef idx="1">
-        <a:scrgbClr r="0" g="0" b="0"/>
-      </a:fillRef>
-      <a:effectRef idx="0">
-        <a:scrgbClr r="0" g="0" b="0"/>
-      </a:effectRef>
-      <a:fontRef idx="minor"/>
-    </dgm:style>
-  </dgm:styleLbl>
-  <dgm:styleLbl name="fgAccFollowNode1">
-    <dgm:scene3d>
-      <a:camera prst="orthographicFront"/>
-      <a:lightRig rig="threePt" dir="t"/>
-    </dgm:scene3d>
-    <dgm:sp3d/>
-    <dgm:txPr/>
-    <dgm:style>
-      <a:lnRef idx="2">
-        <a:scrgbClr r="0" g="0" b="0"/>
-      </a:lnRef>
-      <a:fillRef idx="1">
-        <a:scrgbClr r="0" g="0" b="0"/>
-      </a:fillRef>
-      <a:effectRef idx="0">
-        <a:scrgbClr r="0" g="0" b="0"/>
-      </a:effectRef>
-      <a:fontRef idx="minor"/>
-    </dgm:style>
-  </dgm:styleLbl>
-  <dgm:styleLbl name="alignAccFollowNode1">
-    <dgm:scene3d>
-      <a:camera prst="orthographicFront"/>
-      <a:lightRig rig="threePt" dir="t"/>
-    </dgm:scene3d>
-    <dgm:sp3d/>
-    <dgm:txPr/>
-    <dgm:style>
-      <a:lnRef idx="2">
-        <a:scrgbClr r="0" g="0" b="0"/>
-      </a:lnRef>
-      <a:fillRef idx="1">
-        <a:scrgbClr r="0" g="0" b="0"/>
-      </a:fillRef>
-      <a:effectRef idx="0">
-        <a:scrgbClr r="0" g="0" b="0"/>
-      </a:effectRef>
-      <a:fontRef idx="minor"/>
-    </dgm:style>
-  </dgm:styleLbl>
-  <dgm:styleLbl name="bgAccFollowNode1">
-    <dgm:scene3d>
-      <a:camera prst="orthographicFront"/>
-      <a:lightRig rig="threePt" dir="t"/>
-    </dgm:scene3d>
-    <dgm:sp3d/>
-    <dgm:txPr/>
-    <dgm:style>
-      <a:lnRef idx="2">
-        <a:scrgbClr r="0" g="0" b="0"/>
-      </a:lnRef>
-      <a:fillRef idx="1">
-        <a:scrgbClr r="0" g="0" b="0"/>
-      </a:fillRef>
-      <a:effectRef idx="0">
-        <a:scrgbClr r="0" g="0" b="0"/>
-      </a:effectRef>
-      <a:fontRef idx="minor"/>
-    </dgm:style>
-  </dgm:styleLbl>
-  <dgm:styleLbl name="fgAcc0">
-    <dgm:scene3d>
-      <a:camera prst="orthographicFront"/>
-      <a:lightRig rig="threePt" dir="t"/>
-    </dgm:scene3d>
-    <dgm:sp3d/>
-    <dgm:txPr/>
-    <dgm:style>
-      <a:lnRef idx="2">
-        <a:scrgbClr r="0" g="0" b="0"/>
-      </a:lnRef>
-      <a:fillRef idx="1">
-        <a:scrgbClr r="0" g="0" b="0"/>
-      </a:fillRef>
-      <a:effectRef idx="0">
-        <a:scrgbClr r="0" g="0" b="0"/>
-      </a:effectRef>
-      <a:fontRef idx="minor"/>
-    </dgm:style>
-  </dgm:styleLbl>
-  <dgm:styleLbl name="fgAcc2">
-    <dgm:scene3d>
-      <a:camera prst="orthographicFront"/>
-      <a:lightRig rig="threePt" dir="t"/>
-    </dgm:scene3d>
-    <dgm:sp3d/>
-    <dgm:txPr/>
-    <dgm:style>
-      <a:lnRef idx="2">
-        <a:scrgbClr r="0" g="0" b="0"/>
-      </a:lnRef>
-      <a:fillRef idx="1">
-        <a:scrgbClr r="0" g="0" b="0"/>
-      </a:fillRef>
-      <a:effectRef idx="0">
-        <a:scrgbClr r="0" g="0" b="0"/>
-      </a:effectRef>
-      <a:fontRef idx="minor"/>
-    </dgm:style>
-  </dgm:styleLbl>
-  <dgm:styleLbl name="fgAcc3">
-    <dgm:scene3d>
-      <a:camera prst="orthographicFront"/>
-      <a:lightRig rig="threePt" dir="t"/>
-    </dgm:scene3d>
-    <dgm:sp3d/>
-    <dgm:txPr/>
-    <dgm:style>
-      <a:lnRef idx="2">
-        <a:scrgbClr r="0" g="0" b="0"/>
-      </a:lnRef>
-      <a:fillRef idx="1">
-        <a:scrgbClr r="0" g="0" b="0"/>
-      </a:fillRef>
-      <a:effectRef idx="0">
-        <a:scrgbClr r="0" g="0" b="0"/>
-      </a:effectRef>
-      <a:fontRef idx="minor"/>
-    </dgm:style>
-  </dgm:styleLbl>
-  <dgm:styleLbl name="fgAcc4">
-    <dgm:scene3d>
-      <a:camera prst="orthographicFront"/>
-      <a:lightRig rig="threePt" dir="t"/>
-    </dgm:scene3d>
-    <dgm:sp3d/>
-    <dgm:txPr/>
-    <dgm:style>
-      <a:lnRef idx="2">
-        <a:scrgbClr r="0" g="0" b="0"/>
-      </a:lnRef>
-      <a:fillRef idx="1">
-        <a:scrgbClr r="0" g="0" b="0"/>
-      </a:fillRef>
-      <a:effectRef idx="0">
-        <a:scrgbClr r="0" g="0" b="0"/>
-      </a:effectRef>
-      <a:fontRef idx="minor"/>
-    </dgm:style>
-  </dgm:styleLbl>
-  <dgm:styleLbl name="bgShp">
-    <dgm:scene3d>
-      <a:camera prst="orthographicFront"/>
-      <a:lightRig rig="threePt" dir="t"/>
-    </dgm:scene3d>
-    <dgm:sp3d/>
-    <dgm:txPr/>
-    <dgm:style>
-      <a:lnRef idx="0">
-        <a:scrgbClr r="0" g="0" b="0"/>
-      </a:lnRef>
-      <a:fillRef idx="1">
-        <a:scrgbClr r="0" g="0" b="0"/>
-      </a:fillRef>
-      <a:effectRef idx="0">
-        <a:scrgbClr r="0" g="0" b="0"/>
-      </a:effectRef>
-      <a:fontRef idx="minor"/>
-    </dgm:style>
-  </dgm:styleLbl>
-  <dgm:styleLbl name="dkBgShp">
-    <dgm:scene3d>
-      <a:camera prst="orthographicFront"/>
-      <a:lightRig rig="threePt" dir="t"/>
-    </dgm:scene3d>
-    <dgm:sp3d/>
-    <dgm:txPr/>
-    <dgm:style>
-      <a:lnRef idx="0">
-        <a:scrgbClr r="0" g="0" b="0"/>
-      </a:lnRef>
-      <a:fillRef idx="1">
-        <a:scrgbClr r="0" g="0" b="0"/>
-      </a:fillRef>
-      <a:effectRef idx="0">
-        <a:scrgbClr r="0" g="0" b="0"/>
-      </a:effectRef>
-      <a:fontRef idx="minor"/>
-    </dgm:style>
-  </dgm:styleLbl>
-  <dgm:styleLbl name="trBgShp">
-    <dgm:scene3d>
-      <a:camera prst="orthographicFront"/>
-      <a:lightRig rig="threePt" dir="t"/>
-    </dgm:scene3d>
-    <dgm:sp3d/>
-    <dgm:txPr/>
-    <dgm:style>
-      <a:lnRef idx="0">
-        <a:scrgbClr r="0" g="0" b="0"/>
-      </a:lnRef>
-      <a:fillRef idx="1">
-        <a:scrgbClr r="0" g="0" b="0"/>
-      </a:fillRef>
-      <a:effectRef idx="0">
-        <a:scrgbClr r="0" g="0" b="0"/>
-      </a:effectRef>
-      <a:fontRef idx="minor"/>
-    </dgm:style>
-  </dgm:styleLbl>
-  <dgm:styleLbl name="fgShp">
-    <dgm:scene3d>
-      <a:camera prst="orthographicFront"/>
-      <a:lightRig rig="threePt" dir="t"/>
-    </dgm:scene3d>
-    <dgm:sp3d/>
-    <dgm:txPr/>
-    <dgm:style>
-      <a:lnRef idx="2">
-        <a:scrgbClr r="0" g="0" b="0"/>
-      </a:lnRef>
-      <a:fillRef idx="1">
-        <a:scrgbClr r="0" g="0" b="0"/>
-      </a:fillRef>
-      <a:effectRef idx="0">
-        <a:scrgbClr r="0" g="0" b="0"/>
-      </a:effectRef>
-      <a:fontRef idx="minor"/>
-    </dgm:style>
-  </dgm:styleLbl>
-  <dgm:styleLbl name="revTx">
-    <dgm:scene3d>
-      <a:camera prst="orthographicFront"/>
-      <a:lightRig rig="threePt" dir="t"/>
-    </dgm:scene3d>
-    <dgm:sp3d/>
-    <dgm:txPr/>
-    <dgm:style>
-      <a:lnRef idx="0">
-        <a:scrgbClr r="0" g="0" b="0"/>
-      </a:lnRef>
-      <a:fillRef idx="0">
-        <a:scrgbClr r="0" g="0" b="0"/>
-      </a:fillRef>
-      <a:effectRef idx="0">
-        <a:scrgbClr r="0" g="0" b="0"/>
-      </a:effectRef>
-      <a:fontRef idx="minor"/>
-    </dgm:style>
-  </dgm:styleLbl>
-</dgm:styleDef>
-</file>
-
 <file path=ppt/handoutMasters/handoutMaster1.xml><?xml version="1.0" encoding="utf-8"?>
 <p:handoutMaster xmlns:a="http://schemas.openxmlformats.org/drawingml/2006/main" xmlns:r="http://schemas.openxmlformats.org/officeDocument/2006/relationships" xmlns:p="http://schemas.openxmlformats.org/presentationml/2006/main">
   <p:cSld>
@@ -6355,7 +3362,7 @@
               <a:pPr>
                 <a:defRPr/>
               </a:pPr>
-              <a:t>17/01/2025</a:t>
+              <a:t>20/01/2025</a:t>
             </a:fld>
             <a:endParaRPr lang="es-CO"/>
           </a:p>
@@ -6598,7 +3605,7 @@
               <a:pPr>
                 <a:defRPr/>
               </a:pPr>
-              <a:t>17/01/2025</a:t>
+              <a:t>20/01/2025</a:t>
             </a:fld>
             <a:endParaRPr lang="es-CO"/>
           </a:p>
@@ -7231,295 +4238,6 @@
 </p:notes>
 </file>
 
-<file path=ppt/notesSlides/notesSlide10.xml><?xml version="1.0" encoding="utf-8"?>
-<p:notes xmlns:a="http://schemas.openxmlformats.org/drawingml/2006/main" xmlns:r="http://schemas.openxmlformats.org/officeDocument/2006/relationships" xmlns:p="http://schemas.openxmlformats.org/presentationml/2006/main">
-  <p:cSld>
-    <p:spTree>
-      <p:nvGrpSpPr>
-        <p:cNvPr id="1" name=""/>
-        <p:cNvGrpSpPr/>
-        <p:nvPr/>
-      </p:nvGrpSpPr>
-      <p:grpSpPr>
-        <a:xfrm>
-          <a:off x="0" y="0"/>
-          <a:ext cx="0" cy="0"/>
-          <a:chOff x="0" y="0"/>
-          <a:chExt cx="0" cy="0"/>
-        </a:xfrm>
-      </p:grpSpPr>
-      <p:sp>
-        <p:nvSpPr>
-          <p:cNvPr id="24578" name="1 Marcador de imagen de diapositiva">
-            <a:extLst>
-              <a:ext uri="{FF2B5EF4-FFF2-40B4-BE49-F238E27FC236}">
-                <a16:creationId xmlns:a16="http://schemas.microsoft.com/office/drawing/2014/main" id="{A034F020-34E5-482F-99B1-A355D641BDE9}"/>
-              </a:ext>
-            </a:extLst>
-          </p:cNvPr>
-          <p:cNvSpPr>
-            <a:spLocks noGrp="1" noRot="1" noChangeAspect="1" noTextEdit="1"/>
-          </p:cNvSpPr>
-          <p:nvPr>
-            <p:ph type="sldImg"/>
-          </p:nvPr>
-        </p:nvSpPr>
-        <p:spPr bwMode="auto">
-          <a:noFill/>
-          <a:ln>
-            <a:solidFill>
-              <a:srgbClr val="000000"/>
-            </a:solidFill>
-            <a:miter lim="800000"/>
-            <a:headEnd/>
-            <a:tailEnd/>
-          </a:ln>
-          <a:extLst>
-            <a:ext uri="{909E8E84-426E-40DD-AFC4-6F175D3DCCD1}">
-              <a14:hiddenFill xmlns:a14="http://schemas.microsoft.com/office/drawing/2010/main">
-                <a:solidFill>
-                  <a:srgbClr val="FFFFFF"/>
-                </a:solidFill>
-              </a14:hiddenFill>
-            </a:ext>
-          </a:extLst>
-        </p:spPr>
-      </p:sp>
-      <p:sp>
-        <p:nvSpPr>
-          <p:cNvPr id="24579" name="2 Marcador de notas">
-            <a:extLst>
-              <a:ext uri="{FF2B5EF4-FFF2-40B4-BE49-F238E27FC236}">
-                <a16:creationId xmlns:a16="http://schemas.microsoft.com/office/drawing/2014/main" id="{4ACC1D78-A4EE-4296-B827-943102B1D158}"/>
-              </a:ext>
-            </a:extLst>
-          </p:cNvPr>
-          <p:cNvSpPr>
-            <a:spLocks noGrp="1"/>
-          </p:cNvSpPr>
-          <p:nvPr>
-            <p:ph type="body" idx="1"/>
-          </p:nvPr>
-        </p:nvSpPr>
-        <p:spPr bwMode="auto">
-          <a:noFill/>
-          <a:extLst>
-            <a:ext uri="{909E8E84-426E-40DD-AFC4-6F175D3DCCD1}">
-              <a14:hiddenFill xmlns:a14="http://schemas.microsoft.com/office/drawing/2010/main">
-                <a:solidFill>
-                  <a:srgbClr val="FFFFFF"/>
-                </a:solidFill>
-              </a14:hiddenFill>
-            </a:ext>
-            <a:ext uri="{91240B29-F687-4F45-9708-019B960494DF}">
-              <a14:hiddenLine xmlns:a14="http://schemas.microsoft.com/office/drawing/2010/main" w="9525">
-                <a:solidFill>
-                  <a:srgbClr val="000000"/>
-                </a:solidFill>
-                <a:miter lim="800000"/>
-                <a:headEnd/>
-                <a:tailEnd/>
-              </a14:hiddenLine>
-            </a:ext>
-          </a:extLst>
-        </p:spPr>
-        <p:txBody>
-          <a:bodyPr wrap="square" numCol="1" anchor="t" anchorCtr="0" compatLnSpc="1">
-            <a:prstTxWarp prst="textNoShape">
-              <a:avLst/>
-            </a:prstTxWarp>
-          </a:bodyPr>
-          <a:lstStyle/>
-          <a:p>
-            <a:pPr eaLnBrk="1" hangingPunct="1">
-              <a:spcBef>
-                <a:spcPct val="0"/>
-              </a:spcBef>
-            </a:pPr>
-            <a:endParaRPr lang="es-CO" altLang="es-CO"/>
-          </a:p>
-        </p:txBody>
-      </p:sp>
-      <p:sp>
-        <p:nvSpPr>
-          <p:cNvPr id="24580" name="3 Marcador de número de diapositiva">
-            <a:extLst>
-              <a:ext uri="{FF2B5EF4-FFF2-40B4-BE49-F238E27FC236}">
-                <a16:creationId xmlns:a16="http://schemas.microsoft.com/office/drawing/2014/main" id="{FD4DD11A-8247-45C7-960E-F8FB51C751B6}"/>
-              </a:ext>
-            </a:extLst>
-          </p:cNvPr>
-          <p:cNvSpPr>
-            <a:spLocks noGrp="1" noChangeArrowheads="1"/>
-          </p:cNvSpPr>
-          <p:nvPr>
-            <p:ph type="sldNum" sz="quarter" idx="5"/>
-          </p:nvPr>
-        </p:nvSpPr>
-        <p:spPr bwMode="auto">
-          <a:noFill/>
-          <a:extLst>
-            <a:ext uri="{909E8E84-426E-40DD-AFC4-6F175D3DCCD1}">
-              <a14:hiddenFill xmlns:a14="http://schemas.microsoft.com/office/drawing/2010/main">
-                <a:solidFill>
-                  <a:srgbClr val="FFFFFF"/>
-                </a:solidFill>
-              </a14:hiddenFill>
-            </a:ext>
-            <a:ext uri="{91240B29-F687-4F45-9708-019B960494DF}">
-              <a14:hiddenLine xmlns:a14="http://schemas.microsoft.com/office/drawing/2010/main" w="9525">
-                <a:solidFill>
-                  <a:srgbClr val="000000"/>
-                </a:solidFill>
-                <a:miter lim="800000"/>
-                <a:headEnd/>
-                <a:tailEnd/>
-              </a14:hiddenLine>
-            </a:ext>
-          </a:extLst>
-        </p:spPr>
-        <p:txBody>
-          <a:bodyPr/>
-          <a:lstStyle>
-            <a:lvl1pPr>
-              <a:spcBef>
-                <a:spcPct val="30000"/>
-              </a:spcBef>
-              <a:defRPr sz="1200">
-                <a:solidFill>
-                  <a:schemeClr val="tx1"/>
-                </a:solidFill>
-                <a:latin typeface="Calibri" panose="020F0502020204030204" pitchFamily="34" charset="0"/>
-              </a:defRPr>
-            </a:lvl1pPr>
-            <a:lvl2pPr marL="742950" indent="-285750">
-              <a:spcBef>
-                <a:spcPct val="30000"/>
-              </a:spcBef>
-              <a:defRPr sz="1200">
-                <a:solidFill>
-                  <a:schemeClr val="tx1"/>
-                </a:solidFill>
-                <a:latin typeface="Calibri" panose="020F0502020204030204" pitchFamily="34" charset="0"/>
-              </a:defRPr>
-            </a:lvl2pPr>
-            <a:lvl3pPr marL="1143000" indent="-228600">
-              <a:spcBef>
-                <a:spcPct val="30000"/>
-              </a:spcBef>
-              <a:defRPr sz="1200">
-                <a:solidFill>
-                  <a:schemeClr val="tx1"/>
-                </a:solidFill>
-                <a:latin typeface="Calibri" panose="020F0502020204030204" pitchFamily="34" charset="0"/>
-              </a:defRPr>
-            </a:lvl3pPr>
-            <a:lvl4pPr marL="1600200" indent="-228600">
-              <a:spcBef>
-                <a:spcPct val="30000"/>
-              </a:spcBef>
-              <a:defRPr sz="1200">
-                <a:solidFill>
-                  <a:schemeClr val="tx1"/>
-                </a:solidFill>
-                <a:latin typeface="Calibri" panose="020F0502020204030204" pitchFamily="34" charset="0"/>
-              </a:defRPr>
-            </a:lvl4pPr>
-            <a:lvl5pPr marL="2057400" indent="-228600">
-              <a:spcBef>
-                <a:spcPct val="30000"/>
-              </a:spcBef>
-              <a:defRPr sz="1200">
-                <a:solidFill>
-                  <a:schemeClr val="tx1"/>
-                </a:solidFill>
-                <a:latin typeface="Calibri" panose="020F0502020204030204" pitchFamily="34" charset="0"/>
-              </a:defRPr>
-            </a:lvl5pPr>
-            <a:lvl6pPr marL="2514600" indent="-228600" eaLnBrk="0" fontAlgn="base" hangingPunct="0">
-              <a:spcBef>
-                <a:spcPct val="30000"/>
-              </a:spcBef>
-              <a:spcAft>
-                <a:spcPct val="0"/>
-              </a:spcAft>
-              <a:defRPr sz="1200">
-                <a:solidFill>
-                  <a:schemeClr val="tx1"/>
-                </a:solidFill>
-                <a:latin typeface="Calibri" panose="020F0502020204030204" pitchFamily="34" charset="0"/>
-              </a:defRPr>
-            </a:lvl6pPr>
-            <a:lvl7pPr marL="2971800" indent="-228600" eaLnBrk="0" fontAlgn="base" hangingPunct="0">
-              <a:spcBef>
-                <a:spcPct val="30000"/>
-              </a:spcBef>
-              <a:spcAft>
-                <a:spcPct val="0"/>
-              </a:spcAft>
-              <a:defRPr sz="1200">
-                <a:solidFill>
-                  <a:schemeClr val="tx1"/>
-                </a:solidFill>
-                <a:latin typeface="Calibri" panose="020F0502020204030204" pitchFamily="34" charset="0"/>
-              </a:defRPr>
-            </a:lvl7pPr>
-            <a:lvl8pPr marL="3429000" indent="-228600" eaLnBrk="0" fontAlgn="base" hangingPunct="0">
-              <a:spcBef>
-                <a:spcPct val="30000"/>
-              </a:spcBef>
-              <a:spcAft>
-                <a:spcPct val="0"/>
-              </a:spcAft>
-              <a:defRPr sz="1200">
-                <a:solidFill>
-                  <a:schemeClr val="tx1"/>
-                </a:solidFill>
-                <a:latin typeface="Calibri" panose="020F0502020204030204" pitchFamily="34" charset="0"/>
-              </a:defRPr>
-            </a:lvl8pPr>
-            <a:lvl9pPr marL="3886200" indent="-228600" eaLnBrk="0" fontAlgn="base" hangingPunct="0">
-              <a:spcBef>
-                <a:spcPct val="30000"/>
-              </a:spcBef>
-              <a:spcAft>
-                <a:spcPct val="0"/>
-              </a:spcAft>
-              <a:defRPr sz="1200">
-                <a:solidFill>
-                  <a:schemeClr val="tx1"/>
-                </a:solidFill>
-                <a:latin typeface="Calibri" panose="020F0502020204030204" pitchFamily="34" charset="0"/>
-              </a:defRPr>
-            </a:lvl9pPr>
-          </a:lstStyle>
-          <a:p>
-            <a:pPr>
-              <a:spcBef>
-                <a:spcPct val="0"/>
-              </a:spcBef>
-            </a:pPr>
-            <a:fld id="{F044EFCE-52CC-4B49-9C54-448D812356D5}" type="slidenum">
-              <a:rPr lang="es-CO" altLang="es-CO" smtClean="0"/>
-              <a:pPr>
-                <a:spcBef>
-                  <a:spcPct val="0"/>
-                </a:spcBef>
-              </a:pPr>
-              <a:t>11</a:t>
-            </a:fld>
-            <a:endParaRPr lang="es-CO" altLang="es-CO"/>
-          </a:p>
-        </p:txBody>
-      </p:sp>
-    </p:spTree>
-  </p:cSld>
-  <p:clrMapOvr>
-    <a:masterClrMapping/>
-  </p:clrMapOvr>
-</p:notes>
-</file>
-
 <file path=ppt/notesSlides/notesSlide2.xml><?xml version="1.0" encoding="utf-8"?>
 <p:notes xmlns:a="http://schemas.openxmlformats.org/drawingml/2006/main" xmlns:r="http://schemas.openxmlformats.org/officeDocument/2006/relationships" xmlns:p="http://schemas.openxmlformats.org/presentationml/2006/main">
   <p:cSld>
@@ -8416,10 +5134,10 @@
       </p:grpSpPr>
       <p:sp>
         <p:nvSpPr>
-          <p:cNvPr id="14338" name="1 Marcador de imagen de diapositiva">
+          <p:cNvPr id="16386" name="1 Marcador de imagen de diapositiva">
             <a:extLst>
               <a:ext uri="{FF2B5EF4-FFF2-40B4-BE49-F238E27FC236}">
-                <a16:creationId xmlns:a16="http://schemas.microsoft.com/office/drawing/2014/main" id="{A56DD2AA-61EF-4380-8F5F-40ED8EEF8275}"/>
+                <a16:creationId xmlns:a16="http://schemas.microsoft.com/office/drawing/2014/main" id="{49DEC007-5864-4131-A49C-A215E5AA5055}"/>
               </a:ext>
             </a:extLst>
           </p:cNvPr>
@@ -8453,10 +5171,10 @@
       </p:sp>
       <p:sp>
         <p:nvSpPr>
-          <p:cNvPr id="14339" name="2 Marcador de notas">
+          <p:cNvPr id="16387" name="2 Marcador de notas">
             <a:extLst>
               <a:ext uri="{FF2B5EF4-FFF2-40B4-BE49-F238E27FC236}">
-                <a16:creationId xmlns:a16="http://schemas.microsoft.com/office/drawing/2014/main" id="{96E07582-9532-4EEA-A496-0EEE5D273A5F}"/>
+                <a16:creationId xmlns:a16="http://schemas.microsoft.com/office/drawing/2014/main" id="{9315BA39-5720-4204-8D2D-3C5CF9E47C62}"/>
               </a:ext>
             </a:extLst>
           </p:cNvPr>
@@ -8502,16 +5220,16 @@
                 <a:spcPct val="0"/>
               </a:spcBef>
             </a:pPr>
-            <a:endParaRPr lang="es-CO" altLang="es-CO" dirty="0"/>
+            <a:endParaRPr lang="es-CO" altLang="es-CO"/>
           </a:p>
         </p:txBody>
       </p:sp>
       <p:sp>
         <p:nvSpPr>
-          <p:cNvPr id="14340" name="3 Marcador de número de diapositiva">
+          <p:cNvPr id="16388" name="3 Marcador de número de diapositiva">
             <a:extLst>
               <a:ext uri="{FF2B5EF4-FFF2-40B4-BE49-F238E27FC236}">
-                <a16:creationId xmlns:a16="http://schemas.microsoft.com/office/drawing/2014/main" id="{3528994E-D050-4244-AEAB-174CE2809285}"/>
+                <a16:creationId xmlns:a16="http://schemas.microsoft.com/office/drawing/2014/main" id="{C968590B-F046-48BF-970D-F7DE2199E423}"/>
               </a:ext>
             </a:extLst>
           </p:cNvPr>
@@ -8665,7 +5383,7 @@
                 <a:spcPct val="0"/>
               </a:spcBef>
             </a:pPr>
-            <a:fld id="{A8A85802-30F1-42EE-BC91-C46DAA2F84D5}" type="slidenum">
+            <a:fld id="{0810BD95-6B74-41D9-9DDB-4485971ED202}" type="slidenum">
               <a:rPr lang="es-CO" altLang="es-CO" smtClean="0"/>
               <a:pPr>
                 <a:spcBef>
@@ -8705,10 +5423,10 @@
       </p:grpSpPr>
       <p:sp>
         <p:nvSpPr>
-          <p:cNvPr id="16386" name="1 Marcador de imagen de diapositiva">
+          <p:cNvPr id="18434" name="1 Marcador de imagen de diapositiva">
             <a:extLst>
               <a:ext uri="{FF2B5EF4-FFF2-40B4-BE49-F238E27FC236}">
-                <a16:creationId xmlns:a16="http://schemas.microsoft.com/office/drawing/2014/main" id="{49DEC007-5864-4131-A49C-A215E5AA5055}"/>
+                <a16:creationId xmlns:a16="http://schemas.microsoft.com/office/drawing/2014/main" id="{4C411F14-5FD8-4DBC-9C57-AE892088798F}"/>
               </a:ext>
             </a:extLst>
           </p:cNvPr>
@@ -8742,10 +5460,10 @@
       </p:sp>
       <p:sp>
         <p:nvSpPr>
-          <p:cNvPr id="16387" name="2 Marcador de notas">
+          <p:cNvPr id="18435" name="2 Marcador de notas">
             <a:extLst>
               <a:ext uri="{FF2B5EF4-FFF2-40B4-BE49-F238E27FC236}">
-                <a16:creationId xmlns:a16="http://schemas.microsoft.com/office/drawing/2014/main" id="{9315BA39-5720-4204-8D2D-3C5CF9E47C62}"/>
+                <a16:creationId xmlns:a16="http://schemas.microsoft.com/office/drawing/2014/main" id="{67D6F3E0-407B-4E02-90D9-37A84A4FB9AA}"/>
               </a:ext>
             </a:extLst>
           </p:cNvPr>
@@ -8797,10 +5515,10 @@
       </p:sp>
       <p:sp>
         <p:nvSpPr>
-          <p:cNvPr id="16388" name="3 Marcador de número de diapositiva">
+          <p:cNvPr id="18436" name="3 Marcador de número de diapositiva">
             <a:extLst>
               <a:ext uri="{FF2B5EF4-FFF2-40B4-BE49-F238E27FC236}">
-                <a16:creationId xmlns:a16="http://schemas.microsoft.com/office/drawing/2014/main" id="{C968590B-F046-48BF-970D-F7DE2199E423}"/>
+                <a16:creationId xmlns:a16="http://schemas.microsoft.com/office/drawing/2014/main" id="{762B5990-28A5-409A-9061-CB68EEF6E7E4}"/>
               </a:ext>
             </a:extLst>
           </p:cNvPr>
@@ -8954,7 +5672,7 @@
                 <a:spcPct val="0"/>
               </a:spcBef>
             </a:pPr>
-            <a:fld id="{0810BD95-6B74-41D9-9DDB-4485971ED202}" type="slidenum">
+            <a:fld id="{B58D0631-52D7-4F62-804B-090FF8CB1C10}" type="slidenum">
               <a:rPr lang="es-CO" altLang="es-CO" smtClean="0"/>
               <a:pPr>
                 <a:spcBef>
@@ -9257,295 +5975,6 @@
         </p:txBody>
       </p:sp>
     </p:spTree>
-  </p:cSld>
-  <p:clrMapOvr>
-    <a:masterClrMapping/>
-  </p:clrMapOvr>
-</p:notes>
-</file>
-
-<file path=ppt/notesSlides/notesSlide8.xml><?xml version="1.0" encoding="utf-8"?>
-<p:notes xmlns:a="http://schemas.openxmlformats.org/drawingml/2006/main" xmlns:r="http://schemas.openxmlformats.org/officeDocument/2006/relationships" xmlns:p="http://schemas.openxmlformats.org/presentationml/2006/main">
-  <p:cSld>
-    <p:spTree>
-      <p:nvGrpSpPr>
-        <p:cNvPr id="1" name=""/>
-        <p:cNvGrpSpPr/>
-        <p:nvPr/>
-      </p:nvGrpSpPr>
-      <p:grpSpPr>
-        <a:xfrm>
-          <a:off x="0" y="0"/>
-          <a:ext cx="0" cy="0"/>
-          <a:chOff x="0" y="0"/>
-          <a:chExt cx="0" cy="0"/>
-        </a:xfrm>
-      </p:grpSpPr>
-      <p:sp>
-        <p:nvSpPr>
-          <p:cNvPr id="18434" name="1 Marcador de imagen de diapositiva">
-            <a:extLst>
-              <a:ext uri="{FF2B5EF4-FFF2-40B4-BE49-F238E27FC236}">
-                <a16:creationId xmlns:a16="http://schemas.microsoft.com/office/drawing/2014/main" id="{4C411F14-5FD8-4DBC-9C57-AE892088798F}"/>
-              </a:ext>
-            </a:extLst>
-          </p:cNvPr>
-          <p:cNvSpPr>
-            <a:spLocks noGrp="1" noRot="1" noChangeAspect="1" noTextEdit="1"/>
-          </p:cNvSpPr>
-          <p:nvPr>
-            <p:ph type="sldImg"/>
-          </p:nvPr>
-        </p:nvSpPr>
-        <p:spPr bwMode="auto">
-          <a:noFill/>
-          <a:ln>
-            <a:solidFill>
-              <a:srgbClr val="000000"/>
-            </a:solidFill>
-            <a:miter lim="800000"/>
-            <a:headEnd/>
-            <a:tailEnd/>
-          </a:ln>
-          <a:extLst>
-            <a:ext uri="{909E8E84-426E-40DD-AFC4-6F175D3DCCD1}">
-              <a14:hiddenFill xmlns:a14="http://schemas.microsoft.com/office/drawing/2010/main">
-                <a:solidFill>
-                  <a:srgbClr val="FFFFFF"/>
-                </a:solidFill>
-              </a14:hiddenFill>
-            </a:ext>
-          </a:extLst>
-        </p:spPr>
-      </p:sp>
-      <p:sp>
-        <p:nvSpPr>
-          <p:cNvPr id="18435" name="2 Marcador de notas">
-            <a:extLst>
-              <a:ext uri="{FF2B5EF4-FFF2-40B4-BE49-F238E27FC236}">
-                <a16:creationId xmlns:a16="http://schemas.microsoft.com/office/drawing/2014/main" id="{67D6F3E0-407B-4E02-90D9-37A84A4FB9AA}"/>
-              </a:ext>
-            </a:extLst>
-          </p:cNvPr>
-          <p:cNvSpPr>
-            <a:spLocks noGrp="1"/>
-          </p:cNvSpPr>
-          <p:nvPr>
-            <p:ph type="body" idx="1"/>
-          </p:nvPr>
-        </p:nvSpPr>
-        <p:spPr bwMode="auto">
-          <a:noFill/>
-          <a:extLst>
-            <a:ext uri="{909E8E84-426E-40DD-AFC4-6F175D3DCCD1}">
-              <a14:hiddenFill xmlns:a14="http://schemas.microsoft.com/office/drawing/2010/main">
-                <a:solidFill>
-                  <a:srgbClr val="FFFFFF"/>
-                </a:solidFill>
-              </a14:hiddenFill>
-            </a:ext>
-            <a:ext uri="{91240B29-F687-4F45-9708-019B960494DF}">
-              <a14:hiddenLine xmlns:a14="http://schemas.microsoft.com/office/drawing/2010/main" w="9525">
-                <a:solidFill>
-                  <a:srgbClr val="000000"/>
-                </a:solidFill>
-                <a:miter lim="800000"/>
-                <a:headEnd/>
-                <a:tailEnd/>
-              </a14:hiddenLine>
-            </a:ext>
-          </a:extLst>
-        </p:spPr>
-        <p:txBody>
-          <a:bodyPr wrap="square" numCol="1" anchor="t" anchorCtr="0" compatLnSpc="1">
-            <a:prstTxWarp prst="textNoShape">
-              <a:avLst/>
-            </a:prstTxWarp>
-          </a:bodyPr>
-          <a:lstStyle/>
-          <a:p>
-            <a:pPr eaLnBrk="1" hangingPunct="1">
-              <a:spcBef>
-                <a:spcPct val="0"/>
-              </a:spcBef>
-            </a:pPr>
-            <a:endParaRPr lang="es-CO" altLang="es-CO"/>
-          </a:p>
-        </p:txBody>
-      </p:sp>
-      <p:sp>
-        <p:nvSpPr>
-          <p:cNvPr id="18436" name="3 Marcador de número de diapositiva">
-            <a:extLst>
-              <a:ext uri="{FF2B5EF4-FFF2-40B4-BE49-F238E27FC236}">
-                <a16:creationId xmlns:a16="http://schemas.microsoft.com/office/drawing/2014/main" id="{762B5990-28A5-409A-9061-CB68EEF6E7E4}"/>
-              </a:ext>
-            </a:extLst>
-          </p:cNvPr>
-          <p:cNvSpPr>
-            <a:spLocks noGrp="1" noChangeArrowheads="1"/>
-          </p:cNvSpPr>
-          <p:nvPr>
-            <p:ph type="sldNum" sz="quarter" idx="5"/>
-          </p:nvPr>
-        </p:nvSpPr>
-        <p:spPr bwMode="auto">
-          <a:noFill/>
-          <a:extLst>
-            <a:ext uri="{909E8E84-426E-40DD-AFC4-6F175D3DCCD1}">
-              <a14:hiddenFill xmlns:a14="http://schemas.microsoft.com/office/drawing/2010/main">
-                <a:solidFill>
-                  <a:srgbClr val="FFFFFF"/>
-                </a:solidFill>
-              </a14:hiddenFill>
-            </a:ext>
-            <a:ext uri="{91240B29-F687-4F45-9708-019B960494DF}">
-              <a14:hiddenLine xmlns:a14="http://schemas.microsoft.com/office/drawing/2010/main" w="9525">
-                <a:solidFill>
-                  <a:srgbClr val="000000"/>
-                </a:solidFill>
-                <a:miter lim="800000"/>
-                <a:headEnd/>
-                <a:tailEnd/>
-              </a14:hiddenLine>
-            </a:ext>
-          </a:extLst>
-        </p:spPr>
-        <p:txBody>
-          <a:bodyPr/>
-          <a:lstStyle>
-            <a:lvl1pPr>
-              <a:spcBef>
-                <a:spcPct val="30000"/>
-              </a:spcBef>
-              <a:defRPr sz="1200">
-                <a:solidFill>
-                  <a:schemeClr val="tx1"/>
-                </a:solidFill>
-                <a:latin typeface="Calibri" panose="020F0502020204030204" pitchFamily="34" charset="0"/>
-              </a:defRPr>
-            </a:lvl1pPr>
-            <a:lvl2pPr marL="742950" indent="-285750">
-              <a:spcBef>
-                <a:spcPct val="30000"/>
-              </a:spcBef>
-              <a:defRPr sz="1200">
-                <a:solidFill>
-                  <a:schemeClr val="tx1"/>
-                </a:solidFill>
-                <a:latin typeface="Calibri" panose="020F0502020204030204" pitchFamily="34" charset="0"/>
-              </a:defRPr>
-            </a:lvl2pPr>
-            <a:lvl3pPr marL="1143000" indent="-228600">
-              <a:spcBef>
-                <a:spcPct val="30000"/>
-              </a:spcBef>
-              <a:defRPr sz="1200">
-                <a:solidFill>
-                  <a:schemeClr val="tx1"/>
-                </a:solidFill>
-                <a:latin typeface="Calibri" panose="020F0502020204030204" pitchFamily="34" charset="0"/>
-              </a:defRPr>
-            </a:lvl3pPr>
-            <a:lvl4pPr marL="1600200" indent="-228600">
-              <a:spcBef>
-                <a:spcPct val="30000"/>
-              </a:spcBef>
-              <a:defRPr sz="1200">
-                <a:solidFill>
-                  <a:schemeClr val="tx1"/>
-                </a:solidFill>
-                <a:latin typeface="Calibri" panose="020F0502020204030204" pitchFamily="34" charset="0"/>
-              </a:defRPr>
-            </a:lvl4pPr>
-            <a:lvl5pPr marL="2057400" indent="-228600">
-              <a:spcBef>
-                <a:spcPct val="30000"/>
-              </a:spcBef>
-              <a:defRPr sz="1200">
-                <a:solidFill>
-                  <a:schemeClr val="tx1"/>
-                </a:solidFill>
-                <a:latin typeface="Calibri" panose="020F0502020204030204" pitchFamily="34" charset="0"/>
-              </a:defRPr>
-            </a:lvl5pPr>
-            <a:lvl6pPr marL="2514600" indent="-228600" eaLnBrk="0" fontAlgn="base" hangingPunct="0">
-              <a:spcBef>
-                <a:spcPct val="30000"/>
-              </a:spcBef>
-              <a:spcAft>
-                <a:spcPct val="0"/>
-              </a:spcAft>
-              <a:defRPr sz="1200">
-                <a:solidFill>
-                  <a:schemeClr val="tx1"/>
-                </a:solidFill>
-                <a:latin typeface="Calibri" panose="020F0502020204030204" pitchFamily="34" charset="0"/>
-              </a:defRPr>
-            </a:lvl6pPr>
-            <a:lvl7pPr marL="2971800" indent="-228600" eaLnBrk="0" fontAlgn="base" hangingPunct="0">
-              <a:spcBef>
-                <a:spcPct val="30000"/>
-              </a:spcBef>
-              <a:spcAft>
-                <a:spcPct val="0"/>
-              </a:spcAft>
-              <a:defRPr sz="1200">
-                <a:solidFill>
-                  <a:schemeClr val="tx1"/>
-                </a:solidFill>
-                <a:latin typeface="Calibri" panose="020F0502020204030204" pitchFamily="34" charset="0"/>
-              </a:defRPr>
-            </a:lvl7pPr>
-            <a:lvl8pPr marL="3429000" indent="-228600" eaLnBrk="0" fontAlgn="base" hangingPunct="0">
-              <a:spcBef>
-                <a:spcPct val="30000"/>
-              </a:spcBef>
-              <a:spcAft>
-                <a:spcPct val="0"/>
-              </a:spcAft>
-              <a:defRPr sz="1200">
-                <a:solidFill>
-                  <a:schemeClr val="tx1"/>
-                </a:solidFill>
-                <a:latin typeface="Calibri" panose="020F0502020204030204" pitchFamily="34" charset="0"/>
-              </a:defRPr>
-            </a:lvl8pPr>
-            <a:lvl9pPr marL="3886200" indent="-228600" eaLnBrk="0" fontAlgn="base" hangingPunct="0">
-              <a:spcBef>
-                <a:spcPct val="30000"/>
-              </a:spcBef>
-              <a:spcAft>
-                <a:spcPct val="0"/>
-              </a:spcAft>
-              <a:defRPr sz="1200">
-                <a:solidFill>
-                  <a:schemeClr val="tx1"/>
-                </a:solidFill>
-                <a:latin typeface="Calibri" panose="020F0502020204030204" pitchFamily="34" charset="0"/>
-              </a:defRPr>
-            </a:lvl9pPr>
-          </a:lstStyle>
-          <a:p>
-            <a:pPr>
-              <a:spcBef>
-                <a:spcPct val="0"/>
-              </a:spcBef>
-            </a:pPr>
-            <a:fld id="{B58D0631-52D7-4F62-804B-090FF8CB1C10}" type="slidenum">
-              <a:rPr lang="es-CO" altLang="es-CO" smtClean="0"/>
-              <a:pPr>
-                <a:spcBef>
-                  <a:spcPct val="0"/>
-                </a:spcBef>
-              </a:pPr>
-              <a:t>9</a:t>
-            </a:fld>
-            <a:endParaRPr lang="es-CO" altLang="es-CO"/>
-          </a:p>
-        </p:txBody>
-      </p:sp>
-    </p:spTree>
     <p:extLst>
       <p:ext uri="{BB962C8B-B14F-4D97-AF65-F5344CB8AC3E}">
         <p14:creationId xmlns:p14="http://schemas.microsoft.com/office/powerpoint/2010/main" val="3058986206"/>
@@ -9558,7 +5987,7 @@
 </p:notes>
 </file>
 
-<file path=ppt/notesSlides/notesSlide9.xml><?xml version="1.0" encoding="utf-8"?>
+<file path=ppt/notesSlides/notesSlide8.xml><?xml version="1.0" encoding="utf-8"?>
 <p:notes xmlns:a="http://schemas.openxmlformats.org/drawingml/2006/main" xmlns:r="http://schemas.openxmlformats.org/officeDocument/2006/relationships" xmlns:p="http://schemas.openxmlformats.org/presentationml/2006/main">
   <p:cSld>
     <p:spTree>
@@ -9833,7 +6262,7 @@
                   <a:spcPct val="0"/>
                 </a:spcBef>
               </a:pPr>
-              <a:t>10</a:t>
+              <a:t>9</a:t>
             </a:fld>
             <a:endParaRPr lang="es-CO" altLang="es-CO"/>
           </a:p>
@@ -9845,6 +6274,295 @@
         <p14:creationId xmlns:p14="http://schemas.microsoft.com/office/powerpoint/2010/main" val="2306626059"/>
       </p:ext>
     </p:extLst>
+  </p:cSld>
+  <p:clrMapOvr>
+    <a:masterClrMapping/>
+  </p:clrMapOvr>
+</p:notes>
+</file>
+
+<file path=ppt/notesSlides/notesSlide9.xml><?xml version="1.0" encoding="utf-8"?>
+<p:notes xmlns:a="http://schemas.openxmlformats.org/drawingml/2006/main" xmlns:r="http://schemas.openxmlformats.org/officeDocument/2006/relationships" xmlns:p="http://schemas.openxmlformats.org/presentationml/2006/main">
+  <p:cSld>
+    <p:spTree>
+      <p:nvGrpSpPr>
+        <p:cNvPr id="1" name=""/>
+        <p:cNvGrpSpPr/>
+        <p:nvPr/>
+      </p:nvGrpSpPr>
+      <p:grpSpPr>
+        <a:xfrm>
+          <a:off x="0" y="0"/>
+          <a:ext cx="0" cy="0"/>
+          <a:chOff x="0" y="0"/>
+          <a:chExt cx="0" cy="0"/>
+        </a:xfrm>
+      </p:grpSpPr>
+      <p:sp>
+        <p:nvSpPr>
+          <p:cNvPr id="24578" name="1 Marcador de imagen de diapositiva">
+            <a:extLst>
+              <a:ext uri="{FF2B5EF4-FFF2-40B4-BE49-F238E27FC236}">
+                <a16:creationId xmlns:a16="http://schemas.microsoft.com/office/drawing/2014/main" id="{A034F020-34E5-482F-99B1-A355D641BDE9}"/>
+              </a:ext>
+            </a:extLst>
+          </p:cNvPr>
+          <p:cNvSpPr>
+            <a:spLocks noGrp="1" noRot="1" noChangeAspect="1" noTextEdit="1"/>
+          </p:cNvSpPr>
+          <p:nvPr>
+            <p:ph type="sldImg"/>
+          </p:nvPr>
+        </p:nvSpPr>
+        <p:spPr bwMode="auto">
+          <a:noFill/>
+          <a:ln>
+            <a:solidFill>
+              <a:srgbClr val="000000"/>
+            </a:solidFill>
+            <a:miter lim="800000"/>
+            <a:headEnd/>
+            <a:tailEnd/>
+          </a:ln>
+          <a:extLst>
+            <a:ext uri="{909E8E84-426E-40DD-AFC4-6F175D3DCCD1}">
+              <a14:hiddenFill xmlns:a14="http://schemas.microsoft.com/office/drawing/2010/main">
+                <a:solidFill>
+                  <a:srgbClr val="FFFFFF"/>
+                </a:solidFill>
+              </a14:hiddenFill>
+            </a:ext>
+          </a:extLst>
+        </p:spPr>
+      </p:sp>
+      <p:sp>
+        <p:nvSpPr>
+          <p:cNvPr id="24579" name="2 Marcador de notas">
+            <a:extLst>
+              <a:ext uri="{FF2B5EF4-FFF2-40B4-BE49-F238E27FC236}">
+                <a16:creationId xmlns:a16="http://schemas.microsoft.com/office/drawing/2014/main" id="{4ACC1D78-A4EE-4296-B827-943102B1D158}"/>
+              </a:ext>
+            </a:extLst>
+          </p:cNvPr>
+          <p:cNvSpPr>
+            <a:spLocks noGrp="1"/>
+          </p:cNvSpPr>
+          <p:nvPr>
+            <p:ph type="body" idx="1"/>
+          </p:nvPr>
+        </p:nvSpPr>
+        <p:spPr bwMode="auto">
+          <a:noFill/>
+          <a:extLst>
+            <a:ext uri="{909E8E84-426E-40DD-AFC4-6F175D3DCCD1}">
+              <a14:hiddenFill xmlns:a14="http://schemas.microsoft.com/office/drawing/2010/main">
+                <a:solidFill>
+                  <a:srgbClr val="FFFFFF"/>
+                </a:solidFill>
+              </a14:hiddenFill>
+            </a:ext>
+            <a:ext uri="{91240B29-F687-4F45-9708-019B960494DF}">
+              <a14:hiddenLine xmlns:a14="http://schemas.microsoft.com/office/drawing/2010/main" w="9525">
+                <a:solidFill>
+                  <a:srgbClr val="000000"/>
+                </a:solidFill>
+                <a:miter lim="800000"/>
+                <a:headEnd/>
+                <a:tailEnd/>
+              </a14:hiddenLine>
+            </a:ext>
+          </a:extLst>
+        </p:spPr>
+        <p:txBody>
+          <a:bodyPr wrap="square" numCol="1" anchor="t" anchorCtr="0" compatLnSpc="1">
+            <a:prstTxWarp prst="textNoShape">
+              <a:avLst/>
+            </a:prstTxWarp>
+          </a:bodyPr>
+          <a:lstStyle/>
+          <a:p>
+            <a:pPr eaLnBrk="1" hangingPunct="1">
+              <a:spcBef>
+                <a:spcPct val="0"/>
+              </a:spcBef>
+            </a:pPr>
+            <a:endParaRPr lang="es-CO" altLang="es-CO"/>
+          </a:p>
+        </p:txBody>
+      </p:sp>
+      <p:sp>
+        <p:nvSpPr>
+          <p:cNvPr id="24580" name="3 Marcador de número de diapositiva">
+            <a:extLst>
+              <a:ext uri="{FF2B5EF4-FFF2-40B4-BE49-F238E27FC236}">
+                <a16:creationId xmlns:a16="http://schemas.microsoft.com/office/drawing/2014/main" id="{FD4DD11A-8247-45C7-960E-F8FB51C751B6}"/>
+              </a:ext>
+            </a:extLst>
+          </p:cNvPr>
+          <p:cNvSpPr>
+            <a:spLocks noGrp="1" noChangeArrowheads="1"/>
+          </p:cNvSpPr>
+          <p:nvPr>
+            <p:ph type="sldNum" sz="quarter" idx="5"/>
+          </p:nvPr>
+        </p:nvSpPr>
+        <p:spPr bwMode="auto">
+          <a:noFill/>
+          <a:extLst>
+            <a:ext uri="{909E8E84-426E-40DD-AFC4-6F175D3DCCD1}">
+              <a14:hiddenFill xmlns:a14="http://schemas.microsoft.com/office/drawing/2010/main">
+                <a:solidFill>
+                  <a:srgbClr val="FFFFFF"/>
+                </a:solidFill>
+              </a14:hiddenFill>
+            </a:ext>
+            <a:ext uri="{91240B29-F687-4F45-9708-019B960494DF}">
+              <a14:hiddenLine xmlns:a14="http://schemas.microsoft.com/office/drawing/2010/main" w="9525">
+                <a:solidFill>
+                  <a:srgbClr val="000000"/>
+                </a:solidFill>
+                <a:miter lim="800000"/>
+                <a:headEnd/>
+                <a:tailEnd/>
+              </a14:hiddenLine>
+            </a:ext>
+          </a:extLst>
+        </p:spPr>
+        <p:txBody>
+          <a:bodyPr/>
+          <a:lstStyle>
+            <a:lvl1pPr>
+              <a:spcBef>
+                <a:spcPct val="30000"/>
+              </a:spcBef>
+              <a:defRPr sz="1200">
+                <a:solidFill>
+                  <a:schemeClr val="tx1"/>
+                </a:solidFill>
+                <a:latin typeface="Calibri" panose="020F0502020204030204" pitchFamily="34" charset="0"/>
+              </a:defRPr>
+            </a:lvl1pPr>
+            <a:lvl2pPr marL="742950" indent="-285750">
+              <a:spcBef>
+                <a:spcPct val="30000"/>
+              </a:spcBef>
+              <a:defRPr sz="1200">
+                <a:solidFill>
+                  <a:schemeClr val="tx1"/>
+                </a:solidFill>
+                <a:latin typeface="Calibri" panose="020F0502020204030204" pitchFamily="34" charset="0"/>
+              </a:defRPr>
+            </a:lvl2pPr>
+            <a:lvl3pPr marL="1143000" indent="-228600">
+              <a:spcBef>
+                <a:spcPct val="30000"/>
+              </a:spcBef>
+              <a:defRPr sz="1200">
+                <a:solidFill>
+                  <a:schemeClr val="tx1"/>
+                </a:solidFill>
+                <a:latin typeface="Calibri" panose="020F0502020204030204" pitchFamily="34" charset="0"/>
+              </a:defRPr>
+            </a:lvl3pPr>
+            <a:lvl4pPr marL="1600200" indent="-228600">
+              <a:spcBef>
+                <a:spcPct val="30000"/>
+              </a:spcBef>
+              <a:defRPr sz="1200">
+                <a:solidFill>
+                  <a:schemeClr val="tx1"/>
+                </a:solidFill>
+                <a:latin typeface="Calibri" panose="020F0502020204030204" pitchFamily="34" charset="0"/>
+              </a:defRPr>
+            </a:lvl4pPr>
+            <a:lvl5pPr marL="2057400" indent="-228600">
+              <a:spcBef>
+                <a:spcPct val="30000"/>
+              </a:spcBef>
+              <a:defRPr sz="1200">
+                <a:solidFill>
+                  <a:schemeClr val="tx1"/>
+                </a:solidFill>
+                <a:latin typeface="Calibri" panose="020F0502020204030204" pitchFamily="34" charset="0"/>
+              </a:defRPr>
+            </a:lvl5pPr>
+            <a:lvl6pPr marL="2514600" indent="-228600" eaLnBrk="0" fontAlgn="base" hangingPunct="0">
+              <a:spcBef>
+                <a:spcPct val="30000"/>
+              </a:spcBef>
+              <a:spcAft>
+                <a:spcPct val="0"/>
+              </a:spcAft>
+              <a:defRPr sz="1200">
+                <a:solidFill>
+                  <a:schemeClr val="tx1"/>
+                </a:solidFill>
+                <a:latin typeface="Calibri" panose="020F0502020204030204" pitchFamily="34" charset="0"/>
+              </a:defRPr>
+            </a:lvl6pPr>
+            <a:lvl7pPr marL="2971800" indent="-228600" eaLnBrk="0" fontAlgn="base" hangingPunct="0">
+              <a:spcBef>
+                <a:spcPct val="30000"/>
+              </a:spcBef>
+              <a:spcAft>
+                <a:spcPct val="0"/>
+              </a:spcAft>
+              <a:defRPr sz="1200">
+                <a:solidFill>
+                  <a:schemeClr val="tx1"/>
+                </a:solidFill>
+                <a:latin typeface="Calibri" panose="020F0502020204030204" pitchFamily="34" charset="0"/>
+              </a:defRPr>
+            </a:lvl7pPr>
+            <a:lvl8pPr marL="3429000" indent="-228600" eaLnBrk="0" fontAlgn="base" hangingPunct="0">
+              <a:spcBef>
+                <a:spcPct val="30000"/>
+              </a:spcBef>
+              <a:spcAft>
+                <a:spcPct val="0"/>
+              </a:spcAft>
+              <a:defRPr sz="1200">
+                <a:solidFill>
+                  <a:schemeClr val="tx1"/>
+                </a:solidFill>
+                <a:latin typeface="Calibri" panose="020F0502020204030204" pitchFamily="34" charset="0"/>
+              </a:defRPr>
+            </a:lvl8pPr>
+            <a:lvl9pPr marL="3886200" indent="-228600" eaLnBrk="0" fontAlgn="base" hangingPunct="0">
+              <a:spcBef>
+                <a:spcPct val="30000"/>
+              </a:spcBef>
+              <a:spcAft>
+                <a:spcPct val="0"/>
+              </a:spcAft>
+              <a:defRPr sz="1200">
+                <a:solidFill>
+                  <a:schemeClr val="tx1"/>
+                </a:solidFill>
+                <a:latin typeface="Calibri" panose="020F0502020204030204" pitchFamily="34" charset="0"/>
+              </a:defRPr>
+            </a:lvl9pPr>
+          </a:lstStyle>
+          <a:p>
+            <a:pPr>
+              <a:spcBef>
+                <a:spcPct val="0"/>
+              </a:spcBef>
+            </a:pPr>
+            <a:fld id="{F044EFCE-52CC-4B49-9C54-448D812356D5}" type="slidenum">
+              <a:rPr lang="es-CO" altLang="es-CO" smtClean="0"/>
+              <a:pPr>
+                <a:spcBef>
+                  <a:spcPct val="0"/>
+                </a:spcBef>
+              </a:pPr>
+              <a:t>10</a:t>
+            </a:fld>
+            <a:endParaRPr lang="es-CO" altLang="es-CO"/>
+          </a:p>
+        </p:txBody>
+      </p:sp>
+    </p:spTree>
   </p:cSld>
   <p:clrMapOvr>
     <a:masterClrMapping/>
@@ -10001,7 +6719,7 @@
           <a:p>
             <a:fld id="{9CF7635E-2D71-42E7-9E6C-FBB85A15A85F}" type="datetimeFigureOut">
               <a:rPr lang="es-CO" smtClean="0"/>
-              <a:t>17/01/2025</a:t>
+              <a:t>20/01/2025</a:t>
             </a:fld>
             <a:endParaRPr lang="es-CO"/>
           </a:p>
@@ -10267,7 +6985,7 @@
           <a:p>
             <a:fld id="{9CF7635E-2D71-42E7-9E6C-FBB85A15A85F}" type="datetimeFigureOut">
               <a:rPr lang="es-CO" smtClean="0"/>
-              <a:t>17/01/2025</a:t>
+              <a:t>20/01/2025</a:t>
             </a:fld>
             <a:endParaRPr lang="es-CO"/>
           </a:p>
@@ -10483,7 +7201,7 @@
           <a:p>
             <a:fld id="{9CF7635E-2D71-42E7-9E6C-FBB85A15A85F}" type="datetimeFigureOut">
               <a:rPr lang="es-CO" smtClean="0"/>
-              <a:t>17/01/2025</a:t>
+              <a:t>20/01/2025</a:t>
             </a:fld>
             <a:endParaRPr lang="es-CO"/>
           </a:p>
@@ -12112,7 +8830,7 @@
           <a:p>
             <a:fld id="{9CF7635E-2D71-42E7-9E6C-FBB85A15A85F}" type="datetimeFigureOut">
               <a:rPr lang="es-CO" smtClean="0"/>
-              <a:t>17/01/2025</a:t>
+              <a:t>20/01/2025</a:t>
             </a:fld>
             <a:endParaRPr lang="es-CO"/>
           </a:p>
@@ -12559,7 +9277,7 @@
           <a:p>
             <a:fld id="{9CF7635E-2D71-42E7-9E6C-FBB85A15A85F}" type="datetimeFigureOut">
               <a:rPr lang="es-CO" smtClean="0"/>
-              <a:t>17/01/2025</a:t>
+              <a:t>20/01/2025</a:t>
             </a:fld>
             <a:endParaRPr lang="es-CO"/>
           </a:p>
@@ -12833,7 +9551,7 @@
           <a:p>
             <a:fld id="{9CF7635E-2D71-42E7-9E6C-FBB85A15A85F}" type="datetimeFigureOut">
               <a:rPr lang="es-CO" smtClean="0"/>
-              <a:t>17/01/2025</a:t>
+              <a:t>20/01/2025</a:t>
             </a:fld>
             <a:endParaRPr lang="es-CO"/>
           </a:p>
@@ -13254,7 +9972,7 @@
           <a:p>
             <a:fld id="{9CF7635E-2D71-42E7-9E6C-FBB85A15A85F}" type="datetimeFigureOut">
               <a:rPr lang="es-CO" smtClean="0"/>
-              <a:t>17/01/2025</a:t>
+              <a:t>20/01/2025</a:t>
             </a:fld>
             <a:endParaRPr lang="es-CO"/>
           </a:p>
@@ -13402,7 +10120,7 @@
           <a:p>
             <a:fld id="{9CF7635E-2D71-42E7-9E6C-FBB85A15A85F}" type="datetimeFigureOut">
               <a:rPr lang="es-CO" smtClean="0"/>
-              <a:t>17/01/2025</a:t>
+              <a:t>20/01/2025</a:t>
             </a:fld>
             <a:endParaRPr lang="es-CO"/>
           </a:p>
@@ -13521,7 +10239,7 @@
           <a:p>
             <a:fld id="{9CF7635E-2D71-42E7-9E6C-FBB85A15A85F}" type="datetimeFigureOut">
               <a:rPr lang="es-CO" smtClean="0"/>
-              <a:t>17/01/2025</a:t>
+              <a:t>20/01/2025</a:t>
             </a:fld>
             <a:endParaRPr lang="es-CO"/>
           </a:p>
@@ -13840,7 +10558,7 @@
           <a:p>
             <a:fld id="{9CF7635E-2D71-42E7-9E6C-FBB85A15A85F}" type="datetimeFigureOut">
               <a:rPr lang="es-CO" smtClean="0"/>
-              <a:t>17/01/2025</a:t>
+              <a:t>20/01/2025</a:t>
             </a:fld>
             <a:endParaRPr lang="es-CO"/>
           </a:p>
@@ -14135,7 +10853,7 @@
           <a:p>
             <a:fld id="{9CF7635E-2D71-42E7-9E6C-FBB85A15A85F}" type="datetimeFigureOut">
               <a:rPr lang="es-CO" smtClean="0"/>
-              <a:t>17/01/2025</a:t>
+              <a:t>20/01/2025</a:t>
             </a:fld>
             <a:endParaRPr lang="es-CO"/>
           </a:p>
@@ -14384,7 +11102,7 @@
           <a:p>
             <a:fld id="{9CF7635E-2D71-42E7-9E6C-FBB85A15A85F}" type="datetimeFigureOut">
               <a:rPr lang="es-CO" smtClean="0"/>
-              <a:t>17/01/2025</a:t>
+              <a:t>20/01/2025</a:t>
             </a:fld>
             <a:endParaRPr lang="es-CO"/>
           </a:p>
@@ -15431,977 +12149,6 @@
       </p:grpSpPr>
       <p:sp>
         <p:nvSpPr>
-          <p:cNvPr id="21506" name="1 Título">
-            <a:extLst>
-              <a:ext uri="{FF2B5EF4-FFF2-40B4-BE49-F238E27FC236}">
-                <a16:creationId xmlns:a16="http://schemas.microsoft.com/office/drawing/2014/main" id="{974AAA16-E8D7-47E1-ABBC-3CB9C4D3BD82}"/>
-              </a:ext>
-            </a:extLst>
-          </p:cNvPr>
-          <p:cNvSpPr>
-            <a:spLocks noGrp="1"/>
-          </p:cNvSpPr>
-          <p:nvPr>
-            <p:ph type="ctrTitle"/>
-          </p:nvPr>
-        </p:nvSpPr>
-        <p:spPr>
-          <a:xfrm>
-            <a:off x="0" y="-28575"/>
-            <a:ext cx="779463" cy="720725"/>
-          </a:xfrm>
-        </p:spPr>
-        <p:txBody>
-          <a:bodyPr/>
-          <a:lstStyle/>
-          <a:p>
-            <a:pPr algn="ctr" eaLnBrk="1" hangingPunct="1"/>
-            <a:r>
-              <a:rPr lang="es-CO" altLang="es-CO" sz="3600" dirty="0"/>
-              <a:t>11</a:t>
-            </a:r>
-          </a:p>
-        </p:txBody>
-      </p:sp>
-      <p:sp>
-        <p:nvSpPr>
-          <p:cNvPr id="7" name="Título 1">
-            <a:extLst>
-              <a:ext uri="{FF2B5EF4-FFF2-40B4-BE49-F238E27FC236}">
-                <a16:creationId xmlns:a16="http://schemas.microsoft.com/office/drawing/2014/main" id="{EA396777-07E6-4D94-A666-A85CEA99D636}"/>
-              </a:ext>
-            </a:extLst>
-          </p:cNvPr>
-          <p:cNvSpPr txBox="1">
-            <a:spLocks/>
-          </p:cNvSpPr>
-          <p:nvPr/>
-        </p:nvSpPr>
-        <p:spPr bwMode="auto">
-          <a:xfrm>
-            <a:off x="611188" y="641350"/>
-            <a:ext cx="8229600" cy="1143000"/>
-          </a:xfrm>
-          <a:prstGeom prst="rect">
-            <a:avLst/>
-          </a:prstGeom>
-          <a:noFill/>
-          <a:ln>
-            <a:noFill/>
-          </a:ln>
-          <a:extLst>
-            <a:ext uri="{909E8E84-426E-40DD-AFC4-6F175D3DCCD1}">
-              <a14:hiddenFill xmlns:a14="http://schemas.microsoft.com/office/drawing/2010/main">
-                <a:solidFill>
-                  <a:srgbClr val="FFFFFF"/>
-                </a:solidFill>
-              </a14:hiddenFill>
-            </a:ext>
-            <a:ext uri="{91240B29-F687-4F45-9708-019B960494DF}">
-              <a14:hiddenLine xmlns:a14="http://schemas.microsoft.com/office/drawing/2010/main" w="9525">
-                <a:solidFill>
-                  <a:srgbClr val="000000"/>
-                </a:solidFill>
-                <a:miter lim="800000"/>
-                <a:headEnd/>
-                <a:tailEnd/>
-              </a14:hiddenLine>
-            </a:ext>
-          </a:extLst>
-        </p:spPr>
-        <p:txBody>
-          <a:bodyPr anchor="ctr"/>
-          <a:lstStyle>
-            <a:lvl1pPr>
-              <a:spcBef>
-                <a:spcPct val="20000"/>
-              </a:spcBef>
-              <a:buFont typeface="Arial" panose="020B0604020202020204" pitchFamily="34" charset="0"/>
-              <a:buChar char="•"/>
-              <a:defRPr sz="3200">
-                <a:solidFill>
-                  <a:schemeClr val="tx1"/>
-                </a:solidFill>
-                <a:latin typeface="Arial" panose="020B0604020202020204" pitchFamily="34" charset="0"/>
-                <a:cs typeface="Arial" panose="020B0604020202020204" pitchFamily="34" charset="0"/>
-              </a:defRPr>
-            </a:lvl1pPr>
-            <a:lvl2pPr marL="742950" indent="-285750">
-              <a:spcBef>
-                <a:spcPct val="20000"/>
-              </a:spcBef>
-              <a:buFont typeface="Arial" panose="020B0604020202020204" pitchFamily="34" charset="0"/>
-              <a:buChar char="–"/>
-              <a:defRPr sz="2800">
-                <a:solidFill>
-                  <a:schemeClr val="tx1"/>
-                </a:solidFill>
-                <a:latin typeface="Arial" panose="020B0604020202020204" pitchFamily="34" charset="0"/>
-                <a:cs typeface="Arial" panose="020B0604020202020204" pitchFamily="34" charset="0"/>
-              </a:defRPr>
-            </a:lvl2pPr>
-            <a:lvl3pPr marL="1143000" indent="-228600">
-              <a:spcBef>
-                <a:spcPct val="20000"/>
-              </a:spcBef>
-              <a:buFont typeface="Arial" panose="020B0604020202020204" pitchFamily="34" charset="0"/>
-              <a:buChar char="•"/>
-              <a:defRPr sz="2400">
-                <a:solidFill>
-                  <a:schemeClr val="tx1"/>
-                </a:solidFill>
-                <a:latin typeface="Arial" panose="020B0604020202020204" pitchFamily="34" charset="0"/>
-                <a:cs typeface="Arial" panose="020B0604020202020204" pitchFamily="34" charset="0"/>
-              </a:defRPr>
-            </a:lvl3pPr>
-            <a:lvl4pPr marL="1600200" indent="-228600">
-              <a:spcBef>
-                <a:spcPct val="20000"/>
-              </a:spcBef>
-              <a:buFont typeface="Arial" panose="020B0604020202020204" pitchFamily="34" charset="0"/>
-              <a:buChar char="–"/>
-              <a:defRPr sz="2000">
-                <a:solidFill>
-                  <a:schemeClr val="tx1"/>
-                </a:solidFill>
-                <a:latin typeface="Arial" panose="020B0604020202020204" pitchFamily="34" charset="0"/>
-                <a:cs typeface="Arial" panose="020B0604020202020204" pitchFamily="34" charset="0"/>
-              </a:defRPr>
-            </a:lvl4pPr>
-            <a:lvl5pPr marL="2057400" indent="-228600">
-              <a:spcBef>
-                <a:spcPct val="20000"/>
-              </a:spcBef>
-              <a:buFont typeface="Arial" panose="020B0604020202020204" pitchFamily="34" charset="0"/>
-              <a:buChar char="»"/>
-              <a:defRPr sz="2000">
-                <a:solidFill>
-                  <a:schemeClr val="tx1"/>
-                </a:solidFill>
-                <a:latin typeface="Arial" panose="020B0604020202020204" pitchFamily="34" charset="0"/>
-                <a:cs typeface="Arial" panose="020B0604020202020204" pitchFamily="34" charset="0"/>
-              </a:defRPr>
-            </a:lvl5pPr>
-            <a:lvl6pPr marL="2514600" indent="-228600" eaLnBrk="0" fontAlgn="base" hangingPunct="0">
-              <a:spcBef>
-                <a:spcPct val="20000"/>
-              </a:spcBef>
-              <a:spcAft>
-                <a:spcPct val="0"/>
-              </a:spcAft>
-              <a:buFont typeface="Arial" panose="020B0604020202020204" pitchFamily="34" charset="0"/>
-              <a:buChar char="»"/>
-              <a:defRPr sz="2000">
-                <a:solidFill>
-                  <a:schemeClr val="tx1"/>
-                </a:solidFill>
-                <a:latin typeface="Arial" panose="020B0604020202020204" pitchFamily="34" charset="0"/>
-                <a:cs typeface="Arial" panose="020B0604020202020204" pitchFamily="34" charset="0"/>
-              </a:defRPr>
-            </a:lvl6pPr>
-            <a:lvl7pPr marL="2971800" indent="-228600" eaLnBrk="0" fontAlgn="base" hangingPunct="0">
-              <a:spcBef>
-                <a:spcPct val="20000"/>
-              </a:spcBef>
-              <a:spcAft>
-                <a:spcPct val="0"/>
-              </a:spcAft>
-              <a:buFont typeface="Arial" panose="020B0604020202020204" pitchFamily="34" charset="0"/>
-              <a:buChar char="»"/>
-              <a:defRPr sz="2000">
-                <a:solidFill>
-                  <a:schemeClr val="tx1"/>
-                </a:solidFill>
-                <a:latin typeface="Arial" panose="020B0604020202020204" pitchFamily="34" charset="0"/>
-                <a:cs typeface="Arial" panose="020B0604020202020204" pitchFamily="34" charset="0"/>
-              </a:defRPr>
-            </a:lvl7pPr>
-            <a:lvl8pPr marL="3429000" indent="-228600" eaLnBrk="0" fontAlgn="base" hangingPunct="0">
-              <a:spcBef>
-                <a:spcPct val="20000"/>
-              </a:spcBef>
-              <a:spcAft>
-                <a:spcPct val="0"/>
-              </a:spcAft>
-              <a:buFont typeface="Arial" panose="020B0604020202020204" pitchFamily="34" charset="0"/>
-              <a:buChar char="»"/>
-              <a:defRPr sz="2000">
-                <a:solidFill>
-                  <a:schemeClr val="tx1"/>
-                </a:solidFill>
-                <a:latin typeface="Arial" panose="020B0604020202020204" pitchFamily="34" charset="0"/>
-                <a:cs typeface="Arial" panose="020B0604020202020204" pitchFamily="34" charset="0"/>
-              </a:defRPr>
-            </a:lvl8pPr>
-            <a:lvl9pPr marL="3886200" indent="-228600" eaLnBrk="0" fontAlgn="base" hangingPunct="0">
-              <a:spcBef>
-                <a:spcPct val="20000"/>
-              </a:spcBef>
-              <a:spcAft>
-                <a:spcPct val="0"/>
-              </a:spcAft>
-              <a:buFont typeface="Arial" panose="020B0604020202020204" pitchFamily="34" charset="0"/>
-              <a:buChar char="»"/>
-              <a:defRPr sz="2000">
-                <a:solidFill>
-                  <a:schemeClr val="tx1"/>
-                </a:solidFill>
-                <a:latin typeface="Arial" panose="020B0604020202020204" pitchFamily="34" charset="0"/>
-                <a:cs typeface="Arial" panose="020B0604020202020204" pitchFamily="34" charset="0"/>
-              </a:defRPr>
-            </a:lvl9pPr>
-          </a:lstStyle>
-          <a:p>
-            <a:pPr algn="ctr">
-              <a:spcBef>
-                <a:spcPct val="0"/>
-              </a:spcBef>
-              <a:buFontTx/>
-              <a:buNone/>
-            </a:pPr>
-            <a:r>
-              <a:rPr lang="es-CO" altLang="es-CO" b="1" dirty="0"/>
-              <a:t>Canales de comunicación</a:t>
-            </a:r>
-          </a:p>
-        </p:txBody>
-      </p:sp>
-      <p:pic>
-        <p:nvPicPr>
-          <p:cNvPr id="2056" name="Picture 8" descr="Outlook: 27 trucos para aumentar tu productividad exprimiendo la aplicación  de correo de Microsoft">
-            <a:extLst>
-              <a:ext uri="{FF2B5EF4-FFF2-40B4-BE49-F238E27FC236}">
-                <a16:creationId xmlns:a16="http://schemas.microsoft.com/office/drawing/2014/main" id="{075C7F64-CBA7-4977-AB8B-1D5229822556}"/>
-              </a:ext>
-            </a:extLst>
-          </p:cNvPr>
-          <p:cNvPicPr>
-            <a:picLocks noChangeAspect="1" noChangeArrowheads="1"/>
-          </p:cNvPicPr>
-          <p:nvPr/>
-        </p:nvPicPr>
-        <p:blipFill rotWithShape="1">
-          <a:blip r:embed="rId3">
-            <a:extLst>
-              <a:ext uri="{28A0092B-C50C-407E-A947-70E740481C1C}">
-                <a14:useLocalDpi xmlns:a14="http://schemas.microsoft.com/office/drawing/2010/main" val="0"/>
-              </a:ext>
-            </a:extLst>
-          </a:blip>
-          <a:srcRect r="65576"/>
-          <a:stretch/>
-        </p:blipFill>
-        <p:spPr bwMode="auto">
-          <a:xfrm>
-            <a:off x="5746204" y="1988840"/>
-            <a:ext cx="1872208" cy="2075379"/>
-          </a:xfrm>
-          <a:prstGeom prst="rect">
-            <a:avLst/>
-          </a:prstGeom>
-          <a:noFill/>
-          <a:extLst>
-            <a:ext uri="{909E8E84-426E-40DD-AFC4-6F175D3DCCD1}">
-              <a14:hiddenFill xmlns:a14="http://schemas.microsoft.com/office/drawing/2010/main">
-                <a:solidFill>
-                  <a:srgbClr val="FFFFFF"/>
-                </a:solidFill>
-              </a14:hiddenFill>
-            </a:ext>
-          </a:extLst>
-        </p:spPr>
-      </p:pic>
-      <p:pic>
-        <p:nvPicPr>
-          <p:cNvPr id="6" name="Gráfico 5" descr="Centro de llamadas con relleno sólido">
-            <a:extLst>
-              <a:ext uri="{FF2B5EF4-FFF2-40B4-BE49-F238E27FC236}">
-                <a16:creationId xmlns:a16="http://schemas.microsoft.com/office/drawing/2014/main" id="{84C76756-A955-4A5B-BE78-4E62BB57DFBF}"/>
-              </a:ext>
-            </a:extLst>
-          </p:cNvPr>
-          <p:cNvPicPr>
-            <a:picLocks noChangeAspect="1"/>
-          </p:cNvPicPr>
-          <p:nvPr/>
-        </p:nvPicPr>
-        <p:blipFill>
-          <a:blip r:embed="rId4">
-            <a:extLst>
-              <a:ext uri="{28A0092B-C50C-407E-A947-70E740481C1C}">
-                <a14:useLocalDpi xmlns:a14="http://schemas.microsoft.com/office/drawing/2010/main" val="0"/>
-              </a:ext>
-              <a:ext uri="{96DAC541-7B7A-43D3-8B79-37D633B846F1}">
-                <asvg:svgBlip xmlns:asvg="http://schemas.microsoft.com/office/drawing/2016/SVG/main" r:embed="rId5"/>
-              </a:ext>
-            </a:extLst>
-          </a:blip>
-          <a:stretch>
-            <a:fillRect/>
-          </a:stretch>
-        </p:blipFill>
-        <p:spPr>
-          <a:xfrm>
-            <a:off x="771068" y="861129"/>
-            <a:ext cx="914400" cy="914400"/>
-          </a:xfrm>
-          <a:prstGeom prst="rect">
-            <a:avLst/>
-          </a:prstGeom>
-        </p:spPr>
-      </p:pic>
-      <p:pic>
-        <p:nvPicPr>
-          <p:cNvPr id="9" name="Gráfico 8" descr="Centro de llamadas contorno">
-            <a:extLst>
-              <a:ext uri="{FF2B5EF4-FFF2-40B4-BE49-F238E27FC236}">
-                <a16:creationId xmlns:a16="http://schemas.microsoft.com/office/drawing/2014/main" id="{17BD62F9-41DB-46A2-9BEB-4F875CC525E4}"/>
-              </a:ext>
-            </a:extLst>
-          </p:cNvPr>
-          <p:cNvPicPr>
-            <a:picLocks noChangeAspect="1"/>
-          </p:cNvPicPr>
-          <p:nvPr/>
-        </p:nvPicPr>
-        <p:blipFill>
-          <a:blip r:embed="rId6">
-            <a:extLst>
-              <a:ext uri="{28A0092B-C50C-407E-A947-70E740481C1C}">
-                <a14:useLocalDpi xmlns:a14="http://schemas.microsoft.com/office/drawing/2010/main" val="0"/>
-              </a:ext>
-              <a:ext uri="{96DAC541-7B7A-43D3-8B79-37D633B846F1}">
-                <asvg:svgBlip xmlns:asvg="http://schemas.microsoft.com/office/drawing/2016/SVG/main" r:embed="rId7"/>
-              </a:ext>
-            </a:extLst>
-          </a:blip>
-          <a:stretch>
-            <a:fillRect/>
-          </a:stretch>
-        </p:blipFill>
-        <p:spPr>
-          <a:xfrm>
-            <a:off x="7618412" y="833751"/>
-            <a:ext cx="914400" cy="914400"/>
-          </a:xfrm>
-          <a:prstGeom prst="rect">
-            <a:avLst/>
-          </a:prstGeom>
-        </p:spPr>
-      </p:pic>
-      <p:sp>
-        <p:nvSpPr>
-          <p:cNvPr id="16" name="CuadroTexto 15">
-            <a:extLst>
-              <a:ext uri="{FF2B5EF4-FFF2-40B4-BE49-F238E27FC236}">
-                <a16:creationId xmlns:a16="http://schemas.microsoft.com/office/drawing/2014/main" id="{F0D65330-7419-4333-9764-E4292B375DC3}"/>
-              </a:ext>
-            </a:extLst>
-          </p:cNvPr>
-          <p:cNvSpPr txBox="1"/>
-          <p:nvPr/>
-        </p:nvSpPr>
-        <p:spPr>
-          <a:xfrm>
-            <a:off x="5583808" y="3800245"/>
-            <a:ext cx="2592660" cy="307777"/>
-          </a:xfrm>
-          <a:prstGeom prst="rect">
-            <a:avLst/>
-          </a:prstGeom>
-        </p:spPr>
-        <p:txBody>
-          <a:bodyPr wrap="square" rtlCol="0">
-            <a:spAutoFit/>
-          </a:bodyPr>
-          <a:lstStyle/>
-          <a:p>
-            <a:pPr marL="0" marR="0" indent="0" algn="l" defTabSz="914400" rtl="0" eaLnBrk="1" fontAlgn="auto" latinLnBrk="0" hangingPunct="1">
-              <a:lnSpc>
-                <a:spcPct val="100000"/>
-              </a:lnSpc>
-              <a:spcBef>
-                <a:spcPct val="20000"/>
-              </a:spcBef>
-              <a:spcAft>
-                <a:spcPts val="0"/>
-              </a:spcAft>
-              <a:buClrTx/>
-              <a:buSzTx/>
-              <a:buFont typeface="Arial" pitchFamily="34" charset="0"/>
-              <a:buNone/>
-              <a:tabLst/>
-            </a:pPr>
-            <a:r>
-              <a:rPr kumimoji="0" lang="es-CO" sz="1400" b="1" i="0" u="none" strike="noStrike" kern="1200" cap="none" spc="0" normalizeH="0" baseline="0" noProof="0" dirty="0">
-                <a:ln>
-                  <a:noFill/>
-                </a:ln>
-                <a:solidFill>
-                  <a:schemeClr val="tx1"/>
-                </a:solidFill>
-                <a:effectLst/>
-                <a:uLnTx/>
-                <a:uFillTx/>
-                <a:latin typeface="Arial" pitchFamily="34" charset="0"/>
-                <a:ea typeface="+mn-ea"/>
-                <a:cs typeface="Arial" pitchFamily="34" charset="0"/>
-              </a:rPr>
-              <a:t>Preguntas y novedades</a:t>
-            </a:r>
-          </a:p>
-        </p:txBody>
-      </p:sp>
-      <p:pic>
-        <p:nvPicPr>
-          <p:cNvPr id="8" name="Picture 4" descr="Programas - Intranet ETITC">
-            <a:extLst>
-              <a:ext uri="{FF2B5EF4-FFF2-40B4-BE49-F238E27FC236}">
-                <a16:creationId xmlns:a16="http://schemas.microsoft.com/office/drawing/2014/main" id="{210EE14A-117F-9A30-02AB-B3C873C8089F}"/>
-              </a:ext>
-            </a:extLst>
-          </p:cNvPr>
-          <p:cNvPicPr>
-            <a:picLocks noChangeAspect="1" noChangeArrowheads="1"/>
-          </p:cNvPicPr>
-          <p:nvPr/>
-        </p:nvPicPr>
-        <p:blipFill>
-          <a:blip r:embed="rId8">
-            <a:extLst>
-              <a:ext uri="{28A0092B-C50C-407E-A947-70E740481C1C}">
-                <a14:useLocalDpi xmlns:a14="http://schemas.microsoft.com/office/drawing/2010/main" val="0"/>
-              </a:ext>
-            </a:extLst>
-          </a:blip>
-          <a:srcRect/>
-          <a:stretch>
-            <a:fillRect/>
-          </a:stretch>
-        </p:blipFill>
-        <p:spPr bwMode="auto">
-          <a:xfrm>
-            <a:off x="795338" y="44758"/>
-            <a:ext cx="2483768" cy="794720"/>
-          </a:xfrm>
-          <a:prstGeom prst="rect">
-            <a:avLst/>
-          </a:prstGeom>
-          <a:noFill/>
-          <a:extLst>
-            <a:ext uri="{909E8E84-426E-40DD-AFC4-6F175D3DCCD1}">
-              <a14:hiddenFill xmlns:a14="http://schemas.microsoft.com/office/drawing/2010/main">
-                <a:solidFill>
-                  <a:srgbClr val="FFFFFF"/>
-                </a:solidFill>
-              </a14:hiddenFill>
-            </a:ext>
-          </a:extLst>
-        </p:spPr>
-      </p:pic>
-      <p:pic>
-        <p:nvPicPr>
-          <p:cNvPr id="11" name="Gráfico 10" descr="Colegial con relleno sólido">
-            <a:extLst>
-              <a:ext uri="{FF2B5EF4-FFF2-40B4-BE49-F238E27FC236}">
-                <a16:creationId xmlns:a16="http://schemas.microsoft.com/office/drawing/2014/main" id="{E8470154-AC7E-B448-6D58-E30DC77C6DF1}"/>
-              </a:ext>
-            </a:extLst>
-          </p:cNvPr>
-          <p:cNvPicPr>
-            <a:picLocks noChangeAspect="1"/>
-          </p:cNvPicPr>
-          <p:nvPr/>
-        </p:nvPicPr>
-        <p:blipFill>
-          <a:blip r:embed="rId9">
-            <a:extLst>
-              <a:ext uri="{28A0092B-C50C-407E-A947-70E740481C1C}">
-                <a14:useLocalDpi xmlns:a14="http://schemas.microsoft.com/office/drawing/2010/main" val="0"/>
-              </a:ext>
-              <a:ext uri="{96DAC541-7B7A-43D3-8B79-37D633B846F1}">
-                <asvg:svgBlip xmlns:asvg="http://schemas.microsoft.com/office/drawing/2016/SVG/main" r:embed="rId10"/>
-              </a:ext>
-            </a:extLst>
-          </a:blip>
-          <a:stretch>
-            <a:fillRect/>
-          </a:stretch>
-        </p:blipFill>
-        <p:spPr>
-          <a:xfrm>
-            <a:off x="2062651" y="2205058"/>
-            <a:ext cx="1995970" cy="1995970"/>
-          </a:xfrm>
-          <a:prstGeom prst="rect">
-            <a:avLst/>
-          </a:prstGeom>
-        </p:spPr>
-      </p:pic>
-      <p:sp>
-        <p:nvSpPr>
-          <p:cNvPr id="12" name="Rectangle 1">
-            <a:extLst>
-              <a:ext uri="{FF2B5EF4-FFF2-40B4-BE49-F238E27FC236}">
-                <a16:creationId xmlns:a16="http://schemas.microsoft.com/office/drawing/2014/main" id="{B4336C17-6123-3859-97BF-FC6F99A43B32}"/>
-              </a:ext>
-            </a:extLst>
-          </p:cNvPr>
-          <p:cNvSpPr>
-            <a:spLocks noChangeArrowheads="1"/>
-          </p:cNvSpPr>
-          <p:nvPr/>
-        </p:nvSpPr>
-        <p:spPr bwMode="auto">
-          <a:xfrm>
-            <a:off x="0" y="0"/>
-            <a:ext cx="4819650" cy="0"/>
-          </a:xfrm>
-          <a:prstGeom prst="rect">
-            <a:avLst/>
-          </a:prstGeom>
-          <a:noFill/>
-          <a:ln>
-            <a:noFill/>
-          </a:ln>
-          <a:effectLst/>
-          <a:extLst>
-            <a:ext uri="{909E8E84-426E-40DD-AFC4-6F175D3DCCD1}">
-              <a14:hiddenFill xmlns:a14="http://schemas.microsoft.com/office/drawing/2010/main">
-                <a:solidFill>
-                  <a:schemeClr val="accent1"/>
-                </a:solidFill>
-              </a14:hiddenFill>
-            </a:ext>
-            <a:ext uri="{91240B29-F687-4F45-9708-019B960494DF}">
-              <a14:hiddenLine xmlns:a14="http://schemas.microsoft.com/office/drawing/2010/main" w="9525">
-                <a:solidFill>
-                  <a:schemeClr val="tx1"/>
-                </a:solidFill>
-                <a:miter lim="800000"/>
-                <a:headEnd/>
-                <a:tailEnd/>
-              </a14:hiddenLine>
-            </a:ext>
-            <a:ext uri="{AF507438-7753-43E0-B8FC-AC1667EBCBE1}">
-              <a14:hiddenEffects xmlns:a14="http://schemas.microsoft.com/office/drawing/2010/main">
-                <a:effectLst>
-                  <a:outerShdw dist="35921" dir="2700000" algn="ctr" rotWithShape="0">
-                    <a:schemeClr val="bg2"/>
-                  </a:outerShdw>
-                </a:effectLst>
-              </a14:hiddenEffects>
-            </a:ext>
-          </a:extLst>
-        </p:spPr>
-        <p:txBody>
-          <a:bodyPr vert="horz" wrap="none" lIns="91440" tIns="45720" rIns="91440" bIns="45720" numCol="1" anchor="ctr" anchorCtr="0" compatLnSpc="1">
-            <a:prstTxWarp prst="textNoShape">
-              <a:avLst/>
-            </a:prstTxWarp>
-            <a:spAutoFit/>
-          </a:bodyPr>
-          <a:lstStyle/>
-          <a:p>
-            <a:pPr marL="0" marR="0" lvl="0" indent="0" algn="l" defTabSz="914400" rtl="0" eaLnBrk="0" fontAlgn="base" latinLnBrk="0" hangingPunct="0">
-              <a:lnSpc>
-                <a:spcPct val="100000"/>
-              </a:lnSpc>
-              <a:spcBef>
-                <a:spcPct val="0"/>
-              </a:spcBef>
-              <a:spcAft>
-                <a:spcPct val="0"/>
-              </a:spcAft>
-              <a:buClrTx/>
-              <a:buSzTx/>
-              <a:buFontTx/>
-              <a:buNone/>
-              <a:tabLst/>
-            </a:pPr>
-            <a:r>
-              <a:rPr kumimoji="0" lang="es-CO" altLang="es-CO" sz="1800" b="0" i="0" u="none" strike="noStrike" cap="none" normalizeH="0" baseline="0">
-                <a:ln>
-                  <a:noFill/>
-                </a:ln>
-                <a:solidFill>
-                  <a:schemeClr val="tx1"/>
-                </a:solidFill>
-                <a:effectLst/>
-                <a:latin typeface="Arial" panose="020B0604020202020204" pitchFamily="34" charset="0"/>
-              </a:rPr>
-              <a:t>explicame la cinematica de la particula y dame un ejemplo numerico</a:t>
-            </a:r>
-          </a:p>
-          <a:p>
-            <a:pPr marL="0" marR="0" lvl="0" indent="0" algn="l" defTabSz="914400" rtl="0" eaLnBrk="0" fontAlgn="base" latinLnBrk="0" hangingPunct="0">
-              <a:lnSpc>
-                <a:spcPct val="100000"/>
-              </a:lnSpc>
-              <a:spcBef>
-                <a:spcPct val="0"/>
-              </a:spcBef>
-              <a:spcAft>
-                <a:spcPct val="0"/>
-              </a:spcAft>
-              <a:buClrTx/>
-              <a:buSzTx/>
-              <a:buFontTx/>
-              <a:buNone/>
-              <a:tabLst/>
-            </a:pPr>
-            <a:br>
-              <a:rPr kumimoji="0" lang="es-CO" altLang="es-CO" sz="1800" b="0" i="0" u="none" strike="noStrike" cap="none" normalizeH="0" baseline="0">
-                <a:ln>
-                  <a:noFill/>
-                </a:ln>
-                <a:solidFill>
-                  <a:schemeClr val="tx1"/>
-                </a:solidFill>
-                <a:effectLst/>
-                <a:latin typeface="Arial" panose="020B0604020202020204" pitchFamily="34" charset="0"/>
-              </a:rPr>
-            </a:br>
-            <a:endParaRPr kumimoji="0" lang="es-CO" altLang="es-CO" sz="1800" b="0" i="0" u="none" strike="noStrike" cap="none" normalizeH="0" baseline="0">
-              <a:ln>
-                <a:noFill/>
-              </a:ln>
-              <a:solidFill>
-                <a:schemeClr val="tx1"/>
-              </a:solidFill>
-              <a:effectLst/>
-              <a:latin typeface="Arial" panose="020B0604020202020204" pitchFamily="34" charset="0"/>
-            </a:endParaRPr>
-          </a:p>
-        </p:txBody>
-      </p:sp>
-      <p:sp>
-        <p:nvSpPr>
-          <p:cNvPr id="14" name="CuadroTexto 13">
-            <a:extLst>
-              <a:ext uri="{FF2B5EF4-FFF2-40B4-BE49-F238E27FC236}">
-                <a16:creationId xmlns:a16="http://schemas.microsoft.com/office/drawing/2014/main" id="{431C44E4-329E-7FEC-B9B3-CC9F71252532}"/>
-              </a:ext>
-            </a:extLst>
-          </p:cNvPr>
-          <p:cNvSpPr txBox="1"/>
-          <p:nvPr/>
-        </p:nvSpPr>
-        <p:spPr>
-          <a:xfrm>
-            <a:off x="2620707" y="3894941"/>
-            <a:ext cx="2592660" cy="307777"/>
-          </a:xfrm>
-          <a:prstGeom prst="rect">
-            <a:avLst/>
-          </a:prstGeom>
-        </p:spPr>
-        <p:txBody>
-          <a:bodyPr wrap="square" rtlCol="0">
-            <a:spAutoFit/>
-          </a:bodyPr>
-          <a:lstStyle/>
-          <a:p>
-            <a:pPr marL="0" marR="0" indent="0" algn="l" defTabSz="914400" rtl="0" eaLnBrk="1" fontAlgn="auto" latinLnBrk="0" hangingPunct="1">
-              <a:lnSpc>
-                <a:spcPct val="100000"/>
-              </a:lnSpc>
-              <a:spcBef>
-                <a:spcPct val="20000"/>
-              </a:spcBef>
-              <a:spcAft>
-                <a:spcPts val="0"/>
-              </a:spcAft>
-              <a:buClrTx/>
-              <a:buSzTx/>
-              <a:buFont typeface="Arial" pitchFamily="34" charset="0"/>
-              <a:buNone/>
-              <a:tabLst/>
-            </a:pPr>
-            <a:r>
-              <a:rPr kumimoji="0" lang="es-CO" sz="1400" b="1" i="0" u="none" strike="noStrike" kern="1200" cap="none" spc="0" normalizeH="0" baseline="0" noProof="0" dirty="0">
-                <a:ln>
-                  <a:noFill/>
-                </a:ln>
-                <a:solidFill>
-                  <a:schemeClr val="tx1"/>
-                </a:solidFill>
-                <a:effectLst/>
-                <a:uLnTx/>
-                <a:uFillTx/>
-                <a:latin typeface="Arial" pitchFamily="34" charset="0"/>
-                <a:ea typeface="+mn-ea"/>
-                <a:cs typeface="Arial" pitchFamily="34" charset="0"/>
-              </a:rPr>
-              <a:t>Monitor</a:t>
-            </a:r>
-            <a:endParaRPr lang="es-CO" altLang="es-CO" sz="1400" dirty="0">
-              <a:solidFill>
-                <a:srgbClr val="898989"/>
-              </a:solidFill>
-            </a:endParaRPr>
-          </a:p>
-        </p:txBody>
-      </p:sp>
-      <p:sp>
-        <p:nvSpPr>
-          <p:cNvPr id="2" name="2 Subtítulo">
-            <a:extLst>
-              <a:ext uri="{FF2B5EF4-FFF2-40B4-BE49-F238E27FC236}">
-                <a16:creationId xmlns:a16="http://schemas.microsoft.com/office/drawing/2014/main" id="{4C75C0D4-26C4-6450-DCEC-496313129F8F}"/>
-              </a:ext>
-            </a:extLst>
-          </p:cNvPr>
-          <p:cNvSpPr txBox="1">
-            <a:spLocks/>
-          </p:cNvSpPr>
-          <p:nvPr/>
-        </p:nvSpPr>
-        <p:spPr bwMode="auto">
-          <a:xfrm>
-            <a:off x="2624138" y="246951"/>
-            <a:ext cx="6400800" cy="500063"/>
-          </a:xfrm>
-          <a:prstGeom prst="rect">
-            <a:avLst/>
-          </a:prstGeom>
-          <a:noFill/>
-          <a:ln>
-            <a:noFill/>
-          </a:ln>
-          <a:extLst>
-            <a:ext uri="{909E8E84-426E-40DD-AFC4-6F175D3DCCD1}">
-              <a14:hiddenFill xmlns:a14="http://schemas.microsoft.com/office/drawing/2010/main">
-                <a:solidFill>
-                  <a:srgbClr val="FFFFFF"/>
-                </a:solidFill>
-              </a14:hiddenFill>
-            </a:ext>
-            <a:ext uri="{91240B29-F687-4F45-9708-019B960494DF}">
-              <a14:hiddenLine xmlns:a14="http://schemas.microsoft.com/office/drawing/2010/main" w="9525">
-                <a:solidFill>
-                  <a:srgbClr val="000000"/>
-                </a:solidFill>
-                <a:miter lim="800000"/>
-                <a:headEnd/>
-                <a:tailEnd/>
-              </a14:hiddenLine>
-            </a:ext>
-          </a:extLst>
-        </p:spPr>
-        <p:txBody>
-          <a:bodyPr vert="horz" wrap="square" lIns="91440" tIns="45720" rIns="91440" bIns="45720" numCol="1" rtlCol="0" anchor="t" anchorCtr="0" compatLnSpc="1">
-            <a:prstTxWarp prst="textNoShape">
-              <a:avLst/>
-            </a:prstTxWarp>
-            <a:noAutofit/>
-          </a:bodyPr>
-          <a:lstStyle>
-            <a:lvl1pPr marL="342900" indent="-342900" algn="l" rtl="0" eaLnBrk="0" fontAlgn="base" hangingPunct="0">
-              <a:spcBef>
-                <a:spcPct val="20000"/>
-              </a:spcBef>
-              <a:spcAft>
-                <a:spcPct val="0"/>
-              </a:spcAft>
-              <a:buFont typeface="Arial" panose="020B0604020202020204" pitchFamily="34" charset="0"/>
-              <a:buChar char="•"/>
-              <a:defRPr sz="3200" kern="1200">
-                <a:solidFill>
-                  <a:schemeClr val="tx1"/>
-                </a:solidFill>
-                <a:latin typeface="Arial" pitchFamily="34" charset="0"/>
-                <a:ea typeface="+mn-ea"/>
-                <a:cs typeface="Arial" pitchFamily="34" charset="0"/>
-              </a:defRPr>
-            </a:lvl1pPr>
-            <a:lvl2pPr marL="742950" indent="-285750" algn="l" rtl="0" eaLnBrk="0" fontAlgn="base" hangingPunct="0">
-              <a:spcBef>
-                <a:spcPct val="20000"/>
-              </a:spcBef>
-              <a:spcAft>
-                <a:spcPct val="0"/>
-              </a:spcAft>
-              <a:buFont typeface="Arial" panose="020B0604020202020204" pitchFamily="34" charset="0"/>
-              <a:buChar char="–"/>
-              <a:defRPr sz="2800" kern="1200">
-                <a:solidFill>
-                  <a:schemeClr val="tx1"/>
-                </a:solidFill>
-                <a:latin typeface="Arial" pitchFamily="34" charset="0"/>
-                <a:ea typeface="+mn-ea"/>
-                <a:cs typeface="Arial" pitchFamily="34" charset="0"/>
-              </a:defRPr>
-            </a:lvl2pPr>
-            <a:lvl3pPr marL="1143000" indent="-228600" algn="l" rtl="0" eaLnBrk="0" fontAlgn="base" hangingPunct="0">
-              <a:spcBef>
-                <a:spcPct val="20000"/>
-              </a:spcBef>
-              <a:spcAft>
-                <a:spcPct val="0"/>
-              </a:spcAft>
-              <a:buFont typeface="Arial" panose="020B0604020202020204" pitchFamily="34" charset="0"/>
-              <a:buChar char="•"/>
-              <a:defRPr sz="2400" kern="1200">
-                <a:solidFill>
-                  <a:schemeClr val="tx1"/>
-                </a:solidFill>
-                <a:latin typeface="Arial" pitchFamily="34" charset="0"/>
-                <a:ea typeface="+mn-ea"/>
-                <a:cs typeface="Arial" pitchFamily="34" charset="0"/>
-              </a:defRPr>
-            </a:lvl3pPr>
-            <a:lvl4pPr marL="1600200" indent="-228600" algn="l" rtl="0" eaLnBrk="0" fontAlgn="base" hangingPunct="0">
-              <a:spcBef>
-                <a:spcPct val="20000"/>
-              </a:spcBef>
-              <a:spcAft>
-                <a:spcPct val="0"/>
-              </a:spcAft>
-              <a:buFont typeface="Arial" panose="020B0604020202020204" pitchFamily="34" charset="0"/>
-              <a:buChar char="–"/>
-              <a:defRPr sz="2000" kern="1200">
-                <a:solidFill>
-                  <a:schemeClr val="tx1"/>
-                </a:solidFill>
-                <a:latin typeface="Arial" pitchFamily="34" charset="0"/>
-                <a:ea typeface="+mn-ea"/>
-                <a:cs typeface="Arial" pitchFamily="34" charset="0"/>
-              </a:defRPr>
-            </a:lvl4pPr>
-            <a:lvl5pPr marL="2057400" indent="-228600" algn="l" rtl="0" eaLnBrk="0" fontAlgn="base" hangingPunct="0">
-              <a:spcBef>
-                <a:spcPct val="20000"/>
-              </a:spcBef>
-              <a:spcAft>
-                <a:spcPct val="0"/>
-              </a:spcAft>
-              <a:buFont typeface="Arial" panose="020B0604020202020204" pitchFamily="34" charset="0"/>
-              <a:buChar char="»"/>
-              <a:defRPr sz="2000" kern="1200">
-                <a:solidFill>
-                  <a:schemeClr val="tx1"/>
-                </a:solidFill>
-                <a:latin typeface="Arial" pitchFamily="34" charset="0"/>
-                <a:ea typeface="+mn-ea"/>
-                <a:cs typeface="Arial" pitchFamily="34" charset="0"/>
-              </a:defRPr>
-            </a:lvl5pPr>
-            <a:lvl6pPr marL="2514600" indent="-228600" algn="l" defTabSz="914400" rtl="0" eaLnBrk="1" latinLnBrk="0" hangingPunct="1">
-              <a:spcBef>
-                <a:spcPct val="20000"/>
-              </a:spcBef>
-              <a:buFont typeface="Arial" pitchFamily="34" charset="0"/>
-              <a:buChar char="•"/>
-              <a:defRPr sz="2000" kern="1200">
-                <a:solidFill>
-                  <a:schemeClr val="tx1"/>
-                </a:solidFill>
-                <a:latin typeface="+mn-lt"/>
-                <a:ea typeface="+mn-ea"/>
-                <a:cs typeface="+mn-cs"/>
-              </a:defRPr>
-            </a:lvl6pPr>
-            <a:lvl7pPr marL="2971800" indent="-228600" algn="l" defTabSz="914400" rtl="0" eaLnBrk="1" latinLnBrk="0" hangingPunct="1">
-              <a:spcBef>
-                <a:spcPct val="20000"/>
-              </a:spcBef>
-              <a:buFont typeface="Arial" pitchFamily="34" charset="0"/>
-              <a:buChar char="•"/>
-              <a:defRPr sz="2000" kern="1200">
-                <a:solidFill>
-                  <a:schemeClr val="tx1"/>
-                </a:solidFill>
-                <a:latin typeface="+mn-lt"/>
-                <a:ea typeface="+mn-ea"/>
-                <a:cs typeface="+mn-cs"/>
-              </a:defRPr>
-            </a:lvl7pPr>
-            <a:lvl8pPr marL="3429000" indent="-228600" algn="l" defTabSz="914400" rtl="0" eaLnBrk="1" latinLnBrk="0" hangingPunct="1">
-              <a:spcBef>
-                <a:spcPct val="20000"/>
-              </a:spcBef>
-              <a:buFont typeface="Arial" pitchFamily="34" charset="0"/>
-              <a:buChar char="•"/>
-              <a:defRPr sz="2000" kern="1200">
-                <a:solidFill>
-                  <a:schemeClr val="tx1"/>
-                </a:solidFill>
-                <a:latin typeface="+mn-lt"/>
-                <a:ea typeface="+mn-ea"/>
-                <a:cs typeface="+mn-cs"/>
-              </a:defRPr>
-            </a:lvl8pPr>
-            <a:lvl9pPr marL="3886200" indent="-228600" algn="l" defTabSz="914400" rtl="0" eaLnBrk="1" latinLnBrk="0" hangingPunct="1">
-              <a:spcBef>
-                <a:spcPct val="20000"/>
-              </a:spcBef>
-              <a:buFont typeface="Arial" pitchFamily="34" charset="0"/>
-              <a:buChar char="•"/>
-              <a:defRPr sz="2000" kern="1200">
-                <a:solidFill>
-                  <a:schemeClr val="tx1"/>
-                </a:solidFill>
-                <a:latin typeface="+mn-lt"/>
-                <a:ea typeface="+mn-ea"/>
-                <a:cs typeface="+mn-cs"/>
-              </a:defRPr>
-            </a:lvl9pPr>
-          </a:lstStyle>
-          <a:p>
-            <a:pPr marL="0" indent="0" algn="r" eaLnBrk="1" fontAlgn="auto" hangingPunct="1">
-              <a:spcAft>
-                <a:spcPts val="0"/>
-              </a:spcAft>
-              <a:buNone/>
-              <a:defRPr/>
-            </a:pPr>
-            <a:r>
-              <a:rPr lang="es-CO" sz="2000" b="1" dirty="0">
-                <a:solidFill>
-                  <a:schemeClr val="tx1">
-                    <a:lumMod val="75000"/>
-                    <a:lumOff val="25000"/>
-                  </a:schemeClr>
-                </a:solidFill>
-              </a:rPr>
-              <a:t>6020 INTRODUCCIÓN A LA PROGRAMACIÓN</a:t>
-            </a:r>
-          </a:p>
-        </p:txBody>
-      </p:sp>
-    </p:spTree>
-    <p:extLst>
-      <p:ext uri="{BB962C8B-B14F-4D97-AF65-F5344CB8AC3E}">
-        <p14:creationId xmlns:p14="http://schemas.microsoft.com/office/powerpoint/2010/main" val="1955606898"/>
-      </p:ext>
-    </p:extLst>
-  </p:cSld>
-  <p:clrMapOvr>
-    <a:masterClrMapping/>
-  </p:clrMapOvr>
-</p:sld>
-</file>
-
-<file path=ppt/slides/slide11.xml><?xml version="1.0" encoding="utf-8"?>
-<p:sld xmlns:a="http://schemas.openxmlformats.org/drawingml/2006/main" xmlns:r="http://schemas.openxmlformats.org/officeDocument/2006/relationships" xmlns:p="http://schemas.openxmlformats.org/presentationml/2006/main">
-  <p:cSld>
-    <p:spTree>
-      <p:nvGrpSpPr>
-        <p:cNvPr id="1" name=""/>
-        <p:cNvGrpSpPr/>
-        <p:nvPr/>
-      </p:nvGrpSpPr>
-      <p:grpSpPr>
-        <a:xfrm>
-          <a:off x="0" y="0"/>
-          <a:ext cx="0" cy="0"/>
-          <a:chOff x="0" y="0"/>
-          <a:chExt cx="0" cy="0"/>
-        </a:xfrm>
-      </p:grpSpPr>
-      <p:sp>
-        <p:nvSpPr>
           <p:cNvPr id="23554" name="1 Título">
             <a:extLst>
               <a:ext uri="{FF2B5EF4-FFF2-40B4-BE49-F238E27FC236}">
@@ -16429,7 +12176,7 @@
             <a:pPr algn="ctr" eaLnBrk="1" hangingPunct="1"/>
             <a:r>
               <a:rPr lang="es-CO" altLang="es-CO" sz="3600" dirty="0"/>
-              <a:t>13</a:t>
+              <a:t>10</a:t>
             </a:r>
           </a:p>
         </p:txBody>
@@ -23221,785 +18968,6 @@
 </file>
 
 <file path=ppt/slides/slide6.xml><?xml version="1.0" encoding="utf-8"?>
-<p:sld xmlns:a="http://schemas.openxmlformats.org/drawingml/2006/main" xmlns:r="http://schemas.openxmlformats.org/officeDocument/2006/relationships" xmlns:p="http://schemas.openxmlformats.org/presentationml/2006/main" show="0">
-  <p:cSld>
-    <p:spTree>
-      <p:nvGrpSpPr>
-        <p:cNvPr id="1" name=""/>
-        <p:cNvGrpSpPr/>
-        <p:nvPr/>
-      </p:nvGrpSpPr>
-      <p:grpSpPr>
-        <a:xfrm>
-          <a:off x="0" y="0"/>
-          <a:ext cx="0" cy="0"/>
-          <a:chOff x="0" y="0"/>
-          <a:chExt cx="0" cy="0"/>
-        </a:xfrm>
-      </p:grpSpPr>
-      <p:sp>
-        <p:nvSpPr>
-          <p:cNvPr id="13314" name="1 Título">
-            <a:extLst>
-              <a:ext uri="{FF2B5EF4-FFF2-40B4-BE49-F238E27FC236}">
-                <a16:creationId xmlns:a16="http://schemas.microsoft.com/office/drawing/2014/main" id="{3D0D465E-F9D6-429E-92A7-0FF16ECD8A8E}"/>
-              </a:ext>
-            </a:extLst>
-          </p:cNvPr>
-          <p:cNvSpPr>
-            <a:spLocks noGrp="1"/>
-          </p:cNvSpPr>
-          <p:nvPr>
-            <p:ph type="ctrTitle"/>
-          </p:nvPr>
-        </p:nvSpPr>
-        <p:spPr>
-          <a:xfrm>
-            <a:off x="0" y="-28575"/>
-            <a:ext cx="779463" cy="720725"/>
-          </a:xfrm>
-        </p:spPr>
-        <p:txBody>
-          <a:bodyPr/>
-          <a:lstStyle/>
-          <a:p>
-            <a:pPr algn="ctr" eaLnBrk="1" hangingPunct="1"/>
-            <a:r>
-              <a:rPr lang="es-CO" altLang="es-CO" sz="3600" dirty="0"/>
-              <a:t>6</a:t>
-            </a:r>
-          </a:p>
-        </p:txBody>
-      </p:sp>
-      <p:sp>
-        <p:nvSpPr>
-          <p:cNvPr id="9" name="Título 1">
-            <a:extLst>
-              <a:ext uri="{FF2B5EF4-FFF2-40B4-BE49-F238E27FC236}">
-                <a16:creationId xmlns:a16="http://schemas.microsoft.com/office/drawing/2014/main" id="{23A3D996-0567-4685-A0EB-B4B9355B6810}"/>
-              </a:ext>
-            </a:extLst>
-          </p:cNvPr>
-          <p:cNvSpPr txBox="1">
-            <a:spLocks/>
-          </p:cNvSpPr>
-          <p:nvPr/>
-        </p:nvSpPr>
-        <p:spPr bwMode="auto">
-          <a:xfrm>
-            <a:off x="457200" y="692150"/>
-            <a:ext cx="8229600" cy="1143000"/>
-          </a:xfrm>
-          <a:prstGeom prst="rect">
-            <a:avLst/>
-          </a:prstGeom>
-          <a:noFill/>
-          <a:ln>
-            <a:noFill/>
-          </a:ln>
-          <a:extLst>
-            <a:ext uri="{909E8E84-426E-40DD-AFC4-6F175D3DCCD1}">
-              <a14:hiddenFill xmlns:a14="http://schemas.microsoft.com/office/drawing/2010/main">
-                <a:solidFill>
-                  <a:srgbClr val="FFFFFF"/>
-                </a:solidFill>
-              </a14:hiddenFill>
-            </a:ext>
-            <a:ext uri="{91240B29-F687-4F45-9708-019B960494DF}">
-              <a14:hiddenLine xmlns:a14="http://schemas.microsoft.com/office/drawing/2010/main" w="9525">
-                <a:solidFill>
-                  <a:srgbClr val="000000"/>
-                </a:solidFill>
-                <a:miter lim="800000"/>
-                <a:headEnd/>
-                <a:tailEnd/>
-              </a14:hiddenLine>
-            </a:ext>
-          </a:extLst>
-        </p:spPr>
-        <p:txBody>
-          <a:bodyPr anchor="ctr"/>
-          <a:lstStyle>
-            <a:lvl1pPr>
-              <a:spcBef>
-                <a:spcPct val="20000"/>
-              </a:spcBef>
-              <a:buFont typeface="Arial" panose="020B0604020202020204" pitchFamily="34" charset="0"/>
-              <a:buChar char="•"/>
-              <a:defRPr sz="3200">
-                <a:solidFill>
-                  <a:schemeClr val="tx1"/>
-                </a:solidFill>
-                <a:latin typeface="Arial" panose="020B0604020202020204" pitchFamily="34" charset="0"/>
-                <a:cs typeface="Arial" panose="020B0604020202020204" pitchFamily="34" charset="0"/>
-              </a:defRPr>
-            </a:lvl1pPr>
-            <a:lvl2pPr marL="742950" indent="-285750">
-              <a:spcBef>
-                <a:spcPct val="20000"/>
-              </a:spcBef>
-              <a:buFont typeface="Arial" panose="020B0604020202020204" pitchFamily="34" charset="0"/>
-              <a:buChar char="–"/>
-              <a:defRPr sz="2800">
-                <a:solidFill>
-                  <a:schemeClr val="tx1"/>
-                </a:solidFill>
-                <a:latin typeface="Arial" panose="020B0604020202020204" pitchFamily="34" charset="0"/>
-                <a:cs typeface="Arial" panose="020B0604020202020204" pitchFamily="34" charset="0"/>
-              </a:defRPr>
-            </a:lvl2pPr>
-            <a:lvl3pPr marL="1143000" indent="-228600">
-              <a:spcBef>
-                <a:spcPct val="20000"/>
-              </a:spcBef>
-              <a:buFont typeface="Arial" panose="020B0604020202020204" pitchFamily="34" charset="0"/>
-              <a:buChar char="•"/>
-              <a:defRPr sz="2400">
-                <a:solidFill>
-                  <a:schemeClr val="tx1"/>
-                </a:solidFill>
-                <a:latin typeface="Arial" panose="020B0604020202020204" pitchFamily="34" charset="0"/>
-                <a:cs typeface="Arial" panose="020B0604020202020204" pitchFamily="34" charset="0"/>
-              </a:defRPr>
-            </a:lvl3pPr>
-            <a:lvl4pPr marL="1600200" indent="-228600">
-              <a:spcBef>
-                <a:spcPct val="20000"/>
-              </a:spcBef>
-              <a:buFont typeface="Arial" panose="020B0604020202020204" pitchFamily="34" charset="0"/>
-              <a:buChar char="–"/>
-              <a:defRPr sz="2000">
-                <a:solidFill>
-                  <a:schemeClr val="tx1"/>
-                </a:solidFill>
-                <a:latin typeface="Arial" panose="020B0604020202020204" pitchFamily="34" charset="0"/>
-                <a:cs typeface="Arial" panose="020B0604020202020204" pitchFamily="34" charset="0"/>
-              </a:defRPr>
-            </a:lvl4pPr>
-            <a:lvl5pPr marL="2057400" indent="-228600">
-              <a:spcBef>
-                <a:spcPct val="20000"/>
-              </a:spcBef>
-              <a:buFont typeface="Arial" panose="020B0604020202020204" pitchFamily="34" charset="0"/>
-              <a:buChar char="»"/>
-              <a:defRPr sz="2000">
-                <a:solidFill>
-                  <a:schemeClr val="tx1"/>
-                </a:solidFill>
-                <a:latin typeface="Arial" panose="020B0604020202020204" pitchFamily="34" charset="0"/>
-                <a:cs typeface="Arial" panose="020B0604020202020204" pitchFamily="34" charset="0"/>
-              </a:defRPr>
-            </a:lvl5pPr>
-            <a:lvl6pPr marL="2514600" indent="-228600" eaLnBrk="0" fontAlgn="base" hangingPunct="0">
-              <a:spcBef>
-                <a:spcPct val="20000"/>
-              </a:spcBef>
-              <a:spcAft>
-                <a:spcPct val="0"/>
-              </a:spcAft>
-              <a:buFont typeface="Arial" panose="020B0604020202020204" pitchFamily="34" charset="0"/>
-              <a:buChar char="»"/>
-              <a:defRPr sz="2000">
-                <a:solidFill>
-                  <a:schemeClr val="tx1"/>
-                </a:solidFill>
-                <a:latin typeface="Arial" panose="020B0604020202020204" pitchFamily="34" charset="0"/>
-                <a:cs typeface="Arial" panose="020B0604020202020204" pitchFamily="34" charset="0"/>
-              </a:defRPr>
-            </a:lvl6pPr>
-            <a:lvl7pPr marL="2971800" indent="-228600" eaLnBrk="0" fontAlgn="base" hangingPunct="0">
-              <a:spcBef>
-                <a:spcPct val="20000"/>
-              </a:spcBef>
-              <a:spcAft>
-                <a:spcPct val="0"/>
-              </a:spcAft>
-              <a:buFont typeface="Arial" panose="020B0604020202020204" pitchFamily="34" charset="0"/>
-              <a:buChar char="»"/>
-              <a:defRPr sz="2000">
-                <a:solidFill>
-                  <a:schemeClr val="tx1"/>
-                </a:solidFill>
-                <a:latin typeface="Arial" panose="020B0604020202020204" pitchFamily="34" charset="0"/>
-                <a:cs typeface="Arial" panose="020B0604020202020204" pitchFamily="34" charset="0"/>
-              </a:defRPr>
-            </a:lvl7pPr>
-            <a:lvl8pPr marL="3429000" indent="-228600" eaLnBrk="0" fontAlgn="base" hangingPunct="0">
-              <a:spcBef>
-                <a:spcPct val="20000"/>
-              </a:spcBef>
-              <a:spcAft>
-                <a:spcPct val="0"/>
-              </a:spcAft>
-              <a:buFont typeface="Arial" panose="020B0604020202020204" pitchFamily="34" charset="0"/>
-              <a:buChar char="»"/>
-              <a:defRPr sz="2000">
-                <a:solidFill>
-                  <a:schemeClr val="tx1"/>
-                </a:solidFill>
-                <a:latin typeface="Arial" panose="020B0604020202020204" pitchFamily="34" charset="0"/>
-                <a:cs typeface="Arial" panose="020B0604020202020204" pitchFamily="34" charset="0"/>
-              </a:defRPr>
-            </a:lvl8pPr>
-            <a:lvl9pPr marL="3886200" indent="-228600" eaLnBrk="0" fontAlgn="base" hangingPunct="0">
-              <a:spcBef>
-                <a:spcPct val="20000"/>
-              </a:spcBef>
-              <a:spcAft>
-                <a:spcPct val="0"/>
-              </a:spcAft>
-              <a:buFont typeface="Arial" panose="020B0604020202020204" pitchFamily="34" charset="0"/>
-              <a:buChar char="»"/>
-              <a:defRPr sz="2000">
-                <a:solidFill>
-                  <a:schemeClr val="tx1"/>
-                </a:solidFill>
-                <a:latin typeface="Arial" panose="020B0604020202020204" pitchFamily="34" charset="0"/>
-                <a:cs typeface="Arial" panose="020B0604020202020204" pitchFamily="34" charset="0"/>
-              </a:defRPr>
-            </a:lvl9pPr>
-          </a:lstStyle>
-          <a:p>
-            <a:pPr algn="ctr">
-              <a:spcBef>
-                <a:spcPct val="0"/>
-              </a:spcBef>
-              <a:buFontTx/>
-              <a:buNone/>
-            </a:pPr>
-            <a:r>
-              <a:rPr lang="es-CO" altLang="es-CO" b="1" dirty="0"/>
-              <a:t>Criterios de Evaluación Proyectos y Talleres</a:t>
-            </a:r>
-          </a:p>
-        </p:txBody>
-      </p:sp>
-      <p:graphicFrame>
-        <p:nvGraphicFramePr>
-          <p:cNvPr id="2" name="Diagrama 1">
-            <a:extLst>
-              <a:ext uri="{FF2B5EF4-FFF2-40B4-BE49-F238E27FC236}">
-                <a16:creationId xmlns:a16="http://schemas.microsoft.com/office/drawing/2014/main" id="{4F251356-6039-463D-98A3-27BC7A6EC2E7}"/>
-              </a:ext>
-            </a:extLst>
-          </p:cNvPr>
-          <p:cNvGraphicFramePr/>
-          <p:nvPr>
-            <p:extLst>
-              <p:ext uri="{D42A27DB-BD31-4B8C-83A1-F6EECF244321}">
-                <p14:modId xmlns:p14="http://schemas.microsoft.com/office/powerpoint/2010/main" val="2555125841"/>
-              </p:ext>
-            </p:extLst>
-          </p:nvPr>
-        </p:nvGraphicFramePr>
-        <p:xfrm>
-          <a:off x="611560" y="1746193"/>
-          <a:ext cx="8229600" cy="4408264"/>
-        </p:xfrm>
-        <a:graphic>
-          <a:graphicData uri="http://schemas.openxmlformats.org/drawingml/2006/diagram">
-            <dgm:relIds xmlns:dgm="http://schemas.openxmlformats.org/drawingml/2006/diagram" xmlns:r="http://schemas.openxmlformats.org/officeDocument/2006/relationships" r:dm="rId3" r:lo="rId4" r:qs="rId5" r:cs="rId6"/>
-          </a:graphicData>
-        </a:graphic>
-      </p:graphicFrame>
-      <p:sp>
-        <p:nvSpPr>
-          <p:cNvPr id="5" name="CuadroTexto 4">
-            <a:extLst>
-              <a:ext uri="{FF2B5EF4-FFF2-40B4-BE49-F238E27FC236}">
-                <a16:creationId xmlns:a16="http://schemas.microsoft.com/office/drawing/2014/main" id="{60701A2C-E982-40EA-9283-15E5825703A1}"/>
-              </a:ext>
-            </a:extLst>
-          </p:cNvPr>
-          <p:cNvSpPr txBox="1"/>
-          <p:nvPr/>
-        </p:nvSpPr>
-        <p:spPr>
-          <a:xfrm>
-            <a:off x="394656" y="5783860"/>
-            <a:ext cx="9083352" cy="1074140"/>
-          </a:xfrm>
-          <a:prstGeom prst="rect">
-            <a:avLst/>
-          </a:prstGeom>
-        </p:spPr>
-        <p:txBody>
-          <a:bodyPr wrap="square" rtlCol="0">
-            <a:spAutoFit/>
-          </a:bodyPr>
-          <a:lstStyle/>
-          <a:p>
-            <a:pPr marL="0" marR="0" indent="0" algn="l" defTabSz="914400" rtl="0" eaLnBrk="1" fontAlgn="auto" latinLnBrk="0" hangingPunct="1">
-              <a:lnSpc>
-                <a:spcPct val="100000"/>
-              </a:lnSpc>
-              <a:spcBef>
-                <a:spcPct val="20000"/>
-              </a:spcBef>
-              <a:spcAft>
-                <a:spcPts val="0"/>
-              </a:spcAft>
-              <a:buClrTx/>
-              <a:buSzTx/>
-              <a:buFont typeface="Arial" pitchFamily="34" charset="0"/>
-              <a:buNone/>
-              <a:tabLst/>
-            </a:pPr>
-            <a:r>
-              <a:rPr lang="es-CO" sz="1100" b="0" i="0" dirty="0">
-                <a:solidFill>
-                  <a:srgbClr val="494C4E"/>
-                </a:solidFill>
-                <a:effectLst/>
-                <a:latin typeface="Verdana" panose="020B0604030504040204" pitchFamily="34" charset="0"/>
-              </a:rPr>
-              <a:t>*No se reciben entregas vía email posterior a la fecha señalada. Cualquier email con entregas será ignorado.</a:t>
-            </a:r>
-          </a:p>
-          <a:p>
-            <a:pPr marL="0" marR="0" indent="0" algn="l" defTabSz="914400" rtl="0" eaLnBrk="1" fontAlgn="auto" latinLnBrk="0" hangingPunct="1">
-              <a:lnSpc>
-                <a:spcPct val="100000"/>
-              </a:lnSpc>
-              <a:spcBef>
-                <a:spcPct val="20000"/>
-              </a:spcBef>
-              <a:spcAft>
-                <a:spcPts val="0"/>
-              </a:spcAft>
-              <a:buClrTx/>
-              <a:buSzTx/>
-              <a:buFont typeface="Arial" pitchFamily="34" charset="0"/>
-              <a:buNone/>
-              <a:tabLst/>
-            </a:pPr>
-            <a:r>
-              <a:rPr kumimoji="0" lang="es-CO" sz="1100" u="none" strike="noStrike" kern="1200" cap="none" spc="0" normalizeH="0" baseline="0" noProof="0" dirty="0">
-                <a:ln>
-                  <a:noFill/>
-                </a:ln>
-                <a:solidFill>
-                  <a:srgbClr val="494C4E"/>
-                </a:solidFill>
-                <a:uLnTx/>
-                <a:uFillTx/>
-                <a:latin typeface="Verdana" panose="020B0604030504040204" pitchFamily="34" charset="0"/>
-                <a:ea typeface="+mn-ea"/>
-                <a:cs typeface="Arial" pitchFamily="34" charset="0"/>
-              </a:rPr>
-              <a:t>**Los días hábiles son los comprendidos entre lunes y </a:t>
-            </a:r>
-          </a:p>
-          <a:p>
-            <a:pPr marL="0" marR="0" indent="0" algn="l" defTabSz="914400" rtl="0" eaLnBrk="1" fontAlgn="auto" latinLnBrk="0" hangingPunct="1">
-              <a:lnSpc>
-                <a:spcPct val="100000"/>
-              </a:lnSpc>
-              <a:spcBef>
-                <a:spcPct val="20000"/>
-              </a:spcBef>
-              <a:spcAft>
-                <a:spcPts val="0"/>
-              </a:spcAft>
-              <a:buClrTx/>
-              <a:buSzTx/>
-              <a:buFont typeface="Arial" pitchFamily="34" charset="0"/>
-              <a:buNone/>
-              <a:tabLst/>
-            </a:pPr>
-            <a:r>
-              <a:rPr kumimoji="0" lang="es-CO" sz="1100" u="none" strike="noStrike" kern="1200" cap="none" spc="0" normalizeH="0" baseline="0" noProof="0" dirty="0">
-                <a:ln>
-                  <a:noFill/>
-                </a:ln>
-                <a:solidFill>
-                  <a:srgbClr val="494C4E"/>
-                </a:solidFill>
-                <a:uLnTx/>
-                <a:uFillTx/>
-                <a:latin typeface="Verdana" panose="020B0604030504040204" pitchFamily="34" charset="0"/>
-                <a:ea typeface="+mn-ea"/>
-                <a:cs typeface="Arial" pitchFamily="34" charset="0"/>
-              </a:rPr>
-              <a:t>Viernes</a:t>
-            </a:r>
-          </a:p>
-          <a:p>
-            <a:pPr marL="0" marR="0" indent="0" algn="l" defTabSz="914400" rtl="0" eaLnBrk="1" fontAlgn="auto" latinLnBrk="0" hangingPunct="1">
-              <a:lnSpc>
-                <a:spcPct val="100000"/>
-              </a:lnSpc>
-              <a:spcBef>
-                <a:spcPct val="20000"/>
-              </a:spcBef>
-              <a:spcAft>
-                <a:spcPts val="0"/>
-              </a:spcAft>
-              <a:buClrTx/>
-              <a:buSzTx/>
-              <a:buFont typeface="Arial" pitchFamily="34" charset="0"/>
-              <a:buNone/>
-              <a:tabLst/>
-            </a:pPr>
-            <a:r>
-              <a:rPr lang="es-CO" sz="1100" dirty="0">
-                <a:solidFill>
-                  <a:srgbClr val="494C4E"/>
-                </a:solidFill>
-                <a:latin typeface="Verdana" panose="020B0604030504040204" pitchFamily="34" charset="0"/>
-              </a:rPr>
-              <a:t>*** El trabajo debe subirse con el aval de los participantes del grupo</a:t>
-            </a:r>
-            <a:endParaRPr kumimoji="0" lang="es-CO" sz="1100" u="none" strike="noStrike" kern="1200" cap="none" spc="0" normalizeH="0" baseline="0" noProof="0" dirty="0">
-              <a:ln>
-                <a:noFill/>
-              </a:ln>
-              <a:solidFill>
-                <a:srgbClr val="494C4E"/>
-              </a:solidFill>
-              <a:uLnTx/>
-              <a:uFillTx/>
-              <a:latin typeface="Verdana" panose="020B0604030504040204" pitchFamily="34" charset="0"/>
-              <a:ea typeface="+mn-ea"/>
-              <a:cs typeface="Arial" pitchFamily="34" charset="0"/>
-            </a:endParaRPr>
-          </a:p>
-          <a:p>
-            <a:pPr marL="0" marR="0" indent="0" algn="l" defTabSz="914400" rtl="0" eaLnBrk="1" fontAlgn="auto" latinLnBrk="0" hangingPunct="1">
-              <a:lnSpc>
-                <a:spcPct val="100000"/>
-              </a:lnSpc>
-              <a:spcBef>
-                <a:spcPct val="20000"/>
-              </a:spcBef>
-              <a:spcAft>
-                <a:spcPts val="0"/>
-              </a:spcAft>
-              <a:buClrTx/>
-              <a:buSzTx/>
-              <a:buFont typeface="Arial" pitchFamily="34" charset="0"/>
-              <a:buNone/>
-              <a:tabLst/>
-            </a:pPr>
-            <a:r>
-              <a:rPr lang="es-CO" sz="1100" b="0" i="0" dirty="0">
-                <a:solidFill>
-                  <a:srgbClr val="494C4E"/>
-                </a:solidFill>
-                <a:effectLst/>
-                <a:latin typeface="Verdana" panose="020B0604030504040204" pitchFamily="34" charset="0"/>
-              </a:rPr>
-              <a:t>La retroalimentación se realizará dentro de los 10 días hábiles posteriores a </a:t>
-            </a:r>
-            <a:r>
-              <a:rPr lang="es-CO" sz="1100" dirty="0">
-                <a:solidFill>
-                  <a:srgbClr val="494C4E"/>
-                </a:solidFill>
-                <a:latin typeface="Verdana" panose="020B0604030504040204" pitchFamily="34" charset="0"/>
-              </a:rPr>
-              <a:t>la entrega.</a:t>
-            </a:r>
-            <a:endParaRPr kumimoji="0" lang="es-CO" sz="1100" b="0" i="0" u="none" strike="noStrike" kern="1200" cap="none" spc="0" normalizeH="0" baseline="0" noProof="0" dirty="0">
-              <a:ln>
-                <a:noFill/>
-              </a:ln>
-              <a:solidFill>
-                <a:schemeClr val="tx1"/>
-              </a:solidFill>
-              <a:effectLst/>
-              <a:uLnTx/>
-              <a:uFillTx/>
-              <a:latin typeface="Arial" pitchFamily="34" charset="0"/>
-              <a:ea typeface="+mn-ea"/>
-              <a:cs typeface="Arial" pitchFamily="34" charset="0"/>
-            </a:endParaRPr>
-          </a:p>
-        </p:txBody>
-      </p:sp>
-      <p:pic>
-        <p:nvPicPr>
-          <p:cNvPr id="6" name="Picture 4" descr="Programas - Intranet ETITC">
-            <a:extLst>
-              <a:ext uri="{FF2B5EF4-FFF2-40B4-BE49-F238E27FC236}">
-                <a16:creationId xmlns:a16="http://schemas.microsoft.com/office/drawing/2014/main" id="{CDC9C00C-F6CF-3FF9-99A9-0C7E86DD0522}"/>
-              </a:ext>
-            </a:extLst>
-          </p:cNvPr>
-          <p:cNvPicPr>
-            <a:picLocks noChangeAspect="1" noChangeArrowheads="1"/>
-          </p:cNvPicPr>
-          <p:nvPr/>
-        </p:nvPicPr>
-        <p:blipFill>
-          <a:blip r:embed="rId8">
-            <a:extLst>
-              <a:ext uri="{28A0092B-C50C-407E-A947-70E740481C1C}">
-                <a14:useLocalDpi xmlns:a14="http://schemas.microsoft.com/office/drawing/2010/main" val="0"/>
-              </a:ext>
-            </a:extLst>
-          </a:blip>
-          <a:srcRect/>
-          <a:stretch>
-            <a:fillRect/>
-          </a:stretch>
-        </p:blipFill>
-        <p:spPr bwMode="auto">
-          <a:xfrm>
-            <a:off x="795338" y="44758"/>
-            <a:ext cx="2483768" cy="794720"/>
-          </a:xfrm>
-          <a:prstGeom prst="rect">
-            <a:avLst/>
-          </a:prstGeom>
-          <a:noFill/>
-          <a:extLst>
-            <a:ext uri="{909E8E84-426E-40DD-AFC4-6F175D3DCCD1}">
-              <a14:hiddenFill xmlns:a14="http://schemas.microsoft.com/office/drawing/2010/main">
-                <a:solidFill>
-                  <a:srgbClr val="FFFFFF"/>
-                </a:solidFill>
-              </a14:hiddenFill>
-            </a:ext>
-          </a:extLst>
-        </p:spPr>
-      </p:pic>
-      <p:sp>
-        <p:nvSpPr>
-          <p:cNvPr id="4" name="2 Subtítulo">
-            <a:extLst>
-              <a:ext uri="{FF2B5EF4-FFF2-40B4-BE49-F238E27FC236}">
-                <a16:creationId xmlns:a16="http://schemas.microsoft.com/office/drawing/2014/main" id="{B31DA36D-C014-6B07-482C-360E1446FE41}"/>
-              </a:ext>
-            </a:extLst>
-          </p:cNvPr>
-          <p:cNvSpPr txBox="1">
-            <a:spLocks/>
-          </p:cNvSpPr>
-          <p:nvPr/>
-        </p:nvSpPr>
-        <p:spPr bwMode="auto">
-          <a:xfrm>
-            <a:off x="2624138" y="246951"/>
-            <a:ext cx="6400800" cy="500063"/>
-          </a:xfrm>
-          <a:prstGeom prst="rect">
-            <a:avLst/>
-          </a:prstGeom>
-          <a:noFill/>
-          <a:ln>
-            <a:noFill/>
-          </a:ln>
-          <a:extLst>
-            <a:ext uri="{909E8E84-426E-40DD-AFC4-6F175D3DCCD1}">
-              <a14:hiddenFill xmlns:a14="http://schemas.microsoft.com/office/drawing/2010/main">
-                <a:solidFill>
-                  <a:srgbClr val="FFFFFF"/>
-                </a:solidFill>
-              </a14:hiddenFill>
-            </a:ext>
-            <a:ext uri="{91240B29-F687-4F45-9708-019B960494DF}">
-              <a14:hiddenLine xmlns:a14="http://schemas.microsoft.com/office/drawing/2010/main" w="9525">
-                <a:solidFill>
-                  <a:srgbClr val="000000"/>
-                </a:solidFill>
-                <a:miter lim="800000"/>
-                <a:headEnd/>
-                <a:tailEnd/>
-              </a14:hiddenLine>
-            </a:ext>
-          </a:extLst>
-        </p:spPr>
-        <p:txBody>
-          <a:bodyPr vert="horz" wrap="square" lIns="91440" tIns="45720" rIns="91440" bIns="45720" numCol="1" rtlCol="0" anchor="t" anchorCtr="0" compatLnSpc="1">
-            <a:prstTxWarp prst="textNoShape">
-              <a:avLst/>
-            </a:prstTxWarp>
-            <a:noAutofit/>
-          </a:bodyPr>
-          <a:lstStyle>
-            <a:lvl1pPr marL="342900" indent="-342900" algn="l" rtl="0" eaLnBrk="0" fontAlgn="base" hangingPunct="0">
-              <a:spcBef>
-                <a:spcPct val="20000"/>
-              </a:spcBef>
-              <a:spcAft>
-                <a:spcPct val="0"/>
-              </a:spcAft>
-              <a:buFont typeface="Arial" panose="020B0604020202020204" pitchFamily="34" charset="0"/>
-              <a:buChar char="•"/>
-              <a:defRPr sz="3200" kern="1200">
-                <a:solidFill>
-                  <a:schemeClr val="tx1"/>
-                </a:solidFill>
-                <a:latin typeface="Arial" pitchFamily="34" charset="0"/>
-                <a:ea typeface="+mn-ea"/>
-                <a:cs typeface="Arial" pitchFamily="34" charset="0"/>
-              </a:defRPr>
-            </a:lvl1pPr>
-            <a:lvl2pPr marL="742950" indent="-285750" algn="l" rtl="0" eaLnBrk="0" fontAlgn="base" hangingPunct="0">
-              <a:spcBef>
-                <a:spcPct val="20000"/>
-              </a:spcBef>
-              <a:spcAft>
-                <a:spcPct val="0"/>
-              </a:spcAft>
-              <a:buFont typeface="Arial" panose="020B0604020202020204" pitchFamily="34" charset="0"/>
-              <a:buChar char="–"/>
-              <a:defRPr sz="2800" kern="1200">
-                <a:solidFill>
-                  <a:schemeClr val="tx1"/>
-                </a:solidFill>
-                <a:latin typeface="Arial" pitchFamily="34" charset="0"/>
-                <a:ea typeface="+mn-ea"/>
-                <a:cs typeface="Arial" pitchFamily="34" charset="0"/>
-              </a:defRPr>
-            </a:lvl2pPr>
-            <a:lvl3pPr marL="1143000" indent="-228600" algn="l" rtl="0" eaLnBrk="0" fontAlgn="base" hangingPunct="0">
-              <a:spcBef>
-                <a:spcPct val="20000"/>
-              </a:spcBef>
-              <a:spcAft>
-                <a:spcPct val="0"/>
-              </a:spcAft>
-              <a:buFont typeface="Arial" panose="020B0604020202020204" pitchFamily="34" charset="0"/>
-              <a:buChar char="•"/>
-              <a:defRPr sz="2400" kern="1200">
-                <a:solidFill>
-                  <a:schemeClr val="tx1"/>
-                </a:solidFill>
-                <a:latin typeface="Arial" pitchFamily="34" charset="0"/>
-                <a:ea typeface="+mn-ea"/>
-                <a:cs typeface="Arial" pitchFamily="34" charset="0"/>
-              </a:defRPr>
-            </a:lvl3pPr>
-            <a:lvl4pPr marL="1600200" indent="-228600" algn="l" rtl="0" eaLnBrk="0" fontAlgn="base" hangingPunct="0">
-              <a:spcBef>
-                <a:spcPct val="20000"/>
-              </a:spcBef>
-              <a:spcAft>
-                <a:spcPct val="0"/>
-              </a:spcAft>
-              <a:buFont typeface="Arial" panose="020B0604020202020204" pitchFamily="34" charset="0"/>
-              <a:buChar char="–"/>
-              <a:defRPr sz="2000" kern="1200">
-                <a:solidFill>
-                  <a:schemeClr val="tx1"/>
-                </a:solidFill>
-                <a:latin typeface="Arial" pitchFamily="34" charset="0"/>
-                <a:ea typeface="+mn-ea"/>
-                <a:cs typeface="Arial" pitchFamily="34" charset="0"/>
-              </a:defRPr>
-            </a:lvl4pPr>
-            <a:lvl5pPr marL="2057400" indent="-228600" algn="l" rtl="0" eaLnBrk="0" fontAlgn="base" hangingPunct="0">
-              <a:spcBef>
-                <a:spcPct val="20000"/>
-              </a:spcBef>
-              <a:spcAft>
-                <a:spcPct val="0"/>
-              </a:spcAft>
-              <a:buFont typeface="Arial" panose="020B0604020202020204" pitchFamily="34" charset="0"/>
-              <a:buChar char="»"/>
-              <a:defRPr sz="2000" kern="1200">
-                <a:solidFill>
-                  <a:schemeClr val="tx1"/>
-                </a:solidFill>
-                <a:latin typeface="Arial" pitchFamily="34" charset="0"/>
-                <a:ea typeface="+mn-ea"/>
-                <a:cs typeface="Arial" pitchFamily="34" charset="0"/>
-              </a:defRPr>
-            </a:lvl5pPr>
-            <a:lvl6pPr marL="2514600" indent="-228600" algn="l" defTabSz="914400" rtl="0" eaLnBrk="1" latinLnBrk="0" hangingPunct="1">
-              <a:spcBef>
-                <a:spcPct val="20000"/>
-              </a:spcBef>
-              <a:buFont typeface="Arial" pitchFamily="34" charset="0"/>
-              <a:buChar char="•"/>
-              <a:defRPr sz="2000" kern="1200">
-                <a:solidFill>
-                  <a:schemeClr val="tx1"/>
-                </a:solidFill>
-                <a:latin typeface="+mn-lt"/>
-                <a:ea typeface="+mn-ea"/>
-                <a:cs typeface="+mn-cs"/>
-              </a:defRPr>
-            </a:lvl6pPr>
-            <a:lvl7pPr marL="2971800" indent="-228600" algn="l" defTabSz="914400" rtl="0" eaLnBrk="1" latinLnBrk="0" hangingPunct="1">
-              <a:spcBef>
-                <a:spcPct val="20000"/>
-              </a:spcBef>
-              <a:buFont typeface="Arial" pitchFamily="34" charset="0"/>
-              <a:buChar char="•"/>
-              <a:defRPr sz="2000" kern="1200">
-                <a:solidFill>
-                  <a:schemeClr val="tx1"/>
-                </a:solidFill>
-                <a:latin typeface="+mn-lt"/>
-                <a:ea typeface="+mn-ea"/>
-                <a:cs typeface="+mn-cs"/>
-              </a:defRPr>
-            </a:lvl7pPr>
-            <a:lvl8pPr marL="3429000" indent="-228600" algn="l" defTabSz="914400" rtl="0" eaLnBrk="1" latinLnBrk="0" hangingPunct="1">
-              <a:spcBef>
-                <a:spcPct val="20000"/>
-              </a:spcBef>
-              <a:buFont typeface="Arial" pitchFamily="34" charset="0"/>
-              <a:buChar char="•"/>
-              <a:defRPr sz="2000" kern="1200">
-                <a:solidFill>
-                  <a:schemeClr val="tx1"/>
-                </a:solidFill>
-                <a:latin typeface="+mn-lt"/>
-                <a:ea typeface="+mn-ea"/>
-                <a:cs typeface="+mn-cs"/>
-              </a:defRPr>
-            </a:lvl8pPr>
-            <a:lvl9pPr marL="3886200" indent="-228600" algn="l" defTabSz="914400" rtl="0" eaLnBrk="1" latinLnBrk="0" hangingPunct="1">
-              <a:spcBef>
-                <a:spcPct val="20000"/>
-              </a:spcBef>
-              <a:buFont typeface="Arial" pitchFamily="34" charset="0"/>
-              <a:buChar char="•"/>
-              <a:defRPr sz="2000" kern="1200">
-                <a:solidFill>
-                  <a:schemeClr val="tx1"/>
-                </a:solidFill>
-                <a:latin typeface="+mn-lt"/>
-                <a:ea typeface="+mn-ea"/>
-                <a:cs typeface="+mn-cs"/>
-              </a:defRPr>
-            </a:lvl9pPr>
-          </a:lstStyle>
-          <a:p>
-            <a:pPr marL="0" indent="0" algn="r" eaLnBrk="1" fontAlgn="auto" hangingPunct="1">
-              <a:spcAft>
-                <a:spcPts val="0"/>
-              </a:spcAft>
-              <a:buNone/>
-              <a:defRPr/>
-            </a:pPr>
-            <a:r>
-              <a:rPr lang="es-CO" sz="2000" b="1" dirty="0">
-                <a:solidFill>
-                  <a:schemeClr val="tx1">
-                    <a:lumMod val="75000"/>
-                    <a:lumOff val="25000"/>
-                  </a:schemeClr>
-                </a:solidFill>
-              </a:rPr>
-              <a:t>6020 INTRODUCCIÓN A LA PROGRAMACIÓN</a:t>
-            </a:r>
-          </a:p>
-        </p:txBody>
-      </p:sp>
-    </p:spTree>
-  </p:cSld>
-  <p:clrMapOvr>
-    <a:masterClrMapping/>
-  </p:clrMapOvr>
-</p:sld>
-</file>
-
-<file path=ppt/slides/slide7.xml><?xml version="1.0" encoding="utf-8"?>
 <p:sld xmlns:a="http://schemas.openxmlformats.org/drawingml/2006/main" xmlns:r="http://schemas.openxmlformats.org/officeDocument/2006/relationships" xmlns:p="http://schemas.openxmlformats.org/presentationml/2006/main">
   <p:cSld>
     <p:spTree>
@@ -24045,7 +19013,7 @@
             <a:pPr algn="ctr" eaLnBrk="1" hangingPunct="1"/>
             <a:r>
               <a:rPr lang="es-CO" altLang="es-CO" sz="3600" dirty="0"/>
-              <a:t>7</a:t>
+              <a:t>6</a:t>
             </a:r>
           </a:p>
         </p:txBody>
@@ -24808,7 +19776,7 @@
 </p:sld>
 </file>
 
-<file path=ppt/slides/slide8.xml><?xml version="1.0" encoding="utf-8"?>
+<file path=ppt/slides/slide7.xml><?xml version="1.0" encoding="utf-8"?>
 <p:sld xmlns:a="http://schemas.openxmlformats.org/drawingml/2006/main" xmlns:r="http://schemas.openxmlformats.org/officeDocument/2006/relationships" xmlns:p="http://schemas.openxmlformats.org/presentationml/2006/main">
   <p:cSld>
     <p:spTree>
@@ -24854,7 +19822,7 @@
             <a:pPr algn="ctr" eaLnBrk="1" hangingPunct="1"/>
             <a:r>
               <a:rPr lang="es-CO" altLang="es-CO" sz="3600" dirty="0"/>
-              <a:t>9</a:t>
+              <a:t>7</a:t>
             </a:r>
           </a:p>
         </p:txBody>
@@ -25588,7 +20556,7 @@
 </p:sld>
 </file>
 
-<file path=ppt/slides/slide9.xml><?xml version="1.0" encoding="utf-8"?>
+<file path=ppt/slides/slide8.xml><?xml version="1.0" encoding="utf-8"?>
 <p:sld xmlns:a="http://schemas.openxmlformats.org/drawingml/2006/main" xmlns:r="http://schemas.openxmlformats.org/officeDocument/2006/relationships" xmlns:p="http://schemas.openxmlformats.org/presentationml/2006/main">
   <p:cSld>
     <p:spTree>
@@ -25634,7 +20602,7 @@
             <a:pPr algn="ctr" eaLnBrk="1" hangingPunct="1"/>
             <a:r>
               <a:rPr lang="es-CO" altLang="es-CO" sz="3600" dirty="0"/>
-              <a:t>10</a:t>
+              <a:t>8</a:t>
             </a:r>
           </a:p>
         </p:txBody>
@@ -26405,6 +21373,977 @@
     <p:extLst>
       <p:ext uri="{BB962C8B-B14F-4D97-AF65-F5344CB8AC3E}">
         <p14:creationId xmlns:p14="http://schemas.microsoft.com/office/powerpoint/2010/main" val="2680639377"/>
+      </p:ext>
+    </p:extLst>
+  </p:cSld>
+  <p:clrMapOvr>
+    <a:masterClrMapping/>
+  </p:clrMapOvr>
+</p:sld>
+</file>
+
+<file path=ppt/slides/slide9.xml><?xml version="1.0" encoding="utf-8"?>
+<p:sld xmlns:a="http://schemas.openxmlformats.org/drawingml/2006/main" xmlns:r="http://schemas.openxmlformats.org/officeDocument/2006/relationships" xmlns:p="http://schemas.openxmlformats.org/presentationml/2006/main">
+  <p:cSld>
+    <p:spTree>
+      <p:nvGrpSpPr>
+        <p:cNvPr id="1" name=""/>
+        <p:cNvGrpSpPr/>
+        <p:nvPr/>
+      </p:nvGrpSpPr>
+      <p:grpSpPr>
+        <a:xfrm>
+          <a:off x="0" y="0"/>
+          <a:ext cx="0" cy="0"/>
+          <a:chOff x="0" y="0"/>
+          <a:chExt cx="0" cy="0"/>
+        </a:xfrm>
+      </p:grpSpPr>
+      <p:sp>
+        <p:nvSpPr>
+          <p:cNvPr id="21506" name="1 Título">
+            <a:extLst>
+              <a:ext uri="{FF2B5EF4-FFF2-40B4-BE49-F238E27FC236}">
+                <a16:creationId xmlns:a16="http://schemas.microsoft.com/office/drawing/2014/main" id="{974AAA16-E8D7-47E1-ABBC-3CB9C4D3BD82}"/>
+              </a:ext>
+            </a:extLst>
+          </p:cNvPr>
+          <p:cNvSpPr>
+            <a:spLocks noGrp="1"/>
+          </p:cNvSpPr>
+          <p:nvPr>
+            <p:ph type="ctrTitle"/>
+          </p:nvPr>
+        </p:nvSpPr>
+        <p:spPr>
+          <a:xfrm>
+            <a:off x="0" y="-28575"/>
+            <a:ext cx="779463" cy="720725"/>
+          </a:xfrm>
+        </p:spPr>
+        <p:txBody>
+          <a:bodyPr/>
+          <a:lstStyle/>
+          <a:p>
+            <a:pPr algn="ctr" eaLnBrk="1" hangingPunct="1"/>
+            <a:r>
+              <a:rPr lang="es-CO" altLang="es-CO" sz="3600" dirty="0"/>
+              <a:t>9</a:t>
+            </a:r>
+          </a:p>
+        </p:txBody>
+      </p:sp>
+      <p:sp>
+        <p:nvSpPr>
+          <p:cNvPr id="7" name="Título 1">
+            <a:extLst>
+              <a:ext uri="{FF2B5EF4-FFF2-40B4-BE49-F238E27FC236}">
+                <a16:creationId xmlns:a16="http://schemas.microsoft.com/office/drawing/2014/main" id="{EA396777-07E6-4D94-A666-A85CEA99D636}"/>
+              </a:ext>
+            </a:extLst>
+          </p:cNvPr>
+          <p:cNvSpPr txBox="1">
+            <a:spLocks/>
+          </p:cNvSpPr>
+          <p:nvPr/>
+        </p:nvSpPr>
+        <p:spPr bwMode="auto">
+          <a:xfrm>
+            <a:off x="611188" y="641350"/>
+            <a:ext cx="8229600" cy="1143000"/>
+          </a:xfrm>
+          <a:prstGeom prst="rect">
+            <a:avLst/>
+          </a:prstGeom>
+          <a:noFill/>
+          <a:ln>
+            <a:noFill/>
+          </a:ln>
+          <a:extLst>
+            <a:ext uri="{909E8E84-426E-40DD-AFC4-6F175D3DCCD1}">
+              <a14:hiddenFill xmlns:a14="http://schemas.microsoft.com/office/drawing/2010/main">
+                <a:solidFill>
+                  <a:srgbClr val="FFFFFF"/>
+                </a:solidFill>
+              </a14:hiddenFill>
+            </a:ext>
+            <a:ext uri="{91240B29-F687-4F45-9708-019B960494DF}">
+              <a14:hiddenLine xmlns:a14="http://schemas.microsoft.com/office/drawing/2010/main" w="9525">
+                <a:solidFill>
+                  <a:srgbClr val="000000"/>
+                </a:solidFill>
+                <a:miter lim="800000"/>
+                <a:headEnd/>
+                <a:tailEnd/>
+              </a14:hiddenLine>
+            </a:ext>
+          </a:extLst>
+        </p:spPr>
+        <p:txBody>
+          <a:bodyPr anchor="ctr"/>
+          <a:lstStyle>
+            <a:lvl1pPr>
+              <a:spcBef>
+                <a:spcPct val="20000"/>
+              </a:spcBef>
+              <a:buFont typeface="Arial" panose="020B0604020202020204" pitchFamily="34" charset="0"/>
+              <a:buChar char="•"/>
+              <a:defRPr sz="3200">
+                <a:solidFill>
+                  <a:schemeClr val="tx1"/>
+                </a:solidFill>
+                <a:latin typeface="Arial" panose="020B0604020202020204" pitchFamily="34" charset="0"/>
+                <a:cs typeface="Arial" panose="020B0604020202020204" pitchFamily="34" charset="0"/>
+              </a:defRPr>
+            </a:lvl1pPr>
+            <a:lvl2pPr marL="742950" indent="-285750">
+              <a:spcBef>
+                <a:spcPct val="20000"/>
+              </a:spcBef>
+              <a:buFont typeface="Arial" panose="020B0604020202020204" pitchFamily="34" charset="0"/>
+              <a:buChar char="–"/>
+              <a:defRPr sz="2800">
+                <a:solidFill>
+                  <a:schemeClr val="tx1"/>
+                </a:solidFill>
+                <a:latin typeface="Arial" panose="020B0604020202020204" pitchFamily="34" charset="0"/>
+                <a:cs typeface="Arial" panose="020B0604020202020204" pitchFamily="34" charset="0"/>
+              </a:defRPr>
+            </a:lvl2pPr>
+            <a:lvl3pPr marL="1143000" indent="-228600">
+              <a:spcBef>
+                <a:spcPct val="20000"/>
+              </a:spcBef>
+              <a:buFont typeface="Arial" panose="020B0604020202020204" pitchFamily="34" charset="0"/>
+              <a:buChar char="•"/>
+              <a:defRPr sz="2400">
+                <a:solidFill>
+                  <a:schemeClr val="tx1"/>
+                </a:solidFill>
+                <a:latin typeface="Arial" panose="020B0604020202020204" pitchFamily="34" charset="0"/>
+                <a:cs typeface="Arial" panose="020B0604020202020204" pitchFamily="34" charset="0"/>
+              </a:defRPr>
+            </a:lvl3pPr>
+            <a:lvl4pPr marL="1600200" indent="-228600">
+              <a:spcBef>
+                <a:spcPct val="20000"/>
+              </a:spcBef>
+              <a:buFont typeface="Arial" panose="020B0604020202020204" pitchFamily="34" charset="0"/>
+              <a:buChar char="–"/>
+              <a:defRPr sz="2000">
+                <a:solidFill>
+                  <a:schemeClr val="tx1"/>
+                </a:solidFill>
+                <a:latin typeface="Arial" panose="020B0604020202020204" pitchFamily="34" charset="0"/>
+                <a:cs typeface="Arial" panose="020B0604020202020204" pitchFamily="34" charset="0"/>
+              </a:defRPr>
+            </a:lvl4pPr>
+            <a:lvl5pPr marL="2057400" indent="-228600">
+              <a:spcBef>
+                <a:spcPct val="20000"/>
+              </a:spcBef>
+              <a:buFont typeface="Arial" panose="020B0604020202020204" pitchFamily="34" charset="0"/>
+              <a:buChar char="»"/>
+              <a:defRPr sz="2000">
+                <a:solidFill>
+                  <a:schemeClr val="tx1"/>
+                </a:solidFill>
+                <a:latin typeface="Arial" panose="020B0604020202020204" pitchFamily="34" charset="0"/>
+                <a:cs typeface="Arial" panose="020B0604020202020204" pitchFamily="34" charset="0"/>
+              </a:defRPr>
+            </a:lvl5pPr>
+            <a:lvl6pPr marL="2514600" indent="-228600" eaLnBrk="0" fontAlgn="base" hangingPunct="0">
+              <a:spcBef>
+                <a:spcPct val="20000"/>
+              </a:spcBef>
+              <a:spcAft>
+                <a:spcPct val="0"/>
+              </a:spcAft>
+              <a:buFont typeface="Arial" panose="020B0604020202020204" pitchFamily="34" charset="0"/>
+              <a:buChar char="»"/>
+              <a:defRPr sz="2000">
+                <a:solidFill>
+                  <a:schemeClr val="tx1"/>
+                </a:solidFill>
+                <a:latin typeface="Arial" panose="020B0604020202020204" pitchFamily="34" charset="0"/>
+                <a:cs typeface="Arial" panose="020B0604020202020204" pitchFamily="34" charset="0"/>
+              </a:defRPr>
+            </a:lvl6pPr>
+            <a:lvl7pPr marL="2971800" indent="-228600" eaLnBrk="0" fontAlgn="base" hangingPunct="0">
+              <a:spcBef>
+                <a:spcPct val="20000"/>
+              </a:spcBef>
+              <a:spcAft>
+                <a:spcPct val="0"/>
+              </a:spcAft>
+              <a:buFont typeface="Arial" panose="020B0604020202020204" pitchFamily="34" charset="0"/>
+              <a:buChar char="»"/>
+              <a:defRPr sz="2000">
+                <a:solidFill>
+                  <a:schemeClr val="tx1"/>
+                </a:solidFill>
+                <a:latin typeface="Arial" panose="020B0604020202020204" pitchFamily="34" charset="0"/>
+                <a:cs typeface="Arial" panose="020B0604020202020204" pitchFamily="34" charset="0"/>
+              </a:defRPr>
+            </a:lvl7pPr>
+            <a:lvl8pPr marL="3429000" indent="-228600" eaLnBrk="0" fontAlgn="base" hangingPunct="0">
+              <a:spcBef>
+                <a:spcPct val="20000"/>
+              </a:spcBef>
+              <a:spcAft>
+                <a:spcPct val="0"/>
+              </a:spcAft>
+              <a:buFont typeface="Arial" panose="020B0604020202020204" pitchFamily="34" charset="0"/>
+              <a:buChar char="»"/>
+              <a:defRPr sz="2000">
+                <a:solidFill>
+                  <a:schemeClr val="tx1"/>
+                </a:solidFill>
+                <a:latin typeface="Arial" panose="020B0604020202020204" pitchFamily="34" charset="0"/>
+                <a:cs typeface="Arial" panose="020B0604020202020204" pitchFamily="34" charset="0"/>
+              </a:defRPr>
+            </a:lvl8pPr>
+            <a:lvl9pPr marL="3886200" indent="-228600" eaLnBrk="0" fontAlgn="base" hangingPunct="0">
+              <a:spcBef>
+                <a:spcPct val="20000"/>
+              </a:spcBef>
+              <a:spcAft>
+                <a:spcPct val="0"/>
+              </a:spcAft>
+              <a:buFont typeface="Arial" panose="020B0604020202020204" pitchFamily="34" charset="0"/>
+              <a:buChar char="»"/>
+              <a:defRPr sz="2000">
+                <a:solidFill>
+                  <a:schemeClr val="tx1"/>
+                </a:solidFill>
+                <a:latin typeface="Arial" panose="020B0604020202020204" pitchFamily="34" charset="0"/>
+                <a:cs typeface="Arial" panose="020B0604020202020204" pitchFamily="34" charset="0"/>
+              </a:defRPr>
+            </a:lvl9pPr>
+          </a:lstStyle>
+          <a:p>
+            <a:pPr algn="ctr">
+              <a:spcBef>
+                <a:spcPct val="0"/>
+              </a:spcBef>
+              <a:buFontTx/>
+              <a:buNone/>
+            </a:pPr>
+            <a:r>
+              <a:rPr lang="es-CO" altLang="es-CO" b="1" dirty="0"/>
+              <a:t>Canales de comunicación</a:t>
+            </a:r>
+          </a:p>
+        </p:txBody>
+      </p:sp>
+      <p:pic>
+        <p:nvPicPr>
+          <p:cNvPr id="2056" name="Picture 8" descr="Outlook: 27 trucos para aumentar tu productividad exprimiendo la aplicación  de correo de Microsoft">
+            <a:extLst>
+              <a:ext uri="{FF2B5EF4-FFF2-40B4-BE49-F238E27FC236}">
+                <a16:creationId xmlns:a16="http://schemas.microsoft.com/office/drawing/2014/main" id="{075C7F64-CBA7-4977-AB8B-1D5229822556}"/>
+              </a:ext>
+            </a:extLst>
+          </p:cNvPr>
+          <p:cNvPicPr>
+            <a:picLocks noChangeAspect="1" noChangeArrowheads="1"/>
+          </p:cNvPicPr>
+          <p:nvPr/>
+        </p:nvPicPr>
+        <p:blipFill rotWithShape="1">
+          <a:blip r:embed="rId3">
+            <a:extLst>
+              <a:ext uri="{28A0092B-C50C-407E-A947-70E740481C1C}">
+                <a14:useLocalDpi xmlns:a14="http://schemas.microsoft.com/office/drawing/2010/main" val="0"/>
+              </a:ext>
+            </a:extLst>
+          </a:blip>
+          <a:srcRect r="65576"/>
+          <a:stretch/>
+        </p:blipFill>
+        <p:spPr bwMode="auto">
+          <a:xfrm>
+            <a:off x="5746204" y="1988840"/>
+            <a:ext cx="1872208" cy="2075379"/>
+          </a:xfrm>
+          <a:prstGeom prst="rect">
+            <a:avLst/>
+          </a:prstGeom>
+          <a:noFill/>
+          <a:extLst>
+            <a:ext uri="{909E8E84-426E-40DD-AFC4-6F175D3DCCD1}">
+              <a14:hiddenFill xmlns:a14="http://schemas.microsoft.com/office/drawing/2010/main">
+                <a:solidFill>
+                  <a:srgbClr val="FFFFFF"/>
+                </a:solidFill>
+              </a14:hiddenFill>
+            </a:ext>
+          </a:extLst>
+        </p:spPr>
+      </p:pic>
+      <p:pic>
+        <p:nvPicPr>
+          <p:cNvPr id="6" name="Gráfico 5" descr="Centro de llamadas con relleno sólido">
+            <a:extLst>
+              <a:ext uri="{FF2B5EF4-FFF2-40B4-BE49-F238E27FC236}">
+                <a16:creationId xmlns:a16="http://schemas.microsoft.com/office/drawing/2014/main" id="{84C76756-A955-4A5B-BE78-4E62BB57DFBF}"/>
+              </a:ext>
+            </a:extLst>
+          </p:cNvPr>
+          <p:cNvPicPr>
+            <a:picLocks noChangeAspect="1"/>
+          </p:cNvPicPr>
+          <p:nvPr/>
+        </p:nvPicPr>
+        <p:blipFill>
+          <a:blip r:embed="rId4">
+            <a:extLst>
+              <a:ext uri="{28A0092B-C50C-407E-A947-70E740481C1C}">
+                <a14:useLocalDpi xmlns:a14="http://schemas.microsoft.com/office/drawing/2010/main" val="0"/>
+              </a:ext>
+              <a:ext uri="{96DAC541-7B7A-43D3-8B79-37D633B846F1}">
+                <asvg:svgBlip xmlns:asvg="http://schemas.microsoft.com/office/drawing/2016/SVG/main" r:embed="rId5"/>
+              </a:ext>
+            </a:extLst>
+          </a:blip>
+          <a:stretch>
+            <a:fillRect/>
+          </a:stretch>
+        </p:blipFill>
+        <p:spPr>
+          <a:xfrm>
+            <a:off x="771068" y="861129"/>
+            <a:ext cx="914400" cy="914400"/>
+          </a:xfrm>
+          <a:prstGeom prst="rect">
+            <a:avLst/>
+          </a:prstGeom>
+        </p:spPr>
+      </p:pic>
+      <p:pic>
+        <p:nvPicPr>
+          <p:cNvPr id="9" name="Gráfico 8" descr="Centro de llamadas contorno">
+            <a:extLst>
+              <a:ext uri="{FF2B5EF4-FFF2-40B4-BE49-F238E27FC236}">
+                <a16:creationId xmlns:a16="http://schemas.microsoft.com/office/drawing/2014/main" id="{17BD62F9-41DB-46A2-9BEB-4F875CC525E4}"/>
+              </a:ext>
+            </a:extLst>
+          </p:cNvPr>
+          <p:cNvPicPr>
+            <a:picLocks noChangeAspect="1"/>
+          </p:cNvPicPr>
+          <p:nvPr/>
+        </p:nvPicPr>
+        <p:blipFill>
+          <a:blip r:embed="rId6">
+            <a:extLst>
+              <a:ext uri="{28A0092B-C50C-407E-A947-70E740481C1C}">
+                <a14:useLocalDpi xmlns:a14="http://schemas.microsoft.com/office/drawing/2010/main" val="0"/>
+              </a:ext>
+              <a:ext uri="{96DAC541-7B7A-43D3-8B79-37D633B846F1}">
+                <asvg:svgBlip xmlns:asvg="http://schemas.microsoft.com/office/drawing/2016/SVG/main" r:embed="rId7"/>
+              </a:ext>
+            </a:extLst>
+          </a:blip>
+          <a:stretch>
+            <a:fillRect/>
+          </a:stretch>
+        </p:blipFill>
+        <p:spPr>
+          <a:xfrm>
+            <a:off x="7618412" y="833751"/>
+            <a:ext cx="914400" cy="914400"/>
+          </a:xfrm>
+          <a:prstGeom prst="rect">
+            <a:avLst/>
+          </a:prstGeom>
+        </p:spPr>
+      </p:pic>
+      <p:sp>
+        <p:nvSpPr>
+          <p:cNvPr id="16" name="CuadroTexto 15">
+            <a:extLst>
+              <a:ext uri="{FF2B5EF4-FFF2-40B4-BE49-F238E27FC236}">
+                <a16:creationId xmlns:a16="http://schemas.microsoft.com/office/drawing/2014/main" id="{F0D65330-7419-4333-9764-E4292B375DC3}"/>
+              </a:ext>
+            </a:extLst>
+          </p:cNvPr>
+          <p:cNvSpPr txBox="1"/>
+          <p:nvPr/>
+        </p:nvSpPr>
+        <p:spPr>
+          <a:xfrm>
+            <a:off x="5583808" y="3800245"/>
+            <a:ext cx="2592660" cy="307777"/>
+          </a:xfrm>
+          <a:prstGeom prst="rect">
+            <a:avLst/>
+          </a:prstGeom>
+        </p:spPr>
+        <p:txBody>
+          <a:bodyPr wrap="square" rtlCol="0">
+            <a:spAutoFit/>
+          </a:bodyPr>
+          <a:lstStyle/>
+          <a:p>
+            <a:pPr marL="0" marR="0" indent="0" algn="l" defTabSz="914400" rtl="0" eaLnBrk="1" fontAlgn="auto" latinLnBrk="0" hangingPunct="1">
+              <a:lnSpc>
+                <a:spcPct val="100000"/>
+              </a:lnSpc>
+              <a:spcBef>
+                <a:spcPct val="20000"/>
+              </a:spcBef>
+              <a:spcAft>
+                <a:spcPts val="0"/>
+              </a:spcAft>
+              <a:buClrTx/>
+              <a:buSzTx/>
+              <a:buFont typeface="Arial" pitchFamily="34" charset="0"/>
+              <a:buNone/>
+              <a:tabLst/>
+            </a:pPr>
+            <a:r>
+              <a:rPr kumimoji="0" lang="es-CO" sz="1400" b="1" i="0" u="none" strike="noStrike" kern="1200" cap="none" spc="0" normalizeH="0" baseline="0" noProof="0" dirty="0">
+                <a:ln>
+                  <a:noFill/>
+                </a:ln>
+                <a:solidFill>
+                  <a:schemeClr val="tx1"/>
+                </a:solidFill>
+                <a:effectLst/>
+                <a:uLnTx/>
+                <a:uFillTx/>
+                <a:latin typeface="Arial" pitchFamily="34" charset="0"/>
+                <a:ea typeface="+mn-ea"/>
+                <a:cs typeface="Arial" pitchFamily="34" charset="0"/>
+              </a:rPr>
+              <a:t>Preguntas y novedades</a:t>
+            </a:r>
+          </a:p>
+        </p:txBody>
+      </p:sp>
+      <p:pic>
+        <p:nvPicPr>
+          <p:cNvPr id="8" name="Picture 4" descr="Programas - Intranet ETITC">
+            <a:extLst>
+              <a:ext uri="{FF2B5EF4-FFF2-40B4-BE49-F238E27FC236}">
+                <a16:creationId xmlns:a16="http://schemas.microsoft.com/office/drawing/2014/main" id="{210EE14A-117F-9A30-02AB-B3C873C8089F}"/>
+              </a:ext>
+            </a:extLst>
+          </p:cNvPr>
+          <p:cNvPicPr>
+            <a:picLocks noChangeAspect="1" noChangeArrowheads="1"/>
+          </p:cNvPicPr>
+          <p:nvPr/>
+        </p:nvPicPr>
+        <p:blipFill>
+          <a:blip r:embed="rId8">
+            <a:extLst>
+              <a:ext uri="{28A0092B-C50C-407E-A947-70E740481C1C}">
+                <a14:useLocalDpi xmlns:a14="http://schemas.microsoft.com/office/drawing/2010/main" val="0"/>
+              </a:ext>
+            </a:extLst>
+          </a:blip>
+          <a:srcRect/>
+          <a:stretch>
+            <a:fillRect/>
+          </a:stretch>
+        </p:blipFill>
+        <p:spPr bwMode="auto">
+          <a:xfrm>
+            <a:off x="795338" y="44758"/>
+            <a:ext cx="2483768" cy="794720"/>
+          </a:xfrm>
+          <a:prstGeom prst="rect">
+            <a:avLst/>
+          </a:prstGeom>
+          <a:noFill/>
+          <a:extLst>
+            <a:ext uri="{909E8E84-426E-40DD-AFC4-6F175D3DCCD1}">
+              <a14:hiddenFill xmlns:a14="http://schemas.microsoft.com/office/drawing/2010/main">
+                <a:solidFill>
+                  <a:srgbClr val="FFFFFF"/>
+                </a:solidFill>
+              </a14:hiddenFill>
+            </a:ext>
+          </a:extLst>
+        </p:spPr>
+      </p:pic>
+      <p:pic>
+        <p:nvPicPr>
+          <p:cNvPr id="11" name="Gráfico 10" descr="Colegial con relleno sólido">
+            <a:extLst>
+              <a:ext uri="{FF2B5EF4-FFF2-40B4-BE49-F238E27FC236}">
+                <a16:creationId xmlns:a16="http://schemas.microsoft.com/office/drawing/2014/main" id="{E8470154-AC7E-B448-6D58-E30DC77C6DF1}"/>
+              </a:ext>
+            </a:extLst>
+          </p:cNvPr>
+          <p:cNvPicPr>
+            <a:picLocks noChangeAspect="1"/>
+          </p:cNvPicPr>
+          <p:nvPr/>
+        </p:nvPicPr>
+        <p:blipFill>
+          <a:blip r:embed="rId9">
+            <a:extLst>
+              <a:ext uri="{28A0092B-C50C-407E-A947-70E740481C1C}">
+                <a14:useLocalDpi xmlns:a14="http://schemas.microsoft.com/office/drawing/2010/main" val="0"/>
+              </a:ext>
+              <a:ext uri="{96DAC541-7B7A-43D3-8B79-37D633B846F1}">
+                <asvg:svgBlip xmlns:asvg="http://schemas.microsoft.com/office/drawing/2016/SVG/main" r:embed="rId10"/>
+              </a:ext>
+            </a:extLst>
+          </a:blip>
+          <a:stretch>
+            <a:fillRect/>
+          </a:stretch>
+        </p:blipFill>
+        <p:spPr>
+          <a:xfrm>
+            <a:off x="2062651" y="2205058"/>
+            <a:ext cx="1995970" cy="1995970"/>
+          </a:xfrm>
+          <a:prstGeom prst="rect">
+            <a:avLst/>
+          </a:prstGeom>
+        </p:spPr>
+      </p:pic>
+      <p:sp>
+        <p:nvSpPr>
+          <p:cNvPr id="12" name="Rectangle 1">
+            <a:extLst>
+              <a:ext uri="{FF2B5EF4-FFF2-40B4-BE49-F238E27FC236}">
+                <a16:creationId xmlns:a16="http://schemas.microsoft.com/office/drawing/2014/main" id="{B4336C17-6123-3859-97BF-FC6F99A43B32}"/>
+              </a:ext>
+            </a:extLst>
+          </p:cNvPr>
+          <p:cNvSpPr>
+            <a:spLocks noChangeArrowheads="1"/>
+          </p:cNvSpPr>
+          <p:nvPr/>
+        </p:nvSpPr>
+        <p:spPr bwMode="auto">
+          <a:xfrm>
+            <a:off x="0" y="0"/>
+            <a:ext cx="4819650" cy="0"/>
+          </a:xfrm>
+          <a:prstGeom prst="rect">
+            <a:avLst/>
+          </a:prstGeom>
+          <a:noFill/>
+          <a:ln>
+            <a:noFill/>
+          </a:ln>
+          <a:effectLst/>
+          <a:extLst>
+            <a:ext uri="{909E8E84-426E-40DD-AFC4-6F175D3DCCD1}">
+              <a14:hiddenFill xmlns:a14="http://schemas.microsoft.com/office/drawing/2010/main">
+                <a:solidFill>
+                  <a:schemeClr val="accent1"/>
+                </a:solidFill>
+              </a14:hiddenFill>
+            </a:ext>
+            <a:ext uri="{91240B29-F687-4F45-9708-019B960494DF}">
+              <a14:hiddenLine xmlns:a14="http://schemas.microsoft.com/office/drawing/2010/main" w="9525">
+                <a:solidFill>
+                  <a:schemeClr val="tx1"/>
+                </a:solidFill>
+                <a:miter lim="800000"/>
+                <a:headEnd/>
+                <a:tailEnd/>
+              </a14:hiddenLine>
+            </a:ext>
+            <a:ext uri="{AF507438-7753-43E0-B8FC-AC1667EBCBE1}">
+              <a14:hiddenEffects xmlns:a14="http://schemas.microsoft.com/office/drawing/2010/main">
+                <a:effectLst>
+                  <a:outerShdw dist="35921" dir="2700000" algn="ctr" rotWithShape="0">
+                    <a:schemeClr val="bg2"/>
+                  </a:outerShdw>
+                </a:effectLst>
+              </a14:hiddenEffects>
+            </a:ext>
+          </a:extLst>
+        </p:spPr>
+        <p:txBody>
+          <a:bodyPr vert="horz" wrap="none" lIns="91440" tIns="45720" rIns="91440" bIns="45720" numCol="1" anchor="ctr" anchorCtr="0" compatLnSpc="1">
+            <a:prstTxWarp prst="textNoShape">
+              <a:avLst/>
+            </a:prstTxWarp>
+            <a:spAutoFit/>
+          </a:bodyPr>
+          <a:lstStyle/>
+          <a:p>
+            <a:pPr marL="0" marR="0" lvl="0" indent="0" algn="l" defTabSz="914400" rtl="0" eaLnBrk="0" fontAlgn="base" latinLnBrk="0" hangingPunct="0">
+              <a:lnSpc>
+                <a:spcPct val="100000"/>
+              </a:lnSpc>
+              <a:spcBef>
+                <a:spcPct val="0"/>
+              </a:spcBef>
+              <a:spcAft>
+                <a:spcPct val="0"/>
+              </a:spcAft>
+              <a:buClrTx/>
+              <a:buSzTx/>
+              <a:buFontTx/>
+              <a:buNone/>
+              <a:tabLst/>
+            </a:pPr>
+            <a:r>
+              <a:rPr kumimoji="0" lang="es-CO" altLang="es-CO" sz="1800" b="0" i="0" u="none" strike="noStrike" cap="none" normalizeH="0" baseline="0">
+                <a:ln>
+                  <a:noFill/>
+                </a:ln>
+                <a:solidFill>
+                  <a:schemeClr val="tx1"/>
+                </a:solidFill>
+                <a:effectLst/>
+                <a:latin typeface="Arial" panose="020B0604020202020204" pitchFamily="34" charset="0"/>
+              </a:rPr>
+              <a:t>explicame la cinematica de la particula y dame un ejemplo numerico</a:t>
+            </a:r>
+          </a:p>
+          <a:p>
+            <a:pPr marL="0" marR="0" lvl="0" indent="0" algn="l" defTabSz="914400" rtl="0" eaLnBrk="0" fontAlgn="base" latinLnBrk="0" hangingPunct="0">
+              <a:lnSpc>
+                <a:spcPct val="100000"/>
+              </a:lnSpc>
+              <a:spcBef>
+                <a:spcPct val="0"/>
+              </a:spcBef>
+              <a:spcAft>
+                <a:spcPct val="0"/>
+              </a:spcAft>
+              <a:buClrTx/>
+              <a:buSzTx/>
+              <a:buFontTx/>
+              <a:buNone/>
+              <a:tabLst/>
+            </a:pPr>
+            <a:br>
+              <a:rPr kumimoji="0" lang="es-CO" altLang="es-CO" sz="1800" b="0" i="0" u="none" strike="noStrike" cap="none" normalizeH="0" baseline="0">
+                <a:ln>
+                  <a:noFill/>
+                </a:ln>
+                <a:solidFill>
+                  <a:schemeClr val="tx1"/>
+                </a:solidFill>
+                <a:effectLst/>
+                <a:latin typeface="Arial" panose="020B0604020202020204" pitchFamily="34" charset="0"/>
+              </a:rPr>
+            </a:br>
+            <a:endParaRPr kumimoji="0" lang="es-CO" altLang="es-CO" sz="1800" b="0" i="0" u="none" strike="noStrike" cap="none" normalizeH="0" baseline="0">
+              <a:ln>
+                <a:noFill/>
+              </a:ln>
+              <a:solidFill>
+                <a:schemeClr val="tx1"/>
+              </a:solidFill>
+              <a:effectLst/>
+              <a:latin typeface="Arial" panose="020B0604020202020204" pitchFamily="34" charset="0"/>
+            </a:endParaRPr>
+          </a:p>
+        </p:txBody>
+      </p:sp>
+      <p:sp>
+        <p:nvSpPr>
+          <p:cNvPr id="14" name="CuadroTexto 13">
+            <a:extLst>
+              <a:ext uri="{FF2B5EF4-FFF2-40B4-BE49-F238E27FC236}">
+                <a16:creationId xmlns:a16="http://schemas.microsoft.com/office/drawing/2014/main" id="{431C44E4-329E-7FEC-B9B3-CC9F71252532}"/>
+              </a:ext>
+            </a:extLst>
+          </p:cNvPr>
+          <p:cNvSpPr txBox="1"/>
+          <p:nvPr/>
+        </p:nvSpPr>
+        <p:spPr>
+          <a:xfrm>
+            <a:off x="2620707" y="3894941"/>
+            <a:ext cx="2592660" cy="307777"/>
+          </a:xfrm>
+          <a:prstGeom prst="rect">
+            <a:avLst/>
+          </a:prstGeom>
+        </p:spPr>
+        <p:txBody>
+          <a:bodyPr wrap="square" rtlCol="0">
+            <a:spAutoFit/>
+          </a:bodyPr>
+          <a:lstStyle/>
+          <a:p>
+            <a:pPr marL="0" marR="0" indent="0" algn="l" defTabSz="914400" rtl="0" eaLnBrk="1" fontAlgn="auto" latinLnBrk="0" hangingPunct="1">
+              <a:lnSpc>
+                <a:spcPct val="100000"/>
+              </a:lnSpc>
+              <a:spcBef>
+                <a:spcPct val="20000"/>
+              </a:spcBef>
+              <a:spcAft>
+                <a:spcPts val="0"/>
+              </a:spcAft>
+              <a:buClrTx/>
+              <a:buSzTx/>
+              <a:buFont typeface="Arial" pitchFamily="34" charset="0"/>
+              <a:buNone/>
+              <a:tabLst/>
+            </a:pPr>
+            <a:r>
+              <a:rPr kumimoji="0" lang="es-CO" sz="1400" b="1" i="0" u="none" strike="noStrike" kern="1200" cap="none" spc="0" normalizeH="0" baseline="0" noProof="0" dirty="0">
+                <a:ln>
+                  <a:noFill/>
+                </a:ln>
+                <a:solidFill>
+                  <a:schemeClr val="tx1"/>
+                </a:solidFill>
+                <a:effectLst/>
+                <a:uLnTx/>
+                <a:uFillTx/>
+                <a:latin typeface="Arial" pitchFamily="34" charset="0"/>
+                <a:ea typeface="+mn-ea"/>
+                <a:cs typeface="Arial" pitchFamily="34" charset="0"/>
+              </a:rPr>
+              <a:t>Monitor</a:t>
+            </a:r>
+            <a:endParaRPr lang="es-CO" altLang="es-CO" sz="1400" dirty="0">
+              <a:solidFill>
+                <a:srgbClr val="898989"/>
+              </a:solidFill>
+            </a:endParaRPr>
+          </a:p>
+        </p:txBody>
+      </p:sp>
+      <p:sp>
+        <p:nvSpPr>
+          <p:cNvPr id="2" name="2 Subtítulo">
+            <a:extLst>
+              <a:ext uri="{FF2B5EF4-FFF2-40B4-BE49-F238E27FC236}">
+                <a16:creationId xmlns:a16="http://schemas.microsoft.com/office/drawing/2014/main" id="{4C75C0D4-26C4-6450-DCEC-496313129F8F}"/>
+              </a:ext>
+            </a:extLst>
+          </p:cNvPr>
+          <p:cNvSpPr txBox="1">
+            <a:spLocks/>
+          </p:cNvSpPr>
+          <p:nvPr/>
+        </p:nvSpPr>
+        <p:spPr bwMode="auto">
+          <a:xfrm>
+            <a:off x="2624138" y="246951"/>
+            <a:ext cx="6400800" cy="500063"/>
+          </a:xfrm>
+          <a:prstGeom prst="rect">
+            <a:avLst/>
+          </a:prstGeom>
+          <a:noFill/>
+          <a:ln>
+            <a:noFill/>
+          </a:ln>
+          <a:extLst>
+            <a:ext uri="{909E8E84-426E-40DD-AFC4-6F175D3DCCD1}">
+              <a14:hiddenFill xmlns:a14="http://schemas.microsoft.com/office/drawing/2010/main">
+                <a:solidFill>
+                  <a:srgbClr val="FFFFFF"/>
+                </a:solidFill>
+              </a14:hiddenFill>
+            </a:ext>
+            <a:ext uri="{91240B29-F687-4F45-9708-019B960494DF}">
+              <a14:hiddenLine xmlns:a14="http://schemas.microsoft.com/office/drawing/2010/main" w="9525">
+                <a:solidFill>
+                  <a:srgbClr val="000000"/>
+                </a:solidFill>
+                <a:miter lim="800000"/>
+                <a:headEnd/>
+                <a:tailEnd/>
+              </a14:hiddenLine>
+            </a:ext>
+          </a:extLst>
+        </p:spPr>
+        <p:txBody>
+          <a:bodyPr vert="horz" wrap="square" lIns="91440" tIns="45720" rIns="91440" bIns="45720" numCol="1" rtlCol="0" anchor="t" anchorCtr="0" compatLnSpc="1">
+            <a:prstTxWarp prst="textNoShape">
+              <a:avLst/>
+            </a:prstTxWarp>
+            <a:noAutofit/>
+          </a:bodyPr>
+          <a:lstStyle>
+            <a:lvl1pPr marL="342900" indent="-342900" algn="l" rtl="0" eaLnBrk="0" fontAlgn="base" hangingPunct="0">
+              <a:spcBef>
+                <a:spcPct val="20000"/>
+              </a:spcBef>
+              <a:spcAft>
+                <a:spcPct val="0"/>
+              </a:spcAft>
+              <a:buFont typeface="Arial" panose="020B0604020202020204" pitchFamily="34" charset="0"/>
+              <a:buChar char="•"/>
+              <a:defRPr sz="3200" kern="1200">
+                <a:solidFill>
+                  <a:schemeClr val="tx1"/>
+                </a:solidFill>
+                <a:latin typeface="Arial" pitchFamily="34" charset="0"/>
+                <a:ea typeface="+mn-ea"/>
+                <a:cs typeface="Arial" pitchFamily="34" charset="0"/>
+              </a:defRPr>
+            </a:lvl1pPr>
+            <a:lvl2pPr marL="742950" indent="-285750" algn="l" rtl="0" eaLnBrk="0" fontAlgn="base" hangingPunct="0">
+              <a:spcBef>
+                <a:spcPct val="20000"/>
+              </a:spcBef>
+              <a:spcAft>
+                <a:spcPct val="0"/>
+              </a:spcAft>
+              <a:buFont typeface="Arial" panose="020B0604020202020204" pitchFamily="34" charset="0"/>
+              <a:buChar char="–"/>
+              <a:defRPr sz="2800" kern="1200">
+                <a:solidFill>
+                  <a:schemeClr val="tx1"/>
+                </a:solidFill>
+                <a:latin typeface="Arial" pitchFamily="34" charset="0"/>
+                <a:ea typeface="+mn-ea"/>
+                <a:cs typeface="Arial" pitchFamily="34" charset="0"/>
+              </a:defRPr>
+            </a:lvl2pPr>
+            <a:lvl3pPr marL="1143000" indent="-228600" algn="l" rtl="0" eaLnBrk="0" fontAlgn="base" hangingPunct="0">
+              <a:spcBef>
+                <a:spcPct val="20000"/>
+              </a:spcBef>
+              <a:spcAft>
+                <a:spcPct val="0"/>
+              </a:spcAft>
+              <a:buFont typeface="Arial" panose="020B0604020202020204" pitchFamily="34" charset="0"/>
+              <a:buChar char="•"/>
+              <a:defRPr sz="2400" kern="1200">
+                <a:solidFill>
+                  <a:schemeClr val="tx1"/>
+                </a:solidFill>
+                <a:latin typeface="Arial" pitchFamily="34" charset="0"/>
+                <a:ea typeface="+mn-ea"/>
+                <a:cs typeface="Arial" pitchFamily="34" charset="0"/>
+              </a:defRPr>
+            </a:lvl3pPr>
+            <a:lvl4pPr marL="1600200" indent="-228600" algn="l" rtl="0" eaLnBrk="0" fontAlgn="base" hangingPunct="0">
+              <a:spcBef>
+                <a:spcPct val="20000"/>
+              </a:spcBef>
+              <a:spcAft>
+                <a:spcPct val="0"/>
+              </a:spcAft>
+              <a:buFont typeface="Arial" panose="020B0604020202020204" pitchFamily="34" charset="0"/>
+              <a:buChar char="–"/>
+              <a:defRPr sz="2000" kern="1200">
+                <a:solidFill>
+                  <a:schemeClr val="tx1"/>
+                </a:solidFill>
+                <a:latin typeface="Arial" pitchFamily="34" charset="0"/>
+                <a:ea typeface="+mn-ea"/>
+                <a:cs typeface="Arial" pitchFamily="34" charset="0"/>
+              </a:defRPr>
+            </a:lvl4pPr>
+            <a:lvl5pPr marL="2057400" indent="-228600" algn="l" rtl="0" eaLnBrk="0" fontAlgn="base" hangingPunct="0">
+              <a:spcBef>
+                <a:spcPct val="20000"/>
+              </a:spcBef>
+              <a:spcAft>
+                <a:spcPct val="0"/>
+              </a:spcAft>
+              <a:buFont typeface="Arial" panose="020B0604020202020204" pitchFamily="34" charset="0"/>
+              <a:buChar char="»"/>
+              <a:defRPr sz="2000" kern="1200">
+                <a:solidFill>
+                  <a:schemeClr val="tx1"/>
+                </a:solidFill>
+                <a:latin typeface="Arial" pitchFamily="34" charset="0"/>
+                <a:ea typeface="+mn-ea"/>
+                <a:cs typeface="Arial" pitchFamily="34" charset="0"/>
+              </a:defRPr>
+            </a:lvl5pPr>
+            <a:lvl6pPr marL="2514600" indent="-228600" algn="l" defTabSz="914400" rtl="0" eaLnBrk="1" latinLnBrk="0" hangingPunct="1">
+              <a:spcBef>
+                <a:spcPct val="20000"/>
+              </a:spcBef>
+              <a:buFont typeface="Arial" pitchFamily="34" charset="0"/>
+              <a:buChar char="•"/>
+              <a:defRPr sz="2000" kern="1200">
+                <a:solidFill>
+                  <a:schemeClr val="tx1"/>
+                </a:solidFill>
+                <a:latin typeface="+mn-lt"/>
+                <a:ea typeface="+mn-ea"/>
+                <a:cs typeface="+mn-cs"/>
+              </a:defRPr>
+            </a:lvl6pPr>
+            <a:lvl7pPr marL="2971800" indent="-228600" algn="l" defTabSz="914400" rtl="0" eaLnBrk="1" latinLnBrk="0" hangingPunct="1">
+              <a:spcBef>
+                <a:spcPct val="20000"/>
+              </a:spcBef>
+              <a:buFont typeface="Arial" pitchFamily="34" charset="0"/>
+              <a:buChar char="•"/>
+              <a:defRPr sz="2000" kern="1200">
+                <a:solidFill>
+                  <a:schemeClr val="tx1"/>
+                </a:solidFill>
+                <a:latin typeface="+mn-lt"/>
+                <a:ea typeface="+mn-ea"/>
+                <a:cs typeface="+mn-cs"/>
+              </a:defRPr>
+            </a:lvl7pPr>
+            <a:lvl8pPr marL="3429000" indent="-228600" algn="l" defTabSz="914400" rtl="0" eaLnBrk="1" latinLnBrk="0" hangingPunct="1">
+              <a:spcBef>
+                <a:spcPct val="20000"/>
+              </a:spcBef>
+              <a:buFont typeface="Arial" pitchFamily="34" charset="0"/>
+              <a:buChar char="•"/>
+              <a:defRPr sz="2000" kern="1200">
+                <a:solidFill>
+                  <a:schemeClr val="tx1"/>
+                </a:solidFill>
+                <a:latin typeface="+mn-lt"/>
+                <a:ea typeface="+mn-ea"/>
+                <a:cs typeface="+mn-cs"/>
+              </a:defRPr>
+            </a:lvl8pPr>
+            <a:lvl9pPr marL="3886200" indent="-228600" algn="l" defTabSz="914400" rtl="0" eaLnBrk="1" latinLnBrk="0" hangingPunct="1">
+              <a:spcBef>
+                <a:spcPct val="20000"/>
+              </a:spcBef>
+              <a:buFont typeface="Arial" pitchFamily="34" charset="0"/>
+              <a:buChar char="•"/>
+              <a:defRPr sz="2000" kern="1200">
+                <a:solidFill>
+                  <a:schemeClr val="tx1"/>
+                </a:solidFill>
+                <a:latin typeface="+mn-lt"/>
+                <a:ea typeface="+mn-ea"/>
+                <a:cs typeface="+mn-cs"/>
+              </a:defRPr>
+            </a:lvl9pPr>
+          </a:lstStyle>
+          <a:p>
+            <a:pPr marL="0" indent="0" algn="r" eaLnBrk="1" fontAlgn="auto" hangingPunct="1">
+              <a:spcAft>
+                <a:spcPts val="0"/>
+              </a:spcAft>
+              <a:buNone/>
+              <a:defRPr/>
+            </a:pPr>
+            <a:r>
+              <a:rPr lang="es-CO" sz="2000" b="1" dirty="0">
+                <a:solidFill>
+                  <a:schemeClr val="tx1">
+                    <a:lumMod val="75000"/>
+                    <a:lumOff val="25000"/>
+                  </a:schemeClr>
+                </a:solidFill>
+              </a:rPr>
+              <a:t>6020 INTRODUCCIÓN A LA PROGRAMACIÓN</a:t>
+            </a:r>
+          </a:p>
+        </p:txBody>
+      </p:sp>
+    </p:spTree>
+    <p:extLst>
+      <p:ext uri="{BB962C8B-B14F-4D97-AF65-F5344CB8AC3E}">
+        <p14:creationId xmlns:p14="http://schemas.microsoft.com/office/powerpoint/2010/main" val="1955606898"/>
       </p:ext>
     </p:extLst>
   </p:cSld>
@@ -27276,6 +23215,15 @@
 </file>
 
 <file path=customXml/item1.xml><?xml version="1.0" encoding="utf-8"?>
+<?mso-contentType ?>
+<FormTemplates xmlns="http://schemas.microsoft.com/sharepoint/v3/contenttype/forms">
+  <Display>DocumentLibraryForm</Display>
+  <Edit>DocumentLibraryForm</Edit>
+  <New>DocumentLibraryForm</New>
+</FormTemplates>
+</file>
+
+<file path=customXml/item2.xml><?xml version="1.0" encoding="utf-8"?>
 <ct:contentTypeSchema xmlns:ct="http://schemas.microsoft.com/office/2006/metadata/contentType" xmlns:ma="http://schemas.microsoft.com/office/2006/metadata/properties/metaAttributes" ct:_="" ma:_="" ma:contentTypeName="Documento" ma:contentTypeID="0x0101007A62137D465CE64A8C883A4664514BF8" ma:contentTypeVersion="15" ma:contentTypeDescription="Crear nuevo documento." ma:contentTypeScope="" ma:versionID="a1bd1d59f691eb9bca6952b111268275">
   <xsd:schema xmlns:xsd="http://www.w3.org/2001/XMLSchema" xmlns:xs="http://www.w3.org/2001/XMLSchema" xmlns:p="http://schemas.microsoft.com/office/2006/metadata/properties" xmlns:ns3="669280c1-d17e-4d1d-bd7f-b4f14cc6bf1d" xmlns:ns4="bdc56f61-abc0-4f7e-bfec-a93ccd1ae886" targetNamespace="http://schemas.microsoft.com/office/2006/metadata/properties" ma:root="true" ma:fieldsID="d02990a02f19f0f9fc7b999b1809cae4" ns3:_="" ns4:_="">
     <xsd:import namespace="669280c1-d17e-4d1d-bd7f-b4f14cc6bf1d"/>
@@ -27510,15 +23458,6 @@
 </ct:contentTypeSchema>
 </file>
 
-<file path=customXml/item2.xml><?xml version="1.0" encoding="utf-8"?>
-<?mso-contentType ?>
-<FormTemplates xmlns="http://schemas.microsoft.com/sharepoint/v3/contenttype/forms">
-  <Display>DocumentLibraryForm</Display>
-  <Edit>DocumentLibraryForm</Edit>
-  <New>DocumentLibraryForm</New>
-</FormTemplates>
-</file>
-
 <file path=customXml/item3.xml><?xml version="1.0" encoding="utf-8"?>
 <p:properties xmlns:p="http://schemas.microsoft.com/office/2006/metadata/properties" xmlns:xsi="http://www.w3.org/2001/XMLSchema-instance" xmlns:pc="http://schemas.microsoft.com/office/infopath/2007/PartnerControls">
   <documentManagement>
@@ -27528,6 +23467,14 @@
 </file>
 
 <file path=customXml/itemProps1.xml><?xml version="1.0" encoding="utf-8"?>
+<ds:datastoreItem xmlns:ds="http://schemas.openxmlformats.org/officeDocument/2006/customXml" ds:itemID="{4E8623C8-32E1-48B0-9F0A-13F2E9582B7E}">
+  <ds:schemaRefs>
+    <ds:schemaRef ds:uri="http://schemas.microsoft.com/sharepoint/v3/contenttype/forms"/>
+  </ds:schemaRefs>
+</ds:datastoreItem>
+</file>
+
+<file path=customXml/itemProps2.xml><?xml version="1.0" encoding="utf-8"?>
 <ds:datastoreItem xmlns:ds="http://schemas.openxmlformats.org/officeDocument/2006/customXml" ds:itemID="{025820C3-FD82-4EFC-BF14-EAF1F9613F52}">
   <ds:schemaRefs>
     <ds:schemaRef ds:uri="http://schemas.microsoft.com/office/2006/metadata/contentType"/>
@@ -27542,14 +23489,6 @@
     <ds:schemaRef ds:uri="http://purl.org/dc/elements/1.1/"/>
     <ds:schemaRef ds:uri="http://purl.org/dc/terms/"/>
     <ds:schemaRef ds:uri="http://schemas.microsoft.com/internal/obd"/>
-  </ds:schemaRefs>
-</ds:datastoreItem>
-</file>
-
-<file path=customXml/itemProps2.xml><?xml version="1.0" encoding="utf-8"?>
-<ds:datastoreItem xmlns:ds="http://schemas.openxmlformats.org/officeDocument/2006/customXml" ds:itemID="{4E8623C8-32E1-48B0-9F0A-13F2E9582B7E}">
-  <ds:schemaRefs>
-    <ds:schemaRef ds:uri="http://schemas.microsoft.com/sharepoint/v3/contenttype/forms"/>
   </ds:schemaRefs>
 </ds:datastoreItem>
 </file>
